--- a/docs/Presentation.pptx
+++ b/docs/Presentation.pptx
@@ -217,7 +217,7 @@
           <a:p>
             <a:fld id="{C750EDD8-39F8-D449-BB0F-7DE7A68CE7A4}" type="datetimeFigureOut">
               <a:rPr lang="ru-RU" smtClean="0"/>
-              <a:t>02.11.17</a:t>
+              <a:t>07.11.17</a:t>
             </a:fld>
             <a:endParaRPr lang="ru-RU"/>
           </a:p>
@@ -651,7 +651,7 @@
           <a:p>
             <a:fld id="{1D8BD707-D9CF-40AE-B4C6-C98DA3205C09}" type="datetimeFigureOut">
               <a:rPr lang="en-US"/>
-              <a:t>11/2/17</a:t>
+              <a:t>11/7/17</a:t>
             </a:fld>
             <a:endParaRPr lang="en-US"/>
           </a:p>
@@ -851,7 +851,7 @@
           <a:p>
             <a:fld id="{1D8BD707-D9CF-40AE-B4C6-C98DA3205C09}" type="datetimeFigureOut">
               <a:rPr lang="en-US"/>
-              <a:t>11/2/17</a:t>
+              <a:t>11/7/17</a:t>
             </a:fld>
             <a:endParaRPr lang="en-US"/>
           </a:p>
@@ -1088,7 +1088,7 @@
           <a:p>
             <a:fld id="{1D8BD707-D9CF-40AE-B4C6-C98DA3205C09}" type="datetimeFigureOut">
               <a:rPr lang="en-US"/>
-              <a:t>11/2/17</a:t>
+              <a:t>11/7/17</a:t>
             </a:fld>
             <a:endParaRPr lang="en-US"/>
           </a:p>
@@ -1259,7 +1259,7 @@
           <a:p>
             <a:fld id="{1D8BD707-D9CF-40AE-B4C6-C98DA3205C09}" type="datetimeFigureOut">
               <a:rPr lang="en-US"/>
-              <a:t>11/2/17</a:t>
+              <a:t>11/7/17</a:t>
             </a:fld>
             <a:endParaRPr lang="en-US"/>
           </a:p>
@@ -1401,7 +1401,7 @@
           <a:p>
             <a:fld id="{1D8BD707-D9CF-40AE-B4C6-C98DA3205C09}" type="datetimeFigureOut">
               <a:rPr lang="en-US"/>
-              <a:t>11/2/17</a:t>
+              <a:t>11/7/17</a:t>
             </a:fld>
             <a:endParaRPr lang="en-US"/>
           </a:p>
@@ -1678,7 +1678,7 @@
           <a:p>
             <a:fld id="{1D8BD707-D9CF-40AE-B4C6-C98DA3205C09}" type="datetimeFigureOut">
               <a:rPr lang="en-US"/>
-              <a:t>11/2/17</a:t>
+              <a:t>11/7/17</a:t>
             </a:fld>
             <a:endParaRPr lang="en-US"/>
           </a:p>
@@ -5290,23 +5290,7 @@
                 <a:ea typeface="Arial" charset="0"/>
                 <a:cs typeface="Arial" charset="0"/>
               </a:rPr>
-              <a:t>Проведение </a:t>
-            </a:r>
-            <a:r>
-              <a:rPr lang="ru-RU" sz="1600" spc="-10" dirty="0" smtClean="0">
-                <a:latin typeface="Arial" charset="0"/>
-                <a:ea typeface="Arial" charset="0"/>
-                <a:cs typeface="Arial" charset="0"/>
-              </a:rPr>
-              <a:t>анкетирования для выявления категорий, включаемых в </a:t>
-            </a:r>
-            <a:r>
-              <a:rPr lang="ru-RU" sz="1600" spc="-10" dirty="0" smtClean="0">
-                <a:latin typeface="Arial" charset="0"/>
-                <a:ea typeface="Arial" charset="0"/>
-                <a:cs typeface="Arial" charset="0"/>
-              </a:rPr>
-              <a:t>приложение</a:t>
+              <a:t>Проведение анкетирования для выявления категорий, включаемых в приложение</a:t>
             </a:r>
           </a:p>
           <a:p>
@@ -5535,23 +5519,7 @@
                 <a:ea typeface="Arial" charset="0"/>
                 <a:cs typeface="Arial" charset="0"/>
               </a:rPr>
-              <a:t>Получение </a:t>
-            </a:r>
-            <a:r>
-              <a:rPr lang="ru-RU" sz="1600" spc="-5" dirty="0" smtClean="0">
-                <a:latin typeface="Arial" charset="0"/>
-                <a:ea typeface="Arial" charset="0"/>
-                <a:cs typeface="Arial" charset="0"/>
-              </a:rPr>
-              <a:t>данных с носимого </a:t>
-            </a:r>
-            <a:r>
-              <a:rPr lang="ru-RU" sz="1600" spc="-5" dirty="0" smtClean="0">
-                <a:latin typeface="Arial" charset="0"/>
-                <a:ea typeface="Arial" charset="0"/>
-                <a:cs typeface="Arial" charset="0"/>
-              </a:rPr>
-              <a:t>устройства</a:t>
+              <a:t>Получение данных с носимого устройства</a:t>
             </a:r>
           </a:p>
           <a:p>
@@ -5567,12 +5535,20 @@
               </a:tabLst>
             </a:pPr>
             <a:r>
+              <a:rPr lang="ru-RU" sz="1600" spc="-5" dirty="0" smtClean="0">
+                <a:latin typeface="Arial" charset="0"/>
+                <a:ea typeface="Arial" charset="0"/>
+                <a:cs typeface="Arial" charset="0"/>
+              </a:rPr>
+              <a:t> Аналитика </a:t>
+            </a:r>
+            <a:r>
               <a:rPr lang="ru-RU" sz="1600" spc="-5" dirty="0">
                 <a:latin typeface="Arial" charset="0"/>
                 <a:ea typeface="Arial" charset="0"/>
                 <a:cs typeface="Arial" charset="0"/>
               </a:rPr>
-              <a:t>Аналитика данных </a:t>
+              <a:t>данных </a:t>
             </a:r>
             <a:r>
               <a:rPr lang="ru-RU" sz="1600" spc="-5" dirty="0" smtClean="0">
@@ -5582,11 +5558,6 @@
               </a:rPr>
               <a:t>здоровья</a:t>
             </a:r>
-            <a:endParaRPr lang="ru-RU" sz="1600" spc="-5" dirty="0" smtClean="0">
-              <a:latin typeface="Arial" charset="0"/>
-              <a:ea typeface="Arial" charset="0"/>
-              <a:cs typeface="Arial" charset="0"/>
-            </a:endParaRPr>
           </a:p>
           <a:p>
             <a:pPr marL="241300" indent="-228600">
@@ -5606,7 +5577,7 @@
                 <a:ea typeface="Arial" charset="0"/>
                 <a:cs typeface="Arial" charset="0"/>
               </a:rPr>
-              <a:t>Разработка </a:t>
+              <a:t> Разработка </a:t>
             </a:r>
             <a:r>
               <a:rPr lang="ru-RU" sz="1600" spc="-5" dirty="0" smtClean="0">
@@ -5616,11 +5587,6 @@
               </a:rPr>
               <a:t>технической документации</a:t>
             </a:r>
-            <a:endParaRPr lang="ru-RU" sz="1600" spc="-5" dirty="0" smtClean="0">
-              <a:latin typeface="Arial" charset="0"/>
-              <a:ea typeface="Arial" charset="0"/>
-              <a:cs typeface="Arial" charset="0"/>
-            </a:endParaRPr>
           </a:p>
           <a:p>
             <a:pPr marL="241300" indent="-228600">

--- a/docs/Presentation.pptx
+++ b/docs/Presentation.pptx
@@ -217,7 +217,7 @@
           <a:p>
             <a:fld id="{C750EDD8-39F8-D449-BB0F-7DE7A68CE7A4}" type="datetimeFigureOut">
               <a:rPr lang="ru-RU" smtClean="0"/>
-              <a:t>07.11.17</a:t>
+              <a:t>13.11.17</a:t>
             </a:fld>
             <a:endParaRPr lang="ru-RU"/>
           </a:p>
@@ -651,7 +651,7 @@
           <a:p>
             <a:fld id="{1D8BD707-D9CF-40AE-B4C6-C98DA3205C09}" type="datetimeFigureOut">
               <a:rPr lang="en-US"/>
-              <a:t>11/7/17</a:t>
+              <a:t>11/13/17</a:t>
             </a:fld>
             <a:endParaRPr lang="en-US"/>
           </a:p>
@@ -851,7 +851,7 @@
           <a:p>
             <a:fld id="{1D8BD707-D9CF-40AE-B4C6-C98DA3205C09}" type="datetimeFigureOut">
               <a:rPr lang="en-US"/>
-              <a:t>11/7/17</a:t>
+              <a:t>11/13/17</a:t>
             </a:fld>
             <a:endParaRPr lang="en-US"/>
           </a:p>
@@ -1088,7 +1088,7 @@
           <a:p>
             <a:fld id="{1D8BD707-D9CF-40AE-B4C6-C98DA3205C09}" type="datetimeFigureOut">
               <a:rPr lang="en-US"/>
-              <a:t>11/7/17</a:t>
+              <a:t>11/13/17</a:t>
             </a:fld>
             <a:endParaRPr lang="en-US"/>
           </a:p>
@@ -1259,7 +1259,7 @@
           <a:p>
             <a:fld id="{1D8BD707-D9CF-40AE-B4C6-C98DA3205C09}" type="datetimeFigureOut">
               <a:rPr lang="en-US"/>
-              <a:t>11/7/17</a:t>
+              <a:t>11/13/17</a:t>
             </a:fld>
             <a:endParaRPr lang="en-US"/>
           </a:p>
@@ -1401,7 +1401,7 @@
           <a:p>
             <a:fld id="{1D8BD707-D9CF-40AE-B4C6-C98DA3205C09}" type="datetimeFigureOut">
               <a:rPr lang="en-US"/>
-              <a:t>11/7/17</a:t>
+              <a:t>11/13/17</a:t>
             </a:fld>
             <a:endParaRPr lang="en-US"/>
           </a:p>
@@ -1678,7 +1678,7 @@
           <a:p>
             <a:fld id="{1D8BD707-D9CF-40AE-B4C6-C98DA3205C09}" type="datetimeFigureOut">
               <a:rPr lang="en-US"/>
-              <a:t>11/7/17</a:t>
+              <a:t>11/13/17</a:t>
             </a:fld>
             <a:endParaRPr lang="en-US"/>
           </a:p>
@@ -5577,15 +5577,7 @@
                 <a:ea typeface="Arial" charset="0"/>
                 <a:cs typeface="Arial" charset="0"/>
               </a:rPr>
-              <a:t> Разработка </a:t>
-            </a:r>
-            <a:r>
-              <a:rPr lang="ru-RU" sz="1600" spc="-5" dirty="0" smtClean="0">
-                <a:latin typeface="Arial" charset="0"/>
-                <a:ea typeface="Arial" charset="0"/>
-                <a:cs typeface="Arial" charset="0"/>
-              </a:rPr>
-              <a:t>технической документации</a:t>
+              <a:t> Разработка технической документации</a:t>
             </a:r>
           </a:p>
           <a:p>
@@ -7609,14 +7601,24 @@
               <a:t>Хранение данных </a:t>
             </a:r>
             <a:r>
-              <a:rPr lang="en-US" sz="1400" dirty="0" smtClean="0">
+              <a:rPr lang="mr-IN" sz="1400" dirty="0" smtClean="0">
                 <a:solidFill>
                   <a:srgbClr val="003E82"/>
                 </a:solidFill>
                 <a:latin typeface="Arial"/>
                 <a:cs typeface="Arial"/>
               </a:rPr>
-              <a:t>- SQLite</a:t>
+              <a:t>–</a:t>
+            </a:r>
+            <a:r>
+              <a:rPr lang="en-US" sz="1400" dirty="0" smtClean="0">
+                <a:solidFill>
+                  <a:srgbClr val="003E82"/>
+                </a:solidFill>
+                <a:latin typeface="Arial"/>
+                <a:cs typeface="Arial"/>
+              </a:rPr>
+              <a:t> Azure + SQLite</a:t>
             </a:r>
             <a:endParaRPr lang="ru-RU" sz="1400" dirty="0" smtClean="0">
               <a:solidFill>

--- a/docs/Presentation.pptx
+++ b/docs/Presentation.pptx
@@ -217,7 +217,7 @@
           <a:p>
             <a:fld id="{C750EDD8-39F8-D449-BB0F-7DE7A68CE7A4}" type="datetimeFigureOut">
               <a:rPr lang="ru-RU" smtClean="0"/>
-              <a:t>13.11.17</a:t>
+              <a:t>17.11.17</a:t>
             </a:fld>
             <a:endParaRPr lang="ru-RU"/>
           </a:p>
@@ -651,7 +651,7 @@
           <a:p>
             <a:fld id="{1D8BD707-D9CF-40AE-B4C6-C98DA3205C09}" type="datetimeFigureOut">
               <a:rPr lang="en-US"/>
-              <a:t>11/13/17</a:t>
+              <a:t>11/17/17</a:t>
             </a:fld>
             <a:endParaRPr lang="en-US"/>
           </a:p>
@@ -851,7 +851,7 @@
           <a:p>
             <a:fld id="{1D8BD707-D9CF-40AE-B4C6-C98DA3205C09}" type="datetimeFigureOut">
               <a:rPr lang="en-US"/>
-              <a:t>11/13/17</a:t>
+              <a:t>11/17/17</a:t>
             </a:fld>
             <a:endParaRPr lang="en-US"/>
           </a:p>
@@ -1088,7 +1088,7 @@
           <a:p>
             <a:fld id="{1D8BD707-D9CF-40AE-B4C6-C98DA3205C09}" type="datetimeFigureOut">
               <a:rPr lang="en-US"/>
-              <a:t>11/13/17</a:t>
+              <a:t>11/17/17</a:t>
             </a:fld>
             <a:endParaRPr lang="en-US"/>
           </a:p>
@@ -1259,7 +1259,7 @@
           <a:p>
             <a:fld id="{1D8BD707-D9CF-40AE-B4C6-C98DA3205C09}" type="datetimeFigureOut">
               <a:rPr lang="en-US"/>
-              <a:t>11/13/17</a:t>
+              <a:t>11/17/17</a:t>
             </a:fld>
             <a:endParaRPr lang="en-US"/>
           </a:p>
@@ -1401,7 +1401,7 @@
           <a:p>
             <a:fld id="{1D8BD707-D9CF-40AE-B4C6-C98DA3205C09}" type="datetimeFigureOut">
               <a:rPr lang="en-US"/>
-              <a:t>11/13/17</a:t>
+              <a:t>11/17/17</a:t>
             </a:fld>
             <a:endParaRPr lang="en-US"/>
           </a:p>
@@ -1678,7 +1678,7 @@
           <a:p>
             <a:fld id="{1D8BD707-D9CF-40AE-B4C6-C98DA3205C09}" type="datetimeFigureOut">
               <a:rPr lang="en-US"/>
-              <a:t>11/13/17</a:t>
+              <a:t>11/17/17</a:t>
             </a:fld>
             <a:endParaRPr lang="en-US"/>
           </a:p>
@@ -1905,7 +1905,7 @@
         </p:nvSpPr>
         <p:spPr>
           <a:xfrm>
-            <a:off x="0" y="0"/>
+            <a:off x="-635" y="-25397"/>
             <a:ext cx="9144000" cy="6857997"/>
           </a:xfrm>
           <a:prstGeom prst="rect">
@@ -6509,7 +6509,7 @@
         <p:spPr>
           <a:xfrm>
             <a:off x="300939" y="1370457"/>
-            <a:ext cx="7348855" cy="4507003"/>
+            <a:ext cx="8614461" cy="5245667"/>
           </a:xfrm>
           <a:prstGeom prst="rect">
             <a:avLst/>
@@ -6522,7 +6522,7 @@
           <a:lstStyle/>
           <a:p>
             <a:r>
-              <a:rPr lang="en-US" sz="2000" b="1" dirty="0" err="1">
+              <a:rPr lang="en-US" b="1" dirty="0" err="1">
                 <a:solidFill>
                   <a:srgbClr val="003E82"/>
                 </a:solidFill>
@@ -6533,7 +6533,7 @@
               <a:t>Что</a:t>
             </a:r>
             <a:r>
-              <a:rPr lang="en-US" sz="2000" b="1" dirty="0">
+              <a:rPr lang="en-US" b="1" dirty="0">
                 <a:solidFill>
                   <a:srgbClr val="003E82"/>
                 </a:solidFill>
@@ -6544,7 +6544,7 @@
               <a:t> </a:t>
             </a:r>
             <a:r>
-              <a:rPr lang="en-US" sz="2000" b="1" dirty="0" err="1">
+              <a:rPr lang="en-US" b="1" dirty="0" err="1">
                 <a:solidFill>
                   <a:srgbClr val="003E82"/>
                 </a:solidFill>
@@ -6555,7 +6555,7 @@
               <a:t>войдет</a:t>
             </a:r>
             <a:r>
-              <a:rPr lang="en-US" sz="2000" b="1" dirty="0">
+              <a:rPr lang="en-US" b="1" dirty="0">
                 <a:solidFill>
                   <a:srgbClr val="003E82"/>
                 </a:solidFill>
@@ -6566,7 +6566,7 @@
               <a:t> </a:t>
             </a:r>
             <a:r>
-              <a:rPr lang="en-US" sz="2000" b="1" dirty="0" err="1">
+              <a:rPr lang="en-US" b="1" dirty="0" err="1">
                 <a:solidFill>
                   <a:srgbClr val="003E82"/>
                 </a:solidFill>
@@ -6577,7 +6577,7 @@
               <a:t>в</a:t>
             </a:r>
             <a:r>
-              <a:rPr lang="ru-RU" sz="2000" b="1" dirty="0">
+              <a:rPr lang="ru-RU" b="1" dirty="0">
                 <a:solidFill>
                   <a:srgbClr val="003E82"/>
                 </a:solidFill>
@@ -6588,7 +6588,7 @@
               <a:t> </a:t>
             </a:r>
             <a:r>
-              <a:rPr lang="en-US" sz="2000" b="1" dirty="0">
+              <a:rPr lang="en-US" b="1" dirty="0">
                 <a:solidFill>
                   <a:srgbClr val="003E82"/>
                 </a:solidFill>
@@ -6599,7 +6599,7 @@
               <a:t>Android </a:t>
             </a:r>
             <a:r>
-              <a:rPr lang="ru-RU" sz="2000" b="1" dirty="0">
+              <a:rPr lang="ru-RU" b="1" dirty="0">
                 <a:solidFill>
                   <a:srgbClr val="003E82"/>
                 </a:solidFill>
@@ -6610,7 +6610,7 @@
               <a:t>приложение</a:t>
             </a:r>
             <a:r>
-              <a:rPr lang="en-US" sz="2000" b="1" dirty="0">
+              <a:rPr lang="en-US" b="1" dirty="0">
                 <a:solidFill>
                   <a:srgbClr val="003E82"/>
                 </a:solidFill>
@@ -6620,7 +6620,7 @@
               </a:rPr>
               <a:t>:</a:t>
             </a:r>
-            <a:endParaRPr lang="ru-RU" sz="2000" b="1" dirty="0">
+            <a:endParaRPr lang="ru-RU" b="1" dirty="0">
               <a:solidFill>
                 <a:srgbClr val="003E82"/>
               </a:solidFill>
@@ -6630,56 +6630,88 @@
             </a:endParaRPr>
           </a:p>
           <a:p>
-            <a:pPr marL="171450" lvl="0" indent="-171450">
+            <a:pPr marL="171450" indent="-171450">
               <a:buFont typeface="Arial" charset="0"/>
               <a:buChar char="•"/>
             </a:pPr>
             <a:r>
-              <a:rPr lang="ru-RU" sz="1600" dirty="0">
-                <a:solidFill>
-                  <a:srgbClr val="003E82"/>
-                </a:solidFill>
-                <a:latin typeface="Arial" charset="0"/>
-                <a:ea typeface="Arial" charset="0"/>
-                <a:cs typeface="Arial" charset="0"/>
-              </a:rPr>
-              <a:t>Дневник с информацией о ребенке:</a:t>
-            </a:r>
-          </a:p>
-          <a:p>
-            <a:pPr marL="628650" lvl="1" indent="-171450">
-              <a:buFont typeface="Arial" charset="0"/>
-              <a:buChar char="•"/>
-            </a:pPr>
-            <a:r>
-              <a:rPr lang="ru-RU" sz="1600" dirty="0">
-                <a:solidFill>
-                  <a:srgbClr val="003E82"/>
-                </a:solidFill>
-                <a:latin typeface="Arial" charset="0"/>
-                <a:ea typeface="Arial" charset="0"/>
-                <a:cs typeface="Arial" charset="0"/>
-              </a:rPr>
-              <a:t>Рост и вес</a:t>
-            </a:r>
-          </a:p>
-          <a:p>
-            <a:pPr marL="628650" lvl="1" indent="-171450">
-              <a:buFont typeface="Arial" charset="0"/>
-              <a:buChar char="•"/>
-            </a:pPr>
-            <a:r>
-              <a:rPr lang="ru-RU" sz="1600" dirty="0" smtClean="0">
-                <a:solidFill>
-                  <a:srgbClr val="003E82"/>
-                </a:solidFill>
-                <a:latin typeface="Arial" charset="0"/>
-                <a:ea typeface="Arial" charset="0"/>
-                <a:cs typeface="Arial" charset="0"/>
-              </a:rPr>
-              <a:t>Питание</a:t>
-            </a:r>
-            <a:endParaRPr lang="ru-RU" sz="1600" dirty="0">
+              <a:rPr lang="ru-RU" sz="1400" dirty="0">
+                <a:solidFill>
+                  <a:srgbClr val="003E82"/>
+                </a:solidFill>
+                <a:latin typeface="Arial" charset="0"/>
+                <a:ea typeface="Arial" charset="0"/>
+                <a:cs typeface="Arial" charset="0"/>
+              </a:rPr>
+              <a:t>Дневник с информацией о </a:t>
+            </a:r>
+            <a:r>
+              <a:rPr lang="ru-RU" sz="1400" dirty="0" smtClean="0">
+                <a:solidFill>
+                  <a:srgbClr val="003E82"/>
+                </a:solidFill>
+                <a:latin typeface="Arial" charset="0"/>
+                <a:ea typeface="Arial" charset="0"/>
+                <a:cs typeface="Arial" charset="0"/>
+              </a:rPr>
+              <a:t>ребенке</a:t>
+            </a:r>
+            <a:r>
+              <a:rPr lang="en-US" sz="1400" dirty="0" smtClean="0">
+                <a:solidFill>
+                  <a:srgbClr val="003E82"/>
+                </a:solidFill>
+                <a:latin typeface="Arial" charset="0"/>
+                <a:ea typeface="Arial" charset="0"/>
+                <a:cs typeface="Arial" charset="0"/>
+              </a:rPr>
+              <a:t> (</a:t>
+            </a:r>
+            <a:r>
+              <a:rPr lang="ru-RU" sz="1400" dirty="0">
+                <a:solidFill>
+                  <a:srgbClr val="003E82"/>
+                </a:solidFill>
+                <a:latin typeface="Arial" charset="0"/>
+                <a:ea typeface="Arial" charset="0"/>
+                <a:cs typeface="Arial" charset="0"/>
+              </a:rPr>
+              <a:t>Управление информацией о здоровье и развитии ребенка в разных </a:t>
+            </a:r>
+            <a:r>
+              <a:rPr lang="ru-RU" sz="1400" dirty="0" smtClean="0">
+                <a:solidFill>
+                  <a:srgbClr val="003E82"/>
+                </a:solidFill>
+                <a:latin typeface="Arial" charset="0"/>
+                <a:ea typeface="Arial" charset="0"/>
+                <a:cs typeface="Arial" charset="0"/>
+              </a:rPr>
+              <a:t>категориях</a:t>
+            </a:r>
+            <a:r>
+              <a:rPr lang="en-US" sz="1400" dirty="0" smtClean="0">
+                <a:solidFill>
+                  <a:srgbClr val="003E82"/>
+                </a:solidFill>
+                <a:latin typeface="Arial" charset="0"/>
+                <a:ea typeface="Arial" charset="0"/>
+                <a:cs typeface="Arial" charset="0"/>
+              </a:rPr>
+              <a:t>)</a:t>
+            </a:r>
+            <a:r>
+              <a:rPr lang="ru-RU" sz="1400" dirty="0" smtClean="0">
+                <a:solidFill>
+                  <a:srgbClr val="003E82"/>
+                </a:solidFill>
+                <a:latin typeface="Arial" charset="0"/>
+                <a:ea typeface="Arial" charset="0"/>
+                <a:cs typeface="Arial" charset="0"/>
+              </a:rPr>
+              <a:t>:</a:t>
+            </a:r>
+            <a:endParaRPr lang="ru-RU" sz="1400" dirty="0">
               <a:solidFill>
                 <a:srgbClr val="003E82"/>
               </a:solidFill>
@@ -6694,17 +6726,34 @@
               <a:buChar char="•"/>
             </a:pPr>
             <a:r>
-              <a:rPr lang="ru-RU" sz="1600" dirty="0" smtClean="0">
-                <a:solidFill>
-                  <a:srgbClr val="003E82"/>
-                </a:solidFill>
-                <a:latin typeface="Arial" charset="0"/>
-                <a:ea typeface="Arial" charset="0"/>
-                <a:cs typeface="Arial" charset="0"/>
-              </a:rPr>
-              <a:t>Сон</a:t>
-            </a:r>
-            <a:endParaRPr lang="ru-RU" sz="1600" dirty="0">
+              <a:rPr lang="ru-RU" sz="1400" dirty="0">
+                <a:solidFill>
+                  <a:srgbClr val="003E82"/>
+                </a:solidFill>
+                <a:latin typeface="Arial" charset="0"/>
+                <a:ea typeface="Arial" charset="0"/>
+                <a:cs typeface="Arial" charset="0"/>
+              </a:rPr>
+              <a:t>Рост и вес</a:t>
+            </a:r>
+          </a:p>
+          <a:p>
+            <a:pPr marL="628650" lvl="1" indent="-171450">
+              <a:buFont typeface="Arial" charset="0"/>
+              <a:buChar char="•"/>
+            </a:pPr>
+            <a:r>
+              <a:rPr lang="ru-RU" sz="1400" dirty="0" smtClean="0">
+                <a:solidFill>
+                  <a:srgbClr val="003E82"/>
+                </a:solidFill>
+                <a:latin typeface="Arial" charset="0"/>
+                <a:ea typeface="Arial" charset="0"/>
+                <a:cs typeface="Arial" charset="0"/>
+              </a:rPr>
+              <a:t>Питание</a:t>
+            </a:r>
+            <a:endParaRPr lang="ru-RU" sz="1400" dirty="0">
               <a:solidFill>
                 <a:srgbClr val="003E82"/>
               </a:solidFill>
@@ -6719,79 +6768,17 @@
               <a:buChar char="•"/>
             </a:pPr>
             <a:r>
-              <a:rPr lang="ru-RU" sz="1600" dirty="0" smtClean="0">
-                <a:solidFill>
-                  <a:srgbClr val="003E82"/>
-                </a:solidFill>
-                <a:latin typeface="Arial" charset="0"/>
-                <a:ea typeface="Arial" charset="0"/>
-                <a:cs typeface="Arial" charset="0"/>
-              </a:rPr>
-              <a:t>Стул</a:t>
-            </a:r>
-          </a:p>
-          <a:p>
-            <a:pPr marL="628650" lvl="1" indent="-171450">
-              <a:buFont typeface="Arial" charset="0"/>
-              <a:buChar char="•"/>
-            </a:pPr>
-            <a:r>
-              <a:rPr lang="ru-RU" sz="1600" dirty="0" smtClean="0">
-                <a:solidFill>
-                  <a:srgbClr val="003E82"/>
-                </a:solidFill>
-                <a:latin typeface="Arial" charset="0"/>
-                <a:ea typeface="Arial" charset="0"/>
-                <a:cs typeface="Arial" charset="0"/>
-              </a:rPr>
-              <a:t>Симптомы</a:t>
-            </a:r>
-            <a:r>
-              <a:rPr lang="ru-RU" sz="1600" dirty="0">
-                <a:solidFill>
-                  <a:srgbClr val="003E82"/>
-                </a:solidFill>
-                <a:latin typeface="Arial" charset="0"/>
-                <a:ea typeface="Arial" charset="0"/>
-                <a:cs typeface="Arial" charset="0"/>
-              </a:rPr>
-              <a:t>, лекарства, температура, прививки</a:t>
-            </a:r>
-          </a:p>
-          <a:p>
-            <a:pPr marL="628650" lvl="1" indent="-171450">
-              <a:buFont typeface="Arial" charset="0"/>
-              <a:buChar char="•"/>
-            </a:pPr>
-            <a:r>
-              <a:rPr lang="ru-RU" sz="1600" dirty="0">
-                <a:solidFill>
-                  <a:srgbClr val="003E82"/>
-                </a:solidFill>
-                <a:latin typeface="Arial" charset="0"/>
-                <a:ea typeface="Arial" charset="0"/>
-                <a:cs typeface="Arial" charset="0"/>
-              </a:rPr>
-              <a:t>Зубы</a:t>
-            </a:r>
-          </a:p>
-          <a:p>
-            <a:pPr marL="628650" lvl="1" indent="-171450">
-              <a:buFont typeface="Arial" charset="0"/>
-              <a:buChar char="•"/>
-            </a:pPr>
-            <a:r>
-              <a:rPr lang="ru-RU" sz="1600" dirty="0" smtClean="0">
-                <a:solidFill>
-                  <a:srgbClr val="003E82"/>
-                </a:solidFill>
-                <a:latin typeface="Arial" charset="0"/>
-                <a:ea typeface="Arial" charset="0"/>
-                <a:cs typeface="Arial" charset="0"/>
-              </a:rPr>
-              <a:t>Прогулки</a:t>
-            </a:r>
-            <a:endParaRPr lang="ru-RU" sz="1600" dirty="0">
+              <a:rPr lang="ru-RU" sz="1400" dirty="0" smtClean="0">
+                <a:solidFill>
+                  <a:srgbClr val="003E82"/>
+                </a:solidFill>
+                <a:latin typeface="Arial" charset="0"/>
+                <a:ea typeface="Arial" charset="0"/>
+                <a:cs typeface="Arial" charset="0"/>
+              </a:rPr>
+              <a:t>Сон</a:t>
+            </a:r>
+            <a:endParaRPr lang="ru-RU" sz="1400" dirty="0">
               <a:solidFill>
                 <a:srgbClr val="003E82"/>
               </a:solidFill>
@@ -6806,7 +6793,94 @@
               <a:buChar char="•"/>
             </a:pPr>
             <a:r>
-              <a:rPr lang="ru-RU" sz="1600" dirty="0">
+              <a:rPr lang="ru-RU" sz="1400" dirty="0" smtClean="0">
+                <a:solidFill>
+                  <a:srgbClr val="003E82"/>
+                </a:solidFill>
+                <a:latin typeface="Arial" charset="0"/>
+                <a:ea typeface="Arial" charset="0"/>
+                <a:cs typeface="Arial" charset="0"/>
+              </a:rPr>
+              <a:t>Стул</a:t>
+            </a:r>
+          </a:p>
+          <a:p>
+            <a:pPr marL="628650" lvl="1" indent="-171450">
+              <a:buFont typeface="Arial" charset="0"/>
+              <a:buChar char="•"/>
+            </a:pPr>
+            <a:r>
+              <a:rPr lang="ru-RU" sz="1400" dirty="0" smtClean="0">
+                <a:solidFill>
+                  <a:srgbClr val="003E82"/>
+                </a:solidFill>
+                <a:latin typeface="Arial" charset="0"/>
+                <a:ea typeface="Arial" charset="0"/>
+                <a:cs typeface="Arial" charset="0"/>
+              </a:rPr>
+              <a:t>Симптомы</a:t>
+            </a:r>
+            <a:r>
+              <a:rPr lang="ru-RU" sz="1400" dirty="0">
+                <a:solidFill>
+                  <a:srgbClr val="003E82"/>
+                </a:solidFill>
+                <a:latin typeface="Arial" charset="0"/>
+                <a:ea typeface="Arial" charset="0"/>
+                <a:cs typeface="Arial" charset="0"/>
+              </a:rPr>
+              <a:t>, лекарства, температура, прививки</a:t>
+            </a:r>
+          </a:p>
+          <a:p>
+            <a:pPr marL="628650" lvl="1" indent="-171450">
+              <a:buFont typeface="Arial" charset="0"/>
+              <a:buChar char="•"/>
+            </a:pPr>
+            <a:r>
+              <a:rPr lang="ru-RU" sz="1400" dirty="0">
+                <a:solidFill>
+                  <a:srgbClr val="003E82"/>
+                </a:solidFill>
+                <a:latin typeface="Arial" charset="0"/>
+                <a:ea typeface="Arial" charset="0"/>
+                <a:cs typeface="Arial" charset="0"/>
+              </a:rPr>
+              <a:t>Зубы</a:t>
+            </a:r>
+          </a:p>
+          <a:p>
+            <a:pPr marL="628650" lvl="1" indent="-171450">
+              <a:buFont typeface="Arial" charset="0"/>
+              <a:buChar char="•"/>
+            </a:pPr>
+            <a:r>
+              <a:rPr lang="ru-RU" sz="1400" dirty="0" smtClean="0">
+                <a:solidFill>
+                  <a:srgbClr val="003E82"/>
+                </a:solidFill>
+                <a:latin typeface="Arial" charset="0"/>
+                <a:ea typeface="Arial" charset="0"/>
+                <a:cs typeface="Arial" charset="0"/>
+              </a:rPr>
+              <a:t>Прогулки</a:t>
+            </a:r>
+            <a:endParaRPr lang="ru-RU" sz="1400" dirty="0">
+              <a:solidFill>
+                <a:srgbClr val="003E82"/>
+              </a:solidFill>
+              <a:latin typeface="Arial" charset="0"/>
+              <a:ea typeface="Arial" charset="0"/>
+              <a:cs typeface="Arial" charset="0"/>
+            </a:endParaRPr>
+          </a:p>
+          <a:p>
+            <a:pPr marL="628650" lvl="1" indent="-171450">
+              <a:buFont typeface="Arial" charset="0"/>
+              <a:buChar char="•"/>
+            </a:pPr>
+            <a:r>
+              <a:rPr lang="ru-RU" sz="1400" dirty="0">
                 <a:solidFill>
                   <a:srgbClr val="003E82"/>
                 </a:solidFill>
@@ -6815,6 +6889,225 @@
                 <a:cs typeface="Arial" charset="0"/>
               </a:rPr>
               <a:t>Заметка (Прочее)</a:t>
+            </a:r>
+          </a:p>
+          <a:p>
+            <a:pPr marL="171450" indent="-171450">
+              <a:buFont typeface="Arial" charset="0"/>
+              <a:buChar char="•"/>
+            </a:pPr>
+            <a:r>
+              <a:rPr lang="ru-RU" sz="1400" dirty="0">
+                <a:solidFill>
+                  <a:srgbClr val="003E82"/>
+                </a:solidFill>
+                <a:latin typeface="Arial" charset="0"/>
+                <a:ea typeface="Arial" charset="0"/>
+                <a:cs typeface="Arial" charset="0"/>
+              </a:rPr>
+              <a:t>Дневник с информацией о маме  (Управление информацией о самочувствии </a:t>
+            </a:r>
+            <a:r>
+              <a:rPr lang="ru-RU" sz="1400" dirty="0" smtClean="0">
+                <a:solidFill>
+                  <a:srgbClr val="003E82"/>
+                </a:solidFill>
+                <a:latin typeface="Arial" charset="0"/>
+                <a:ea typeface="Arial" charset="0"/>
+                <a:cs typeface="Arial" charset="0"/>
+              </a:rPr>
+              <a:t>мамы с помощью носимого устройства)</a:t>
+            </a:r>
+            <a:endParaRPr lang="ru-RU" sz="1400" dirty="0">
+              <a:solidFill>
+                <a:srgbClr val="003E82"/>
+              </a:solidFill>
+              <a:latin typeface="Arial" charset="0"/>
+              <a:ea typeface="Arial" charset="0"/>
+              <a:cs typeface="Arial" charset="0"/>
+            </a:endParaRPr>
+          </a:p>
+          <a:p>
+            <a:pPr marL="628650" lvl="1" indent="-171450">
+              <a:buFont typeface="Arial" charset="0"/>
+              <a:buChar char="•"/>
+            </a:pPr>
+            <a:r>
+              <a:rPr lang="ru-RU" sz="1400" dirty="0">
+                <a:solidFill>
+                  <a:srgbClr val="003E82"/>
+                </a:solidFill>
+                <a:latin typeface="Arial" charset="0"/>
+                <a:ea typeface="Arial" charset="0"/>
+                <a:cs typeface="Arial" charset="0"/>
+              </a:rPr>
+              <a:t>Питание мамы</a:t>
+            </a:r>
+          </a:p>
+          <a:p>
+            <a:pPr marL="628650" lvl="1" indent="-171450">
+              <a:buFont typeface="Arial" charset="0"/>
+              <a:buChar char="•"/>
+            </a:pPr>
+            <a:r>
+              <a:rPr lang="ru-RU" sz="1400" dirty="0">
+                <a:solidFill>
+                  <a:srgbClr val="003E82"/>
+                </a:solidFill>
+                <a:latin typeface="Arial" charset="0"/>
+                <a:ea typeface="Arial" charset="0"/>
+                <a:cs typeface="Arial" charset="0"/>
+              </a:rPr>
+              <a:t>Сон мамы</a:t>
+            </a:r>
+          </a:p>
+          <a:p>
+            <a:pPr marL="628650" lvl="1" indent="-171450">
+              <a:buFont typeface="Arial" charset="0"/>
+              <a:buChar char="•"/>
+            </a:pPr>
+            <a:r>
+              <a:rPr lang="ru-RU" sz="1400" dirty="0">
+                <a:solidFill>
+                  <a:srgbClr val="003E82"/>
+                </a:solidFill>
+                <a:latin typeface="Arial" charset="0"/>
+                <a:ea typeface="Arial" charset="0"/>
+                <a:cs typeface="Arial" charset="0"/>
+              </a:rPr>
+              <a:t>Количество сожженных калорий</a:t>
+            </a:r>
+          </a:p>
+          <a:p>
+            <a:pPr marL="628650" lvl="1" indent="-171450">
+              <a:buFont typeface="Arial" charset="0"/>
+              <a:buChar char="•"/>
+            </a:pPr>
+            <a:r>
+              <a:rPr lang="ru-RU" sz="1400" dirty="0">
+                <a:solidFill>
+                  <a:srgbClr val="003E82"/>
+                </a:solidFill>
+                <a:latin typeface="Arial" charset="0"/>
+                <a:ea typeface="Arial" charset="0"/>
+                <a:cs typeface="Arial" charset="0"/>
+              </a:rPr>
+              <a:t>Количество пройденных шагов</a:t>
+            </a:r>
+          </a:p>
+          <a:p>
+            <a:pPr marL="628650" lvl="1" indent="-171450">
+              <a:buFont typeface="Arial" charset="0"/>
+              <a:buChar char="•"/>
+            </a:pPr>
+            <a:r>
+              <a:rPr lang="ru-RU" sz="1400" dirty="0">
+                <a:solidFill>
+                  <a:srgbClr val="003E82"/>
+                </a:solidFill>
+                <a:latin typeface="Arial" charset="0"/>
+                <a:ea typeface="Arial" charset="0"/>
+                <a:cs typeface="Arial" charset="0"/>
+              </a:rPr>
+              <a:t>Вес</a:t>
+            </a:r>
+          </a:p>
+          <a:p>
+            <a:pPr marL="276225" indent="-276225">
+              <a:buFont typeface="Arial" charset="0"/>
+              <a:buChar char="•"/>
+            </a:pPr>
+            <a:r>
+              <a:rPr lang="ru-RU" sz="1400" dirty="0">
+                <a:solidFill>
+                  <a:srgbClr val="003E82"/>
+                </a:solidFill>
+                <a:latin typeface="Arial" charset="0"/>
+                <a:ea typeface="Arial" charset="0"/>
+                <a:cs typeface="Arial" charset="0"/>
+              </a:rPr>
+              <a:t>Аналитика данных здоровья для отслеживания динамики</a:t>
+            </a:r>
+          </a:p>
+          <a:p>
+            <a:pPr marL="276225" indent="-276225">
+              <a:buFont typeface="Arial" charset="0"/>
+              <a:buChar char="•"/>
+            </a:pPr>
+            <a:r>
+              <a:rPr lang="ru-RU" sz="1400" dirty="0" smtClean="0">
+                <a:solidFill>
+                  <a:srgbClr val="003E82"/>
+                </a:solidFill>
+                <a:latin typeface="Arial" charset="0"/>
+                <a:ea typeface="Arial" charset="0"/>
+                <a:cs typeface="Arial" charset="0"/>
+              </a:rPr>
+              <a:t>Хранение </a:t>
+            </a:r>
+            <a:r>
+              <a:rPr lang="ru-RU" sz="1400" dirty="0">
+                <a:solidFill>
+                  <a:srgbClr val="003E82"/>
+                </a:solidFill>
+                <a:latin typeface="Arial" charset="0"/>
+                <a:ea typeface="Arial" charset="0"/>
+                <a:cs typeface="Arial" charset="0"/>
+              </a:rPr>
+              <a:t>данных удаленно</a:t>
+            </a:r>
+          </a:p>
+          <a:p>
+            <a:pPr marL="276225" indent="-276225">
+              <a:buFont typeface="Arial" charset="0"/>
+              <a:buChar char="•"/>
+            </a:pPr>
+            <a:r>
+              <a:rPr lang="ru-RU" sz="1400" dirty="0" smtClean="0">
+                <a:solidFill>
+                  <a:srgbClr val="003E82"/>
+                </a:solidFill>
+                <a:latin typeface="Arial" charset="0"/>
+                <a:ea typeface="Arial" charset="0"/>
+                <a:cs typeface="Arial" charset="0"/>
+              </a:rPr>
+              <a:t>Система оповещений</a:t>
+            </a:r>
+            <a:endParaRPr lang="ru-RU" sz="1400" dirty="0">
+              <a:solidFill>
+                <a:srgbClr val="003E82"/>
+              </a:solidFill>
+              <a:latin typeface="Arial" charset="0"/>
+              <a:ea typeface="Arial" charset="0"/>
+              <a:cs typeface="Arial" charset="0"/>
+            </a:endParaRPr>
+          </a:p>
+          <a:p>
+            <a:pPr marL="276225" indent="-276225">
+              <a:buFont typeface="Arial" charset="0"/>
+              <a:buChar char="•"/>
+            </a:pPr>
+            <a:r>
+              <a:rPr lang="ru-RU" sz="1400" dirty="0">
+                <a:solidFill>
+                  <a:srgbClr val="003E82"/>
+                </a:solidFill>
+                <a:latin typeface="Arial" charset="0"/>
+                <a:ea typeface="Arial" charset="0"/>
+                <a:cs typeface="Arial" charset="0"/>
+              </a:rPr>
+              <a:t>Формирование и отправка отчетов на </a:t>
+            </a:r>
+            <a:r>
+              <a:rPr lang="en-US" sz="1400" dirty="0">
+                <a:solidFill>
+                  <a:srgbClr val="003E82"/>
+                </a:solidFill>
+                <a:latin typeface="Arial" charset="0"/>
+                <a:ea typeface="Arial" charset="0"/>
+                <a:cs typeface="Arial" charset="0"/>
+              </a:rPr>
+              <a:t>e-mail</a:t>
             </a:r>
           </a:p>
           <a:p>
@@ -6822,119 +7115,14 @@
               <a:buFont typeface="Arial" charset="0"/>
               <a:buChar char="•"/>
             </a:pPr>
-            <a:r>
-              <a:rPr lang="ru-RU" sz="1600" dirty="0">
-                <a:solidFill>
-                  <a:srgbClr val="003E82"/>
-                </a:solidFill>
-                <a:latin typeface="Arial" charset="0"/>
-                <a:ea typeface="Arial" charset="0"/>
-                <a:cs typeface="Arial" charset="0"/>
-              </a:rPr>
-              <a:t>Дневник с информацией о маме  (Через носимое устройство)</a:t>
-            </a:r>
-          </a:p>
-          <a:p>
-            <a:pPr marL="628650" lvl="1" indent="-171450">
-              <a:buFont typeface="Arial" charset="0"/>
-              <a:buChar char="•"/>
-            </a:pPr>
-            <a:r>
-              <a:rPr lang="ru-RU" sz="1600" dirty="0">
-                <a:solidFill>
-                  <a:srgbClr val="003E82"/>
-                </a:solidFill>
-                <a:latin typeface="Arial" charset="0"/>
-                <a:ea typeface="Arial" charset="0"/>
-                <a:cs typeface="Arial" charset="0"/>
-              </a:rPr>
-              <a:t>Питание мамы</a:t>
-            </a:r>
-          </a:p>
-          <a:p>
-            <a:pPr marL="628650" lvl="1" indent="-171450">
-              <a:buFont typeface="Arial" charset="0"/>
-              <a:buChar char="•"/>
-            </a:pPr>
-            <a:r>
-              <a:rPr lang="ru-RU" sz="1600" dirty="0">
-                <a:solidFill>
-                  <a:srgbClr val="003E82"/>
-                </a:solidFill>
-                <a:latin typeface="Arial" charset="0"/>
-                <a:ea typeface="Arial" charset="0"/>
-                <a:cs typeface="Arial" charset="0"/>
-              </a:rPr>
-              <a:t>Сон мамы</a:t>
-            </a:r>
-          </a:p>
-          <a:p>
-            <a:pPr marL="628650" lvl="1" indent="-171450">
-              <a:buFont typeface="Arial" charset="0"/>
-              <a:buChar char="•"/>
-            </a:pPr>
-            <a:r>
-              <a:rPr lang="ru-RU" sz="1600" dirty="0">
-                <a:solidFill>
-                  <a:srgbClr val="003E82"/>
-                </a:solidFill>
-                <a:latin typeface="Arial" charset="0"/>
-                <a:ea typeface="Arial" charset="0"/>
-                <a:cs typeface="Arial" charset="0"/>
-              </a:rPr>
-              <a:t>Количество сожженных калорий</a:t>
-            </a:r>
-          </a:p>
-          <a:p>
-            <a:pPr marL="628650" lvl="1" indent="-171450">
-              <a:buFont typeface="Arial" charset="0"/>
-              <a:buChar char="•"/>
-            </a:pPr>
-            <a:r>
-              <a:rPr lang="ru-RU" sz="1600" dirty="0">
-                <a:solidFill>
-                  <a:srgbClr val="003E82"/>
-                </a:solidFill>
-                <a:latin typeface="Arial" charset="0"/>
-                <a:ea typeface="Arial" charset="0"/>
-                <a:cs typeface="Arial" charset="0"/>
-              </a:rPr>
-              <a:t>Количество пройденных шагов</a:t>
-            </a:r>
-          </a:p>
-          <a:p>
-            <a:pPr marL="628650" lvl="1" indent="-171450">
-              <a:buFont typeface="Arial" charset="0"/>
-              <a:buChar char="•"/>
-            </a:pPr>
-            <a:r>
-              <a:rPr lang="ru-RU" sz="1600" dirty="0">
-                <a:solidFill>
-                  <a:srgbClr val="003E82"/>
-                </a:solidFill>
-                <a:latin typeface="Arial" charset="0"/>
-                <a:ea typeface="Arial" charset="0"/>
-                <a:cs typeface="Arial" charset="0"/>
-              </a:rPr>
-              <a:t>Вес</a:t>
-            </a:r>
-          </a:p>
-          <a:p>
-            <a:pPr marL="171450" lvl="0" indent="-171450">
-              <a:buFont typeface="Arial" charset="0"/>
-              <a:buChar char="•"/>
-            </a:pPr>
-            <a:r>
-              <a:rPr lang="ru-RU" sz="1600" dirty="0">
-                <a:solidFill>
-                  <a:srgbClr val="003E82"/>
-                </a:solidFill>
-                <a:latin typeface="Arial" charset="0"/>
-                <a:ea typeface="Arial" charset="0"/>
-                <a:cs typeface="Arial" charset="0"/>
-              </a:rPr>
-              <a:t>Аналитика данных здоровья</a:t>
-            </a:r>
+            <a:endParaRPr lang="ru-RU" sz="1400" dirty="0">
+              <a:solidFill>
+                <a:srgbClr val="003E82"/>
+              </a:solidFill>
+              <a:latin typeface="Arial" charset="0"/>
+              <a:ea typeface="Arial" charset="0"/>
+              <a:cs typeface="Arial" charset="0"/>
+            </a:endParaRPr>
           </a:p>
           <a:p>
             <a:pPr marL="12700">
@@ -6945,7 +7133,7 @@
                 <a:spcPts val="15"/>
               </a:spcBef>
             </a:pPr>
-            <a:endParaRPr sz="1600" spc="-10" dirty="0" smtClean="0">
+            <a:endParaRPr sz="1400" spc="-10" dirty="0" smtClean="0">
               <a:solidFill>
                 <a:srgbClr val="003E82"/>
               </a:solidFill>
@@ -7262,7 +7450,7 @@
         <p:spPr>
           <a:xfrm>
             <a:off x="300939" y="1505152"/>
-            <a:ext cx="6374765" cy="2070439"/>
+            <a:ext cx="6374765" cy="1854995"/>
           </a:xfrm>
           <a:prstGeom prst="rect">
             <a:avLst/>
@@ -7697,118 +7885,15 @@
                 <a:latin typeface="Arial"/>
                 <a:cs typeface="Arial"/>
               </a:rPr>
-              <a:t> Band </a:t>
-            </a:r>
-            <a:r>
-              <a:rPr lang="ru-RU" sz="1400" dirty="0" smtClean="0">
-                <a:solidFill>
-                  <a:srgbClr val="003E82"/>
-                </a:solidFill>
-                <a:latin typeface="Arial"/>
-                <a:cs typeface="Arial"/>
-              </a:rPr>
-              <a:t>(</a:t>
-            </a:r>
-            <a:r>
-              <a:rPr lang="en-US" sz="1400" dirty="0" smtClean="0">
-                <a:solidFill>
-                  <a:srgbClr val="003E82"/>
-                </a:solidFill>
-                <a:latin typeface="Arial"/>
-                <a:cs typeface="Arial"/>
-              </a:rPr>
-              <a:t>https://</a:t>
-            </a:r>
-            <a:r>
-              <a:rPr lang="en-US" sz="1400" dirty="0" err="1" smtClean="0">
-                <a:solidFill>
-                  <a:srgbClr val="003E82"/>
-                </a:solidFill>
-                <a:latin typeface="Arial"/>
-                <a:cs typeface="Arial"/>
-              </a:rPr>
-              <a:t>github.com</a:t>
-            </a:r>
-            <a:r>
-              <a:rPr lang="en-US" sz="1400" dirty="0" smtClean="0">
-                <a:solidFill>
-                  <a:srgbClr val="003E82"/>
-                </a:solidFill>
-                <a:latin typeface="Arial"/>
-                <a:cs typeface="Arial"/>
-              </a:rPr>
-              <a:t>/</a:t>
-            </a:r>
-            <a:r>
-              <a:rPr lang="en-US" sz="1400" dirty="0" err="1" smtClean="0">
-                <a:solidFill>
-                  <a:srgbClr val="003E82"/>
-                </a:solidFill>
-                <a:latin typeface="Arial"/>
-                <a:cs typeface="Arial"/>
-              </a:rPr>
-              <a:t>pangliang</a:t>
-            </a:r>
-            <a:r>
-              <a:rPr lang="en-US" sz="1400" dirty="0" smtClean="0">
-                <a:solidFill>
-                  <a:srgbClr val="003E82"/>
-                </a:solidFill>
-                <a:latin typeface="Arial"/>
-                <a:cs typeface="Arial"/>
-              </a:rPr>
-              <a:t>/</a:t>
-            </a:r>
-            <a:r>
-              <a:rPr lang="en-US" sz="1400" dirty="0" err="1" smtClean="0">
-                <a:solidFill>
-                  <a:srgbClr val="003E82"/>
-                </a:solidFill>
-                <a:latin typeface="Arial"/>
-                <a:cs typeface="Arial"/>
-              </a:rPr>
-              <a:t>miband</a:t>
-            </a:r>
-            <a:r>
-              <a:rPr lang="en-US" sz="1400" dirty="0" smtClean="0">
-                <a:solidFill>
-                  <a:srgbClr val="003E82"/>
-                </a:solidFill>
-                <a:latin typeface="Arial"/>
-                <a:cs typeface="Arial"/>
-              </a:rPr>
-              <a:t>-</a:t>
-            </a:r>
-            <a:r>
-              <a:rPr lang="en-US" sz="1400" dirty="0" err="1" smtClean="0">
-                <a:solidFill>
-                  <a:srgbClr val="003E82"/>
-                </a:solidFill>
-                <a:latin typeface="Arial"/>
-                <a:cs typeface="Arial"/>
-              </a:rPr>
-              <a:t>sdk</a:t>
-            </a:r>
-            <a:r>
-              <a:rPr lang="en-US" sz="1400" dirty="0" smtClean="0">
-                <a:solidFill>
-                  <a:srgbClr val="003E82"/>
-                </a:solidFill>
-                <a:latin typeface="Arial"/>
-                <a:cs typeface="Arial"/>
-              </a:rPr>
-              <a:t>-android</a:t>
-            </a:r>
-            <a:r>
-              <a:rPr lang="ru-RU" sz="1400" dirty="0" smtClean="0">
-                <a:solidFill>
-                  <a:srgbClr val="003E82"/>
-                </a:solidFill>
-                <a:latin typeface="Arial"/>
-                <a:cs typeface="Arial"/>
-              </a:rPr>
-              <a:t>)</a:t>
-            </a:r>
+              <a:t> Band</a:t>
+            </a:r>
+            <a:endParaRPr lang="ru-RU" sz="1400" dirty="0" smtClean="0">
+              <a:solidFill>
+                <a:srgbClr val="003E82"/>
+              </a:solidFill>
+              <a:latin typeface="Arial"/>
+              <a:cs typeface="Arial"/>
+            </a:endParaRPr>
           </a:p>
         </p:txBody>
       </p:sp>

--- a/docs/Presentation.pptx
+++ b/docs/Presentation.pptx
@@ -217,7 +217,7 @@
           <a:p>
             <a:fld id="{C750EDD8-39F8-D449-BB0F-7DE7A68CE7A4}" type="datetimeFigureOut">
               <a:rPr lang="ru-RU" smtClean="0"/>
-              <a:t>17.11.17</a:t>
+              <a:t>18.11.17</a:t>
             </a:fld>
             <a:endParaRPr lang="ru-RU"/>
           </a:p>
@@ -651,7 +651,7 @@
           <a:p>
             <a:fld id="{1D8BD707-D9CF-40AE-B4C6-C98DA3205C09}" type="datetimeFigureOut">
               <a:rPr lang="en-US"/>
-              <a:t>11/17/17</a:t>
+              <a:t>11/18/17</a:t>
             </a:fld>
             <a:endParaRPr lang="en-US"/>
           </a:p>
@@ -851,7 +851,7 @@
           <a:p>
             <a:fld id="{1D8BD707-D9CF-40AE-B4C6-C98DA3205C09}" type="datetimeFigureOut">
               <a:rPr lang="en-US"/>
-              <a:t>11/17/17</a:t>
+              <a:t>11/18/17</a:t>
             </a:fld>
             <a:endParaRPr lang="en-US"/>
           </a:p>
@@ -1088,7 +1088,7 @@
           <a:p>
             <a:fld id="{1D8BD707-D9CF-40AE-B4C6-C98DA3205C09}" type="datetimeFigureOut">
               <a:rPr lang="en-US"/>
-              <a:t>11/17/17</a:t>
+              <a:t>11/18/17</a:t>
             </a:fld>
             <a:endParaRPr lang="en-US"/>
           </a:p>
@@ -1259,7 +1259,7 @@
           <a:p>
             <a:fld id="{1D8BD707-D9CF-40AE-B4C6-C98DA3205C09}" type="datetimeFigureOut">
               <a:rPr lang="en-US"/>
-              <a:t>11/17/17</a:t>
+              <a:t>11/18/17</a:t>
             </a:fld>
             <a:endParaRPr lang="en-US"/>
           </a:p>
@@ -1401,7 +1401,7 @@
           <a:p>
             <a:fld id="{1D8BD707-D9CF-40AE-B4C6-C98DA3205C09}" type="datetimeFigureOut">
               <a:rPr lang="en-US"/>
-              <a:t>11/17/17</a:t>
+              <a:t>11/18/17</a:t>
             </a:fld>
             <a:endParaRPr lang="en-US"/>
           </a:p>
@@ -1678,7 +1678,7 @@
           <a:p>
             <a:fld id="{1D8BD707-D9CF-40AE-B4C6-C98DA3205C09}" type="datetimeFigureOut">
               <a:rPr lang="en-US"/>
-              <a:t>11/17/17</a:t>
+              <a:t>11/18/17</a:t>
             </a:fld>
             <a:endParaRPr lang="en-US"/>
           </a:p>
@@ -2745,7 +2745,7 @@
         <p:spPr>
           <a:xfrm>
             <a:off x="300938" y="1505152"/>
-            <a:ext cx="8004861" cy="1798569"/>
+            <a:ext cx="8462062" cy="2414122"/>
           </a:xfrm>
           <a:prstGeom prst="rect">
             <a:avLst/>
@@ -2757,13 +2757,15 @@
           </a:bodyPr>
           <a:lstStyle/>
           <a:p>
-            <a:pPr marL="12700" marR="118745">
+            <a:pPr marL="355600" marR="118745" indent="-342900" algn="just">
               <a:lnSpc>
                 <a:spcPct val="100000"/>
               </a:lnSpc>
               <a:spcBef>
                 <a:spcPts val="20"/>
               </a:spcBef>
+              <a:buFont typeface="Arial" charset="0"/>
+              <a:buChar char="•"/>
             </a:pPr>
             <a:r>
               <a:rPr lang="ru-RU" sz="2000" spc="-5" dirty="0" smtClean="0">
@@ -2773,7 +2775,111 @@
                 <a:latin typeface="Arial"/>
                 <a:cs typeface="Arial"/>
               </a:rPr>
-              <a:t>Здоровье новорожденного также важно как и здоровье молодой мамы. Слежение за показателями в режиме реального времени позволяет осуществлять контроль текущего состояния с использованием носимого устройства. Данные проанализированы и хранятся не разрознено, а в одном месте.</a:t>
+              <a:t>Здоровье </a:t>
+            </a:r>
+            <a:r>
+              <a:rPr lang="ru-RU" sz="2000" spc="-5" dirty="0">
+                <a:solidFill>
+                  <a:srgbClr val="003E82"/>
+                </a:solidFill>
+                <a:latin typeface="Arial"/>
+                <a:cs typeface="Arial"/>
+              </a:rPr>
+              <a:t>молодой мамы </a:t>
+            </a:r>
+            <a:r>
+              <a:rPr lang="ru-RU" sz="2000" spc="-5" dirty="0" smtClean="0">
+                <a:solidFill>
+                  <a:srgbClr val="003E82"/>
+                </a:solidFill>
+                <a:latin typeface="Arial"/>
+                <a:cs typeface="Arial"/>
+              </a:rPr>
+              <a:t>также </a:t>
+            </a:r>
+            <a:r>
+              <a:rPr lang="ru-RU" sz="2000" spc="-5" dirty="0">
+                <a:solidFill>
+                  <a:srgbClr val="003E82"/>
+                </a:solidFill>
+                <a:latin typeface="Arial"/>
+                <a:cs typeface="Arial"/>
+              </a:rPr>
+              <a:t>важно</a:t>
+            </a:r>
+            <a:r>
+              <a:rPr lang="en-US" sz="2000" spc="-5" dirty="0">
+                <a:solidFill>
+                  <a:srgbClr val="003E82"/>
+                </a:solidFill>
+                <a:latin typeface="Arial"/>
+                <a:cs typeface="Arial"/>
+              </a:rPr>
+              <a:t>,</a:t>
+            </a:r>
+            <a:r>
+              <a:rPr lang="ru-RU" sz="2000" spc="-5" dirty="0">
+                <a:solidFill>
+                  <a:srgbClr val="003E82"/>
+                </a:solidFill>
+                <a:latin typeface="Arial"/>
+                <a:cs typeface="Arial"/>
+              </a:rPr>
+              <a:t> как и здоровье </a:t>
+            </a:r>
+            <a:r>
+              <a:rPr lang="ru-RU" sz="2000" spc="-5" dirty="0" smtClean="0">
+                <a:solidFill>
+                  <a:srgbClr val="003E82"/>
+                </a:solidFill>
+                <a:latin typeface="Arial"/>
+                <a:cs typeface="Arial"/>
+              </a:rPr>
+              <a:t>новорожденного. </a:t>
+            </a:r>
+          </a:p>
+          <a:p>
+            <a:pPr marL="355600" marR="118745" indent="-342900" algn="just">
+              <a:lnSpc>
+                <a:spcPct val="100000"/>
+              </a:lnSpc>
+              <a:spcBef>
+                <a:spcPts val="20"/>
+              </a:spcBef>
+              <a:buFont typeface="Arial" charset="0"/>
+              <a:buChar char="•"/>
+            </a:pPr>
+            <a:r>
+              <a:rPr lang="ru-RU" sz="2000" spc="-5" dirty="0" smtClean="0">
+                <a:solidFill>
+                  <a:srgbClr val="003E82"/>
+                </a:solidFill>
+                <a:latin typeface="Arial"/>
+                <a:cs typeface="Arial"/>
+              </a:rPr>
+              <a:t>Слежение за показателями здоровья в режиме реального времени позволяет осуществлять контроль текущего состояния с использованием носимого устройства. </a:t>
+            </a:r>
+          </a:p>
+          <a:p>
+            <a:pPr marL="355600" marR="118745" indent="-342900" algn="just">
+              <a:lnSpc>
+                <a:spcPct val="100000"/>
+              </a:lnSpc>
+              <a:spcBef>
+                <a:spcPts val="20"/>
+              </a:spcBef>
+              <a:buFont typeface="Arial" charset="0"/>
+              <a:buChar char="•"/>
+            </a:pPr>
+            <a:r>
+              <a:rPr lang="ru-RU" sz="2000" spc="-5" dirty="0" smtClean="0">
+                <a:solidFill>
+                  <a:srgbClr val="003E82"/>
+                </a:solidFill>
+                <a:latin typeface="Arial"/>
+                <a:cs typeface="Arial"/>
+              </a:rPr>
+              <a:t>Данные проанализированы и хранятся не разрознено, а в одном месте.</a:t>
             </a:r>
           </a:p>
           <a:p>
@@ -5183,7 +5289,23 @@
                 <a:ea typeface="Arial" charset="0"/>
                 <a:cs typeface="Arial" charset="0"/>
               </a:rPr>
-              <a:t>0 до 12 месяцев и молодой мамы с </a:t>
+              <a:t>0 до 12 месяцев и </a:t>
+            </a:r>
+            <a:r>
+              <a:rPr lang="ru-RU" sz="1600" spc="-15" dirty="0" smtClean="0">
+                <a:latin typeface="Arial" charset="0"/>
+                <a:ea typeface="Arial" charset="0"/>
+                <a:cs typeface="Arial" charset="0"/>
+              </a:rPr>
+              <a:t>здоровьем молодой </a:t>
+            </a:r>
+            <a:r>
+              <a:rPr lang="ru-RU" sz="1600" spc="-15" dirty="0">
+                <a:latin typeface="Arial" charset="0"/>
+                <a:ea typeface="Arial" charset="0"/>
+                <a:cs typeface="Arial" charset="0"/>
+              </a:rPr>
+              <a:t>мамы с </a:t>
             </a:r>
             <a:r>
               <a:rPr lang="ru-RU" sz="1600" spc="-15" dirty="0" smtClean="0">
@@ -5947,16 +6069,15 @@
           </p:cNvPicPr>
           <p:nvPr/>
         </p:nvPicPr>
-        <p:blipFill>
+        <p:blipFill rotWithShape="1">
           <a:blip r:embed="rId2"/>
-          <a:stretch>
-            <a:fillRect/>
-          </a:stretch>
+          <a:srcRect t="6604"/>
+          <a:stretch/>
         </p:blipFill>
         <p:spPr>
           <a:xfrm>
-            <a:off x="152400" y="1447800"/>
-            <a:ext cx="5030535" cy="2307785"/>
+            <a:off x="152400" y="1600200"/>
+            <a:ext cx="5030535" cy="2155385"/>
           </a:xfrm>
           <a:prstGeom prst="rect">
             <a:avLst/>
@@ -6011,6 +6132,66 @@
           </a:prstGeom>
         </p:spPr>
       </p:pic>
+      <p:sp>
+        <p:nvSpPr>
+          <p:cNvPr id="6" name="TextBox 5"/>
+          <p:cNvSpPr txBox="1"/>
+          <p:nvPr/>
+        </p:nvSpPr>
+        <p:spPr>
+          <a:xfrm>
+            <a:off x="2164163" y="1415534"/>
+            <a:ext cx="1007007" cy="369332"/>
+          </a:xfrm>
+          <a:prstGeom prst="rect">
+            <a:avLst/>
+          </a:prstGeom>
+          <a:noFill/>
+        </p:spPr>
+        <p:txBody>
+          <a:bodyPr wrap="none" rtlCol="0">
+            <a:spAutoFit/>
+          </a:bodyPr>
+          <a:lstStyle/>
+          <a:p>
+            <a:r>
+              <a:rPr lang="ru-RU" smtClean="0"/>
+              <a:t>Ребенок</a:t>
+            </a:r>
+            <a:endParaRPr lang="ru-RU"/>
+          </a:p>
+        </p:txBody>
+      </p:sp>
+      <p:sp>
+        <p:nvSpPr>
+          <p:cNvPr id="11" name="TextBox 10"/>
+          <p:cNvSpPr txBox="1"/>
+          <p:nvPr/>
+        </p:nvSpPr>
+        <p:spPr>
+          <a:xfrm>
+            <a:off x="5208335" y="3672676"/>
+            <a:ext cx="1665071" cy="369332"/>
+          </a:xfrm>
+          <a:prstGeom prst="rect">
+            <a:avLst/>
+          </a:prstGeom>
+          <a:noFill/>
+        </p:spPr>
+        <p:txBody>
+          <a:bodyPr wrap="none" rtlCol="0">
+            <a:spAutoFit/>
+          </a:bodyPr>
+          <a:lstStyle/>
+          <a:p>
+            <a:r>
+              <a:rPr lang="ru-RU" smtClean="0"/>
+              <a:t>Молодая мама</a:t>
+            </a:r>
+            <a:endParaRPr lang="ru-RU"/>
+          </a:p>
+        </p:txBody>
+      </p:sp>
     </p:spTree>
     <p:extLst>
       <p:ext uri="{BB962C8B-B14F-4D97-AF65-F5344CB8AC3E}">
@@ -6287,7 +6468,7 @@
       </p:sp>
       <p:pic>
         <p:nvPicPr>
-          <p:cNvPr id="7" name="Рисунок 6"/>
+          <p:cNvPr id="5" name="Рисунок 4"/>
           <p:cNvPicPr>
             <a:picLocks noChangeAspect="1"/>
           </p:cNvPicPr>
@@ -6295,30 +6476,6 @@
         </p:nvPicPr>
         <p:blipFill>
           <a:blip r:embed="rId2"/>
-          <a:stretch>
-            <a:fillRect/>
-          </a:stretch>
-        </p:blipFill>
-        <p:spPr>
-          <a:xfrm>
-            <a:off x="7568310" y="309744"/>
-            <a:ext cx="1353251" cy="1371600"/>
-          </a:xfrm>
-          <a:prstGeom prst="rect">
-            <a:avLst/>
-          </a:prstGeom>
-        </p:spPr>
-      </p:pic>
-      <p:pic>
-        <p:nvPicPr>
-          <p:cNvPr id="5" name="Рисунок 4"/>
-          <p:cNvPicPr>
-            <a:picLocks noChangeAspect="1"/>
-          </p:cNvPicPr>
-          <p:nvPr/>
-        </p:nvPicPr>
-        <p:blipFill>
-          <a:blip r:embed="rId3"/>
           <a:stretch>
             <a:fillRect/>
           </a:stretch>
@@ -6333,6 +6490,36 @@
           </a:prstGeom>
         </p:spPr>
       </p:pic>
+      <p:sp>
+        <p:nvSpPr>
+          <p:cNvPr id="6" name="TextBox 5"/>
+          <p:cNvSpPr txBox="1"/>
+          <p:nvPr/>
+        </p:nvSpPr>
+        <p:spPr>
+          <a:xfrm>
+            <a:off x="2688774" y="1905658"/>
+            <a:ext cx="3639073" cy="369332"/>
+          </a:xfrm>
+          <a:prstGeom prst="rect">
+            <a:avLst/>
+          </a:prstGeom>
+          <a:noFill/>
+        </p:spPr>
+        <p:txBody>
+          <a:bodyPr wrap="none" rtlCol="0">
+            <a:spAutoFit/>
+          </a:bodyPr>
+          <a:lstStyle/>
+          <a:p>
+            <a:r>
+              <a:rPr lang="ru-RU" smtClean="0"/>
+              <a:t>Использование носимых устройств</a:t>
+            </a:r>
+            <a:endParaRPr lang="ru-RU"/>
+          </a:p>
+        </p:txBody>
+      </p:sp>
     </p:spTree>
     <p:extLst>
       <p:ext uri="{BB962C8B-B14F-4D97-AF65-F5344CB8AC3E}">
@@ -7806,7 +7993,27 @@
                 <a:latin typeface="Arial"/>
                 <a:cs typeface="Arial"/>
               </a:rPr>
-              <a:t> Azure + SQLite</a:t>
+              <a:t> </a:t>
+            </a:r>
+            <a:r>
+              <a:rPr lang="en-US" sz="1400" dirty="0">
+                <a:solidFill>
+                  <a:srgbClr val="003E82"/>
+                </a:solidFill>
+                <a:latin typeface="Arial"/>
+                <a:cs typeface="Arial"/>
+              </a:rPr>
+              <a:t>F</a:t>
+            </a:r>
+            <a:r>
+              <a:rPr lang="en-US" sz="1400" dirty="0" smtClean="0">
+                <a:solidFill>
+                  <a:srgbClr val="003E82"/>
+                </a:solidFill>
+                <a:latin typeface="Arial"/>
+                <a:cs typeface="Arial"/>
+              </a:rPr>
+              <a:t>irebase + SQLite</a:t>
             </a:r>
             <a:endParaRPr lang="ru-RU" sz="1400" dirty="0" smtClean="0">
               <a:solidFill>
@@ -8009,7 +8216,7 @@
                 <a:latin typeface="Arial"/>
                 <a:cs typeface="Arial"/>
               </a:rPr>
-              <a:t>Android Studio 2.3.3</a:t>
+              <a:t>Android Studio 3.0</a:t>
             </a:r>
             <a:endParaRPr sz="1400" dirty="0">
               <a:latin typeface="Arial"/>
@@ -8129,7 +8336,7 @@
         <p:spPr>
           <a:xfrm>
             <a:off x="1507616" y="386333"/>
-            <a:ext cx="2715895" cy="330835"/>
+            <a:ext cx="4283584" cy="321242"/>
           </a:xfrm>
           <a:prstGeom prst="rect">
             <a:avLst/>
@@ -8150,15 +8357,15 @@
               </a:spcBef>
             </a:pPr>
             <a:r>
-              <a:rPr sz="2000" spc="-10" dirty="0">
+              <a:rPr sz="2000" spc="-10" dirty="0" smtClean="0">
                 <a:solidFill>
                   <a:srgbClr val="FFFFFF"/>
                 </a:solidFill>
               </a:rPr>
-              <a:t>Литература,</a:t>
-            </a:r>
-            <a:r>
-              <a:rPr sz="2000" spc="-90" dirty="0">
+              <a:t>Литература</a:t>
+            </a:r>
+            <a:r>
+              <a:rPr lang="en-US" sz="2000" spc="-10" dirty="0" smtClean="0">
                 <a:solidFill>
                   <a:srgbClr val="FFFFFF"/>
                 </a:solidFill>
@@ -8166,14 +8373,22 @@
               <a:t> </a:t>
             </a:r>
             <a:r>
-              <a:rPr sz="2000" spc="-10" dirty="0">
+              <a:rPr lang="ru-RU" sz="2000" spc="-10" dirty="0" smtClean="0">
                 <a:solidFill>
                   <a:srgbClr val="FFFFFF"/>
                 </a:solidFill>
               </a:rPr>
+              <a:t>и Интернет-</a:t>
+            </a:r>
+            <a:r>
+              <a:rPr sz="2000" spc="-10" dirty="0" smtClean="0">
+                <a:solidFill>
+                  <a:srgbClr val="FFFFFF"/>
+                </a:solidFill>
+              </a:rPr>
               <a:t>источники</a:t>
             </a:r>
-            <a:endParaRPr sz="2000"/>
+            <a:endParaRPr sz="2000" dirty="0"/>
           </a:p>
         </p:txBody>
       </p:sp>
@@ -8252,7 +8467,7 @@
         <p:spPr>
           <a:xfrm>
             <a:off x="300939" y="1370457"/>
-            <a:ext cx="8310245" cy="5130251"/>
+            <a:ext cx="8310245" cy="5191806"/>
           </a:xfrm>
           <a:prstGeom prst="rect">
             <a:avLst/>
@@ -8264,32 +8479,22 @@
           </a:bodyPr>
           <a:lstStyle/>
           <a:p>
-            <a:pPr marL="12700">
-              <a:lnSpc>
-                <a:spcPct val="100000"/>
-              </a:lnSpc>
-              <a:spcBef>
-                <a:spcPts val="105"/>
-              </a:spcBef>
-            </a:pPr>
-            <a:r>
-              <a:rPr sz="2000" b="1" dirty="0">
-                <a:solidFill>
-                  <a:srgbClr val="003E82"/>
-                </a:solidFill>
-                <a:latin typeface="Arial" charset="0"/>
-                <a:ea typeface="Arial" charset="0"/>
-                <a:cs typeface="Arial" charset="0"/>
-              </a:rPr>
-              <a:t>Источники</a:t>
-            </a:r>
-          </a:p>
-          <a:p>
-            <a:pPr marL="342900" lvl="0" indent="-342900">
+            <a:pPr marL="342900" lvl="0" indent="-342900" algn="just">
               <a:buFont typeface="+mj-lt"/>
               <a:buAutoNum type="arabicPeriod"/>
             </a:pPr>
             <a:r>
+              <a:rPr lang="ru-RU" sz="1200" dirty="0" smtClean="0">
+                <a:solidFill>
+                  <a:srgbClr val="003E82"/>
+                </a:solidFill>
+                <a:latin typeface="Arial" charset="0"/>
+                <a:ea typeface="Arial" charset="0"/>
+                <a:cs typeface="Arial" charset="0"/>
+              </a:rPr>
+              <a:t>Изучаем </a:t>
+            </a:r>
+            <a:r>
               <a:rPr lang="ru-RU" sz="1200" dirty="0">
                 <a:solidFill>
                   <a:srgbClr val="003E82"/>
@@ -8298,68 +8503,417 @@
                 <a:ea typeface="Arial" charset="0"/>
                 <a:cs typeface="Arial" charset="0"/>
               </a:rPr>
-              <a:t>Сайт по обучению разработке приложений под Android: [Электронный ресурс]. М., 2011-2017. URL: </a:t>
-            </a:r>
-            <a:r>
-              <a:rPr lang="ru-RU" sz="1200" dirty="0" err="1">
-                <a:solidFill>
-                  <a:srgbClr val="003E82"/>
-                </a:solidFill>
-                <a:latin typeface="Arial" charset="0"/>
-                <a:ea typeface="Arial" charset="0"/>
-                <a:cs typeface="Arial" charset="0"/>
-              </a:rPr>
-              <a:t>http</a:t>
-            </a:r>
-            <a:r>
-              <a:rPr lang="ru-RU" sz="1200" dirty="0">
-                <a:solidFill>
-                  <a:srgbClr val="003E82"/>
-                </a:solidFill>
-                <a:latin typeface="Arial" charset="0"/>
-                <a:ea typeface="Arial" charset="0"/>
-                <a:cs typeface="Arial" charset="0"/>
-              </a:rPr>
-              <a:t>://</a:t>
-            </a:r>
-            <a:r>
-              <a:rPr lang="ru-RU" sz="1200" dirty="0" err="1">
-                <a:solidFill>
-                  <a:srgbClr val="003E82"/>
-                </a:solidFill>
-                <a:latin typeface="Arial" charset="0"/>
-                <a:ea typeface="Arial" charset="0"/>
-                <a:cs typeface="Arial" charset="0"/>
-              </a:rPr>
-              <a:t>startandroid.ru</a:t>
-            </a:r>
-            <a:r>
-              <a:rPr lang="ru-RU" sz="1200" dirty="0">
-                <a:solidFill>
-                  <a:srgbClr val="003E82"/>
-                </a:solidFill>
-                <a:latin typeface="Arial" charset="0"/>
-                <a:ea typeface="Arial" charset="0"/>
-                <a:cs typeface="Arial" charset="0"/>
-              </a:rPr>
-              <a:t>/ru/. (Дата обращения: 18.10.2017).</a:t>
-            </a:r>
-          </a:p>
-          <a:p>
-            <a:pPr marL="342900" lvl="0" indent="-342900">
+              <a:t>данные, </a:t>
+            </a:r>
+            <a:r>
+              <a:rPr lang="en-US" sz="1200" dirty="0" err="1">
+                <a:solidFill>
+                  <a:srgbClr val="003E82"/>
+                </a:solidFill>
+                <a:latin typeface="Arial" charset="0"/>
+                <a:ea typeface="Arial" charset="0"/>
+                <a:cs typeface="Arial" charset="0"/>
+              </a:rPr>
+              <a:t>собранные</a:t>
+            </a:r>
+            <a:r>
+              <a:rPr lang="en-US" sz="1200" dirty="0">
+                <a:solidFill>
+                  <a:srgbClr val="003E82"/>
+                </a:solidFill>
+                <a:latin typeface="Arial" charset="0"/>
+                <a:ea typeface="Arial" charset="0"/>
+                <a:cs typeface="Arial" charset="0"/>
+              </a:rPr>
+              <a:t> Xiaomi </a:t>
+            </a:r>
+            <a:r>
+              <a:rPr lang="en-US" sz="1200" dirty="0" err="1">
+                <a:solidFill>
+                  <a:srgbClr val="003E82"/>
+                </a:solidFill>
+                <a:latin typeface="Arial" charset="0"/>
+                <a:ea typeface="Arial" charset="0"/>
+                <a:cs typeface="Arial" charset="0"/>
+              </a:rPr>
+              <a:t>Mi</a:t>
+            </a:r>
+            <a:r>
+              <a:rPr lang="en-US" sz="1200" dirty="0">
+                <a:solidFill>
+                  <a:srgbClr val="003E82"/>
+                </a:solidFill>
+                <a:latin typeface="Arial" charset="0"/>
+                <a:ea typeface="Arial" charset="0"/>
+                <a:cs typeface="Arial" charset="0"/>
+              </a:rPr>
+              <a:t> Band </a:t>
+            </a:r>
+            <a:r>
+              <a:rPr lang="en-US" sz="1200" dirty="0" err="1">
+                <a:solidFill>
+                  <a:srgbClr val="003E82"/>
+                </a:solidFill>
+                <a:latin typeface="Arial" charset="0"/>
+                <a:ea typeface="Arial" charset="0"/>
+                <a:cs typeface="Arial" charset="0"/>
+              </a:rPr>
+              <a:t>за</a:t>
+            </a:r>
+            <a:r>
+              <a:rPr lang="en-US" sz="1200" dirty="0">
+                <a:solidFill>
+                  <a:srgbClr val="003E82"/>
+                </a:solidFill>
+                <a:latin typeface="Arial" charset="0"/>
+                <a:ea typeface="Arial" charset="0"/>
+                <a:cs typeface="Arial" charset="0"/>
+              </a:rPr>
+              <a:t> </a:t>
+            </a:r>
+            <a:r>
+              <a:rPr lang="en-US" sz="1200" dirty="0" err="1">
+                <a:solidFill>
+                  <a:srgbClr val="003E82"/>
+                </a:solidFill>
+                <a:latin typeface="Arial" charset="0"/>
+                <a:ea typeface="Arial" charset="0"/>
+                <a:cs typeface="Arial" charset="0"/>
+              </a:rPr>
+              <a:t>год</a:t>
+            </a:r>
+            <a:r>
+              <a:rPr lang="en-US" sz="1200" dirty="0">
+                <a:solidFill>
+                  <a:srgbClr val="003E82"/>
+                </a:solidFill>
+                <a:latin typeface="Arial" charset="0"/>
+                <a:ea typeface="Arial" charset="0"/>
+                <a:cs typeface="Arial" charset="0"/>
+              </a:rPr>
+              <a:t>: [</a:t>
+            </a:r>
+            <a:r>
+              <a:rPr lang="en-US" sz="1200" dirty="0" err="1">
+                <a:solidFill>
+                  <a:srgbClr val="003E82"/>
+                </a:solidFill>
+                <a:latin typeface="Arial" charset="0"/>
+                <a:ea typeface="Arial" charset="0"/>
+                <a:cs typeface="Arial" charset="0"/>
+              </a:rPr>
+              <a:t>Электронный</a:t>
+            </a:r>
+            <a:r>
+              <a:rPr lang="en-US" sz="1200" dirty="0">
+                <a:solidFill>
+                  <a:srgbClr val="003E82"/>
+                </a:solidFill>
+                <a:latin typeface="Arial" charset="0"/>
+                <a:ea typeface="Arial" charset="0"/>
+                <a:cs typeface="Arial" charset="0"/>
+              </a:rPr>
+              <a:t> </a:t>
+            </a:r>
+            <a:r>
+              <a:rPr lang="en-US" sz="1200" dirty="0" err="1">
+                <a:solidFill>
+                  <a:srgbClr val="003E82"/>
+                </a:solidFill>
+                <a:latin typeface="Arial" charset="0"/>
+                <a:ea typeface="Arial" charset="0"/>
+                <a:cs typeface="Arial" charset="0"/>
+              </a:rPr>
+              <a:t>ресурс</a:t>
+            </a:r>
+            <a:r>
+              <a:rPr lang="en-US" sz="1200" dirty="0">
+                <a:solidFill>
+                  <a:srgbClr val="003E82"/>
+                </a:solidFill>
+                <a:latin typeface="Arial" charset="0"/>
+                <a:ea typeface="Arial" charset="0"/>
+                <a:cs typeface="Arial" charset="0"/>
+              </a:rPr>
+              <a:t>] // </a:t>
+            </a:r>
+            <a:r>
+              <a:rPr lang="en-US" sz="1200" dirty="0" err="1">
+                <a:solidFill>
+                  <a:srgbClr val="003E82"/>
+                </a:solidFill>
+                <a:latin typeface="Arial" charset="0"/>
+                <a:ea typeface="Arial" charset="0"/>
+                <a:cs typeface="Arial" charset="0"/>
+              </a:rPr>
+              <a:t>Крупнейший</a:t>
+            </a:r>
+            <a:r>
+              <a:rPr lang="en-US" sz="1200" dirty="0">
+                <a:solidFill>
+                  <a:srgbClr val="003E82"/>
+                </a:solidFill>
+                <a:latin typeface="Arial" charset="0"/>
+                <a:ea typeface="Arial" charset="0"/>
+                <a:cs typeface="Arial" charset="0"/>
+              </a:rPr>
+              <a:t> </a:t>
+            </a:r>
+            <a:r>
+              <a:rPr lang="en-US" sz="1200" dirty="0" err="1">
+                <a:solidFill>
+                  <a:srgbClr val="003E82"/>
+                </a:solidFill>
+                <a:latin typeface="Arial" charset="0"/>
+                <a:ea typeface="Arial" charset="0"/>
+                <a:cs typeface="Arial" charset="0"/>
+              </a:rPr>
+              <a:t>в</a:t>
+            </a:r>
+            <a:r>
+              <a:rPr lang="en-US" sz="1200" dirty="0">
+                <a:solidFill>
+                  <a:srgbClr val="003E82"/>
+                </a:solidFill>
+                <a:latin typeface="Arial" charset="0"/>
+                <a:ea typeface="Arial" charset="0"/>
+                <a:cs typeface="Arial" charset="0"/>
+              </a:rPr>
+              <a:t> </a:t>
+            </a:r>
+            <a:r>
+              <a:rPr lang="en-US" sz="1200" dirty="0" err="1">
+                <a:solidFill>
+                  <a:srgbClr val="003E82"/>
+                </a:solidFill>
+                <a:latin typeface="Arial" charset="0"/>
+                <a:ea typeface="Arial" charset="0"/>
+                <a:cs typeface="Arial" charset="0"/>
+              </a:rPr>
+              <a:t>Европе</a:t>
+            </a:r>
+            <a:r>
+              <a:rPr lang="en-US" sz="1200" dirty="0">
+                <a:solidFill>
+                  <a:srgbClr val="003E82"/>
+                </a:solidFill>
+                <a:latin typeface="Arial" charset="0"/>
+                <a:ea typeface="Arial" charset="0"/>
+                <a:cs typeface="Arial" charset="0"/>
+              </a:rPr>
+              <a:t> </a:t>
+            </a:r>
+            <a:r>
+              <a:rPr lang="en-US" sz="1200" dirty="0" err="1">
+                <a:solidFill>
+                  <a:srgbClr val="003E82"/>
+                </a:solidFill>
+                <a:latin typeface="Arial" charset="0"/>
+                <a:ea typeface="Arial" charset="0"/>
+                <a:cs typeface="Arial" charset="0"/>
+              </a:rPr>
+              <a:t>ресурс</a:t>
+            </a:r>
+            <a:r>
+              <a:rPr lang="en-US" sz="1200" dirty="0">
+                <a:solidFill>
+                  <a:srgbClr val="003E82"/>
+                </a:solidFill>
+                <a:latin typeface="Arial" charset="0"/>
+                <a:ea typeface="Arial" charset="0"/>
+                <a:cs typeface="Arial" charset="0"/>
+              </a:rPr>
+              <a:t> </a:t>
+            </a:r>
+            <a:r>
+              <a:rPr lang="en-US" sz="1200" dirty="0" err="1">
+                <a:solidFill>
+                  <a:srgbClr val="003E82"/>
+                </a:solidFill>
+                <a:latin typeface="Arial" charset="0"/>
+                <a:ea typeface="Arial" charset="0"/>
+                <a:cs typeface="Arial" charset="0"/>
+              </a:rPr>
+              <a:t>для</a:t>
+            </a:r>
+            <a:r>
+              <a:rPr lang="en-US" sz="1200" dirty="0">
+                <a:solidFill>
+                  <a:srgbClr val="003E82"/>
+                </a:solidFill>
+                <a:latin typeface="Arial" charset="0"/>
+                <a:ea typeface="Arial" charset="0"/>
+                <a:cs typeface="Arial" charset="0"/>
+              </a:rPr>
+              <a:t> IT-</a:t>
+            </a:r>
+            <a:r>
+              <a:rPr lang="en-US" sz="1200" dirty="0" err="1">
+                <a:solidFill>
+                  <a:srgbClr val="003E82"/>
+                </a:solidFill>
+                <a:latin typeface="Arial" charset="0"/>
+                <a:ea typeface="Arial" charset="0"/>
+                <a:cs typeface="Arial" charset="0"/>
+              </a:rPr>
+              <a:t>специалистов</a:t>
+            </a:r>
+            <a:r>
+              <a:rPr lang="en-US" sz="1200" dirty="0">
+                <a:solidFill>
+                  <a:srgbClr val="003E82"/>
+                </a:solidFill>
+                <a:latin typeface="Arial" charset="0"/>
+                <a:ea typeface="Arial" charset="0"/>
+                <a:cs typeface="Arial" charset="0"/>
+              </a:rPr>
+              <a:t> </a:t>
+            </a:r>
+            <a:r>
+              <a:rPr lang="en-US" sz="1200" dirty="0" err="1">
+                <a:solidFill>
+                  <a:srgbClr val="003E82"/>
+                </a:solidFill>
+                <a:latin typeface="Arial" charset="0"/>
+                <a:ea typeface="Arial" charset="0"/>
+                <a:cs typeface="Arial" charset="0"/>
+              </a:rPr>
+              <a:t>Habrahabr</a:t>
+            </a:r>
+            <a:r>
+              <a:rPr lang="en-US" sz="1200" dirty="0">
+                <a:solidFill>
+                  <a:srgbClr val="003E82"/>
+                </a:solidFill>
+                <a:latin typeface="Arial" charset="0"/>
+                <a:ea typeface="Arial" charset="0"/>
+                <a:cs typeface="Arial" charset="0"/>
+              </a:rPr>
+              <a:t>. </a:t>
+            </a:r>
+            <a:r>
+              <a:rPr lang="en-US" sz="1200" dirty="0" err="1">
+                <a:solidFill>
+                  <a:srgbClr val="003E82"/>
+                </a:solidFill>
+                <a:latin typeface="Arial" charset="0"/>
+                <a:ea typeface="Arial" charset="0"/>
+                <a:cs typeface="Arial" charset="0"/>
+              </a:rPr>
+              <a:t>М</a:t>
+            </a:r>
+            <a:r>
+              <a:rPr lang="en-US" sz="1200" dirty="0">
+                <a:solidFill>
+                  <a:srgbClr val="003E82"/>
+                </a:solidFill>
+                <a:latin typeface="Arial" charset="0"/>
+                <a:ea typeface="Arial" charset="0"/>
+                <a:cs typeface="Arial" charset="0"/>
+              </a:rPr>
+              <a:t>., 2006-20017. URL: https://</a:t>
+            </a:r>
+            <a:r>
+              <a:rPr lang="en-US" sz="1200" dirty="0" err="1">
+                <a:solidFill>
+                  <a:srgbClr val="003E82"/>
+                </a:solidFill>
+                <a:latin typeface="Arial" charset="0"/>
+                <a:ea typeface="Arial" charset="0"/>
+                <a:cs typeface="Arial" charset="0"/>
+              </a:rPr>
+              <a:t>habrahabr.ru</a:t>
+            </a:r>
+            <a:r>
+              <a:rPr lang="en-US" sz="1200" dirty="0">
+                <a:solidFill>
+                  <a:srgbClr val="003E82"/>
+                </a:solidFill>
+                <a:latin typeface="Arial" charset="0"/>
+                <a:ea typeface="Arial" charset="0"/>
+                <a:cs typeface="Arial" charset="0"/>
+              </a:rPr>
+              <a:t>/sandbox/103526/. (</a:t>
+            </a:r>
+            <a:r>
+              <a:rPr lang="en-US" sz="1200" dirty="0" err="1">
+                <a:solidFill>
+                  <a:srgbClr val="003E82"/>
+                </a:solidFill>
+                <a:latin typeface="Arial" charset="0"/>
+                <a:ea typeface="Arial" charset="0"/>
+                <a:cs typeface="Arial" charset="0"/>
+              </a:rPr>
+              <a:t>Дата</a:t>
+            </a:r>
+            <a:r>
+              <a:rPr lang="en-US" sz="1200" dirty="0">
+                <a:solidFill>
+                  <a:srgbClr val="003E82"/>
+                </a:solidFill>
+                <a:latin typeface="Arial" charset="0"/>
+                <a:ea typeface="Arial" charset="0"/>
+                <a:cs typeface="Arial" charset="0"/>
+              </a:rPr>
+              <a:t> </a:t>
+            </a:r>
+            <a:r>
+              <a:rPr lang="en-US" sz="1200" dirty="0" err="1">
+                <a:solidFill>
+                  <a:srgbClr val="003E82"/>
+                </a:solidFill>
+                <a:latin typeface="Arial" charset="0"/>
+                <a:ea typeface="Arial" charset="0"/>
+                <a:cs typeface="Arial" charset="0"/>
+              </a:rPr>
+              <a:t>обращения</a:t>
+            </a:r>
+            <a:r>
+              <a:rPr lang="en-US" sz="1200" dirty="0">
+                <a:solidFill>
+                  <a:srgbClr val="003E82"/>
+                </a:solidFill>
+                <a:latin typeface="Arial" charset="0"/>
+                <a:ea typeface="Arial" charset="0"/>
+                <a:cs typeface="Arial" charset="0"/>
+              </a:rPr>
+              <a:t>: 18.10.2017</a:t>
+            </a:r>
+            <a:r>
+              <a:rPr lang="en-US" sz="1200" dirty="0" smtClean="0">
+                <a:solidFill>
+                  <a:srgbClr val="003E82"/>
+                </a:solidFill>
+                <a:latin typeface="Arial" charset="0"/>
+                <a:ea typeface="Arial" charset="0"/>
+                <a:cs typeface="Arial" charset="0"/>
+              </a:rPr>
+              <a:t>).</a:t>
+            </a:r>
+            <a:endParaRPr lang="ru-RU" sz="1200" dirty="0" smtClean="0">
+              <a:solidFill>
+                <a:srgbClr val="003E82"/>
+              </a:solidFill>
+              <a:latin typeface="Arial" charset="0"/>
+              <a:ea typeface="Arial" charset="0"/>
+              <a:cs typeface="Arial" charset="0"/>
+            </a:endParaRPr>
+          </a:p>
+          <a:p>
+            <a:pPr marL="342900" indent="-342900" algn="just">
               <a:buFont typeface="+mj-lt"/>
               <a:buAutoNum type="arabicPeriod"/>
             </a:pPr>
             <a:r>
-              <a:rPr lang="ru-RU" sz="1200" dirty="0" err="1">
-                <a:solidFill>
-                  <a:srgbClr val="003E82"/>
-                </a:solidFill>
-                <a:latin typeface="Arial" charset="0"/>
-                <a:ea typeface="Arial" charset="0"/>
-                <a:cs typeface="Arial" charset="0"/>
-              </a:rPr>
-              <a:t>The</a:t>
+              <a:rPr lang="ru-RU" sz="1200" dirty="0" smtClean="0">
+                <a:solidFill>
+                  <a:srgbClr val="003E82"/>
+                </a:solidFill>
+                <a:latin typeface="Arial" charset="0"/>
+                <a:ea typeface="Arial" charset="0"/>
+                <a:cs typeface="Arial" charset="0"/>
+              </a:rPr>
+              <a:t>Правильная </a:t>
             </a:r>
             <a:r>
               <a:rPr lang="ru-RU" sz="1200" dirty="0">
@@ -8370,178 +8924,406 @@
                 <a:ea typeface="Arial" charset="0"/>
                 <a:cs typeface="Arial" charset="0"/>
               </a:rPr>
+              <a:t>работа с БД в </a:t>
+            </a:r>
+            <a:r>
+              <a:rPr lang="en-US" sz="1200" dirty="0">
+                <a:solidFill>
+                  <a:srgbClr val="003E82"/>
+                </a:solidFill>
+                <a:latin typeface="Arial" charset="0"/>
+                <a:ea typeface="Arial" charset="0"/>
+                <a:cs typeface="Arial" charset="0"/>
+              </a:rPr>
+              <a:t>Android</a:t>
+            </a:r>
+            <a:r>
+              <a:rPr lang="ru-RU" sz="1200" dirty="0">
+                <a:solidFill>
+                  <a:srgbClr val="003E82"/>
+                </a:solidFill>
+                <a:latin typeface="Arial" charset="0"/>
+                <a:ea typeface="Arial" charset="0"/>
+                <a:cs typeface="Arial" charset="0"/>
+              </a:rPr>
+              <a:t>: [Электронный ресурс] // Крупнейший в</a:t>
+            </a:r>
+            <a:r>
+              <a:rPr lang="en-US" sz="1200" dirty="0">
+                <a:solidFill>
+                  <a:srgbClr val="003E82"/>
+                </a:solidFill>
+                <a:latin typeface="Arial" charset="0"/>
+                <a:ea typeface="Arial" charset="0"/>
+                <a:cs typeface="Arial" charset="0"/>
+              </a:rPr>
+              <a:t> </a:t>
+            </a:r>
+            <a:r>
+              <a:rPr lang="ru-RU" sz="1200" dirty="0">
+                <a:solidFill>
+                  <a:srgbClr val="003E82"/>
+                </a:solidFill>
+                <a:latin typeface="Arial" charset="0"/>
+                <a:ea typeface="Arial" charset="0"/>
+                <a:cs typeface="Arial" charset="0"/>
+              </a:rPr>
+              <a:t>Европе ресурс для </a:t>
+            </a:r>
+            <a:r>
+              <a:rPr lang="en-US" sz="1200" dirty="0">
+                <a:solidFill>
+                  <a:srgbClr val="003E82"/>
+                </a:solidFill>
+                <a:latin typeface="Arial" charset="0"/>
+                <a:ea typeface="Arial" charset="0"/>
+                <a:cs typeface="Arial" charset="0"/>
+              </a:rPr>
+              <a:t>IT</a:t>
+            </a:r>
+            <a:r>
+              <a:rPr lang="ru-RU" sz="1200" dirty="0">
+                <a:solidFill>
+                  <a:srgbClr val="003E82"/>
+                </a:solidFill>
+                <a:latin typeface="Arial" charset="0"/>
+                <a:ea typeface="Arial" charset="0"/>
+                <a:cs typeface="Arial" charset="0"/>
+              </a:rPr>
+              <a:t>-специалистов </a:t>
+            </a:r>
+            <a:r>
+              <a:rPr lang="en-US" sz="1200" dirty="0" err="1">
+                <a:solidFill>
+                  <a:srgbClr val="003E82"/>
+                </a:solidFill>
+                <a:latin typeface="Arial" charset="0"/>
+                <a:ea typeface="Arial" charset="0"/>
+                <a:cs typeface="Arial" charset="0"/>
+              </a:rPr>
+              <a:t>Habrahabr</a:t>
+            </a:r>
+            <a:r>
+              <a:rPr lang="ru-RU" sz="1200" dirty="0">
+                <a:solidFill>
+                  <a:srgbClr val="003E82"/>
+                </a:solidFill>
+                <a:latin typeface="Arial" charset="0"/>
+                <a:ea typeface="Arial" charset="0"/>
+                <a:cs typeface="Arial" charset="0"/>
+              </a:rPr>
+              <a:t>. </a:t>
+            </a:r>
+            <a:r>
+              <a:rPr lang="en-US" sz="1200" dirty="0" err="1">
+                <a:solidFill>
+                  <a:srgbClr val="003E82"/>
+                </a:solidFill>
+                <a:latin typeface="Arial" charset="0"/>
+                <a:ea typeface="Arial" charset="0"/>
+                <a:cs typeface="Arial" charset="0"/>
+              </a:rPr>
+              <a:t>М</a:t>
+            </a:r>
+            <a:r>
+              <a:rPr lang="en-US" sz="1200" dirty="0">
+                <a:solidFill>
+                  <a:srgbClr val="003E82"/>
+                </a:solidFill>
+                <a:latin typeface="Arial" charset="0"/>
+                <a:ea typeface="Arial" charset="0"/>
+                <a:cs typeface="Arial" charset="0"/>
+              </a:rPr>
+              <a:t>., 2006-20017. URL: https://</a:t>
+            </a:r>
+            <a:r>
+              <a:rPr lang="en-US" sz="1200" dirty="0" err="1">
+                <a:solidFill>
+                  <a:srgbClr val="003E82"/>
+                </a:solidFill>
+                <a:latin typeface="Arial" charset="0"/>
+                <a:ea typeface="Arial" charset="0"/>
+                <a:cs typeface="Arial" charset="0"/>
+              </a:rPr>
+              <a:t>habrahabr.ru</a:t>
+            </a:r>
+            <a:r>
+              <a:rPr lang="en-US" sz="1200" dirty="0">
+                <a:solidFill>
+                  <a:srgbClr val="003E82"/>
+                </a:solidFill>
+                <a:latin typeface="Arial" charset="0"/>
+                <a:ea typeface="Arial" charset="0"/>
+                <a:cs typeface="Arial" charset="0"/>
+              </a:rPr>
+              <a:t>/sandbox/103526/. (</a:t>
+            </a:r>
+            <a:r>
+              <a:rPr lang="en-US" sz="1200" dirty="0" err="1">
+                <a:solidFill>
+                  <a:srgbClr val="003E82"/>
+                </a:solidFill>
+                <a:latin typeface="Arial" charset="0"/>
+                <a:ea typeface="Arial" charset="0"/>
+                <a:cs typeface="Arial" charset="0"/>
+              </a:rPr>
+              <a:t>Дата</a:t>
+            </a:r>
+            <a:r>
+              <a:rPr lang="en-US" sz="1200" dirty="0">
+                <a:solidFill>
+                  <a:srgbClr val="003E82"/>
+                </a:solidFill>
+                <a:latin typeface="Arial" charset="0"/>
+                <a:ea typeface="Arial" charset="0"/>
+                <a:cs typeface="Arial" charset="0"/>
+              </a:rPr>
               <a:t> </a:t>
             </a:r>
             <a:r>
-              <a:rPr lang="ru-RU" sz="1200" dirty="0" err="1">
-                <a:solidFill>
-                  <a:srgbClr val="003E82"/>
-                </a:solidFill>
-                <a:latin typeface="Arial" charset="0"/>
-                <a:ea typeface="Arial" charset="0"/>
-                <a:cs typeface="Arial" charset="0"/>
-              </a:rPr>
-              <a:t>Busy</a:t>
-            </a:r>
-            <a:r>
-              <a:rPr lang="ru-RU" sz="1200" dirty="0">
-                <a:solidFill>
-                  <a:srgbClr val="003E82"/>
-                </a:solidFill>
-                <a:latin typeface="Arial" charset="0"/>
-                <a:ea typeface="Arial" charset="0"/>
-                <a:cs typeface="Arial" charset="0"/>
-              </a:rPr>
-              <a:t> </a:t>
-            </a:r>
-            <a:r>
-              <a:rPr lang="ru-RU" sz="1200" dirty="0" err="1">
-                <a:solidFill>
-                  <a:srgbClr val="003E82"/>
-                </a:solidFill>
-                <a:latin typeface="Arial" charset="0"/>
-                <a:ea typeface="Arial" charset="0"/>
-                <a:cs typeface="Arial" charset="0"/>
-              </a:rPr>
-              <a:t>Coder's</a:t>
-            </a:r>
-            <a:r>
-              <a:rPr lang="ru-RU" sz="1200" dirty="0">
-                <a:solidFill>
-                  <a:srgbClr val="003E82"/>
-                </a:solidFill>
-                <a:latin typeface="Arial" charset="0"/>
-                <a:ea typeface="Arial" charset="0"/>
-                <a:cs typeface="Arial" charset="0"/>
-              </a:rPr>
-              <a:t> </a:t>
-            </a:r>
-            <a:r>
-              <a:rPr lang="ru-RU" sz="1200" dirty="0" err="1">
-                <a:solidFill>
-                  <a:srgbClr val="003E82"/>
-                </a:solidFill>
-                <a:latin typeface="Arial" charset="0"/>
-                <a:ea typeface="Arial" charset="0"/>
-                <a:cs typeface="Arial" charset="0"/>
-              </a:rPr>
-              <a:t>Guide</a:t>
-            </a:r>
-            <a:r>
-              <a:rPr lang="ru-RU" sz="1200" dirty="0">
-                <a:solidFill>
-                  <a:srgbClr val="003E82"/>
-                </a:solidFill>
-                <a:latin typeface="Arial" charset="0"/>
-                <a:ea typeface="Arial" charset="0"/>
-                <a:cs typeface="Arial" charset="0"/>
-              </a:rPr>
-              <a:t> </a:t>
-            </a:r>
-            <a:r>
-              <a:rPr lang="ru-RU" sz="1200" dirty="0" err="1">
-                <a:solidFill>
-                  <a:srgbClr val="003E82"/>
-                </a:solidFill>
-                <a:latin typeface="Arial" charset="0"/>
-                <a:ea typeface="Arial" charset="0"/>
-                <a:cs typeface="Arial" charset="0"/>
-              </a:rPr>
-              <a:t>to</a:t>
-            </a:r>
-            <a:r>
-              <a:rPr lang="ru-RU" sz="1200" dirty="0">
-                <a:solidFill>
-                  <a:srgbClr val="003E82"/>
-                </a:solidFill>
-                <a:latin typeface="Arial" charset="0"/>
-                <a:ea typeface="Arial" charset="0"/>
-                <a:cs typeface="Arial" charset="0"/>
-              </a:rPr>
-              <a:t> Android </a:t>
-            </a:r>
-            <a:r>
-              <a:rPr lang="ru-RU" sz="1200" dirty="0" err="1">
-                <a:solidFill>
-                  <a:srgbClr val="003E82"/>
-                </a:solidFill>
-                <a:latin typeface="Arial" charset="0"/>
-                <a:ea typeface="Arial" charset="0"/>
-                <a:cs typeface="Arial" charset="0"/>
-              </a:rPr>
-              <a:t>Development</a:t>
-            </a:r>
-            <a:r>
-              <a:rPr lang="ru-RU" sz="1200" dirty="0">
-                <a:solidFill>
-                  <a:srgbClr val="003E82"/>
-                </a:solidFill>
-                <a:latin typeface="Arial" charset="0"/>
-                <a:ea typeface="Arial" charset="0"/>
-                <a:cs typeface="Arial" charset="0"/>
-              </a:rPr>
-              <a:t>: [Электронный ресурс]. М., 2011-2017. URL: </a:t>
-            </a:r>
-            <a:r>
-              <a:rPr lang="ru-RU" sz="1200" dirty="0" err="1">
-                <a:solidFill>
-                  <a:srgbClr val="003E82"/>
-                </a:solidFill>
-                <a:latin typeface="Arial" charset="0"/>
-                <a:ea typeface="Arial" charset="0"/>
-                <a:cs typeface="Arial" charset="0"/>
-              </a:rPr>
-              <a:t>https</a:t>
-            </a:r>
-            <a:r>
-              <a:rPr lang="ru-RU" sz="1200" dirty="0">
-                <a:solidFill>
-                  <a:srgbClr val="003E82"/>
-                </a:solidFill>
-                <a:latin typeface="Arial" charset="0"/>
-                <a:ea typeface="Arial" charset="0"/>
-                <a:cs typeface="Arial" charset="0"/>
-              </a:rPr>
-              <a:t>://</a:t>
-            </a:r>
-            <a:r>
-              <a:rPr lang="ru-RU" sz="1200" dirty="0" err="1">
-                <a:solidFill>
-                  <a:srgbClr val="003E82"/>
-                </a:solidFill>
-                <a:latin typeface="Arial" charset="0"/>
-                <a:ea typeface="Arial" charset="0"/>
-                <a:cs typeface="Arial" charset="0"/>
-              </a:rPr>
-              <a:t>commonsware.com</a:t>
-            </a:r>
-            <a:r>
-              <a:rPr lang="ru-RU" sz="1200" dirty="0">
-                <a:solidFill>
-                  <a:srgbClr val="003E82"/>
-                </a:solidFill>
-                <a:latin typeface="Arial" charset="0"/>
-                <a:ea typeface="Arial" charset="0"/>
-                <a:cs typeface="Arial" charset="0"/>
-              </a:rPr>
-              <a:t>/Android/. (Дата обращения: 18.10.2017).</a:t>
-            </a:r>
-          </a:p>
-          <a:p>
-            <a:pPr marL="342900" lvl="0" indent="-342900">
+              <a:rPr lang="en-US" sz="1200" dirty="0" err="1">
+                <a:solidFill>
+                  <a:srgbClr val="003E82"/>
+                </a:solidFill>
+                <a:latin typeface="Arial" charset="0"/>
+                <a:ea typeface="Arial" charset="0"/>
+                <a:cs typeface="Arial" charset="0"/>
+              </a:rPr>
+              <a:t>обращения</a:t>
+            </a:r>
+            <a:r>
+              <a:rPr lang="en-US" sz="1200" dirty="0">
+                <a:solidFill>
+                  <a:srgbClr val="003E82"/>
+                </a:solidFill>
+                <a:latin typeface="Arial" charset="0"/>
+                <a:ea typeface="Arial" charset="0"/>
+                <a:cs typeface="Arial" charset="0"/>
+              </a:rPr>
+              <a:t>: 18.10.2017</a:t>
+            </a:r>
+            <a:r>
+              <a:rPr lang="en-US" sz="1200" dirty="0" smtClean="0">
+                <a:solidFill>
+                  <a:srgbClr val="003E82"/>
+                </a:solidFill>
+                <a:latin typeface="Arial" charset="0"/>
+                <a:ea typeface="Arial" charset="0"/>
+                <a:cs typeface="Arial" charset="0"/>
+              </a:rPr>
+              <a:t>).</a:t>
+            </a:r>
+            <a:endParaRPr lang="ru-RU" sz="1200" dirty="0" smtClean="0">
+              <a:solidFill>
+                <a:srgbClr val="003E82"/>
+              </a:solidFill>
+              <a:latin typeface="Arial" charset="0"/>
+              <a:ea typeface="Arial" charset="0"/>
+              <a:cs typeface="Arial" charset="0"/>
+            </a:endParaRPr>
+          </a:p>
+          <a:p>
+            <a:pPr marL="342900" indent="-342900" algn="just">
               <a:buFont typeface="+mj-lt"/>
               <a:buAutoNum type="arabicPeriod"/>
             </a:pPr>
             <a:r>
-              <a:rPr lang="ru-RU" sz="1200" dirty="0" err="1">
-                <a:solidFill>
-                  <a:srgbClr val="003E82"/>
-                </a:solidFill>
-                <a:latin typeface="Arial" charset="0"/>
-                <a:ea typeface="Arial" charset="0"/>
-                <a:cs typeface="Arial" charset="0"/>
-              </a:rPr>
-              <a:t>Филлипс</a:t>
+              <a:rPr lang="en-US" sz="1200" dirty="0" err="1">
+                <a:solidFill>
+                  <a:srgbClr val="003E82"/>
+                </a:solidFill>
+                <a:latin typeface="Arial" charset="0"/>
+                <a:ea typeface="Arial" charset="0"/>
+                <a:cs typeface="Arial" charset="0"/>
+              </a:rPr>
+              <a:t>Сайт</a:t>
+            </a:r>
+            <a:r>
+              <a:rPr lang="en-US" sz="1200" dirty="0">
+                <a:solidFill>
+                  <a:srgbClr val="003E82"/>
+                </a:solidFill>
+                <a:latin typeface="Arial" charset="0"/>
+                <a:ea typeface="Arial" charset="0"/>
+                <a:cs typeface="Arial" charset="0"/>
+              </a:rPr>
+              <a:t> </a:t>
+            </a:r>
+            <a:r>
+              <a:rPr lang="en-US" sz="1200" dirty="0" err="1">
+                <a:solidFill>
+                  <a:srgbClr val="003E82"/>
+                </a:solidFill>
+                <a:latin typeface="Arial" charset="0"/>
+                <a:ea typeface="Arial" charset="0"/>
+                <a:cs typeface="Arial" charset="0"/>
+              </a:rPr>
+              <a:t>для</a:t>
+            </a:r>
+            <a:r>
+              <a:rPr lang="en-US" sz="1200" dirty="0">
+                <a:solidFill>
+                  <a:srgbClr val="003E82"/>
+                </a:solidFill>
+                <a:latin typeface="Arial" charset="0"/>
+                <a:ea typeface="Arial" charset="0"/>
+                <a:cs typeface="Arial" charset="0"/>
+              </a:rPr>
+              <a:t> </a:t>
+            </a:r>
+            <a:r>
+              <a:rPr lang="en-US" sz="1200" dirty="0" err="1">
+                <a:solidFill>
+                  <a:srgbClr val="003E82"/>
+                </a:solidFill>
+                <a:latin typeface="Arial" charset="0"/>
+                <a:ea typeface="Arial" charset="0"/>
+                <a:cs typeface="Arial" charset="0"/>
+              </a:rPr>
+              <a:t>мам</a:t>
+            </a:r>
+            <a:r>
+              <a:rPr lang="en-US" sz="1200" dirty="0">
+                <a:solidFill>
+                  <a:srgbClr val="003E82"/>
+                </a:solidFill>
+                <a:latin typeface="Arial" charset="0"/>
+                <a:ea typeface="Arial" charset="0"/>
+                <a:cs typeface="Arial" charset="0"/>
+              </a:rPr>
+              <a:t> </a:t>
+            </a:r>
+            <a:r>
+              <a:rPr lang="en-US" sz="1200" dirty="0" err="1">
+                <a:solidFill>
+                  <a:srgbClr val="003E82"/>
+                </a:solidFill>
+                <a:latin typeface="Arial" charset="0"/>
+                <a:ea typeface="Arial" charset="0"/>
+                <a:cs typeface="Arial" charset="0"/>
+              </a:rPr>
+              <a:t>и</a:t>
+            </a:r>
+            <a:r>
+              <a:rPr lang="en-US" sz="1200" dirty="0">
+                <a:solidFill>
+                  <a:srgbClr val="003E82"/>
+                </a:solidFill>
+                <a:latin typeface="Arial" charset="0"/>
+                <a:ea typeface="Arial" charset="0"/>
+                <a:cs typeface="Arial" charset="0"/>
+              </a:rPr>
+              <a:t> </a:t>
+            </a:r>
+            <a:r>
+              <a:rPr lang="en-US" sz="1200" dirty="0" err="1">
+                <a:solidFill>
+                  <a:srgbClr val="003E82"/>
+                </a:solidFill>
+                <a:latin typeface="Arial" charset="0"/>
+                <a:ea typeface="Arial" charset="0"/>
+                <a:cs typeface="Arial" charset="0"/>
+              </a:rPr>
+              <a:t>будущих</a:t>
+            </a:r>
+            <a:r>
+              <a:rPr lang="en-US" sz="1200" dirty="0">
+                <a:solidFill>
+                  <a:srgbClr val="003E82"/>
+                </a:solidFill>
+                <a:latin typeface="Arial" charset="0"/>
+                <a:ea typeface="Arial" charset="0"/>
+                <a:cs typeface="Arial" charset="0"/>
+              </a:rPr>
+              <a:t> </a:t>
+            </a:r>
+            <a:r>
+              <a:rPr lang="en-US" sz="1200" dirty="0" err="1">
+                <a:solidFill>
+                  <a:srgbClr val="003E82"/>
+                </a:solidFill>
+                <a:latin typeface="Arial" charset="0"/>
+                <a:ea typeface="Arial" charset="0"/>
+                <a:cs typeface="Arial" charset="0"/>
+              </a:rPr>
+              <a:t>мам</a:t>
+            </a:r>
+            <a:r>
+              <a:rPr lang="en-US" sz="1200" dirty="0">
+                <a:solidFill>
+                  <a:srgbClr val="003E82"/>
+                </a:solidFill>
+                <a:latin typeface="Arial" charset="0"/>
+                <a:ea typeface="Arial" charset="0"/>
+                <a:cs typeface="Arial" charset="0"/>
+              </a:rPr>
+              <a:t>: [</a:t>
+            </a:r>
+            <a:r>
+              <a:rPr lang="en-US" sz="1200" dirty="0" err="1">
+                <a:solidFill>
+                  <a:srgbClr val="003E82"/>
+                </a:solidFill>
+                <a:latin typeface="Arial" charset="0"/>
+                <a:ea typeface="Arial" charset="0"/>
+                <a:cs typeface="Arial" charset="0"/>
+              </a:rPr>
+              <a:t>Электронный</a:t>
+            </a:r>
+            <a:r>
+              <a:rPr lang="en-US" sz="1200" dirty="0">
+                <a:solidFill>
+                  <a:srgbClr val="003E82"/>
+                </a:solidFill>
+                <a:latin typeface="Arial" charset="0"/>
+                <a:ea typeface="Arial" charset="0"/>
+                <a:cs typeface="Arial" charset="0"/>
+              </a:rPr>
+              <a:t> </a:t>
+            </a:r>
+            <a:r>
+              <a:rPr lang="en-US" sz="1200" dirty="0" err="1">
+                <a:solidFill>
+                  <a:srgbClr val="003E82"/>
+                </a:solidFill>
+                <a:latin typeface="Arial" charset="0"/>
+                <a:ea typeface="Arial" charset="0"/>
+                <a:cs typeface="Arial" charset="0"/>
+              </a:rPr>
+              <a:t>ресурс</a:t>
+            </a:r>
+            <a:r>
+              <a:rPr lang="en-US" sz="1200" dirty="0">
+                <a:solidFill>
+                  <a:srgbClr val="003E82"/>
+                </a:solidFill>
+                <a:latin typeface="Arial" charset="0"/>
+                <a:ea typeface="Arial" charset="0"/>
+                <a:cs typeface="Arial" charset="0"/>
+              </a:rPr>
+              <a:t>]. </a:t>
+            </a:r>
+            <a:r>
+              <a:rPr lang="en-US" sz="1200" dirty="0" err="1">
+                <a:solidFill>
+                  <a:srgbClr val="003E82"/>
+                </a:solidFill>
+                <a:latin typeface="Arial" charset="0"/>
+                <a:ea typeface="Arial" charset="0"/>
+                <a:cs typeface="Arial" charset="0"/>
+              </a:rPr>
+              <a:t>М</a:t>
+            </a:r>
+            <a:r>
+              <a:rPr lang="en-US" sz="1200" dirty="0">
+                <a:solidFill>
+                  <a:srgbClr val="003E82"/>
+                </a:solidFill>
+                <a:latin typeface="Arial" charset="0"/>
+                <a:ea typeface="Arial" charset="0"/>
+                <a:cs typeface="Arial" charset="0"/>
+              </a:rPr>
+              <a:t>., 2006-2017. URL</a:t>
             </a:r>
             <a:r>
               <a:rPr lang="ru-RU" sz="1200" dirty="0">
@@ -8552,18 +9334,18 @@
                 <a:ea typeface="Arial" charset="0"/>
                 <a:cs typeface="Arial" charset="0"/>
               </a:rPr>
-              <a:t> Б., Стюарт К., </a:t>
-            </a:r>
-            <a:r>
-              <a:rPr lang="ru-RU" sz="1200" dirty="0" err="1">
-                <a:solidFill>
-                  <a:srgbClr val="003E82"/>
-                </a:solidFill>
-                <a:latin typeface="Arial" charset="0"/>
-                <a:ea typeface="Arial" charset="0"/>
-                <a:cs typeface="Arial" charset="0"/>
-              </a:rPr>
-              <a:t>Марсикано</a:t>
+              <a:t>: </a:t>
+            </a:r>
+            <a:r>
+              <a:rPr lang="en-US" sz="1200" dirty="0">
+                <a:solidFill>
+                  <a:srgbClr val="003E82"/>
+                </a:solidFill>
+                <a:latin typeface="Arial" charset="0"/>
+                <a:ea typeface="Arial" charset="0"/>
+                <a:cs typeface="Arial" charset="0"/>
+              </a:rPr>
+              <a:t>http</a:t>
             </a:r>
             <a:r>
               <a:rPr lang="ru-RU" sz="1200" dirty="0">
@@ -8574,15 +9356,169 @@
                 <a:ea typeface="Arial" charset="0"/>
                 <a:cs typeface="Arial" charset="0"/>
               </a:rPr>
-              <a:t> К. Android. Программирование для профессионалов. 3-е издание. — СПб.: Питер, 2017. — 688 с.</a:t>
-            </a:r>
-          </a:p>
-          <a:p>
-            <a:pPr marL="342900" lvl="0" indent="-342900">
+              <a:t>://</a:t>
+            </a:r>
+            <a:r>
+              <a:rPr lang="en-US" sz="1200" dirty="0">
+                <a:solidFill>
+                  <a:srgbClr val="003E82"/>
+                </a:solidFill>
+                <a:latin typeface="Arial" charset="0"/>
+                <a:ea typeface="Arial" charset="0"/>
+                <a:cs typeface="Arial" charset="0"/>
+              </a:rPr>
+              <a:t>mama</a:t>
+            </a:r>
+            <a:r>
+              <a:rPr lang="ru-RU" sz="1200" dirty="0">
+                <a:solidFill>
+                  <a:srgbClr val="003E82"/>
+                </a:solidFill>
+                <a:latin typeface="Arial" charset="0"/>
+                <a:ea typeface="Arial" charset="0"/>
+                <a:cs typeface="Arial" charset="0"/>
+              </a:rPr>
+              <a:t>66.</a:t>
+            </a:r>
+            <a:r>
+              <a:rPr lang="en-US" sz="1200" dirty="0">
+                <a:solidFill>
+                  <a:srgbClr val="003E82"/>
+                </a:solidFill>
+                <a:latin typeface="Arial" charset="0"/>
+                <a:ea typeface="Arial" charset="0"/>
+                <a:cs typeface="Arial" charset="0"/>
+              </a:rPr>
+              <a:t>ru</a:t>
+            </a:r>
+            <a:r>
+              <a:rPr lang="ru-RU" sz="1200" dirty="0">
+                <a:solidFill>
+                  <a:srgbClr val="003E82"/>
+                </a:solidFill>
+                <a:latin typeface="Arial" charset="0"/>
+                <a:ea typeface="Arial" charset="0"/>
+                <a:cs typeface="Arial" charset="0"/>
+              </a:rPr>
+              <a:t>/</a:t>
+            </a:r>
+            <a:r>
+              <a:rPr lang="en-US" sz="1200" dirty="0" err="1">
+                <a:solidFill>
+                  <a:srgbClr val="003E82"/>
+                </a:solidFill>
+                <a:latin typeface="Arial" charset="0"/>
+                <a:ea typeface="Arial" charset="0"/>
+                <a:cs typeface="Arial" charset="0"/>
+              </a:rPr>
+              <a:t>privivki</a:t>
+            </a:r>
+            <a:r>
+              <a:rPr lang="ru-RU" sz="1200" dirty="0">
+                <a:solidFill>
+                  <a:srgbClr val="003E82"/>
+                </a:solidFill>
+                <a:latin typeface="Arial" charset="0"/>
+                <a:ea typeface="Arial" charset="0"/>
+                <a:cs typeface="Arial" charset="0"/>
+              </a:rPr>
+              <a:t>/</a:t>
+            </a:r>
+            <a:r>
+              <a:rPr lang="en-US" sz="1200" dirty="0" err="1">
+                <a:solidFill>
+                  <a:srgbClr val="003E82"/>
+                </a:solidFill>
+                <a:latin typeface="Arial" charset="0"/>
+                <a:ea typeface="Arial" charset="0"/>
+                <a:cs typeface="Arial" charset="0"/>
+              </a:rPr>
+              <a:t>vakcinacia</a:t>
+            </a:r>
+            <a:r>
+              <a:rPr lang="ru-RU" sz="1200" dirty="0">
+                <a:solidFill>
+                  <a:srgbClr val="003E82"/>
+                </a:solidFill>
+                <a:latin typeface="Arial" charset="0"/>
+                <a:ea typeface="Arial" charset="0"/>
+                <a:cs typeface="Arial" charset="0"/>
+              </a:rPr>
+              <a:t>-</a:t>
+            </a:r>
+            <a:r>
+              <a:rPr lang="en-US" sz="1200" dirty="0">
+                <a:solidFill>
+                  <a:srgbClr val="003E82"/>
+                </a:solidFill>
+                <a:latin typeface="Arial" charset="0"/>
+                <a:ea typeface="Arial" charset="0"/>
+                <a:cs typeface="Arial" charset="0"/>
+              </a:rPr>
+              <a:t>do</a:t>
+            </a:r>
+            <a:r>
+              <a:rPr lang="ru-RU" sz="1200" dirty="0">
+                <a:solidFill>
+                  <a:srgbClr val="003E82"/>
+                </a:solidFill>
+                <a:latin typeface="Arial" charset="0"/>
+                <a:ea typeface="Arial" charset="0"/>
+                <a:cs typeface="Arial" charset="0"/>
+              </a:rPr>
+              <a:t>-</a:t>
+            </a:r>
+            <a:r>
+              <a:rPr lang="en-US" sz="1200" dirty="0" err="1">
+                <a:solidFill>
+                  <a:srgbClr val="003E82"/>
+                </a:solidFill>
+                <a:latin typeface="Arial" charset="0"/>
+                <a:ea typeface="Arial" charset="0"/>
+                <a:cs typeface="Arial" charset="0"/>
+              </a:rPr>
+              <a:t>goda</a:t>
+            </a:r>
+            <a:r>
+              <a:rPr lang="ru-RU" sz="1200" dirty="0">
+                <a:solidFill>
+                  <a:srgbClr val="003E82"/>
+                </a:solidFill>
+                <a:latin typeface="Arial" charset="0"/>
+                <a:ea typeface="Arial" charset="0"/>
+                <a:cs typeface="Arial" charset="0"/>
+              </a:rPr>
+              <a:t>. (Дата обращения: 18.10.2017</a:t>
+            </a:r>
+            <a:r>
+              <a:rPr lang="ru-RU" sz="1200" dirty="0" smtClean="0">
+                <a:solidFill>
+                  <a:srgbClr val="003E82"/>
+                </a:solidFill>
+                <a:latin typeface="Arial" charset="0"/>
+                <a:ea typeface="Arial" charset="0"/>
+                <a:cs typeface="Arial" charset="0"/>
+              </a:rPr>
+              <a:t>).</a:t>
+            </a:r>
+          </a:p>
+          <a:p>
+            <a:pPr marL="342900" indent="-342900" algn="just">
               <a:buFont typeface="+mj-lt"/>
               <a:buAutoNum type="arabicPeriod"/>
             </a:pPr>
             <a:r>
+              <a:rPr lang="en-US" sz="1200" dirty="0" err="1">
+                <a:solidFill>
+                  <a:srgbClr val="003E82"/>
+                </a:solidFill>
+                <a:latin typeface="Arial" charset="0"/>
+                <a:ea typeface="Arial" charset="0"/>
+                <a:cs typeface="Arial" charset="0"/>
+              </a:rPr>
+              <a:t>Сайт</a:t>
+            </a:r>
+            <a:r>
               <a:rPr lang="en-US" sz="1200" dirty="0">
                 <a:solidFill>
                   <a:srgbClr val="003E82"/>
@@ -8591,6 +9527,1015 @@
                 <a:ea typeface="Arial" charset="0"/>
                 <a:cs typeface="Arial" charset="0"/>
               </a:rPr>
+              <a:t> </a:t>
+            </a:r>
+            <a:r>
+              <a:rPr lang="en-US" sz="1200" dirty="0" err="1">
+                <a:solidFill>
+                  <a:srgbClr val="003E82"/>
+                </a:solidFill>
+                <a:latin typeface="Arial" charset="0"/>
+                <a:ea typeface="Arial" charset="0"/>
+                <a:cs typeface="Arial" charset="0"/>
+              </a:rPr>
+              <a:t>о</a:t>
+            </a:r>
+            <a:r>
+              <a:rPr lang="en-US" sz="1200" dirty="0">
+                <a:solidFill>
+                  <a:srgbClr val="003E82"/>
+                </a:solidFill>
+                <a:latin typeface="Arial" charset="0"/>
+                <a:ea typeface="Arial" charset="0"/>
+                <a:cs typeface="Arial" charset="0"/>
+              </a:rPr>
+              <a:t> </a:t>
+            </a:r>
+            <a:r>
+              <a:rPr lang="en-US" sz="1200" dirty="0" err="1">
+                <a:solidFill>
+                  <a:srgbClr val="003E82"/>
+                </a:solidFill>
+                <a:latin typeface="Arial" charset="0"/>
+                <a:ea typeface="Arial" charset="0"/>
+                <a:cs typeface="Arial" charset="0"/>
+              </a:rPr>
+              <a:t>беременности</a:t>
+            </a:r>
+            <a:r>
+              <a:rPr lang="en-US" sz="1200" dirty="0">
+                <a:solidFill>
+                  <a:srgbClr val="003E82"/>
+                </a:solidFill>
+                <a:latin typeface="Arial" charset="0"/>
+                <a:ea typeface="Arial" charset="0"/>
+                <a:cs typeface="Arial" charset="0"/>
+              </a:rPr>
+              <a:t> </a:t>
+            </a:r>
+            <a:r>
+              <a:rPr lang="en-US" sz="1200" dirty="0" err="1">
+                <a:solidFill>
+                  <a:srgbClr val="003E82"/>
+                </a:solidFill>
+                <a:latin typeface="Arial" charset="0"/>
+                <a:ea typeface="Arial" charset="0"/>
+                <a:cs typeface="Arial" charset="0"/>
+              </a:rPr>
+              <a:t>и</a:t>
+            </a:r>
+            <a:r>
+              <a:rPr lang="en-US" sz="1200" dirty="0">
+                <a:solidFill>
+                  <a:srgbClr val="003E82"/>
+                </a:solidFill>
+                <a:latin typeface="Arial" charset="0"/>
+                <a:ea typeface="Arial" charset="0"/>
+                <a:cs typeface="Arial" charset="0"/>
+              </a:rPr>
+              <a:t> </a:t>
+            </a:r>
+            <a:r>
+              <a:rPr lang="en-US" sz="1200" dirty="0" err="1">
+                <a:solidFill>
+                  <a:srgbClr val="003E82"/>
+                </a:solidFill>
+                <a:latin typeface="Arial" charset="0"/>
+                <a:ea typeface="Arial" charset="0"/>
+                <a:cs typeface="Arial" charset="0"/>
+              </a:rPr>
+              <a:t>материнстве</a:t>
+            </a:r>
+            <a:r>
+              <a:rPr lang="en-US" sz="1200" dirty="0">
+                <a:solidFill>
+                  <a:srgbClr val="003E82"/>
+                </a:solidFill>
+                <a:latin typeface="Arial" charset="0"/>
+                <a:ea typeface="Arial" charset="0"/>
+                <a:cs typeface="Arial" charset="0"/>
+              </a:rPr>
+              <a:t>: [</a:t>
+            </a:r>
+            <a:r>
+              <a:rPr lang="en-US" sz="1200" dirty="0" err="1">
+                <a:solidFill>
+                  <a:srgbClr val="003E82"/>
+                </a:solidFill>
+                <a:latin typeface="Arial" charset="0"/>
+                <a:ea typeface="Arial" charset="0"/>
+                <a:cs typeface="Arial" charset="0"/>
+              </a:rPr>
+              <a:t>Электронный</a:t>
+            </a:r>
+            <a:r>
+              <a:rPr lang="en-US" sz="1200" dirty="0">
+                <a:solidFill>
+                  <a:srgbClr val="003E82"/>
+                </a:solidFill>
+                <a:latin typeface="Arial" charset="0"/>
+                <a:ea typeface="Arial" charset="0"/>
+                <a:cs typeface="Arial" charset="0"/>
+              </a:rPr>
+              <a:t> </a:t>
+            </a:r>
+            <a:r>
+              <a:rPr lang="en-US" sz="1200" dirty="0" err="1">
+                <a:solidFill>
+                  <a:srgbClr val="003E82"/>
+                </a:solidFill>
+                <a:latin typeface="Arial" charset="0"/>
+                <a:ea typeface="Arial" charset="0"/>
+                <a:cs typeface="Arial" charset="0"/>
+              </a:rPr>
+              <a:t>ресурс</a:t>
+            </a:r>
+            <a:r>
+              <a:rPr lang="en-US" sz="1200" dirty="0">
+                <a:solidFill>
+                  <a:srgbClr val="003E82"/>
+                </a:solidFill>
+                <a:latin typeface="Arial" charset="0"/>
+                <a:ea typeface="Arial" charset="0"/>
+                <a:cs typeface="Arial" charset="0"/>
+              </a:rPr>
+              <a:t>]. </a:t>
+            </a:r>
+            <a:r>
+              <a:rPr lang="en-US" sz="1200" dirty="0" err="1">
+                <a:solidFill>
+                  <a:srgbClr val="003E82"/>
+                </a:solidFill>
+                <a:latin typeface="Arial" charset="0"/>
+                <a:ea typeface="Arial" charset="0"/>
+                <a:cs typeface="Arial" charset="0"/>
+              </a:rPr>
+              <a:t>М</a:t>
+            </a:r>
+            <a:r>
+              <a:rPr lang="en-US" sz="1200" dirty="0">
+                <a:solidFill>
+                  <a:srgbClr val="003E82"/>
+                </a:solidFill>
+                <a:latin typeface="Arial" charset="0"/>
+                <a:ea typeface="Arial" charset="0"/>
+                <a:cs typeface="Arial" charset="0"/>
+              </a:rPr>
+              <a:t>., 2005-2017. URL: https://</a:t>
+            </a:r>
+            <a:r>
+              <a:rPr lang="en-US" sz="1200" dirty="0" err="1">
+                <a:solidFill>
+                  <a:srgbClr val="003E82"/>
+                </a:solidFill>
+                <a:latin typeface="Arial" charset="0"/>
+                <a:ea typeface="Arial" charset="0"/>
+                <a:cs typeface="Arial" charset="0"/>
+              </a:rPr>
+              <a:t>www.babyblog.ru</a:t>
+            </a:r>
+            <a:r>
+              <a:rPr lang="en-US" sz="1200" dirty="0">
+                <a:solidFill>
+                  <a:srgbClr val="003E82"/>
+                </a:solidFill>
+                <a:latin typeface="Arial" charset="0"/>
+                <a:ea typeface="Arial" charset="0"/>
+                <a:cs typeface="Arial" charset="0"/>
+              </a:rPr>
+              <a:t>/. (</a:t>
+            </a:r>
+            <a:r>
+              <a:rPr lang="en-US" sz="1200" dirty="0" err="1">
+                <a:solidFill>
+                  <a:srgbClr val="003E82"/>
+                </a:solidFill>
+                <a:latin typeface="Arial" charset="0"/>
+                <a:ea typeface="Arial" charset="0"/>
+                <a:cs typeface="Arial" charset="0"/>
+              </a:rPr>
+              <a:t>Дата</a:t>
+            </a:r>
+            <a:r>
+              <a:rPr lang="en-US" sz="1200" dirty="0">
+                <a:solidFill>
+                  <a:srgbClr val="003E82"/>
+                </a:solidFill>
+                <a:latin typeface="Arial" charset="0"/>
+                <a:ea typeface="Arial" charset="0"/>
+                <a:cs typeface="Arial" charset="0"/>
+              </a:rPr>
+              <a:t> </a:t>
+            </a:r>
+            <a:r>
+              <a:rPr lang="en-US" sz="1200" dirty="0" err="1">
+                <a:solidFill>
+                  <a:srgbClr val="003E82"/>
+                </a:solidFill>
+                <a:latin typeface="Arial" charset="0"/>
+                <a:ea typeface="Arial" charset="0"/>
+                <a:cs typeface="Arial" charset="0"/>
+              </a:rPr>
+              <a:t>обращения</a:t>
+            </a:r>
+            <a:r>
+              <a:rPr lang="en-US" sz="1200" dirty="0">
+                <a:solidFill>
+                  <a:srgbClr val="003E82"/>
+                </a:solidFill>
+                <a:latin typeface="Arial" charset="0"/>
+                <a:ea typeface="Arial" charset="0"/>
+                <a:cs typeface="Arial" charset="0"/>
+              </a:rPr>
+              <a:t>: 18.10.2017</a:t>
+            </a:r>
+            <a:r>
+              <a:rPr lang="en-US" sz="1200" dirty="0" smtClean="0">
+                <a:solidFill>
+                  <a:srgbClr val="003E82"/>
+                </a:solidFill>
+                <a:latin typeface="Arial" charset="0"/>
+                <a:ea typeface="Arial" charset="0"/>
+                <a:cs typeface="Arial" charset="0"/>
+              </a:rPr>
+              <a:t>).</a:t>
+            </a:r>
+            <a:endParaRPr lang="ru-RU" sz="1200" dirty="0" smtClean="0">
+              <a:solidFill>
+                <a:srgbClr val="003E82"/>
+              </a:solidFill>
+              <a:latin typeface="Arial" charset="0"/>
+              <a:ea typeface="Arial" charset="0"/>
+              <a:cs typeface="Arial" charset="0"/>
+            </a:endParaRPr>
+          </a:p>
+          <a:p>
+            <a:pPr marL="342900" lvl="0" indent="-342900" algn="just">
+              <a:buFont typeface="+mj-lt"/>
+              <a:buAutoNum type="arabicPeriod"/>
+            </a:pPr>
+            <a:r>
+              <a:rPr lang="ru-RU" sz="1200" dirty="0" smtClean="0">
+                <a:solidFill>
+                  <a:srgbClr val="003E82"/>
+                </a:solidFill>
+                <a:latin typeface="Arial" charset="0"/>
+                <a:ea typeface="Arial" charset="0"/>
+                <a:cs typeface="Arial" charset="0"/>
+              </a:rPr>
+              <a:t>Сайт </a:t>
+            </a:r>
+            <a:r>
+              <a:rPr lang="ru-RU" sz="1200" dirty="0">
+                <a:solidFill>
+                  <a:srgbClr val="003E82"/>
+                </a:solidFill>
+                <a:latin typeface="Arial" charset="0"/>
+                <a:ea typeface="Arial" charset="0"/>
+                <a:cs typeface="Arial" charset="0"/>
+              </a:rPr>
+              <a:t>по обучению разработке приложений под Android: [Электронный ресурс]. М., 2011-2017. URL: </a:t>
+            </a:r>
+            <a:r>
+              <a:rPr lang="ru-RU" sz="1200" dirty="0" err="1">
+                <a:solidFill>
+                  <a:srgbClr val="003E82"/>
+                </a:solidFill>
+                <a:latin typeface="Arial" charset="0"/>
+                <a:ea typeface="Arial" charset="0"/>
+                <a:cs typeface="Arial" charset="0"/>
+              </a:rPr>
+              <a:t>http</a:t>
+            </a:r>
+            <a:r>
+              <a:rPr lang="ru-RU" sz="1200" dirty="0">
+                <a:solidFill>
+                  <a:srgbClr val="003E82"/>
+                </a:solidFill>
+                <a:latin typeface="Arial" charset="0"/>
+                <a:ea typeface="Arial" charset="0"/>
+                <a:cs typeface="Arial" charset="0"/>
+              </a:rPr>
+              <a:t>://</a:t>
+            </a:r>
+            <a:r>
+              <a:rPr lang="ru-RU" sz="1200" dirty="0" err="1">
+                <a:solidFill>
+                  <a:srgbClr val="003E82"/>
+                </a:solidFill>
+                <a:latin typeface="Arial" charset="0"/>
+                <a:ea typeface="Arial" charset="0"/>
+                <a:cs typeface="Arial" charset="0"/>
+              </a:rPr>
+              <a:t>startandroid.ru</a:t>
+            </a:r>
+            <a:r>
+              <a:rPr lang="ru-RU" sz="1200" dirty="0">
+                <a:solidFill>
+                  <a:srgbClr val="003E82"/>
+                </a:solidFill>
+                <a:latin typeface="Arial" charset="0"/>
+                <a:ea typeface="Arial" charset="0"/>
+                <a:cs typeface="Arial" charset="0"/>
+              </a:rPr>
+              <a:t>/ru/. (Дата обращения: 18.10.2017</a:t>
+            </a:r>
+            <a:r>
+              <a:rPr lang="ru-RU" sz="1200" dirty="0" smtClean="0">
+                <a:solidFill>
+                  <a:srgbClr val="003E82"/>
+                </a:solidFill>
+                <a:latin typeface="Arial" charset="0"/>
+                <a:ea typeface="Arial" charset="0"/>
+                <a:cs typeface="Arial" charset="0"/>
+              </a:rPr>
+              <a:t>).</a:t>
+            </a:r>
+          </a:p>
+          <a:p>
+            <a:pPr marL="342900" lvl="0" indent="-342900" algn="just">
+              <a:buFont typeface="+mj-lt"/>
+              <a:buAutoNum type="arabicPeriod"/>
+            </a:pPr>
+            <a:r>
+              <a:rPr lang="ru-RU" sz="1200" dirty="0">
+                <a:solidFill>
+                  <a:srgbClr val="003E82"/>
+                </a:solidFill>
+                <a:latin typeface="Arial" charset="0"/>
+                <a:ea typeface="Arial" charset="0"/>
+                <a:cs typeface="Arial" charset="0"/>
+              </a:rPr>
+              <a:t>Сайт </a:t>
+            </a:r>
+            <a:r>
+              <a:rPr lang="ru-RU" sz="1200" dirty="0" smtClean="0">
+                <a:solidFill>
+                  <a:srgbClr val="003E82"/>
+                </a:solidFill>
+                <a:latin typeface="Arial" charset="0"/>
+                <a:ea typeface="Arial" charset="0"/>
+                <a:cs typeface="Arial" charset="0"/>
+              </a:rPr>
+              <a:t>сервиса </a:t>
+            </a:r>
+            <a:r>
+              <a:rPr lang="en-US" sz="1200" dirty="0" smtClean="0">
+                <a:solidFill>
+                  <a:srgbClr val="003E82"/>
+                </a:solidFill>
+                <a:latin typeface="Arial" charset="0"/>
+                <a:ea typeface="Arial" charset="0"/>
+                <a:cs typeface="Arial" charset="0"/>
+              </a:rPr>
+              <a:t>Firebase</a:t>
+            </a:r>
+            <a:r>
+              <a:rPr lang="ru-RU" sz="1200" dirty="0" smtClean="0">
+                <a:solidFill>
+                  <a:srgbClr val="003E82"/>
+                </a:solidFill>
+                <a:latin typeface="Arial" charset="0"/>
+                <a:ea typeface="Arial" charset="0"/>
+                <a:cs typeface="Arial" charset="0"/>
+              </a:rPr>
+              <a:t>: </a:t>
+            </a:r>
+            <a:r>
+              <a:rPr lang="ru-RU" sz="1200" dirty="0">
+                <a:solidFill>
+                  <a:srgbClr val="003E82"/>
+                </a:solidFill>
+                <a:latin typeface="Arial" charset="0"/>
+                <a:ea typeface="Arial" charset="0"/>
+                <a:cs typeface="Arial" charset="0"/>
+              </a:rPr>
+              <a:t>[Электронный ресурс]. М., </a:t>
+            </a:r>
+            <a:r>
+              <a:rPr lang="ru-RU" sz="1200" dirty="0" smtClean="0">
+                <a:solidFill>
+                  <a:srgbClr val="003E82"/>
+                </a:solidFill>
+                <a:latin typeface="Arial" charset="0"/>
+                <a:ea typeface="Arial" charset="0"/>
+                <a:cs typeface="Arial" charset="0"/>
+              </a:rPr>
+              <a:t>201</a:t>
+            </a:r>
+            <a:r>
+              <a:rPr lang="en-US" sz="1200" dirty="0" smtClean="0">
+                <a:solidFill>
+                  <a:srgbClr val="003E82"/>
+                </a:solidFill>
+                <a:latin typeface="Arial" charset="0"/>
+                <a:ea typeface="Arial" charset="0"/>
+                <a:cs typeface="Arial" charset="0"/>
+              </a:rPr>
+              <a:t>2</a:t>
+            </a:r>
+            <a:r>
+              <a:rPr lang="ru-RU" sz="1200" dirty="0" smtClean="0">
+                <a:solidFill>
+                  <a:srgbClr val="003E82"/>
+                </a:solidFill>
+                <a:latin typeface="Arial" charset="0"/>
+                <a:ea typeface="Arial" charset="0"/>
+                <a:cs typeface="Arial" charset="0"/>
+              </a:rPr>
+              <a:t>-2017</a:t>
+            </a:r>
+            <a:r>
+              <a:rPr lang="ru-RU" sz="1200" dirty="0">
+                <a:solidFill>
+                  <a:srgbClr val="003E82"/>
+                </a:solidFill>
+                <a:latin typeface="Arial" charset="0"/>
+                <a:ea typeface="Arial" charset="0"/>
+                <a:cs typeface="Arial" charset="0"/>
+              </a:rPr>
+              <a:t>. URL: </a:t>
+            </a:r>
+            <a:r>
+              <a:rPr lang="en-US" sz="1200" dirty="0">
+                <a:solidFill>
+                  <a:srgbClr val="003E82"/>
+                </a:solidFill>
+                <a:latin typeface="Arial" charset="0"/>
+                <a:ea typeface="Arial" charset="0"/>
+                <a:cs typeface="Arial" charset="0"/>
+              </a:rPr>
+              <a:t>https://</a:t>
+            </a:r>
+            <a:r>
+              <a:rPr lang="en-US" sz="1200" dirty="0" err="1">
+                <a:solidFill>
+                  <a:srgbClr val="003E82"/>
+                </a:solidFill>
+                <a:latin typeface="Arial" charset="0"/>
+                <a:ea typeface="Arial" charset="0"/>
+                <a:cs typeface="Arial" charset="0"/>
+              </a:rPr>
+              <a:t>www.firebase.com</a:t>
+            </a:r>
+            <a:r>
+              <a:rPr lang="en-US" sz="1200" dirty="0" smtClean="0">
+                <a:solidFill>
+                  <a:srgbClr val="003E82"/>
+                </a:solidFill>
+                <a:latin typeface="Arial" charset="0"/>
+                <a:ea typeface="Arial" charset="0"/>
+                <a:cs typeface="Arial" charset="0"/>
+              </a:rPr>
+              <a:t>/</a:t>
+            </a:r>
+            <a:r>
+              <a:rPr lang="ru-RU" sz="1200" dirty="0" smtClean="0">
+                <a:solidFill>
+                  <a:srgbClr val="003E82"/>
+                </a:solidFill>
+                <a:latin typeface="Arial" charset="0"/>
+                <a:ea typeface="Arial" charset="0"/>
+                <a:cs typeface="Arial" charset="0"/>
+              </a:rPr>
+              <a:t>. </a:t>
+            </a:r>
+            <a:r>
+              <a:rPr lang="ru-RU" sz="1200" dirty="0">
+                <a:solidFill>
+                  <a:srgbClr val="003E82"/>
+                </a:solidFill>
+                <a:latin typeface="Arial" charset="0"/>
+                <a:ea typeface="Arial" charset="0"/>
+                <a:cs typeface="Arial" charset="0"/>
+              </a:rPr>
+              <a:t>(Дата обращения: </a:t>
+            </a:r>
+            <a:r>
+              <a:rPr lang="en-US" sz="1200" dirty="0" smtClean="0">
+                <a:solidFill>
+                  <a:srgbClr val="003E82"/>
+                </a:solidFill>
+                <a:latin typeface="Arial" charset="0"/>
+                <a:ea typeface="Arial" charset="0"/>
+                <a:cs typeface="Arial" charset="0"/>
+              </a:rPr>
+              <a:t>17</a:t>
+            </a:r>
+            <a:r>
+              <a:rPr lang="ru-RU" sz="1200" dirty="0" smtClean="0">
+                <a:solidFill>
+                  <a:srgbClr val="003E82"/>
+                </a:solidFill>
+                <a:latin typeface="Arial" charset="0"/>
+                <a:ea typeface="Arial" charset="0"/>
+                <a:cs typeface="Arial" charset="0"/>
+              </a:rPr>
+              <a:t>.1</a:t>
+            </a:r>
+            <a:r>
+              <a:rPr lang="en-US" sz="1200" dirty="0" smtClean="0">
+                <a:solidFill>
+                  <a:srgbClr val="003E82"/>
+                </a:solidFill>
+                <a:latin typeface="Arial" charset="0"/>
+                <a:ea typeface="Arial" charset="0"/>
+                <a:cs typeface="Arial" charset="0"/>
+              </a:rPr>
+              <a:t>1</a:t>
+            </a:r>
+            <a:r>
+              <a:rPr lang="ru-RU" sz="1200" dirty="0" smtClean="0">
+                <a:solidFill>
+                  <a:srgbClr val="003E82"/>
+                </a:solidFill>
+                <a:latin typeface="Arial" charset="0"/>
+                <a:ea typeface="Arial" charset="0"/>
+                <a:cs typeface="Arial" charset="0"/>
+              </a:rPr>
+              <a:t>.2017</a:t>
+            </a:r>
+            <a:r>
+              <a:rPr lang="ru-RU" sz="1200" dirty="0">
+                <a:solidFill>
+                  <a:srgbClr val="003E82"/>
+                </a:solidFill>
+                <a:latin typeface="Arial" charset="0"/>
+                <a:ea typeface="Arial" charset="0"/>
+                <a:cs typeface="Arial" charset="0"/>
+              </a:rPr>
+              <a:t>).</a:t>
+            </a:r>
+          </a:p>
+          <a:p>
+            <a:pPr marL="342900" indent="-342900" algn="just">
+              <a:buFont typeface="+mj-lt"/>
+              <a:buAutoNum type="arabicPeriod"/>
+            </a:pPr>
+            <a:r>
+              <a:rPr lang="ru-RU" sz="1200" dirty="0" smtClean="0">
+                <a:solidFill>
+                  <a:srgbClr val="003E82"/>
+                </a:solidFill>
+                <a:latin typeface="Arial" charset="0"/>
+                <a:ea typeface="Arial" charset="0"/>
+                <a:cs typeface="Arial" charset="0"/>
+              </a:rPr>
+              <a:t>Сайт </a:t>
+            </a:r>
+            <a:r>
+              <a:rPr lang="ru-RU" sz="1200" dirty="0">
+                <a:solidFill>
+                  <a:srgbClr val="003E82"/>
+                </a:solidFill>
+                <a:latin typeface="Arial" charset="0"/>
+                <a:ea typeface="Arial" charset="0"/>
+                <a:cs typeface="Arial" charset="0"/>
+              </a:rPr>
+              <a:t>фитнес-браслета </a:t>
+            </a:r>
+            <a:r>
+              <a:rPr lang="en-US" sz="1200" dirty="0" err="1">
+                <a:solidFill>
+                  <a:srgbClr val="003E82"/>
+                </a:solidFill>
+                <a:latin typeface="Arial" charset="0"/>
+                <a:ea typeface="Arial" charset="0"/>
+                <a:cs typeface="Arial" charset="0"/>
+              </a:rPr>
+              <a:t>Mi</a:t>
+            </a:r>
+            <a:r>
+              <a:rPr lang="en-US" sz="1200" dirty="0">
+                <a:solidFill>
+                  <a:srgbClr val="003E82"/>
+                </a:solidFill>
+                <a:latin typeface="Arial" charset="0"/>
+                <a:ea typeface="Arial" charset="0"/>
+                <a:cs typeface="Arial" charset="0"/>
+              </a:rPr>
+              <a:t> band</a:t>
+            </a:r>
+            <a:r>
+              <a:rPr lang="ru-RU" sz="1200" dirty="0">
+                <a:solidFill>
+                  <a:srgbClr val="003E82"/>
+                </a:solidFill>
+                <a:latin typeface="Arial" charset="0"/>
+                <a:ea typeface="Arial" charset="0"/>
+                <a:cs typeface="Arial" charset="0"/>
+              </a:rPr>
+              <a:t>: [Электронный ресурс]. </a:t>
+            </a:r>
+            <a:r>
+              <a:rPr lang="en-US" sz="1200" dirty="0">
+                <a:solidFill>
+                  <a:srgbClr val="003E82"/>
+                </a:solidFill>
+                <a:latin typeface="Arial" charset="0"/>
+                <a:ea typeface="Arial" charset="0"/>
+                <a:cs typeface="Arial" charset="0"/>
+              </a:rPr>
+              <a:t>2010-2017. URL: http://</a:t>
+            </a:r>
+            <a:r>
+              <a:rPr lang="en-US" sz="1200" dirty="0" err="1">
+                <a:solidFill>
+                  <a:srgbClr val="003E82"/>
+                </a:solidFill>
+                <a:latin typeface="Arial" charset="0"/>
+                <a:ea typeface="Arial" charset="0"/>
+                <a:cs typeface="Arial" charset="0"/>
+              </a:rPr>
+              <a:t>www.mi.com</a:t>
+            </a:r>
+            <a:r>
+              <a:rPr lang="en-US" sz="1200" dirty="0">
+                <a:solidFill>
+                  <a:srgbClr val="003E82"/>
+                </a:solidFill>
+                <a:latin typeface="Arial" charset="0"/>
+                <a:ea typeface="Arial" charset="0"/>
+                <a:cs typeface="Arial" charset="0"/>
+              </a:rPr>
+              <a:t>/</a:t>
+            </a:r>
+            <a:r>
+              <a:rPr lang="en-US" sz="1200" dirty="0" err="1">
+                <a:solidFill>
+                  <a:srgbClr val="003E82"/>
+                </a:solidFill>
+                <a:latin typeface="Arial" charset="0"/>
+                <a:ea typeface="Arial" charset="0"/>
+                <a:cs typeface="Arial" charset="0"/>
+              </a:rPr>
+              <a:t>en</a:t>
+            </a:r>
+            <a:r>
+              <a:rPr lang="en-US" sz="1200" dirty="0">
+                <a:solidFill>
+                  <a:srgbClr val="003E82"/>
+                </a:solidFill>
+                <a:latin typeface="Arial" charset="0"/>
+                <a:ea typeface="Arial" charset="0"/>
+                <a:cs typeface="Arial" charset="0"/>
+              </a:rPr>
+              <a:t>/</a:t>
+            </a:r>
+            <a:r>
+              <a:rPr lang="en-US" sz="1200" dirty="0" err="1">
+                <a:solidFill>
+                  <a:srgbClr val="003E82"/>
+                </a:solidFill>
+                <a:latin typeface="Arial" charset="0"/>
+                <a:ea typeface="Arial" charset="0"/>
+                <a:cs typeface="Arial" charset="0"/>
+              </a:rPr>
+              <a:t>miband</a:t>
+            </a:r>
+            <a:r>
+              <a:rPr lang="en-US" sz="1200" dirty="0">
+                <a:solidFill>
+                  <a:srgbClr val="003E82"/>
+                </a:solidFill>
+                <a:latin typeface="Arial" charset="0"/>
+                <a:ea typeface="Arial" charset="0"/>
+                <a:cs typeface="Arial" charset="0"/>
+              </a:rPr>
+              <a:t>/. (</a:t>
+            </a:r>
+            <a:r>
+              <a:rPr lang="en-US" sz="1200" dirty="0" err="1">
+                <a:solidFill>
+                  <a:srgbClr val="003E82"/>
+                </a:solidFill>
+                <a:latin typeface="Arial" charset="0"/>
+                <a:ea typeface="Arial" charset="0"/>
+                <a:cs typeface="Arial" charset="0"/>
+              </a:rPr>
+              <a:t>Дата</a:t>
+            </a:r>
+            <a:r>
+              <a:rPr lang="en-US" sz="1200" dirty="0">
+                <a:solidFill>
+                  <a:srgbClr val="003E82"/>
+                </a:solidFill>
+                <a:latin typeface="Arial" charset="0"/>
+                <a:ea typeface="Arial" charset="0"/>
+                <a:cs typeface="Arial" charset="0"/>
+              </a:rPr>
+              <a:t> </a:t>
+            </a:r>
+            <a:r>
+              <a:rPr lang="en-US" sz="1200" dirty="0" err="1">
+                <a:solidFill>
+                  <a:srgbClr val="003E82"/>
+                </a:solidFill>
+                <a:latin typeface="Arial" charset="0"/>
+                <a:ea typeface="Arial" charset="0"/>
+                <a:cs typeface="Arial" charset="0"/>
+              </a:rPr>
+              <a:t>обращения</a:t>
+            </a:r>
+            <a:r>
+              <a:rPr lang="en-US" sz="1200" dirty="0">
+                <a:solidFill>
+                  <a:srgbClr val="003E82"/>
+                </a:solidFill>
+                <a:latin typeface="Arial" charset="0"/>
+                <a:ea typeface="Arial" charset="0"/>
+                <a:cs typeface="Arial" charset="0"/>
+              </a:rPr>
+              <a:t>: 18.10.2017</a:t>
+            </a:r>
+            <a:r>
+              <a:rPr lang="en-US" sz="1200" dirty="0" smtClean="0">
+                <a:solidFill>
+                  <a:srgbClr val="003E82"/>
+                </a:solidFill>
+                <a:latin typeface="Arial" charset="0"/>
+                <a:ea typeface="Arial" charset="0"/>
+                <a:cs typeface="Arial" charset="0"/>
+              </a:rPr>
+              <a:t>).</a:t>
+            </a:r>
+            <a:endParaRPr lang="ru-RU" sz="1200" dirty="0" smtClean="0">
+              <a:solidFill>
+                <a:srgbClr val="003E82"/>
+              </a:solidFill>
+              <a:latin typeface="Arial" charset="0"/>
+              <a:ea typeface="Arial" charset="0"/>
+              <a:cs typeface="Arial" charset="0"/>
+            </a:endParaRPr>
+          </a:p>
+          <a:p>
+            <a:pPr marL="342900" lvl="0" indent="-342900" algn="just">
+              <a:buFont typeface="+mj-lt"/>
+              <a:buAutoNum type="arabicPeriod"/>
+            </a:pPr>
+            <a:r>
+              <a:rPr lang="en-US" sz="1200" dirty="0" err="1" smtClean="0">
+                <a:solidFill>
+                  <a:srgbClr val="003E82"/>
+                </a:solidFill>
+                <a:latin typeface="Arial" charset="0"/>
+                <a:ea typeface="Arial" charset="0"/>
+                <a:cs typeface="Arial" charset="0"/>
+              </a:rPr>
+              <a:t>Социальная</a:t>
+            </a:r>
+            <a:r>
+              <a:rPr lang="en-US" sz="1200" dirty="0" smtClean="0">
+                <a:solidFill>
+                  <a:srgbClr val="003E82"/>
+                </a:solidFill>
+                <a:latin typeface="Arial" charset="0"/>
+                <a:ea typeface="Arial" charset="0"/>
+                <a:cs typeface="Arial" charset="0"/>
+              </a:rPr>
+              <a:t> </a:t>
+            </a:r>
+            <a:r>
+              <a:rPr lang="en-US" sz="1200" dirty="0" err="1">
+                <a:solidFill>
+                  <a:srgbClr val="003E82"/>
+                </a:solidFill>
+                <a:latin typeface="Arial" charset="0"/>
+                <a:ea typeface="Arial" charset="0"/>
+                <a:cs typeface="Arial" charset="0"/>
+              </a:rPr>
+              <a:t>сеть</a:t>
+            </a:r>
+            <a:r>
+              <a:rPr lang="en-US" sz="1200" dirty="0">
+                <a:solidFill>
+                  <a:srgbClr val="003E82"/>
+                </a:solidFill>
+                <a:latin typeface="Arial" charset="0"/>
+                <a:ea typeface="Arial" charset="0"/>
+                <a:cs typeface="Arial" charset="0"/>
+              </a:rPr>
+              <a:t> </a:t>
+            </a:r>
+            <a:r>
+              <a:rPr lang="en-US" sz="1200" dirty="0" err="1">
+                <a:solidFill>
+                  <a:srgbClr val="003E82"/>
+                </a:solidFill>
+                <a:latin typeface="Arial" charset="0"/>
+                <a:ea typeface="Arial" charset="0"/>
+                <a:cs typeface="Arial" charset="0"/>
+              </a:rPr>
+              <a:t>для</a:t>
+            </a:r>
+            <a:r>
+              <a:rPr lang="en-US" sz="1200" dirty="0">
+                <a:solidFill>
+                  <a:srgbClr val="003E82"/>
+                </a:solidFill>
+                <a:latin typeface="Arial" charset="0"/>
+                <a:ea typeface="Arial" charset="0"/>
+                <a:cs typeface="Arial" charset="0"/>
+              </a:rPr>
+              <a:t> </a:t>
+            </a:r>
+            <a:r>
+              <a:rPr lang="en-US" sz="1200" dirty="0" err="1">
+                <a:solidFill>
+                  <a:srgbClr val="003E82"/>
+                </a:solidFill>
+                <a:latin typeface="Arial" charset="0"/>
+                <a:ea typeface="Arial" charset="0"/>
+                <a:cs typeface="Arial" charset="0"/>
+              </a:rPr>
+              <a:t>мам</a:t>
+            </a:r>
+            <a:r>
+              <a:rPr lang="en-US" sz="1200" dirty="0">
+                <a:solidFill>
+                  <a:srgbClr val="003E82"/>
+                </a:solidFill>
+                <a:latin typeface="Arial" charset="0"/>
+                <a:ea typeface="Arial" charset="0"/>
+                <a:cs typeface="Arial" charset="0"/>
+              </a:rPr>
+              <a:t>: [</a:t>
+            </a:r>
+            <a:r>
+              <a:rPr lang="en-US" sz="1200" dirty="0" err="1">
+                <a:solidFill>
+                  <a:srgbClr val="003E82"/>
+                </a:solidFill>
+                <a:latin typeface="Arial" charset="0"/>
+                <a:ea typeface="Arial" charset="0"/>
+                <a:cs typeface="Arial" charset="0"/>
+              </a:rPr>
+              <a:t>Электронный</a:t>
+            </a:r>
+            <a:r>
+              <a:rPr lang="en-US" sz="1200" dirty="0">
+                <a:solidFill>
+                  <a:srgbClr val="003E82"/>
+                </a:solidFill>
+                <a:latin typeface="Arial" charset="0"/>
+                <a:ea typeface="Arial" charset="0"/>
+                <a:cs typeface="Arial" charset="0"/>
+              </a:rPr>
+              <a:t> </a:t>
+            </a:r>
+            <a:r>
+              <a:rPr lang="en-US" sz="1200" dirty="0" err="1">
+                <a:solidFill>
+                  <a:srgbClr val="003E82"/>
+                </a:solidFill>
+                <a:latin typeface="Arial" charset="0"/>
+                <a:ea typeface="Arial" charset="0"/>
+                <a:cs typeface="Arial" charset="0"/>
+              </a:rPr>
+              <a:t>ресурс</a:t>
+            </a:r>
+            <a:r>
+              <a:rPr lang="en-US" sz="1200" dirty="0">
+                <a:solidFill>
+                  <a:srgbClr val="003E82"/>
+                </a:solidFill>
+                <a:latin typeface="Arial" charset="0"/>
+                <a:ea typeface="Arial" charset="0"/>
+                <a:cs typeface="Arial" charset="0"/>
+              </a:rPr>
+              <a:t>]. </a:t>
+            </a:r>
+            <a:r>
+              <a:rPr lang="en-US" sz="1200" dirty="0" err="1">
+                <a:solidFill>
+                  <a:srgbClr val="003E82"/>
+                </a:solidFill>
+                <a:latin typeface="Arial" charset="0"/>
+                <a:ea typeface="Arial" charset="0"/>
+                <a:cs typeface="Arial" charset="0"/>
+              </a:rPr>
+              <a:t>М</a:t>
+            </a:r>
+            <a:r>
+              <a:rPr lang="en-US" sz="1200" dirty="0">
+                <a:solidFill>
+                  <a:srgbClr val="003E82"/>
+                </a:solidFill>
+                <a:latin typeface="Arial" charset="0"/>
+                <a:ea typeface="Arial" charset="0"/>
+                <a:cs typeface="Arial" charset="0"/>
+              </a:rPr>
+              <a:t>., 2009-2017. URL: http://</a:t>
+            </a:r>
+            <a:r>
+              <a:rPr lang="en-US" sz="1200" dirty="0" err="1">
+                <a:solidFill>
+                  <a:srgbClr val="003E82"/>
+                </a:solidFill>
+                <a:latin typeface="Arial" charset="0"/>
+                <a:ea typeface="Arial" charset="0"/>
+                <a:cs typeface="Arial" charset="0"/>
+              </a:rPr>
+              <a:t>www.stranamam.ru</a:t>
+            </a:r>
+            <a:r>
+              <a:rPr lang="en-US" sz="1200" dirty="0">
+                <a:solidFill>
+                  <a:srgbClr val="003E82"/>
+                </a:solidFill>
+                <a:latin typeface="Arial" charset="0"/>
+                <a:ea typeface="Arial" charset="0"/>
+                <a:cs typeface="Arial" charset="0"/>
+              </a:rPr>
+              <a:t>/. </a:t>
+            </a:r>
+            <a:r>
+              <a:rPr lang="ru-RU" sz="1200" dirty="0">
+                <a:solidFill>
+                  <a:srgbClr val="003E82"/>
+                </a:solidFill>
+                <a:latin typeface="Arial" charset="0"/>
+                <a:ea typeface="Arial" charset="0"/>
+                <a:cs typeface="Arial" charset="0"/>
+              </a:rPr>
+              <a:t>(Дата обращения: 18.10.2017</a:t>
+            </a:r>
+            <a:r>
+              <a:rPr lang="ru-RU" sz="1200" dirty="0" smtClean="0">
+                <a:solidFill>
+                  <a:srgbClr val="003E82"/>
+                </a:solidFill>
+                <a:latin typeface="Arial" charset="0"/>
+                <a:ea typeface="Arial" charset="0"/>
+                <a:cs typeface="Arial" charset="0"/>
+              </a:rPr>
+              <a:t>).</a:t>
+            </a:r>
+          </a:p>
+          <a:p>
+            <a:pPr marL="342900" indent="-342900" algn="just">
+              <a:buFont typeface="+mj-lt"/>
+              <a:buAutoNum type="arabicPeriod"/>
+            </a:pPr>
+            <a:r>
+              <a:rPr lang="ru-RU" sz="1200" dirty="0" err="1">
+                <a:solidFill>
+                  <a:srgbClr val="003E82"/>
+                </a:solidFill>
+                <a:latin typeface="Arial" charset="0"/>
+                <a:ea typeface="Arial" charset="0"/>
+                <a:cs typeface="Arial" charset="0"/>
+              </a:rPr>
+              <a:t>Филлипс</a:t>
+            </a:r>
+            <a:r>
+              <a:rPr lang="ru-RU" sz="1200" dirty="0">
+                <a:solidFill>
+                  <a:srgbClr val="003E82"/>
+                </a:solidFill>
+                <a:latin typeface="Arial" charset="0"/>
+                <a:ea typeface="Arial" charset="0"/>
+                <a:cs typeface="Arial" charset="0"/>
+              </a:rPr>
+              <a:t> Б., Стюарт К., </a:t>
+            </a:r>
+            <a:r>
+              <a:rPr lang="ru-RU" sz="1200" dirty="0" err="1">
+                <a:solidFill>
+                  <a:srgbClr val="003E82"/>
+                </a:solidFill>
+                <a:latin typeface="Arial" charset="0"/>
+                <a:ea typeface="Arial" charset="0"/>
+                <a:cs typeface="Arial" charset="0"/>
+              </a:rPr>
+              <a:t>Марсикано</a:t>
+            </a:r>
+            <a:r>
+              <a:rPr lang="ru-RU" sz="1200" dirty="0">
+                <a:solidFill>
+                  <a:srgbClr val="003E82"/>
+                </a:solidFill>
+                <a:latin typeface="Arial" charset="0"/>
+                <a:ea typeface="Arial" charset="0"/>
+                <a:cs typeface="Arial" charset="0"/>
+              </a:rPr>
+              <a:t> К. Android. Программирование для профессионалов. 3-е издание. — СПб.: Питер, 2017. — 688 с.</a:t>
+            </a:r>
+          </a:p>
+          <a:p>
+            <a:pPr marL="342900" indent="-342900" algn="just">
+              <a:buFont typeface="+mj-lt"/>
+              <a:buAutoNum type="arabicPeriod"/>
+            </a:pPr>
+            <a:r>
+              <a:rPr lang="en-US" sz="1200" dirty="0">
+                <a:solidFill>
+                  <a:srgbClr val="003E82"/>
+                </a:solidFill>
+                <a:latin typeface="Arial" charset="0"/>
+                <a:ea typeface="Arial" charset="0"/>
+                <a:cs typeface="Arial" charset="0"/>
+              </a:rPr>
               <a:t>Bloch. J. Effective Java: Programming Language Guide. — UK.: Addison-Wesley, 2001. — 272 </a:t>
             </a:r>
             <a:r>
@@ -8605,7 +10550,7 @@
               <a:t>с</a:t>
             </a:r>
             <a:r>
-              <a:rPr lang="en-US" sz="1200" dirty="0">
+              <a:rPr lang="en-US" sz="1200" dirty="0" smtClean="0">
                 <a:solidFill>
                   <a:srgbClr val="003E82"/>
                 </a:solidFill>
@@ -8625,11 +10570,44 @@
             </a:endParaRPr>
           </a:p>
           <a:p>
-            <a:pPr marL="342900" lvl="0" indent="-342900">
+            <a:pPr marL="342900" lvl="0" indent="-342900" algn="just">
               <a:buFont typeface="+mj-lt"/>
               <a:buAutoNum type="arabicPeriod"/>
             </a:pPr>
             <a:r>
+              <a:rPr lang="en-US" sz="1200" dirty="0">
+                <a:solidFill>
+                  <a:srgbClr val="003E82"/>
+                </a:solidFill>
+                <a:latin typeface="Arial" charset="0"/>
+                <a:ea typeface="Arial" charset="0"/>
+                <a:cs typeface="Arial" charset="0"/>
+              </a:rPr>
+              <a:t>Google Android Guidelines: [</a:t>
+            </a:r>
+            <a:r>
+              <a:rPr lang="ru-RU" sz="1200" dirty="0">
+                <a:solidFill>
+                  <a:srgbClr val="003E82"/>
+                </a:solidFill>
+                <a:latin typeface="Arial" charset="0"/>
+                <a:ea typeface="Arial" charset="0"/>
+                <a:cs typeface="Arial" charset="0"/>
+              </a:rPr>
+              <a:t>Электронный ресурс</a:t>
+            </a:r>
+            <a:r>
+              <a:rPr lang="en-US" sz="1200" dirty="0">
+                <a:solidFill>
+                  <a:srgbClr val="003E82"/>
+                </a:solidFill>
+                <a:latin typeface="Arial" charset="0"/>
+                <a:ea typeface="Arial" charset="0"/>
+                <a:cs typeface="Arial" charset="0"/>
+              </a:rPr>
+              <a:t>]. </a:t>
+            </a:r>
+            <a:r>
               <a:rPr lang="en-US" sz="1200" dirty="0" err="1">
                 <a:solidFill>
                   <a:srgbClr val="003E82"/>
@@ -8638,7 +10616,7 @@
                 <a:ea typeface="Arial" charset="0"/>
                 <a:cs typeface="Arial" charset="0"/>
               </a:rPr>
-              <a:t>Schildt</a:t>
+              <a:t>М</a:t>
             </a:r>
             <a:r>
               <a:rPr lang="en-US" sz="1200" dirty="0">
@@ -8649,7 +10627,7 @@
                 <a:ea typeface="Arial" charset="0"/>
                 <a:cs typeface="Arial" charset="0"/>
               </a:rPr>
-              <a:t> H. Java: The Complete Reference, Ninth Edition. — UK.: Oracle Press, 2017. — 1376 </a:t>
+              <a:t>., 2009-2017. URL</a:t>
             </a:r>
             <a:r>
               <a:rPr lang="ru-RU" sz="1200" dirty="0">
@@ -8660,10 +10638,258 @@
                 <a:ea typeface="Arial" charset="0"/>
                 <a:cs typeface="Arial" charset="0"/>
               </a:rPr>
-              <a:t>с</a:t>
+              <a:t>: </a:t>
             </a:r>
             <a:r>
               <a:rPr lang="en-US" sz="1200" dirty="0">
+                <a:solidFill>
+                  <a:srgbClr val="003E82"/>
+                </a:solidFill>
+                <a:latin typeface="Arial" charset="0"/>
+                <a:ea typeface="Arial" charset="0"/>
+                <a:cs typeface="Arial" charset="0"/>
+              </a:rPr>
+              <a:t>https</a:t>
+            </a:r>
+            <a:r>
+              <a:rPr lang="ru-RU" sz="1200" dirty="0">
+                <a:solidFill>
+                  <a:srgbClr val="003E82"/>
+                </a:solidFill>
+                <a:latin typeface="Arial" charset="0"/>
+                <a:ea typeface="Arial" charset="0"/>
+                <a:cs typeface="Arial" charset="0"/>
+              </a:rPr>
+              <a:t>://</a:t>
+            </a:r>
+            <a:r>
+              <a:rPr lang="en-US" sz="1200" dirty="0">
+                <a:solidFill>
+                  <a:srgbClr val="003E82"/>
+                </a:solidFill>
+                <a:latin typeface="Arial" charset="0"/>
+                <a:ea typeface="Arial" charset="0"/>
+                <a:cs typeface="Arial" charset="0"/>
+              </a:rPr>
+              <a:t>developer</a:t>
+            </a:r>
+            <a:r>
+              <a:rPr lang="ru-RU" sz="1200" dirty="0">
+                <a:solidFill>
+                  <a:srgbClr val="003E82"/>
+                </a:solidFill>
+                <a:latin typeface="Arial" charset="0"/>
+                <a:ea typeface="Arial" charset="0"/>
+                <a:cs typeface="Arial" charset="0"/>
+              </a:rPr>
+              <a:t>.</a:t>
+            </a:r>
+            <a:r>
+              <a:rPr lang="en-US" sz="1200" dirty="0">
+                <a:solidFill>
+                  <a:srgbClr val="003E82"/>
+                </a:solidFill>
+                <a:latin typeface="Arial" charset="0"/>
+                <a:ea typeface="Arial" charset="0"/>
+                <a:cs typeface="Arial" charset="0"/>
+              </a:rPr>
+              <a:t>android</a:t>
+            </a:r>
+            <a:r>
+              <a:rPr lang="ru-RU" sz="1200" dirty="0">
+                <a:solidFill>
+                  <a:srgbClr val="003E82"/>
+                </a:solidFill>
+                <a:latin typeface="Arial" charset="0"/>
+                <a:ea typeface="Arial" charset="0"/>
+                <a:cs typeface="Arial" charset="0"/>
+              </a:rPr>
+              <a:t>.</a:t>
+            </a:r>
+            <a:r>
+              <a:rPr lang="en-US" sz="1200" dirty="0">
+                <a:solidFill>
+                  <a:srgbClr val="003E82"/>
+                </a:solidFill>
+                <a:latin typeface="Arial" charset="0"/>
+                <a:ea typeface="Arial" charset="0"/>
+                <a:cs typeface="Arial" charset="0"/>
+              </a:rPr>
+              <a:t>com</a:t>
+            </a:r>
+            <a:r>
+              <a:rPr lang="ru-RU" sz="1200" dirty="0">
+                <a:solidFill>
+                  <a:srgbClr val="003E82"/>
+                </a:solidFill>
+                <a:latin typeface="Arial" charset="0"/>
+                <a:ea typeface="Arial" charset="0"/>
+                <a:cs typeface="Arial" charset="0"/>
+              </a:rPr>
+              <a:t>/</a:t>
+            </a:r>
+            <a:r>
+              <a:rPr lang="en-US" sz="1200" dirty="0">
+                <a:solidFill>
+                  <a:srgbClr val="003E82"/>
+                </a:solidFill>
+                <a:latin typeface="Arial" charset="0"/>
+                <a:ea typeface="Arial" charset="0"/>
+                <a:cs typeface="Arial" charset="0"/>
+              </a:rPr>
+              <a:t>design</a:t>
+            </a:r>
+            <a:r>
+              <a:rPr lang="ru-RU" sz="1200" dirty="0">
+                <a:solidFill>
+                  <a:srgbClr val="003E82"/>
+                </a:solidFill>
+                <a:latin typeface="Arial" charset="0"/>
+                <a:ea typeface="Arial" charset="0"/>
+                <a:cs typeface="Arial" charset="0"/>
+              </a:rPr>
+              <a:t>/</a:t>
+            </a:r>
+            <a:r>
+              <a:rPr lang="en-US" sz="1200" dirty="0">
+                <a:solidFill>
+                  <a:srgbClr val="003E82"/>
+                </a:solidFill>
+                <a:latin typeface="Arial" charset="0"/>
+                <a:ea typeface="Arial" charset="0"/>
+                <a:cs typeface="Arial" charset="0"/>
+              </a:rPr>
+              <a:t>index</a:t>
+            </a:r>
+            <a:r>
+              <a:rPr lang="ru-RU" sz="1200" dirty="0">
+                <a:solidFill>
+                  <a:srgbClr val="003E82"/>
+                </a:solidFill>
+                <a:latin typeface="Arial" charset="0"/>
+                <a:ea typeface="Arial" charset="0"/>
+                <a:cs typeface="Arial" charset="0"/>
+              </a:rPr>
+              <a:t>.</a:t>
+            </a:r>
+            <a:r>
+              <a:rPr lang="en-US" sz="1200" dirty="0">
+                <a:solidFill>
+                  <a:srgbClr val="003E82"/>
+                </a:solidFill>
+                <a:latin typeface="Arial" charset="0"/>
+                <a:ea typeface="Arial" charset="0"/>
+                <a:cs typeface="Arial" charset="0"/>
+              </a:rPr>
+              <a:t>html</a:t>
+            </a:r>
+            <a:r>
+              <a:rPr lang="ru-RU" sz="1200" dirty="0">
+                <a:solidFill>
+                  <a:srgbClr val="003E82"/>
+                </a:solidFill>
+                <a:latin typeface="Arial" charset="0"/>
+                <a:ea typeface="Arial" charset="0"/>
+                <a:cs typeface="Arial" charset="0"/>
+              </a:rPr>
+              <a:t>. (Дата обращения: 18.10.2017</a:t>
+            </a:r>
+            <a:r>
+              <a:rPr lang="ru-RU" sz="1200" dirty="0" smtClean="0">
+                <a:solidFill>
+                  <a:srgbClr val="003E82"/>
+                </a:solidFill>
+                <a:latin typeface="Arial" charset="0"/>
+                <a:ea typeface="Arial" charset="0"/>
+                <a:cs typeface="Arial" charset="0"/>
+              </a:rPr>
+              <a:t>).</a:t>
+            </a:r>
+          </a:p>
+          <a:p>
+            <a:pPr marL="342900" lvl="0" indent="-342900" algn="just">
+              <a:buFont typeface="+mj-lt"/>
+              <a:buAutoNum type="arabicPeriod"/>
+            </a:pPr>
+            <a:r>
+              <a:rPr lang="en-US" sz="1200" dirty="0">
+                <a:solidFill>
+                  <a:srgbClr val="003E82"/>
+                </a:solidFill>
+                <a:latin typeface="Arial" charset="0"/>
+                <a:ea typeface="Arial" charset="0"/>
+                <a:cs typeface="Arial" charset="0"/>
+              </a:rPr>
+              <a:t>Jason W. Android </a:t>
+            </a:r>
+            <a:r>
+              <a:rPr lang="ru-RU" sz="1200" dirty="0" err="1">
+                <a:solidFill>
+                  <a:srgbClr val="003E82"/>
+                </a:solidFill>
+                <a:latin typeface="Arial" charset="0"/>
+                <a:ea typeface="Arial" charset="0"/>
+                <a:cs typeface="Arial" charset="0"/>
+              </a:rPr>
+              <a:t>Database</a:t>
+            </a:r>
+            <a:r>
+              <a:rPr lang="ru-RU" sz="1200" dirty="0">
+                <a:solidFill>
+                  <a:srgbClr val="003E82"/>
+                </a:solidFill>
+                <a:latin typeface="Arial" charset="0"/>
+                <a:ea typeface="Arial" charset="0"/>
+                <a:cs typeface="Arial" charset="0"/>
+              </a:rPr>
+              <a:t> </a:t>
+            </a:r>
+            <a:r>
+              <a:rPr lang="ru-RU" sz="1200" dirty="0" err="1">
+                <a:solidFill>
+                  <a:srgbClr val="003E82"/>
+                </a:solidFill>
+                <a:latin typeface="Arial" charset="0"/>
+                <a:ea typeface="Arial" charset="0"/>
+                <a:cs typeface="Arial" charset="0"/>
+              </a:rPr>
+              <a:t>Programming</a:t>
+            </a:r>
+            <a:r>
+              <a:rPr lang="ru-RU" sz="1200" dirty="0">
+                <a:solidFill>
+                  <a:srgbClr val="003E82"/>
+                </a:solidFill>
+                <a:latin typeface="Arial" charset="0"/>
+                <a:ea typeface="Arial" charset="0"/>
+                <a:cs typeface="Arial" charset="0"/>
+              </a:rPr>
+              <a:t>. — UK.: </a:t>
+            </a:r>
+            <a:r>
+              <a:rPr lang="ru-RU" sz="1200" dirty="0" err="1">
+                <a:solidFill>
+                  <a:srgbClr val="003E82"/>
+                </a:solidFill>
+                <a:latin typeface="Arial" charset="0"/>
+                <a:ea typeface="Arial" charset="0"/>
+                <a:cs typeface="Arial" charset="0"/>
+              </a:rPr>
+              <a:t>Packt</a:t>
+            </a:r>
+            <a:r>
+              <a:rPr lang="ru-RU" sz="1200" dirty="0">
+                <a:solidFill>
+                  <a:srgbClr val="003E82"/>
+                </a:solidFill>
+                <a:latin typeface="Arial" charset="0"/>
+                <a:ea typeface="Arial" charset="0"/>
+                <a:cs typeface="Arial" charset="0"/>
+              </a:rPr>
+              <a:t>, 2017. — 212 с</a:t>
+            </a:r>
+            <a:r>
+              <a:rPr lang="ru-RU" sz="1200" dirty="0" smtClean="0">
                 <a:solidFill>
                   <a:srgbClr val="003E82"/>
                 </a:solidFill>
@@ -8683,7 +10909,7 @@
             </a:endParaRPr>
           </a:p>
           <a:p>
-            <a:pPr marL="342900" lvl="0" indent="-342900">
+            <a:pPr marL="342900" indent="-342900" algn="just">
               <a:buFont typeface="+mj-lt"/>
               <a:buAutoNum type="arabicPeriod"/>
             </a:pPr>
@@ -8696,7 +10922,7 @@
                 <a:ea typeface="Arial" charset="0"/>
                 <a:cs typeface="Arial" charset="0"/>
               </a:rPr>
-              <a:t>Urma</a:t>
+              <a:t>Schildt</a:t>
             </a:r>
             <a:r>
               <a:rPr lang="en-US" sz="1200" dirty="0">
@@ -8707,7 +10933,7 @@
                 <a:ea typeface="Arial" charset="0"/>
                 <a:cs typeface="Arial" charset="0"/>
               </a:rPr>
-              <a:t> R., Fusco M., Mycroft A. Java 8 &amp; 9 in Action, Second Edition. — UK.: Manning, 2017. — 550 </a:t>
+              <a:t> H. Java: The Complete Reference, Ninth Edition. — UK.: Oracle Press, 2017. — 1376 </a:t>
             </a:r>
             <a:r>
               <a:rPr lang="ru-RU" sz="1200" dirty="0">
@@ -8721,7 +10947,7 @@
               <a:t>с</a:t>
             </a:r>
             <a:r>
-              <a:rPr lang="en-US" sz="1200" dirty="0">
+              <a:rPr lang="en-US" sz="1200" dirty="0" smtClean="0">
                 <a:solidFill>
                   <a:srgbClr val="003E82"/>
                 </a:solidFill>
@@ -8741,23 +10967,23 @@
             </a:endParaRPr>
           </a:p>
           <a:p>
-            <a:pPr marL="342900" lvl="0" indent="-342900">
+            <a:pPr marL="342900" lvl="0" indent="-342900" algn="just">
               <a:buFont typeface="+mj-lt"/>
               <a:buAutoNum type="arabicPeriod"/>
             </a:pPr>
             <a:r>
-              <a:rPr lang="en-US" sz="1200" dirty="0" err="1">
-                <a:solidFill>
-                  <a:srgbClr val="003E82"/>
-                </a:solidFill>
-                <a:latin typeface="Arial" charset="0"/>
-                <a:ea typeface="Arial" charset="0"/>
-                <a:cs typeface="Arial" charset="0"/>
-              </a:rPr>
-              <a:t>Сайт</a:t>
-            </a:r>
-            <a:r>
-              <a:rPr lang="en-US" sz="1200" dirty="0">
+              <a:rPr lang="ru-RU" sz="1200" dirty="0" err="1">
+                <a:solidFill>
+                  <a:srgbClr val="003E82"/>
+                </a:solidFill>
+                <a:latin typeface="Arial" charset="0"/>
+                <a:ea typeface="Arial" charset="0"/>
+                <a:cs typeface="Arial" charset="0"/>
+              </a:rPr>
+              <a:t>The</a:t>
+            </a:r>
+            <a:r>
+              <a:rPr lang="ru-RU" sz="1200" dirty="0">
                 <a:solidFill>
                   <a:srgbClr val="003E82"/>
                 </a:solidFill>
@@ -8768,18 +10994,18 @@
               <a:t> </a:t>
             </a:r>
             <a:r>
-              <a:rPr lang="en-US" sz="1200" dirty="0" err="1">
-                <a:solidFill>
-                  <a:srgbClr val="003E82"/>
-                </a:solidFill>
-                <a:latin typeface="Arial" charset="0"/>
-                <a:ea typeface="Arial" charset="0"/>
-                <a:cs typeface="Arial" charset="0"/>
-              </a:rPr>
-              <a:t>для</a:t>
-            </a:r>
-            <a:r>
-              <a:rPr lang="en-US" sz="1200" dirty="0">
+              <a:rPr lang="ru-RU" sz="1200" dirty="0" err="1">
+                <a:solidFill>
+                  <a:srgbClr val="003E82"/>
+                </a:solidFill>
+                <a:latin typeface="Arial" charset="0"/>
+                <a:ea typeface="Arial" charset="0"/>
+                <a:cs typeface="Arial" charset="0"/>
+              </a:rPr>
+              <a:t>Busy</a:t>
+            </a:r>
+            <a:r>
+              <a:rPr lang="ru-RU" sz="1200" dirty="0">
                 <a:solidFill>
                   <a:srgbClr val="003E82"/>
                 </a:solidFill>
@@ -8790,18 +11016,18 @@
               <a:t> </a:t>
             </a:r>
             <a:r>
-              <a:rPr lang="en-US" sz="1200" dirty="0" err="1">
-                <a:solidFill>
-                  <a:srgbClr val="003E82"/>
-                </a:solidFill>
-                <a:latin typeface="Arial" charset="0"/>
-                <a:ea typeface="Arial" charset="0"/>
-                <a:cs typeface="Arial" charset="0"/>
-              </a:rPr>
-              <a:t>мам</a:t>
-            </a:r>
-            <a:r>
-              <a:rPr lang="en-US" sz="1200" dirty="0">
+              <a:rPr lang="ru-RU" sz="1200" dirty="0" err="1">
+                <a:solidFill>
+                  <a:srgbClr val="003E82"/>
+                </a:solidFill>
+                <a:latin typeface="Arial" charset="0"/>
+                <a:ea typeface="Arial" charset="0"/>
+                <a:cs typeface="Arial" charset="0"/>
+              </a:rPr>
+              <a:t>Coder's</a:t>
+            </a:r>
+            <a:r>
+              <a:rPr lang="ru-RU" sz="1200" dirty="0">
                 <a:solidFill>
                   <a:srgbClr val="003E82"/>
                 </a:solidFill>
@@ -8812,18 +11038,18 @@
               <a:t> </a:t>
             </a:r>
             <a:r>
-              <a:rPr lang="en-US" sz="1200" dirty="0" err="1">
-                <a:solidFill>
-                  <a:srgbClr val="003E82"/>
-                </a:solidFill>
-                <a:latin typeface="Arial" charset="0"/>
-                <a:ea typeface="Arial" charset="0"/>
-                <a:cs typeface="Arial" charset="0"/>
-              </a:rPr>
-              <a:t>и</a:t>
-            </a:r>
-            <a:r>
-              <a:rPr lang="en-US" sz="1200" dirty="0">
+              <a:rPr lang="ru-RU" sz="1200" dirty="0" err="1">
+                <a:solidFill>
+                  <a:srgbClr val="003E82"/>
+                </a:solidFill>
+                <a:latin typeface="Arial" charset="0"/>
+                <a:ea typeface="Arial" charset="0"/>
+                <a:cs typeface="Arial" charset="0"/>
+              </a:rPr>
+              <a:t>Guide</a:t>
+            </a:r>
+            <a:r>
+              <a:rPr lang="ru-RU" sz="1200" dirty="0">
                 <a:solidFill>
                   <a:srgbClr val="003E82"/>
                 </a:solidFill>
@@ -8834,114 +11060,15 @@
               <a:t> </a:t>
             </a:r>
             <a:r>
-              <a:rPr lang="en-US" sz="1200" dirty="0" err="1">
-                <a:solidFill>
-                  <a:srgbClr val="003E82"/>
-                </a:solidFill>
-                <a:latin typeface="Arial" charset="0"/>
-                <a:ea typeface="Arial" charset="0"/>
-                <a:cs typeface="Arial" charset="0"/>
-              </a:rPr>
-              <a:t>будущих</a:t>
-            </a:r>
-            <a:r>
-              <a:rPr lang="en-US" sz="1200" dirty="0">
-                <a:solidFill>
-                  <a:srgbClr val="003E82"/>
-                </a:solidFill>
-                <a:latin typeface="Arial" charset="0"/>
-                <a:ea typeface="Arial" charset="0"/>
-                <a:cs typeface="Arial" charset="0"/>
-              </a:rPr>
-              <a:t> </a:t>
-            </a:r>
-            <a:r>
-              <a:rPr lang="en-US" sz="1200" dirty="0" err="1">
-                <a:solidFill>
-                  <a:srgbClr val="003E82"/>
-                </a:solidFill>
-                <a:latin typeface="Arial" charset="0"/>
-                <a:ea typeface="Arial" charset="0"/>
-                <a:cs typeface="Arial" charset="0"/>
-              </a:rPr>
-              <a:t>мам</a:t>
-            </a:r>
-            <a:r>
-              <a:rPr lang="en-US" sz="1200" dirty="0">
-                <a:solidFill>
-                  <a:srgbClr val="003E82"/>
-                </a:solidFill>
-                <a:latin typeface="Arial" charset="0"/>
-                <a:ea typeface="Arial" charset="0"/>
-                <a:cs typeface="Arial" charset="0"/>
-              </a:rPr>
-              <a:t>: [</a:t>
-            </a:r>
-            <a:r>
-              <a:rPr lang="en-US" sz="1200" dirty="0" err="1">
-                <a:solidFill>
-                  <a:srgbClr val="003E82"/>
-                </a:solidFill>
-                <a:latin typeface="Arial" charset="0"/>
-                <a:ea typeface="Arial" charset="0"/>
-                <a:cs typeface="Arial" charset="0"/>
-              </a:rPr>
-              <a:t>Электронный</a:t>
-            </a:r>
-            <a:r>
-              <a:rPr lang="en-US" sz="1200" dirty="0">
-                <a:solidFill>
-                  <a:srgbClr val="003E82"/>
-                </a:solidFill>
-                <a:latin typeface="Arial" charset="0"/>
-                <a:ea typeface="Arial" charset="0"/>
-                <a:cs typeface="Arial" charset="0"/>
-              </a:rPr>
-              <a:t> </a:t>
-            </a:r>
-            <a:r>
-              <a:rPr lang="en-US" sz="1200" dirty="0" err="1">
-                <a:solidFill>
-                  <a:srgbClr val="003E82"/>
-                </a:solidFill>
-                <a:latin typeface="Arial" charset="0"/>
-                <a:ea typeface="Arial" charset="0"/>
-                <a:cs typeface="Arial" charset="0"/>
-              </a:rPr>
-              <a:t>ресурс</a:t>
-            </a:r>
-            <a:r>
-              <a:rPr lang="en-US" sz="1200" dirty="0">
-                <a:solidFill>
-                  <a:srgbClr val="003E82"/>
-                </a:solidFill>
-                <a:latin typeface="Arial" charset="0"/>
-                <a:ea typeface="Arial" charset="0"/>
-                <a:cs typeface="Arial" charset="0"/>
-              </a:rPr>
-              <a:t>]. </a:t>
-            </a:r>
-            <a:r>
-              <a:rPr lang="en-US" sz="1200" dirty="0" err="1">
-                <a:solidFill>
-                  <a:srgbClr val="003E82"/>
-                </a:solidFill>
-                <a:latin typeface="Arial" charset="0"/>
-                <a:ea typeface="Arial" charset="0"/>
-                <a:cs typeface="Arial" charset="0"/>
-              </a:rPr>
-              <a:t>М</a:t>
-            </a:r>
-            <a:r>
-              <a:rPr lang="en-US" sz="1200" dirty="0">
-                <a:solidFill>
-                  <a:srgbClr val="003E82"/>
-                </a:solidFill>
-                <a:latin typeface="Arial" charset="0"/>
-                <a:ea typeface="Arial" charset="0"/>
-                <a:cs typeface="Arial" charset="0"/>
-              </a:rPr>
-              <a:t>., 2006-2017. URL</a:t>
+              <a:rPr lang="ru-RU" sz="1200" dirty="0" err="1">
+                <a:solidFill>
+                  <a:srgbClr val="003E82"/>
+                </a:solidFill>
+                <a:latin typeface="Arial" charset="0"/>
+                <a:ea typeface="Arial" charset="0"/>
+                <a:cs typeface="Arial" charset="0"/>
+              </a:rPr>
+              <a:t>to</a:t>
             </a:r>
             <a:r>
               <a:rPr lang="ru-RU" sz="1200" dirty="0">
@@ -8952,18 +11079,18 @@
                 <a:ea typeface="Arial" charset="0"/>
                 <a:cs typeface="Arial" charset="0"/>
               </a:rPr>
-              <a:t>: </a:t>
-            </a:r>
-            <a:r>
-              <a:rPr lang="en-US" sz="1200" dirty="0">
-                <a:solidFill>
-                  <a:srgbClr val="003E82"/>
-                </a:solidFill>
-                <a:latin typeface="Arial" charset="0"/>
-                <a:ea typeface="Arial" charset="0"/>
-                <a:cs typeface="Arial" charset="0"/>
-              </a:rPr>
-              <a:t>http</a:t>
+              <a:t> Android </a:t>
+            </a:r>
+            <a:r>
+              <a:rPr lang="ru-RU" sz="1200" dirty="0" err="1">
+                <a:solidFill>
+                  <a:srgbClr val="003E82"/>
+                </a:solidFill>
+                <a:latin typeface="Arial" charset="0"/>
+                <a:ea typeface="Arial" charset="0"/>
+                <a:cs typeface="Arial" charset="0"/>
+              </a:rPr>
+              <a:t>Development</a:t>
             </a:r>
             <a:r>
               <a:rPr lang="ru-RU" sz="1200" dirty="0">
@@ -8974,18 +11101,40 @@
                 <a:ea typeface="Arial" charset="0"/>
                 <a:cs typeface="Arial" charset="0"/>
               </a:rPr>
+              <a:t>: [Электронный ресурс]. М., 2011-2017. URL: </a:t>
+            </a:r>
+            <a:r>
+              <a:rPr lang="ru-RU" sz="1200" dirty="0" err="1">
+                <a:solidFill>
+                  <a:srgbClr val="003E82"/>
+                </a:solidFill>
+                <a:latin typeface="Arial" charset="0"/>
+                <a:ea typeface="Arial" charset="0"/>
+                <a:cs typeface="Arial" charset="0"/>
+              </a:rPr>
+              <a:t>https</a:t>
+            </a:r>
+            <a:r>
+              <a:rPr lang="ru-RU" sz="1200" dirty="0">
+                <a:solidFill>
+                  <a:srgbClr val="003E82"/>
+                </a:solidFill>
+                <a:latin typeface="Arial" charset="0"/>
+                <a:ea typeface="Arial" charset="0"/>
+                <a:cs typeface="Arial" charset="0"/>
+              </a:rPr>
               <a:t>://</a:t>
             </a:r>
             <a:r>
-              <a:rPr lang="en-US" sz="1200" dirty="0">
-                <a:solidFill>
-                  <a:srgbClr val="003E82"/>
-                </a:solidFill>
-                <a:latin typeface="Arial" charset="0"/>
-                <a:ea typeface="Arial" charset="0"/>
-                <a:cs typeface="Arial" charset="0"/>
-              </a:rPr>
-              <a:t>mama</a:t>
+              <a:rPr lang="ru-RU" sz="1200" dirty="0" err="1">
+                <a:solidFill>
+                  <a:srgbClr val="003E82"/>
+                </a:solidFill>
+                <a:latin typeface="Arial" charset="0"/>
+                <a:ea typeface="Arial" charset="0"/>
+                <a:cs typeface="Arial" charset="0"/>
+              </a:rPr>
+              <a:t>commonsware.com</a:t>
             </a:r>
             <a:r>
               <a:rPr lang="ru-RU" sz="1200" dirty="0">
@@ -8996,134 +11145,35 @@
                 <a:ea typeface="Arial" charset="0"/>
                 <a:cs typeface="Arial" charset="0"/>
               </a:rPr>
-              <a:t>66.</a:t>
-            </a:r>
-            <a:r>
-              <a:rPr lang="en-US" sz="1200" dirty="0">
-                <a:solidFill>
-                  <a:srgbClr val="003E82"/>
-                </a:solidFill>
-                <a:latin typeface="Arial" charset="0"/>
-                <a:ea typeface="Arial" charset="0"/>
-                <a:cs typeface="Arial" charset="0"/>
-              </a:rPr>
-              <a:t>ru</a:t>
-            </a:r>
-            <a:r>
-              <a:rPr lang="ru-RU" sz="1200" dirty="0">
-                <a:solidFill>
-                  <a:srgbClr val="003E82"/>
-                </a:solidFill>
-                <a:latin typeface="Arial" charset="0"/>
-                <a:ea typeface="Arial" charset="0"/>
-                <a:cs typeface="Arial" charset="0"/>
-              </a:rPr>
-              <a:t>/</a:t>
-            </a:r>
-            <a:r>
-              <a:rPr lang="en-US" sz="1200" dirty="0" err="1">
-                <a:solidFill>
-                  <a:srgbClr val="003E82"/>
-                </a:solidFill>
-                <a:latin typeface="Arial" charset="0"/>
-                <a:ea typeface="Arial" charset="0"/>
-                <a:cs typeface="Arial" charset="0"/>
-              </a:rPr>
-              <a:t>privivki</a:t>
-            </a:r>
-            <a:r>
-              <a:rPr lang="ru-RU" sz="1200" dirty="0">
-                <a:solidFill>
-                  <a:srgbClr val="003E82"/>
-                </a:solidFill>
-                <a:latin typeface="Arial" charset="0"/>
-                <a:ea typeface="Arial" charset="0"/>
-                <a:cs typeface="Arial" charset="0"/>
-              </a:rPr>
-              <a:t>/</a:t>
-            </a:r>
-            <a:r>
-              <a:rPr lang="en-US" sz="1200" dirty="0" err="1">
-                <a:solidFill>
-                  <a:srgbClr val="003E82"/>
-                </a:solidFill>
-                <a:latin typeface="Arial" charset="0"/>
-                <a:ea typeface="Arial" charset="0"/>
-                <a:cs typeface="Arial" charset="0"/>
-              </a:rPr>
-              <a:t>vakcinacia</a:t>
-            </a:r>
-            <a:r>
-              <a:rPr lang="ru-RU" sz="1200" dirty="0">
-                <a:solidFill>
-                  <a:srgbClr val="003E82"/>
-                </a:solidFill>
-                <a:latin typeface="Arial" charset="0"/>
-                <a:ea typeface="Arial" charset="0"/>
-                <a:cs typeface="Arial" charset="0"/>
-              </a:rPr>
-              <a:t>-</a:t>
-            </a:r>
-            <a:r>
-              <a:rPr lang="en-US" sz="1200" dirty="0">
-                <a:solidFill>
-                  <a:srgbClr val="003E82"/>
-                </a:solidFill>
-                <a:latin typeface="Arial" charset="0"/>
-                <a:ea typeface="Arial" charset="0"/>
-                <a:cs typeface="Arial" charset="0"/>
-              </a:rPr>
-              <a:t>do</a:t>
-            </a:r>
-            <a:r>
-              <a:rPr lang="ru-RU" sz="1200" dirty="0">
-                <a:solidFill>
-                  <a:srgbClr val="003E82"/>
-                </a:solidFill>
-                <a:latin typeface="Arial" charset="0"/>
-                <a:ea typeface="Arial" charset="0"/>
-                <a:cs typeface="Arial" charset="0"/>
-              </a:rPr>
-              <a:t>-</a:t>
-            </a:r>
-            <a:r>
-              <a:rPr lang="en-US" sz="1200" dirty="0" err="1">
-                <a:solidFill>
-                  <a:srgbClr val="003E82"/>
-                </a:solidFill>
-                <a:latin typeface="Arial" charset="0"/>
-                <a:ea typeface="Arial" charset="0"/>
-                <a:cs typeface="Arial" charset="0"/>
-              </a:rPr>
-              <a:t>goda</a:t>
-            </a:r>
-            <a:r>
-              <a:rPr lang="ru-RU" sz="1200" dirty="0">
-                <a:solidFill>
-                  <a:srgbClr val="003E82"/>
-                </a:solidFill>
-                <a:latin typeface="Arial" charset="0"/>
-                <a:ea typeface="Arial" charset="0"/>
-                <a:cs typeface="Arial" charset="0"/>
-              </a:rPr>
-              <a:t>. (Дата обращения: 18.10.2017).</a:t>
-            </a:r>
-          </a:p>
-          <a:p>
-            <a:pPr marL="342900" lvl="0" indent="-342900">
+              <a:t>/Android/. (Дата обращения: 18.10.2017).</a:t>
+            </a:r>
+          </a:p>
+          <a:p>
+            <a:pPr marL="342900" lvl="0" indent="-342900" algn="just">
               <a:buFont typeface="+mj-lt"/>
               <a:buAutoNum type="arabicPeriod"/>
             </a:pPr>
             <a:r>
-              <a:rPr lang="en-US" sz="1200" dirty="0" err="1">
-                <a:solidFill>
-                  <a:srgbClr val="003E82"/>
-                </a:solidFill>
-                <a:latin typeface="Arial" charset="0"/>
-                <a:ea typeface="Arial" charset="0"/>
-                <a:cs typeface="Arial" charset="0"/>
-              </a:rPr>
-              <a:t>Сайт</a:t>
+              <a:rPr lang="en-US" sz="1200" dirty="0" err="1" smtClean="0">
+                <a:solidFill>
+                  <a:srgbClr val="003E82"/>
+                </a:solidFill>
+                <a:latin typeface="Arial" charset="0"/>
+                <a:ea typeface="Arial" charset="0"/>
+                <a:cs typeface="Arial" charset="0"/>
+              </a:rPr>
+              <a:t>Urma</a:t>
+            </a:r>
+            <a:r>
+              <a:rPr lang="en-US" sz="1200" dirty="0" smtClean="0">
+                <a:solidFill>
+                  <a:srgbClr val="003E82"/>
+                </a:solidFill>
+                <a:latin typeface="Arial" charset="0"/>
+                <a:ea typeface="Arial" charset="0"/>
+                <a:cs typeface="Arial" charset="0"/>
+              </a:rPr>
+              <a:t> </a:t>
             </a:r>
             <a:r>
               <a:rPr lang="en-US" sz="1200" dirty="0">
@@ -9134,18 +11184,18 @@
                 <a:ea typeface="Arial" charset="0"/>
                 <a:cs typeface="Arial" charset="0"/>
               </a:rPr>
-              <a:t> </a:t>
-            </a:r>
-            <a:r>
-              <a:rPr lang="en-US" sz="1200" dirty="0" err="1">
-                <a:solidFill>
-                  <a:srgbClr val="003E82"/>
-                </a:solidFill>
-                <a:latin typeface="Arial" charset="0"/>
-                <a:ea typeface="Arial" charset="0"/>
-                <a:cs typeface="Arial" charset="0"/>
-              </a:rPr>
-              <a:t>о</a:t>
+              <a:t>R., Fusco M., Mycroft A. Java 8 &amp; 9 in Action, Second Edition. — UK.: Manning, 2017. — 550 </a:t>
+            </a:r>
+            <a:r>
+              <a:rPr lang="ru-RU" sz="1200" dirty="0">
+                <a:solidFill>
+                  <a:srgbClr val="003E82"/>
+                </a:solidFill>
+                <a:latin typeface="Arial" charset="0"/>
+                <a:ea typeface="Arial" charset="0"/>
+                <a:cs typeface="Arial" charset="0"/>
+              </a:rPr>
+              <a:t>с</a:t>
             </a:r>
             <a:r>
               <a:rPr lang="en-US" sz="1200" dirty="0">
@@ -9156,205 +11206,7 @@
                 <a:ea typeface="Arial" charset="0"/>
                 <a:cs typeface="Arial" charset="0"/>
               </a:rPr>
-              <a:t> </a:t>
-            </a:r>
-            <a:r>
-              <a:rPr lang="en-US" sz="1200" dirty="0" err="1">
-                <a:solidFill>
-                  <a:srgbClr val="003E82"/>
-                </a:solidFill>
-                <a:latin typeface="Arial" charset="0"/>
-                <a:ea typeface="Arial" charset="0"/>
-                <a:cs typeface="Arial" charset="0"/>
-              </a:rPr>
-              <a:t>беременности</a:t>
-            </a:r>
-            <a:r>
-              <a:rPr lang="en-US" sz="1200" dirty="0">
-                <a:solidFill>
-                  <a:srgbClr val="003E82"/>
-                </a:solidFill>
-                <a:latin typeface="Arial" charset="0"/>
-                <a:ea typeface="Arial" charset="0"/>
-                <a:cs typeface="Arial" charset="0"/>
-              </a:rPr>
-              <a:t> </a:t>
-            </a:r>
-            <a:r>
-              <a:rPr lang="en-US" sz="1200" dirty="0" err="1">
-                <a:solidFill>
-                  <a:srgbClr val="003E82"/>
-                </a:solidFill>
-                <a:latin typeface="Arial" charset="0"/>
-                <a:ea typeface="Arial" charset="0"/>
-                <a:cs typeface="Arial" charset="0"/>
-              </a:rPr>
-              <a:t>и</a:t>
-            </a:r>
-            <a:r>
-              <a:rPr lang="en-US" sz="1200" dirty="0">
-                <a:solidFill>
-                  <a:srgbClr val="003E82"/>
-                </a:solidFill>
-                <a:latin typeface="Arial" charset="0"/>
-                <a:ea typeface="Arial" charset="0"/>
-                <a:cs typeface="Arial" charset="0"/>
-              </a:rPr>
-              <a:t> </a:t>
-            </a:r>
-            <a:r>
-              <a:rPr lang="en-US" sz="1200" dirty="0" err="1">
-                <a:solidFill>
-                  <a:srgbClr val="003E82"/>
-                </a:solidFill>
-                <a:latin typeface="Arial" charset="0"/>
-                <a:ea typeface="Arial" charset="0"/>
-                <a:cs typeface="Arial" charset="0"/>
-              </a:rPr>
-              <a:t>материнстве</a:t>
-            </a:r>
-            <a:r>
-              <a:rPr lang="en-US" sz="1200" dirty="0">
-                <a:solidFill>
-                  <a:srgbClr val="003E82"/>
-                </a:solidFill>
-                <a:latin typeface="Arial" charset="0"/>
-                <a:ea typeface="Arial" charset="0"/>
-                <a:cs typeface="Arial" charset="0"/>
-              </a:rPr>
-              <a:t>: [</a:t>
-            </a:r>
-            <a:r>
-              <a:rPr lang="en-US" sz="1200" dirty="0" err="1">
-                <a:solidFill>
-                  <a:srgbClr val="003E82"/>
-                </a:solidFill>
-                <a:latin typeface="Arial" charset="0"/>
-                <a:ea typeface="Arial" charset="0"/>
-                <a:cs typeface="Arial" charset="0"/>
-              </a:rPr>
-              <a:t>Электронный</a:t>
-            </a:r>
-            <a:r>
-              <a:rPr lang="en-US" sz="1200" dirty="0">
-                <a:solidFill>
-                  <a:srgbClr val="003E82"/>
-                </a:solidFill>
-                <a:latin typeface="Arial" charset="0"/>
-                <a:ea typeface="Arial" charset="0"/>
-                <a:cs typeface="Arial" charset="0"/>
-              </a:rPr>
-              <a:t> </a:t>
-            </a:r>
-            <a:r>
-              <a:rPr lang="en-US" sz="1200" dirty="0" err="1">
-                <a:solidFill>
-                  <a:srgbClr val="003E82"/>
-                </a:solidFill>
-                <a:latin typeface="Arial" charset="0"/>
-                <a:ea typeface="Arial" charset="0"/>
-                <a:cs typeface="Arial" charset="0"/>
-              </a:rPr>
-              <a:t>ресурс</a:t>
-            </a:r>
-            <a:r>
-              <a:rPr lang="en-US" sz="1200" dirty="0">
-                <a:solidFill>
-                  <a:srgbClr val="003E82"/>
-                </a:solidFill>
-                <a:latin typeface="Arial" charset="0"/>
-                <a:ea typeface="Arial" charset="0"/>
-                <a:cs typeface="Arial" charset="0"/>
-              </a:rPr>
-              <a:t>]. </a:t>
-            </a:r>
-            <a:r>
-              <a:rPr lang="en-US" sz="1200" dirty="0" err="1">
-                <a:solidFill>
-                  <a:srgbClr val="003E82"/>
-                </a:solidFill>
-                <a:latin typeface="Arial" charset="0"/>
-                <a:ea typeface="Arial" charset="0"/>
-                <a:cs typeface="Arial" charset="0"/>
-              </a:rPr>
-              <a:t>М</a:t>
-            </a:r>
-            <a:r>
-              <a:rPr lang="en-US" sz="1200" dirty="0">
-                <a:solidFill>
-                  <a:srgbClr val="003E82"/>
-                </a:solidFill>
-                <a:latin typeface="Arial" charset="0"/>
-                <a:ea typeface="Arial" charset="0"/>
-                <a:cs typeface="Arial" charset="0"/>
-              </a:rPr>
-              <a:t>., 2005-2017. URL: https://</a:t>
-            </a:r>
-            <a:r>
-              <a:rPr lang="en-US" sz="1200" dirty="0" err="1">
-                <a:solidFill>
-                  <a:srgbClr val="003E82"/>
-                </a:solidFill>
-                <a:latin typeface="Arial" charset="0"/>
-                <a:ea typeface="Arial" charset="0"/>
-                <a:cs typeface="Arial" charset="0"/>
-              </a:rPr>
-              <a:t>www.babyblog.ru</a:t>
-            </a:r>
-            <a:r>
-              <a:rPr lang="en-US" sz="1200" dirty="0">
-                <a:solidFill>
-                  <a:srgbClr val="003E82"/>
-                </a:solidFill>
-                <a:latin typeface="Arial" charset="0"/>
-                <a:ea typeface="Arial" charset="0"/>
-                <a:cs typeface="Arial" charset="0"/>
-              </a:rPr>
-              <a:t>/. (</a:t>
-            </a:r>
-            <a:r>
-              <a:rPr lang="en-US" sz="1200" dirty="0" err="1">
-                <a:solidFill>
-                  <a:srgbClr val="003E82"/>
-                </a:solidFill>
-                <a:latin typeface="Arial" charset="0"/>
-                <a:ea typeface="Arial" charset="0"/>
-                <a:cs typeface="Arial" charset="0"/>
-              </a:rPr>
-              <a:t>Дата</a:t>
-            </a:r>
-            <a:r>
-              <a:rPr lang="en-US" sz="1200" dirty="0">
-                <a:solidFill>
-                  <a:srgbClr val="003E82"/>
-                </a:solidFill>
-                <a:latin typeface="Arial" charset="0"/>
-                <a:ea typeface="Arial" charset="0"/>
-                <a:cs typeface="Arial" charset="0"/>
-              </a:rPr>
-              <a:t> </a:t>
-            </a:r>
-            <a:r>
-              <a:rPr lang="en-US" sz="1200" dirty="0" err="1">
-                <a:solidFill>
-                  <a:srgbClr val="003E82"/>
-                </a:solidFill>
-                <a:latin typeface="Arial" charset="0"/>
-                <a:ea typeface="Arial" charset="0"/>
-                <a:cs typeface="Arial" charset="0"/>
-              </a:rPr>
-              <a:t>обращения</a:t>
-            </a:r>
-            <a:r>
-              <a:rPr lang="en-US" sz="1200" dirty="0">
-                <a:solidFill>
-                  <a:srgbClr val="003E82"/>
-                </a:solidFill>
-                <a:latin typeface="Arial" charset="0"/>
-                <a:ea typeface="Arial" charset="0"/>
-                <a:cs typeface="Arial" charset="0"/>
-              </a:rPr>
-              <a:t>: 18.10.2017).</a:t>
+              <a:t>.</a:t>
             </a:r>
             <a:endParaRPr lang="ru-RU" sz="1200" dirty="0">
               <a:solidFill>
@@ -9366,1288 +11218,7 @@
             </a:endParaRPr>
           </a:p>
           <a:p>
-            <a:pPr marL="342900" lvl="0" indent="-342900">
-              <a:buFont typeface="+mj-lt"/>
-              <a:buAutoNum type="arabicPeriod"/>
-            </a:pPr>
-            <a:r>
-              <a:rPr lang="en-US" sz="1200" dirty="0" err="1">
-                <a:solidFill>
-                  <a:srgbClr val="003E82"/>
-                </a:solidFill>
-                <a:latin typeface="Arial" charset="0"/>
-                <a:ea typeface="Arial" charset="0"/>
-                <a:cs typeface="Arial" charset="0"/>
-              </a:rPr>
-              <a:t>Социальная</a:t>
-            </a:r>
-            <a:r>
-              <a:rPr lang="en-US" sz="1200" dirty="0">
-                <a:solidFill>
-                  <a:srgbClr val="003E82"/>
-                </a:solidFill>
-                <a:latin typeface="Arial" charset="0"/>
-                <a:ea typeface="Arial" charset="0"/>
-                <a:cs typeface="Arial" charset="0"/>
-              </a:rPr>
-              <a:t> </a:t>
-            </a:r>
-            <a:r>
-              <a:rPr lang="en-US" sz="1200" dirty="0" err="1">
-                <a:solidFill>
-                  <a:srgbClr val="003E82"/>
-                </a:solidFill>
-                <a:latin typeface="Arial" charset="0"/>
-                <a:ea typeface="Arial" charset="0"/>
-                <a:cs typeface="Arial" charset="0"/>
-              </a:rPr>
-              <a:t>сеть</a:t>
-            </a:r>
-            <a:r>
-              <a:rPr lang="en-US" sz="1200" dirty="0">
-                <a:solidFill>
-                  <a:srgbClr val="003E82"/>
-                </a:solidFill>
-                <a:latin typeface="Arial" charset="0"/>
-                <a:ea typeface="Arial" charset="0"/>
-                <a:cs typeface="Arial" charset="0"/>
-              </a:rPr>
-              <a:t> </a:t>
-            </a:r>
-            <a:r>
-              <a:rPr lang="en-US" sz="1200" dirty="0" err="1">
-                <a:solidFill>
-                  <a:srgbClr val="003E82"/>
-                </a:solidFill>
-                <a:latin typeface="Arial" charset="0"/>
-                <a:ea typeface="Arial" charset="0"/>
-                <a:cs typeface="Arial" charset="0"/>
-              </a:rPr>
-              <a:t>для</a:t>
-            </a:r>
-            <a:r>
-              <a:rPr lang="en-US" sz="1200" dirty="0">
-                <a:solidFill>
-                  <a:srgbClr val="003E82"/>
-                </a:solidFill>
-                <a:latin typeface="Arial" charset="0"/>
-                <a:ea typeface="Arial" charset="0"/>
-                <a:cs typeface="Arial" charset="0"/>
-              </a:rPr>
-              <a:t> </a:t>
-            </a:r>
-            <a:r>
-              <a:rPr lang="en-US" sz="1200" dirty="0" err="1">
-                <a:solidFill>
-                  <a:srgbClr val="003E82"/>
-                </a:solidFill>
-                <a:latin typeface="Arial" charset="0"/>
-                <a:ea typeface="Arial" charset="0"/>
-                <a:cs typeface="Arial" charset="0"/>
-              </a:rPr>
-              <a:t>мам</a:t>
-            </a:r>
-            <a:r>
-              <a:rPr lang="en-US" sz="1200" dirty="0">
-                <a:solidFill>
-                  <a:srgbClr val="003E82"/>
-                </a:solidFill>
-                <a:latin typeface="Arial" charset="0"/>
-                <a:ea typeface="Arial" charset="0"/>
-                <a:cs typeface="Arial" charset="0"/>
-              </a:rPr>
-              <a:t>: [</a:t>
-            </a:r>
-            <a:r>
-              <a:rPr lang="en-US" sz="1200" dirty="0" err="1">
-                <a:solidFill>
-                  <a:srgbClr val="003E82"/>
-                </a:solidFill>
-                <a:latin typeface="Arial" charset="0"/>
-                <a:ea typeface="Arial" charset="0"/>
-                <a:cs typeface="Arial" charset="0"/>
-              </a:rPr>
-              <a:t>Электронный</a:t>
-            </a:r>
-            <a:r>
-              <a:rPr lang="en-US" sz="1200" dirty="0">
-                <a:solidFill>
-                  <a:srgbClr val="003E82"/>
-                </a:solidFill>
-                <a:latin typeface="Arial" charset="0"/>
-                <a:ea typeface="Arial" charset="0"/>
-                <a:cs typeface="Arial" charset="0"/>
-              </a:rPr>
-              <a:t> </a:t>
-            </a:r>
-            <a:r>
-              <a:rPr lang="en-US" sz="1200" dirty="0" err="1">
-                <a:solidFill>
-                  <a:srgbClr val="003E82"/>
-                </a:solidFill>
-                <a:latin typeface="Arial" charset="0"/>
-                <a:ea typeface="Arial" charset="0"/>
-                <a:cs typeface="Arial" charset="0"/>
-              </a:rPr>
-              <a:t>ресурс</a:t>
-            </a:r>
-            <a:r>
-              <a:rPr lang="en-US" sz="1200" dirty="0">
-                <a:solidFill>
-                  <a:srgbClr val="003E82"/>
-                </a:solidFill>
-                <a:latin typeface="Arial" charset="0"/>
-                <a:ea typeface="Arial" charset="0"/>
-                <a:cs typeface="Arial" charset="0"/>
-              </a:rPr>
-              <a:t>]. </a:t>
-            </a:r>
-            <a:r>
-              <a:rPr lang="en-US" sz="1200" dirty="0" err="1">
-                <a:solidFill>
-                  <a:srgbClr val="003E82"/>
-                </a:solidFill>
-                <a:latin typeface="Arial" charset="0"/>
-                <a:ea typeface="Arial" charset="0"/>
-                <a:cs typeface="Arial" charset="0"/>
-              </a:rPr>
-              <a:t>М</a:t>
-            </a:r>
-            <a:r>
-              <a:rPr lang="en-US" sz="1200" dirty="0">
-                <a:solidFill>
-                  <a:srgbClr val="003E82"/>
-                </a:solidFill>
-                <a:latin typeface="Arial" charset="0"/>
-                <a:ea typeface="Arial" charset="0"/>
-                <a:cs typeface="Arial" charset="0"/>
-              </a:rPr>
-              <a:t>., 2009-2017. URL: http://</a:t>
-            </a:r>
-            <a:r>
-              <a:rPr lang="en-US" sz="1200" dirty="0" err="1">
-                <a:solidFill>
-                  <a:srgbClr val="003E82"/>
-                </a:solidFill>
-                <a:latin typeface="Arial" charset="0"/>
-                <a:ea typeface="Arial" charset="0"/>
-                <a:cs typeface="Arial" charset="0"/>
-              </a:rPr>
-              <a:t>www.stranamam.ru</a:t>
-            </a:r>
-            <a:r>
-              <a:rPr lang="en-US" sz="1200" dirty="0">
-                <a:solidFill>
-                  <a:srgbClr val="003E82"/>
-                </a:solidFill>
-                <a:latin typeface="Arial" charset="0"/>
-                <a:ea typeface="Arial" charset="0"/>
-                <a:cs typeface="Arial" charset="0"/>
-              </a:rPr>
-              <a:t>/. </a:t>
-            </a:r>
-            <a:r>
-              <a:rPr lang="ru-RU" sz="1200" dirty="0">
-                <a:solidFill>
-                  <a:srgbClr val="003E82"/>
-                </a:solidFill>
-                <a:latin typeface="Arial" charset="0"/>
-                <a:ea typeface="Arial" charset="0"/>
-                <a:cs typeface="Arial" charset="0"/>
-              </a:rPr>
-              <a:t>(Дата обращения: 18.10.2017).</a:t>
-            </a:r>
-          </a:p>
-          <a:p>
-            <a:pPr marL="342900" lvl="0" indent="-342900">
-              <a:buFont typeface="+mj-lt"/>
-              <a:buAutoNum type="arabicPeriod"/>
-            </a:pPr>
-            <a:r>
-              <a:rPr lang="ru-RU" sz="1200" dirty="0">
-                <a:solidFill>
-                  <a:srgbClr val="003E82"/>
-                </a:solidFill>
-                <a:latin typeface="Arial" charset="0"/>
-                <a:ea typeface="Arial" charset="0"/>
-                <a:cs typeface="Arial" charset="0"/>
-              </a:rPr>
-              <a:t>Изучаем данные, </a:t>
-            </a:r>
-            <a:r>
-              <a:rPr lang="en-US" sz="1200" dirty="0" err="1">
-                <a:solidFill>
-                  <a:srgbClr val="003E82"/>
-                </a:solidFill>
-                <a:latin typeface="Arial" charset="0"/>
-                <a:ea typeface="Arial" charset="0"/>
-                <a:cs typeface="Arial" charset="0"/>
-              </a:rPr>
-              <a:t>собранные</a:t>
-            </a:r>
-            <a:r>
-              <a:rPr lang="en-US" sz="1200" dirty="0">
-                <a:solidFill>
-                  <a:srgbClr val="003E82"/>
-                </a:solidFill>
-                <a:latin typeface="Arial" charset="0"/>
-                <a:ea typeface="Arial" charset="0"/>
-                <a:cs typeface="Arial" charset="0"/>
-              </a:rPr>
-              <a:t> Xiaomi </a:t>
-            </a:r>
-            <a:r>
-              <a:rPr lang="en-US" sz="1200" dirty="0" err="1">
-                <a:solidFill>
-                  <a:srgbClr val="003E82"/>
-                </a:solidFill>
-                <a:latin typeface="Arial" charset="0"/>
-                <a:ea typeface="Arial" charset="0"/>
-                <a:cs typeface="Arial" charset="0"/>
-              </a:rPr>
-              <a:t>Mi</a:t>
-            </a:r>
-            <a:r>
-              <a:rPr lang="en-US" sz="1200" dirty="0">
-                <a:solidFill>
-                  <a:srgbClr val="003E82"/>
-                </a:solidFill>
-                <a:latin typeface="Arial" charset="0"/>
-                <a:ea typeface="Arial" charset="0"/>
-                <a:cs typeface="Arial" charset="0"/>
-              </a:rPr>
-              <a:t> Band </a:t>
-            </a:r>
-            <a:r>
-              <a:rPr lang="en-US" sz="1200" dirty="0" err="1">
-                <a:solidFill>
-                  <a:srgbClr val="003E82"/>
-                </a:solidFill>
-                <a:latin typeface="Arial" charset="0"/>
-                <a:ea typeface="Arial" charset="0"/>
-                <a:cs typeface="Arial" charset="0"/>
-              </a:rPr>
-              <a:t>за</a:t>
-            </a:r>
-            <a:r>
-              <a:rPr lang="en-US" sz="1200" dirty="0">
-                <a:solidFill>
-                  <a:srgbClr val="003E82"/>
-                </a:solidFill>
-                <a:latin typeface="Arial" charset="0"/>
-                <a:ea typeface="Arial" charset="0"/>
-                <a:cs typeface="Arial" charset="0"/>
-              </a:rPr>
-              <a:t> </a:t>
-            </a:r>
-            <a:r>
-              <a:rPr lang="en-US" sz="1200" dirty="0" err="1">
-                <a:solidFill>
-                  <a:srgbClr val="003E82"/>
-                </a:solidFill>
-                <a:latin typeface="Arial" charset="0"/>
-                <a:ea typeface="Arial" charset="0"/>
-                <a:cs typeface="Arial" charset="0"/>
-              </a:rPr>
-              <a:t>год</a:t>
-            </a:r>
-            <a:r>
-              <a:rPr lang="en-US" sz="1200" dirty="0">
-                <a:solidFill>
-                  <a:srgbClr val="003E82"/>
-                </a:solidFill>
-                <a:latin typeface="Arial" charset="0"/>
-                <a:ea typeface="Arial" charset="0"/>
-                <a:cs typeface="Arial" charset="0"/>
-              </a:rPr>
-              <a:t>: [</a:t>
-            </a:r>
-            <a:r>
-              <a:rPr lang="en-US" sz="1200" dirty="0" err="1">
-                <a:solidFill>
-                  <a:srgbClr val="003E82"/>
-                </a:solidFill>
-                <a:latin typeface="Arial" charset="0"/>
-                <a:ea typeface="Arial" charset="0"/>
-                <a:cs typeface="Arial" charset="0"/>
-              </a:rPr>
-              <a:t>Электронный</a:t>
-            </a:r>
-            <a:r>
-              <a:rPr lang="en-US" sz="1200" dirty="0">
-                <a:solidFill>
-                  <a:srgbClr val="003E82"/>
-                </a:solidFill>
-                <a:latin typeface="Arial" charset="0"/>
-                <a:ea typeface="Arial" charset="0"/>
-                <a:cs typeface="Arial" charset="0"/>
-              </a:rPr>
-              <a:t> </a:t>
-            </a:r>
-            <a:r>
-              <a:rPr lang="en-US" sz="1200" dirty="0" err="1">
-                <a:solidFill>
-                  <a:srgbClr val="003E82"/>
-                </a:solidFill>
-                <a:latin typeface="Arial" charset="0"/>
-                <a:ea typeface="Arial" charset="0"/>
-                <a:cs typeface="Arial" charset="0"/>
-              </a:rPr>
-              <a:t>ресурс</a:t>
-            </a:r>
-            <a:r>
-              <a:rPr lang="en-US" sz="1200" dirty="0">
-                <a:solidFill>
-                  <a:srgbClr val="003E82"/>
-                </a:solidFill>
-                <a:latin typeface="Arial" charset="0"/>
-                <a:ea typeface="Arial" charset="0"/>
-                <a:cs typeface="Arial" charset="0"/>
-              </a:rPr>
-              <a:t>] // </a:t>
-            </a:r>
-            <a:r>
-              <a:rPr lang="en-US" sz="1200" dirty="0" err="1">
-                <a:solidFill>
-                  <a:srgbClr val="003E82"/>
-                </a:solidFill>
-                <a:latin typeface="Arial" charset="0"/>
-                <a:ea typeface="Arial" charset="0"/>
-                <a:cs typeface="Arial" charset="0"/>
-              </a:rPr>
-              <a:t>Крупнейший</a:t>
-            </a:r>
-            <a:r>
-              <a:rPr lang="en-US" sz="1200" dirty="0">
-                <a:solidFill>
-                  <a:srgbClr val="003E82"/>
-                </a:solidFill>
-                <a:latin typeface="Arial" charset="0"/>
-                <a:ea typeface="Arial" charset="0"/>
-                <a:cs typeface="Arial" charset="0"/>
-              </a:rPr>
-              <a:t> </a:t>
-            </a:r>
-            <a:r>
-              <a:rPr lang="en-US" sz="1200" dirty="0" err="1">
-                <a:solidFill>
-                  <a:srgbClr val="003E82"/>
-                </a:solidFill>
-                <a:latin typeface="Arial" charset="0"/>
-                <a:ea typeface="Arial" charset="0"/>
-                <a:cs typeface="Arial" charset="0"/>
-              </a:rPr>
-              <a:t>в</a:t>
-            </a:r>
-            <a:r>
-              <a:rPr lang="en-US" sz="1200" dirty="0">
-                <a:solidFill>
-                  <a:srgbClr val="003E82"/>
-                </a:solidFill>
-                <a:latin typeface="Arial" charset="0"/>
-                <a:ea typeface="Arial" charset="0"/>
-                <a:cs typeface="Arial" charset="0"/>
-              </a:rPr>
-              <a:t> </a:t>
-            </a:r>
-            <a:r>
-              <a:rPr lang="en-US" sz="1200" dirty="0" err="1">
-                <a:solidFill>
-                  <a:srgbClr val="003E82"/>
-                </a:solidFill>
-                <a:latin typeface="Arial" charset="0"/>
-                <a:ea typeface="Arial" charset="0"/>
-                <a:cs typeface="Arial" charset="0"/>
-              </a:rPr>
-              <a:t>Европе</a:t>
-            </a:r>
-            <a:r>
-              <a:rPr lang="en-US" sz="1200" dirty="0">
-                <a:solidFill>
-                  <a:srgbClr val="003E82"/>
-                </a:solidFill>
-                <a:latin typeface="Arial" charset="0"/>
-                <a:ea typeface="Arial" charset="0"/>
-                <a:cs typeface="Arial" charset="0"/>
-              </a:rPr>
-              <a:t> </a:t>
-            </a:r>
-            <a:r>
-              <a:rPr lang="en-US" sz="1200" dirty="0" err="1">
-                <a:solidFill>
-                  <a:srgbClr val="003E82"/>
-                </a:solidFill>
-                <a:latin typeface="Arial" charset="0"/>
-                <a:ea typeface="Arial" charset="0"/>
-                <a:cs typeface="Arial" charset="0"/>
-              </a:rPr>
-              <a:t>ресурс</a:t>
-            </a:r>
-            <a:r>
-              <a:rPr lang="en-US" sz="1200" dirty="0">
-                <a:solidFill>
-                  <a:srgbClr val="003E82"/>
-                </a:solidFill>
-                <a:latin typeface="Arial" charset="0"/>
-                <a:ea typeface="Arial" charset="0"/>
-                <a:cs typeface="Arial" charset="0"/>
-              </a:rPr>
-              <a:t> </a:t>
-            </a:r>
-            <a:r>
-              <a:rPr lang="en-US" sz="1200" dirty="0" err="1">
-                <a:solidFill>
-                  <a:srgbClr val="003E82"/>
-                </a:solidFill>
-                <a:latin typeface="Arial" charset="0"/>
-                <a:ea typeface="Arial" charset="0"/>
-                <a:cs typeface="Arial" charset="0"/>
-              </a:rPr>
-              <a:t>для</a:t>
-            </a:r>
-            <a:r>
-              <a:rPr lang="en-US" sz="1200" dirty="0">
-                <a:solidFill>
-                  <a:srgbClr val="003E82"/>
-                </a:solidFill>
-                <a:latin typeface="Arial" charset="0"/>
-                <a:ea typeface="Arial" charset="0"/>
-                <a:cs typeface="Arial" charset="0"/>
-              </a:rPr>
-              <a:t> IT-</a:t>
-            </a:r>
-            <a:r>
-              <a:rPr lang="en-US" sz="1200" dirty="0" err="1">
-                <a:solidFill>
-                  <a:srgbClr val="003E82"/>
-                </a:solidFill>
-                <a:latin typeface="Arial" charset="0"/>
-                <a:ea typeface="Arial" charset="0"/>
-                <a:cs typeface="Arial" charset="0"/>
-              </a:rPr>
-              <a:t>специалистов</a:t>
-            </a:r>
-            <a:r>
-              <a:rPr lang="en-US" sz="1200" dirty="0">
-                <a:solidFill>
-                  <a:srgbClr val="003E82"/>
-                </a:solidFill>
-                <a:latin typeface="Arial" charset="0"/>
-                <a:ea typeface="Arial" charset="0"/>
-                <a:cs typeface="Arial" charset="0"/>
-              </a:rPr>
-              <a:t> </a:t>
-            </a:r>
-            <a:r>
-              <a:rPr lang="en-US" sz="1200" dirty="0" err="1">
-                <a:solidFill>
-                  <a:srgbClr val="003E82"/>
-                </a:solidFill>
-                <a:latin typeface="Arial" charset="0"/>
-                <a:ea typeface="Arial" charset="0"/>
-                <a:cs typeface="Arial" charset="0"/>
-              </a:rPr>
-              <a:t>Habrahabr</a:t>
-            </a:r>
-            <a:r>
-              <a:rPr lang="en-US" sz="1200" dirty="0">
-                <a:solidFill>
-                  <a:srgbClr val="003E82"/>
-                </a:solidFill>
-                <a:latin typeface="Arial" charset="0"/>
-                <a:ea typeface="Arial" charset="0"/>
-                <a:cs typeface="Arial" charset="0"/>
-              </a:rPr>
-              <a:t>. </a:t>
-            </a:r>
-            <a:r>
-              <a:rPr lang="en-US" sz="1200" dirty="0" err="1">
-                <a:solidFill>
-                  <a:srgbClr val="003E82"/>
-                </a:solidFill>
-                <a:latin typeface="Arial" charset="0"/>
-                <a:ea typeface="Arial" charset="0"/>
-                <a:cs typeface="Arial" charset="0"/>
-              </a:rPr>
-              <a:t>М</a:t>
-            </a:r>
-            <a:r>
-              <a:rPr lang="en-US" sz="1200" dirty="0">
-                <a:solidFill>
-                  <a:srgbClr val="003E82"/>
-                </a:solidFill>
-                <a:latin typeface="Arial" charset="0"/>
-                <a:ea typeface="Arial" charset="0"/>
-                <a:cs typeface="Arial" charset="0"/>
-              </a:rPr>
-              <a:t>., 2006-20017. URL: https://</a:t>
-            </a:r>
-            <a:r>
-              <a:rPr lang="en-US" sz="1200" dirty="0" err="1">
-                <a:solidFill>
-                  <a:srgbClr val="003E82"/>
-                </a:solidFill>
-                <a:latin typeface="Arial" charset="0"/>
-                <a:ea typeface="Arial" charset="0"/>
-                <a:cs typeface="Arial" charset="0"/>
-              </a:rPr>
-              <a:t>habrahabr.ru</a:t>
-            </a:r>
-            <a:r>
-              <a:rPr lang="en-US" sz="1200" dirty="0">
-                <a:solidFill>
-                  <a:srgbClr val="003E82"/>
-                </a:solidFill>
-                <a:latin typeface="Arial" charset="0"/>
-                <a:ea typeface="Arial" charset="0"/>
-                <a:cs typeface="Arial" charset="0"/>
-              </a:rPr>
-              <a:t>/sandbox/103526/. (</a:t>
-            </a:r>
-            <a:r>
-              <a:rPr lang="en-US" sz="1200" dirty="0" err="1">
-                <a:solidFill>
-                  <a:srgbClr val="003E82"/>
-                </a:solidFill>
-                <a:latin typeface="Arial" charset="0"/>
-                <a:ea typeface="Arial" charset="0"/>
-                <a:cs typeface="Arial" charset="0"/>
-              </a:rPr>
-              <a:t>Дата</a:t>
-            </a:r>
-            <a:r>
-              <a:rPr lang="en-US" sz="1200" dirty="0">
-                <a:solidFill>
-                  <a:srgbClr val="003E82"/>
-                </a:solidFill>
-                <a:latin typeface="Arial" charset="0"/>
-                <a:ea typeface="Arial" charset="0"/>
-                <a:cs typeface="Arial" charset="0"/>
-              </a:rPr>
-              <a:t> </a:t>
-            </a:r>
-            <a:r>
-              <a:rPr lang="en-US" sz="1200" dirty="0" err="1">
-                <a:solidFill>
-                  <a:srgbClr val="003E82"/>
-                </a:solidFill>
-                <a:latin typeface="Arial" charset="0"/>
-                <a:ea typeface="Arial" charset="0"/>
-                <a:cs typeface="Arial" charset="0"/>
-              </a:rPr>
-              <a:t>обращения</a:t>
-            </a:r>
-            <a:r>
-              <a:rPr lang="en-US" sz="1200" dirty="0">
-                <a:solidFill>
-                  <a:srgbClr val="003E82"/>
-                </a:solidFill>
-                <a:latin typeface="Arial" charset="0"/>
-                <a:ea typeface="Arial" charset="0"/>
-                <a:cs typeface="Arial" charset="0"/>
-              </a:rPr>
-              <a:t>: 18.10.2017).</a:t>
-            </a:r>
-            <a:endParaRPr lang="ru-RU" sz="1200" dirty="0">
-              <a:solidFill>
-                <a:srgbClr val="003E82"/>
-              </a:solidFill>
-              <a:latin typeface="Arial" charset="0"/>
-              <a:ea typeface="Arial" charset="0"/>
-              <a:cs typeface="Arial" charset="0"/>
-            </a:endParaRPr>
-          </a:p>
-          <a:p>
-            <a:pPr marL="342900" lvl="0" indent="-342900">
-              <a:buFont typeface="+mj-lt"/>
-              <a:buAutoNum type="arabicPeriod"/>
-            </a:pPr>
-            <a:r>
-              <a:rPr lang="ru-RU" sz="1200" dirty="0">
-                <a:solidFill>
-                  <a:srgbClr val="003E82"/>
-                </a:solidFill>
-                <a:latin typeface="Arial" charset="0"/>
-                <a:ea typeface="Arial" charset="0"/>
-                <a:cs typeface="Arial" charset="0"/>
-              </a:rPr>
-              <a:t>Правильная работа с БД в </a:t>
-            </a:r>
-            <a:r>
-              <a:rPr lang="en-US" sz="1200" dirty="0">
-                <a:solidFill>
-                  <a:srgbClr val="003E82"/>
-                </a:solidFill>
-                <a:latin typeface="Arial" charset="0"/>
-                <a:ea typeface="Arial" charset="0"/>
-                <a:cs typeface="Arial" charset="0"/>
-              </a:rPr>
-              <a:t>Android</a:t>
-            </a:r>
-            <a:r>
-              <a:rPr lang="ru-RU" sz="1200" dirty="0">
-                <a:solidFill>
-                  <a:srgbClr val="003E82"/>
-                </a:solidFill>
-                <a:latin typeface="Arial" charset="0"/>
-                <a:ea typeface="Arial" charset="0"/>
-                <a:cs typeface="Arial" charset="0"/>
-              </a:rPr>
-              <a:t>: [Электронный ресурс] // Крупнейший в</a:t>
-            </a:r>
-            <a:r>
-              <a:rPr lang="en-US" sz="1200" dirty="0">
-                <a:solidFill>
-                  <a:srgbClr val="003E82"/>
-                </a:solidFill>
-                <a:latin typeface="Arial" charset="0"/>
-                <a:ea typeface="Arial" charset="0"/>
-                <a:cs typeface="Arial" charset="0"/>
-              </a:rPr>
-              <a:t> </a:t>
-            </a:r>
-            <a:r>
-              <a:rPr lang="ru-RU" sz="1200" dirty="0">
-                <a:solidFill>
-                  <a:srgbClr val="003E82"/>
-                </a:solidFill>
-                <a:latin typeface="Arial" charset="0"/>
-                <a:ea typeface="Arial" charset="0"/>
-                <a:cs typeface="Arial" charset="0"/>
-              </a:rPr>
-              <a:t>Европе ресурс для </a:t>
-            </a:r>
-            <a:r>
-              <a:rPr lang="en-US" sz="1200" dirty="0">
-                <a:solidFill>
-                  <a:srgbClr val="003E82"/>
-                </a:solidFill>
-                <a:latin typeface="Arial" charset="0"/>
-                <a:ea typeface="Arial" charset="0"/>
-                <a:cs typeface="Arial" charset="0"/>
-              </a:rPr>
-              <a:t>IT</a:t>
-            </a:r>
-            <a:r>
-              <a:rPr lang="ru-RU" sz="1200" dirty="0">
-                <a:solidFill>
-                  <a:srgbClr val="003E82"/>
-                </a:solidFill>
-                <a:latin typeface="Arial" charset="0"/>
-                <a:ea typeface="Arial" charset="0"/>
-                <a:cs typeface="Arial" charset="0"/>
-              </a:rPr>
-              <a:t>-специалистов </a:t>
-            </a:r>
-            <a:r>
-              <a:rPr lang="en-US" sz="1200" dirty="0" err="1">
-                <a:solidFill>
-                  <a:srgbClr val="003E82"/>
-                </a:solidFill>
-                <a:latin typeface="Arial" charset="0"/>
-                <a:ea typeface="Arial" charset="0"/>
-                <a:cs typeface="Arial" charset="0"/>
-              </a:rPr>
-              <a:t>Habrahabr</a:t>
-            </a:r>
-            <a:r>
-              <a:rPr lang="ru-RU" sz="1200" dirty="0">
-                <a:solidFill>
-                  <a:srgbClr val="003E82"/>
-                </a:solidFill>
-                <a:latin typeface="Arial" charset="0"/>
-                <a:ea typeface="Arial" charset="0"/>
-                <a:cs typeface="Arial" charset="0"/>
-              </a:rPr>
-              <a:t>. </a:t>
-            </a:r>
-            <a:r>
-              <a:rPr lang="en-US" sz="1200" dirty="0" err="1">
-                <a:solidFill>
-                  <a:srgbClr val="003E82"/>
-                </a:solidFill>
-                <a:latin typeface="Arial" charset="0"/>
-                <a:ea typeface="Arial" charset="0"/>
-                <a:cs typeface="Arial" charset="0"/>
-              </a:rPr>
-              <a:t>М</a:t>
-            </a:r>
-            <a:r>
-              <a:rPr lang="en-US" sz="1200" dirty="0">
-                <a:solidFill>
-                  <a:srgbClr val="003E82"/>
-                </a:solidFill>
-                <a:latin typeface="Arial" charset="0"/>
-                <a:ea typeface="Arial" charset="0"/>
-                <a:cs typeface="Arial" charset="0"/>
-              </a:rPr>
-              <a:t>., 2006-20017. URL: https://</a:t>
-            </a:r>
-            <a:r>
-              <a:rPr lang="en-US" sz="1200" dirty="0" err="1">
-                <a:solidFill>
-                  <a:srgbClr val="003E82"/>
-                </a:solidFill>
-                <a:latin typeface="Arial" charset="0"/>
-                <a:ea typeface="Arial" charset="0"/>
-                <a:cs typeface="Arial" charset="0"/>
-              </a:rPr>
-              <a:t>habrahabr.ru</a:t>
-            </a:r>
-            <a:r>
-              <a:rPr lang="en-US" sz="1200" dirty="0">
-                <a:solidFill>
-                  <a:srgbClr val="003E82"/>
-                </a:solidFill>
-                <a:latin typeface="Arial" charset="0"/>
-                <a:ea typeface="Arial" charset="0"/>
-                <a:cs typeface="Arial" charset="0"/>
-              </a:rPr>
-              <a:t>/sandbox/103526/. (</a:t>
-            </a:r>
-            <a:r>
-              <a:rPr lang="en-US" sz="1200" dirty="0" err="1">
-                <a:solidFill>
-                  <a:srgbClr val="003E82"/>
-                </a:solidFill>
-                <a:latin typeface="Arial" charset="0"/>
-                <a:ea typeface="Arial" charset="0"/>
-                <a:cs typeface="Arial" charset="0"/>
-              </a:rPr>
-              <a:t>Дата</a:t>
-            </a:r>
-            <a:r>
-              <a:rPr lang="en-US" sz="1200" dirty="0">
-                <a:solidFill>
-                  <a:srgbClr val="003E82"/>
-                </a:solidFill>
-                <a:latin typeface="Arial" charset="0"/>
-                <a:ea typeface="Arial" charset="0"/>
-                <a:cs typeface="Arial" charset="0"/>
-              </a:rPr>
-              <a:t> </a:t>
-            </a:r>
-            <a:r>
-              <a:rPr lang="en-US" sz="1200" dirty="0" err="1">
-                <a:solidFill>
-                  <a:srgbClr val="003E82"/>
-                </a:solidFill>
-                <a:latin typeface="Arial" charset="0"/>
-                <a:ea typeface="Arial" charset="0"/>
-                <a:cs typeface="Arial" charset="0"/>
-              </a:rPr>
-              <a:t>обращения</a:t>
-            </a:r>
-            <a:r>
-              <a:rPr lang="en-US" sz="1200" dirty="0">
-                <a:solidFill>
-                  <a:srgbClr val="003E82"/>
-                </a:solidFill>
-                <a:latin typeface="Arial" charset="0"/>
-                <a:ea typeface="Arial" charset="0"/>
-                <a:cs typeface="Arial" charset="0"/>
-              </a:rPr>
-              <a:t>: 18.10.2017).</a:t>
-            </a:r>
-            <a:endParaRPr lang="ru-RU" sz="1200" dirty="0">
-              <a:solidFill>
-                <a:srgbClr val="003E82"/>
-              </a:solidFill>
-              <a:latin typeface="Arial" charset="0"/>
-              <a:ea typeface="Arial" charset="0"/>
-              <a:cs typeface="Arial" charset="0"/>
-            </a:endParaRPr>
-          </a:p>
-          <a:p>
-            <a:pPr marL="342900" lvl="0" indent="-342900">
-              <a:buFont typeface="+mj-lt"/>
-              <a:buAutoNum type="arabicPeriod"/>
-            </a:pPr>
-            <a:r>
-              <a:rPr lang="ru-RU" sz="1200" dirty="0">
-                <a:solidFill>
-                  <a:srgbClr val="003E82"/>
-                </a:solidFill>
-                <a:latin typeface="Arial" charset="0"/>
-                <a:ea typeface="Arial" charset="0"/>
-                <a:cs typeface="Arial" charset="0"/>
-              </a:rPr>
-              <a:t>Сайт фитнес-браслета </a:t>
-            </a:r>
-            <a:r>
-              <a:rPr lang="en-US" sz="1200" dirty="0" err="1">
-                <a:solidFill>
-                  <a:srgbClr val="003E82"/>
-                </a:solidFill>
-                <a:latin typeface="Arial" charset="0"/>
-                <a:ea typeface="Arial" charset="0"/>
-                <a:cs typeface="Arial" charset="0"/>
-              </a:rPr>
-              <a:t>Mi</a:t>
-            </a:r>
-            <a:r>
-              <a:rPr lang="en-US" sz="1200" dirty="0">
-                <a:solidFill>
-                  <a:srgbClr val="003E82"/>
-                </a:solidFill>
-                <a:latin typeface="Arial" charset="0"/>
-                <a:ea typeface="Arial" charset="0"/>
-                <a:cs typeface="Arial" charset="0"/>
-              </a:rPr>
-              <a:t> band</a:t>
-            </a:r>
-            <a:r>
-              <a:rPr lang="ru-RU" sz="1200" dirty="0">
-                <a:solidFill>
-                  <a:srgbClr val="003E82"/>
-                </a:solidFill>
-                <a:latin typeface="Arial" charset="0"/>
-                <a:ea typeface="Arial" charset="0"/>
-                <a:cs typeface="Arial" charset="0"/>
-              </a:rPr>
-              <a:t>: [Электронный ресурс]. </a:t>
-            </a:r>
-            <a:r>
-              <a:rPr lang="en-US" sz="1200" dirty="0">
-                <a:solidFill>
-                  <a:srgbClr val="003E82"/>
-                </a:solidFill>
-                <a:latin typeface="Arial" charset="0"/>
-                <a:ea typeface="Arial" charset="0"/>
-                <a:cs typeface="Arial" charset="0"/>
-              </a:rPr>
-              <a:t>2010-2017. URL: http://</a:t>
-            </a:r>
-            <a:r>
-              <a:rPr lang="en-US" sz="1200" dirty="0" err="1">
-                <a:solidFill>
-                  <a:srgbClr val="003E82"/>
-                </a:solidFill>
-                <a:latin typeface="Arial" charset="0"/>
-                <a:ea typeface="Arial" charset="0"/>
-                <a:cs typeface="Arial" charset="0"/>
-              </a:rPr>
-              <a:t>www.mi.com</a:t>
-            </a:r>
-            <a:r>
-              <a:rPr lang="en-US" sz="1200" dirty="0">
-                <a:solidFill>
-                  <a:srgbClr val="003E82"/>
-                </a:solidFill>
-                <a:latin typeface="Arial" charset="0"/>
-                <a:ea typeface="Arial" charset="0"/>
-                <a:cs typeface="Arial" charset="0"/>
-              </a:rPr>
-              <a:t>/</a:t>
-            </a:r>
-            <a:r>
-              <a:rPr lang="en-US" sz="1200" dirty="0" err="1">
-                <a:solidFill>
-                  <a:srgbClr val="003E82"/>
-                </a:solidFill>
-                <a:latin typeface="Arial" charset="0"/>
-                <a:ea typeface="Arial" charset="0"/>
-                <a:cs typeface="Arial" charset="0"/>
-              </a:rPr>
-              <a:t>en</a:t>
-            </a:r>
-            <a:r>
-              <a:rPr lang="en-US" sz="1200" dirty="0">
-                <a:solidFill>
-                  <a:srgbClr val="003E82"/>
-                </a:solidFill>
-                <a:latin typeface="Arial" charset="0"/>
-                <a:ea typeface="Arial" charset="0"/>
-                <a:cs typeface="Arial" charset="0"/>
-              </a:rPr>
-              <a:t>/</a:t>
-            </a:r>
-            <a:r>
-              <a:rPr lang="en-US" sz="1200" dirty="0" err="1">
-                <a:solidFill>
-                  <a:srgbClr val="003E82"/>
-                </a:solidFill>
-                <a:latin typeface="Arial" charset="0"/>
-                <a:ea typeface="Arial" charset="0"/>
-                <a:cs typeface="Arial" charset="0"/>
-              </a:rPr>
-              <a:t>miband</a:t>
-            </a:r>
-            <a:r>
-              <a:rPr lang="en-US" sz="1200" dirty="0">
-                <a:solidFill>
-                  <a:srgbClr val="003E82"/>
-                </a:solidFill>
-                <a:latin typeface="Arial" charset="0"/>
-                <a:ea typeface="Arial" charset="0"/>
-                <a:cs typeface="Arial" charset="0"/>
-              </a:rPr>
-              <a:t>/. (</a:t>
-            </a:r>
-            <a:r>
-              <a:rPr lang="en-US" sz="1200" dirty="0" err="1">
-                <a:solidFill>
-                  <a:srgbClr val="003E82"/>
-                </a:solidFill>
-                <a:latin typeface="Arial" charset="0"/>
-                <a:ea typeface="Arial" charset="0"/>
-                <a:cs typeface="Arial" charset="0"/>
-              </a:rPr>
-              <a:t>Дата</a:t>
-            </a:r>
-            <a:r>
-              <a:rPr lang="en-US" sz="1200" dirty="0">
-                <a:solidFill>
-                  <a:srgbClr val="003E82"/>
-                </a:solidFill>
-                <a:latin typeface="Arial" charset="0"/>
-                <a:ea typeface="Arial" charset="0"/>
-                <a:cs typeface="Arial" charset="0"/>
-              </a:rPr>
-              <a:t> </a:t>
-            </a:r>
-            <a:r>
-              <a:rPr lang="en-US" sz="1200" dirty="0" err="1">
-                <a:solidFill>
-                  <a:srgbClr val="003E82"/>
-                </a:solidFill>
-                <a:latin typeface="Arial" charset="0"/>
-                <a:ea typeface="Arial" charset="0"/>
-                <a:cs typeface="Arial" charset="0"/>
-              </a:rPr>
-              <a:t>обращения</a:t>
-            </a:r>
-            <a:r>
-              <a:rPr lang="en-US" sz="1200" dirty="0">
-                <a:solidFill>
-                  <a:srgbClr val="003E82"/>
-                </a:solidFill>
-                <a:latin typeface="Arial" charset="0"/>
-                <a:ea typeface="Arial" charset="0"/>
-                <a:cs typeface="Arial" charset="0"/>
-              </a:rPr>
-              <a:t>: 18.10.2017).</a:t>
-            </a:r>
-            <a:endParaRPr lang="ru-RU" sz="1200" dirty="0">
-              <a:solidFill>
-                <a:srgbClr val="003E82"/>
-              </a:solidFill>
-              <a:latin typeface="Arial" charset="0"/>
-              <a:ea typeface="Arial" charset="0"/>
-              <a:cs typeface="Arial" charset="0"/>
-            </a:endParaRPr>
-          </a:p>
-          <a:p>
-            <a:pPr marL="342900" lvl="0" indent="-342900">
-              <a:buFont typeface="+mj-lt"/>
-              <a:buAutoNum type="arabicPeriod"/>
-            </a:pPr>
-            <a:r>
-              <a:rPr lang="en-US" sz="1200" dirty="0">
-                <a:solidFill>
-                  <a:srgbClr val="003E82"/>
-                </a:solidFill>
-                <a:latin typeface="Arial" charset="0"/>
-                <a:ea typeface="Arial" charset="0"/>
-                <a:cs typeface="Arial" charset="0"/>
-              </a:rPr>
-              <a:t>Jason W. Android </a:t>
-            </a:r>
-            <a:r>
-              <a:rPr lang="ru-RU" sz="1200" dirty="0" err="1">
-                <a:solidFill>
-                  <a:srgbClr val="003E82"/>
-                </a:solidFill>
-                <a:latin typeface="Arial" charset="0"/>
-                <a:ea typeface="Arial" charset="0"/>
-                <a:cs typeface="Arial" charset="0"/>
-              </a:rPr>
-              <a:t>Database</a:t>
-            </a:r>
-            <a:r>
-              <a:rPr lang="ru-RU" sz="1200" dirty="0">
-                <a:solidFill>
-                  <a:srgbClr val="003E82"/>
-                </a:solidFill>
-                <a:latin typeface="Arial" charset="0"/>
-                <a:ea typeface="Arial" charset="0"/>
-                <a:cs typeface="Arial" charset="0"/>
-              </a:rPr>
-              <a:t> </a:t>
-            </a:r>
-            <a:r>
-              <a:rPr lang="ru-RU" sz="1200" dirty="0" err="1">
-                <a:solidFill>
-                  <a:srgbClr val="003E82"/>
-                </a:solidFill>
-                <a:latin typeface="Arial" charset="0"/>
-                <a:ea typeface="Arial" charset="0"/>
-                <a:cs typeface="Arial" charset="0"/>
-              </a:rPr>
-              <a:t>Programming</a:t>
-            </a:r>
-            <a:r>
-              <a:rPr lang="ru-RU" sz="1200" dirty="0">
-                <a:solidFill>
-                  <a:srgbClr val="003E82"/>
-                </a:solidFill>
-                <a:latin typeface="Arial" charset="0"/>
-                <a:ea typeface="Arial" charset="0"/>
-                <a:cs typeface="Arial" charset="0"/>
-              </a:rPr>
-              <a:t>. — UK.: </a:t>
-            </a:r>
-            <a:r>
-              <a:rPr lang="ru-RU" sz="1200" dirty="0" err="1">
-                <a:solidFill>
-                  <a:srgbClr val="003E82"/>
-                </a:solidFill>
-                <a:latin typeface="Arial" charset="0"/>
-                <a:ea typeface="Arial" charset="0"/>
-                <a:cs typeface="Arial" charset="0"/>
-              </a:rPr>
-              <a:t>Packt</a:t>
-            </a:r>
-            <a:r>
-              <a:rPr lang="ru-RU" sz="1200" dirty="0">
-                <a:solidFill>
-                  <a:srgbClr val="003E82"/>
-                </a:solidFill>
-                <a:latin typeface="Arial" charset="0"/>
-                <a:ea typeface="Arial" charset="0"/>
-                <a:cs typeface="Arial" charset="0"/>
-              </a:rPr>
-              <a:t>, 2017. — 212 с.</a:t>
-            </a:r>
-          </a:p>
-          <a:p>
-            <a:pPr marL="342900" lvl="0" indent="-342900">
-              <a:buFont typeface="+mj-lt"/>
-              <a:buAutoNum type="arabicPeriod"/>
-            </a:pPr>
-            <a:r>
-              <a:rPr lang="en-US" sz="1200" dirty="0">
-                <a:solidFill>
-                  <a:srgbClr val="003E82"/>
-                </a:solidFill>
-                <a:latin typeface="Arial" charset="0"/>
-                <a:ea typeface="Arial" charset="0"/>
-                <a:cs typeface="Arial" charset="0"/>
-              </a:rPr>
-              <a:t>Google Android Guidelines: [</a:t>
-            </a:r>
-            <a:r>
-              <a:rPr lang="ru-RU" sz="1200" dirty="0">
-                <a:solidFill>
-                  <a:srgbClr val="003E82"/>
-                </a:solidFill>
-                <a:latin typeface="Arial" charset="0"/>
-                <a:ea typeface="Arial" charset="0"/>
-                <a:cs typeface="Arial" charset="0"/>
-              </a:rPr>
-              <a:t>Электронный ресурс</a:t>
-            </a:r>
-            <a:r>
-              <a:rPr lang="en-US" sz="1200" dirty="0">
-                <a:solidFill>
-                  <a:srgbClr val="003E82"/>
-                </a:solidFill>
-                <a:latin typeface="Arial" charset="0"/>
-                <a:ea typeface="Arial" charset="0"/>
-                <a:cs typeface="Arial" charset="0"/>
-              </a:rPr>
-              <a:t>]. </a:t>
-            </a:r>
-            <a:r>
-              <a:rPr lang="en-US" sz="1200" dirty="0" err="1">
-                <a:solidFill>
-                  <a:srgbClr val="003E82"/>
-                </a:solidFill>
-                <a:latin typeface="Arial" charset="0"/>
-                <a:ea typeface="Arial" charset="0"/>
-                <a:cs typeface="Arial" charset="0"/>
-              </a:rPr>
-              <a:t>М</a:t>
-            </a:r>
-            <a:r>
-              <a:rPr lang="en-US" sz="1200" dirty="0">
-                <a:solidFill>
-                  <a:srgbClr val="003E82"/>
-                </a:solidFill>
-                <a:latin typeface="Arial" charset="0"/>
-                <a:ea typeface="Arial" charset="0"/>
-                <a:cs typeface="Arial" charset="0"/>
-              </a:rPr>
-              <a:t>., 2009-2017. URL</a:t>
-            </a:r>
-            <a:r>
-              <a:rPr lang="ru-RU" sz="1200" dirty="0">
-                <a:solidFill>
-                  <a:srgbClr val="003E82"/>
-                </a:solidFill>
-                <a:latin typeface="Arial" charset="0"/>
-                <a:ea typeface="Arial" charset="0"/>
-                <a:cs typeface="Arial" charset="0"/>
-              </a:rPr>
-              <a:t>: </a:t>
-            </a:r>
-            <a:r>
-              <a:rPr lang="en-US" sz="1200" dirty="0">
-                <a:solidFill>
-                  <a:srgbClr val="003E82"/>
-                </a:solidFill>
-                <a:latin typeface="Arial" charset="0"/>
-                <a:ea typeface="Arial" charset="0"/>
-                <a:cs typeface="Arial" charset="0"/>
-              </a:rPr>
-              <a:t>https</a:t>
-            </a:r>
-            <a:r>
-              <a:rPr lang="ru-RU" sz="1200" dirty="0">
-                <a:solidFill>
-                  <a:srgbClr val="003E82"/>
-                </a:solidFill>
-                <a:latin typeface="Arial" charset="0"/>
-                <a:ea typeface="Arial" charset="0"/>
-                <a:cs typeface="Arial" charset="0"/>
-              </a:rPr>
-              <a:t>://</a:t>
-            </a:r>
-            <a:r>
-              <a:rPr lang="en-US" sz="1200" dirty="0">
-                <a:solidFill>
-                  <a:srgbClr val="003E82"/>
-                </a:solidFill>
-                <a:latin typeface="Arial" charset="0"/>
-                <a:ea typeface="Arial" charset="0"/>
-                <a:cs typeface="Arial" charset="0"/>
-              </a:rPr>
-              <a:t>developer</a:t>
-            </a:r>
-            <a:r>
-              <a:rPr lang="ru-RU" sz="1200" dirty="0">
-                <a:solidFill>
-                  <a:srgbClr val="003E82"/>
-                </a:solidFill>
-                <a:latin typeface="Arial" charset="0"/>
-                <a:ea typeface="Arial" charset="0"/>
-                <a:cs typeface="Arial" charset="0"/>
-              </a:rPr>
-              <a:t>.</a:t>
-            </a:r>
-            <a:r>
-              <a:rPr lang="en-US" sz="1200" dirty="0">
-                <a:solidFill>
-                  <a:srgbClr val="003E82"/>
-                </a:solidFill>
-                <a:latin typeface="Arial" charset="0"/>
-                <a:ea typeface="Arial" charset="0"/>
-                <a:cs typeface="Arial" charset="0"/>
-              </a:rPr>
-              <a:t>android</a:t>
-            </a:r>
-            <a:r>
-              <a:rPr lang="ru-RU" sz="1200" dirty="0">
-                <a:solidFill>
-                  <a:srgbClr val="003E82"/>
-                </a:solidFill>
-                <a:latin typeface="Arial" charset="0"/>
-                <a:ea typeface="Arial" charset="0"/>
-                <a:cs typeface="Arial" charset="0"/>
-              </a:rPr>
-              <a:t>.</a:t>
-            </a:r>
-            <a:r>
-              <a:rPr lang="en-US" sz="1200" dirty="0">
-                <a:solidFill>
-                  <a:srgbClr val="003E82"/>
-                </a:solidFill>
-                <a:latin typeface="Arial" charset="0"/>
-                <a:ea typeface="Arial" charset="0"/>
-                <a:cs typeface="Arial" charset="0"/>
-              </a:rPr>
-              <a:t>com</a:t>
-            </a:r>
-            <a:r>
-              <a:rPr lang="ru-RU" sz="1200" dirty="0">
-                <a:solidFill>
-                  <a:srgbClr val="003E82"/>
-                </a:solidFill>
-                <a:latin typeface="Arial" charset="0"/>
-                <a:ea typeface="Arial" charset="0"/>
-                <a:cs typeface="Arial" charset="0"/>
-              </a:rPr>
-              <a:t>/</a:t>
-            </a:r>
-            <a:r>
-              <a:rPr lang="en-US" sz="1200" dirty="0">
-                <a:solidFill>
-                  <a:srgbClr val="003E82"/>
-                </a:solidFill>
-                <a:latin typeface="Arial" charset="0"/>
-                <a:ea typeface="Arial" charset="0"/>
-                <a:cs typeface="Arial" charset="0"/>
-              </a:rPr>
-              <a:t>design</a:t>
-            </a:r>
-            <a:r>
-              <a:rPr lang="ru-RU" sz="1200" dirty="0">
-                <a:solidFill>
-                  <a:srgbClr val="003E82"/>
-                </a:solidFill>
-                <a:latin typeface="Arial" charset="0"/>
-                <a:ea typeface="Arial" charset="0"/>
-                <a:cs typeface="Arial" charset="0"/>
-              </a:rPr>
-              <a:t>/</a:t>
-            </a:r>
-            <a:r>
-              <a:rPr lang="en-US" sz="1200" dirty="0">
-                <a:solidFill>
-                  <a:srgbClr val="003E82"/>
-                </a:solidFill>
-                <a:latin typeface="Arial" charset="0"/>
-                <a:ea typeface="Arial" charset="0"/>
-                <a:cs typeface="Arial" charset="0"/>
-              </a:rPr>
-              <a:t>index</a:t>
-            </a:r>
-            <a:r>
-              <a:rPr lang="ru-RU" sz="1200" dirty="0">
-                <a:solidFill>
-                  <a:srgbClr val="003E82"/>
-                </a:solidFill>
-                <a:latin typeface="Arial" charset="0"/>
-                <a:ea typeface="Arial" charset="0"/>
-                <a:cs typeface="Arial" charset="0"/>
-              </a:rPr>
-              <a:t>.</a:t>
-            </a:r>
-            <a:r>
-              <a:rPr lang="en-US" sz="1200" dirty="0">
-                <a:solidFill>
-                  <a:srgbClr val="003E82"/>
-                </a:solidFill>
-                <a:latin typeface="Arial" charset="0"/>
-                <a:ea typeface="Arial" charset="0"/>
-                <a:cs typeface="Arial" charset="0"/>
-              </a:rPr>
-              <a:t>html</a:t>
-            </a:r>
-            <a:r>
-              <a:rPr lang="ru-RU" sz="1200" dirty="0">
-                <a:solidFill>
-                  <a:srgbClr val="003E82"/>
-                </a:solidFill>
-                <a:latin typeface="Arial" charset="0"/>
-                <a:ea typeface="Arial" charset="0"/>
-                <a:cs typeface="Arial" charset="0"/>
-              </a:rPr>
-              <a:t>. (Дата обращения: 18.10.2017).</a:t>
-            </a:r>
-          </a:p>
-          <a:p>
-            <a:pPr marL="342900" indent="-342900">
+            <a:pPr marL="342900" indent="-342900" algn="just">
               <a:lnSpc>
                 <a:spcPct val="100000"/>
               </a:lnSpc>

--- a/docs/Presentation.pptx
+++ b/docs/Presentation.pptx
@@ -217,7 +217,7 @@
           <a:p>
             <a:fld id="{C750EDD8-39F8-D449-BB0F-7DE7A68CE7A4}" type="datetimeFigureOut">
               <a:rPr lang="ru-RU" smtClean="0"/>
-              <a:t>18.11.17</a:t>
+              <a:t>19.11.2017</a:t>
             </a:fld>
             <a:endParaRPr lang="ru-RU"/>
           </a:p>
@@ -485,6 +485,288 @@
 </p:notesMaster>
 </file>
 
+<file path=ppt/notesSlides/notesSlide1.xml><?xml version="1.0" encoding="utf-8"?>
+<p:notes xmlns:a="http://schemas.openxmlformats.org/drawingml/2006/main" xmlns:r="http://schemas.openxmlformats.org/officeDocument/2006/relationships" xmlns:p="http://schemas.openxmlformats.org/presentationml/2006/main">
+  <p:cSld>
+    <p:spTree>
+      <p:nvGrpSpPr>
+        <p:cNvPr id="1" name=""/>
+        <p:cNvGrpSpPr/>
+        <p:nvPr/>
+      </p:nvGrpSpPr>
+      <p:grpSpPr>
+        <a:xfrm>
+          <a:off x="0" y="0"/>
+          <a:ext cx="0" cy="0"/>
+          <a:chOff x="0" y="0"/>
+          <a:chExt cx="0" cy="0"/>
+        </a:xfrm>
+      </p:grpSpPr>
+      <p:sp>
+        <p:nvSpPr>
+          <p:cNvPr id="2" name="Образ слайда 1"/>
+          <p:cNvSpPr>
+            <a:spLocks noGrp="1" noRot="1" noChangeAspect="1"/>
+          </p:cNvSpPr>
+          <p:nvPr>
+            <p:ph type="sldImg"/>
+          </p:nvPr>
+        </p:nvSpPr>
+        <p:spPr/>
+      </p:sp>
+      <p:sp>
+        <p:nvSpPr>
+          <p:cNvPr id="3" name="Заметки 2"/>
+          <p:cNvSpPr>
+            <a:spLocks noGrp="1"/>
+          </p:cNvSpPr>
+          <p:nvPr>
+            <p:ph type="body" idx="1"/>
+          </p:nvPr>
+        </p:nvSpPr>
+        <p:spPr/>
+        <p:txBody>
+          <a:bodyPr/>
+          <a:lstStyle/>
+          <a:p>
+            <a:r>
+              <a:rPr lang="ru-RU" dirty="0" smtClean="0"/>
+              <a:t>В</a:t>
+            </a:r>
+            <a:r>
+              <a:rPr lang="ru-RU" baseline="0" dirty="0" smtClean="0"/>
+              <a:t> первую очередь стоит обозначить актуальность темы. Всем известно, что первый год жизни для ребенка самый важный, говоря, как о здоровье так и об общем развитии. Именно поэтому родителе всецело отдают свои силы для того, чтобы их малыш рос крепким и здоровым. Однако, стоит отметить, что здоровье молодой мамы столь же важно, как и здоровье новорожденного. Однако, многие об этом забывают. Ее организму требуется много сил для того, чтобы восстановиться после беременности. Именно поэтому слежение за показателями здоровья в режиме реального времени с помощью носимых устройств позволит осуществлять контроль ее текущего состояния без ущерба личному времени и станет очень удобным решением, позволяющим в случае каких-либо проблем вовремя сигнализировать об этом. Данные о маме и ребенке будут храниться не разрознено а вместе и с ними можно будет работать в рамках одного приложения, что позволит видеть зависимости между изменением состояния мамы и ее малыша. Также в случае потере телефона или приобретения нового устройства данные, которые предполагается хранить в облаке будут беспроблемно загружены на новый аппарат.</a:t>
+            </a:r>
+            <a:endParaRPr lang="ru-RU" dirty="0"/>
+          </a:p>
+        </p:txBody>
+      </p:sp>
+      <p:sp>
+        <p:nvSpPr>
+          <p:cNvPr id="4" name="Номер слайда 3"/>
+          <p:cNvSpPr>
+            <a:spLocks noGrp="1"/>
+          </p:cNvSpPr>
+          <p:nvPr>
+            <p:ph type="sldNum" sz="quarter" idx="10"/>
+          </p:nvPr>
+        </p:nvSpPr>
+        <p:spPr/>
+        <p:txBody>
+          <a:bodyPr/>
+          <a:lstStyle/>
+          <a:p>
+            <a:fld id="{6E15C4CE-F9BA-764A-ADB9-8DEC9A6FF327}" type="slidenum">
+              <a:rPr lang="ru-RU" smtClean="0"/>
+              <a:t>2</a:t>
+            </a:fld>
+            <a:endParaRPr lang="ru-RU"/>
+          </a:p>
+        </p:txBody>
+      </p:sp>
+    </p:spTree>
+    <p:extLst>
+      <p:ext uri="{BB962C8B-B14F-4D97-AF65-F5344CB8AC3E}">
+        <p14:creationId xmlns:p14="http://schemas.microsoft.com/office/powerpoint/2010/main" val="1204217238"/>
+      </p:ext>
+    </p:extLst>
+  </p:cSld>
+  <p:clrMapOvr>
+    <a:masterClrMapping/>
+  </p:clrMapOvr>
+</p:notes>
+</file>
+
+<file path=ppt/notesSlides/notesSlide2.xml><?xml version="1.0" encoding="utf-8"?>
+<p:notes xmlns:a="http://schemas.openxmlformats.org/drawingml/2006/main" xmlns:r="http://schemas.openxmlformats.org/officeDocument/2006/relationships" xmlns:p="http://schemas.openxmlformats.org/presentationml/2006/main">
+  <p:cSld>
+    <p:spTree>
+      <p:nvGrpSpPr>
+        <p:cNvPr id="1" name=""/>
+        <p:cNvGrpSpPr/>
+        <p:nvPr/>
+      </p:nvGrpSpPr>
+      <p:grpSpPr>
+        <a:xfrm>
+          <a:off x="0" y="0"/>
+          <a:ext cx="0" cy="0"/>
+          <a:chOff x="0" y="0"/>
+          <a:chExt cx="0" cy="0"/>
+        </a:xfrm>
+      </p:grpSpPr>
+      <p:sp>
+        <p:nvSpPr>
+          <p:cNvPr id="2" name="Образ слайда 1"/>
+          <p:cNvSpPr>
+            <a:spLocks noGrp="1" noRot="1" noChangeAspect="1"/>
+          </p:cNvSpPr>
+          <p:nvPr>
+            <p:ph type="sldImg"/>
+          </p:nvPr>
+        </p:nvSpPr>
+        <p:spPr/>
+      </p:sp>
+      <p:sp>
+        <p:nvSpPr>
+          <p:cNvPr id="3" name="Заметки 2"/>
+          <p:cNvSpPr>
+            <a:spLocks noGrp="1"/>
+          </p:cNvSpPr>
+          <p:nvPr>
+            <p:ph type="body" idx="1"/>
+          </p:nvPr>
+        </p:nvSpPr>
+        <p:spPr/>
+        <p:txBody>
+          <a:bodyPr/>
+          <a:lstStyle/>
+          <a:p>
+            <a:r>
+              <a:rPr lang="ru-RU" dirty="0" smtClean="0"/>
+              <a:t>В рамках подготовительной работы очень важным этапом является</a:t>
+            </a:r>
+            <a:r>
+              <a:rPr lang="ru-RU" baseline="0" dirty="0" smtClean="0"/>
+              <a:t> анализ существующих решений.</a:t>
+            </a:r>
+          </a:p>
+          <a:p>
+            <a:r>
+              <a:rPr lang="ru-RU" baseline="0" dirty="0" smtClean="0"/>
+              <a:t>Ни одно из исследованных приложений не решает все задачи сразу, что говорит о том, что проблема существует и ее можно решить способом, который предлагаю я</a:t>
+            </a:r>
+            <a:endParaRPr lang="ru-RU" dirty="0"/>
+          </a:p>
+        </p:txBody>
+      </p:sp>
+      <p:sp>
+        <p:nvSpPr>
+          <p:cNvPr id="4" name="Номер слайда 3"/>
+          <p:cNvSpPr>
+            <a:spLocks noGrp="1"/>
+          </p:cNvSpPr>
+          <p:nvPr>
+            <p:ph type="sldNum" sz="quarter" idx="10"/>
+          </p:nvPr>
+        </p:nvSpPr>
+        <p:spPr/>
+        <p:txBody>
+          <a:bodyPr/>
+          <a:lstStyle/>
+          <a:p>
+            <a:fld id="{6E15C4CE-F9BA-764A-ADB9-8DEC9A6FF327}" type="slidenum">
+              <a:rPr lang="ru-RU" smtClean="0"/>
+              <a:t>3</a:t>
+            </a:fld>
+            <a:endParaRPr lang="ru-RU"/>
+          </a:p>
+        </p:txBody>
+      </p:sp>
+    </p:spTree>
+    <p:extLst>
+      <p:ext uri="{BB962C8B-B14F-4D97-AF65-F5344CB8AC3E}">
+        <p14:creationId xmlns:p14="http://schemas.microsoft.com/office/powerpoint/2010/main" val="170951735"/>
+      </p:ext>
+    </p:extLst>
+  </p:cSld>
+  <p:clrMapOvr>
+    <a:masterClrMapping/>
+  </p:clrMapOvr>
+</p:notes>
+</file>
+
+<file path=ppt/notesSlides/notesSlide3.xml><?xml version="1.0" encoding="utf-8"?>
+<p:notes xmlns:a="http://schemas.openxmlformats.org/drawingml/2006/main" xmlns:r="http://schemas.openxmlformats.org/officeDocument/2006/relationships" xmlns:p="http://schemas.openxmlformats.org/presentationml/2006/main">
+  <p:cSld>
+    <p:spTree>
+      <p:nvGrpSpPr>
+        <p:cNvPr id="1" name=""/>
+        <p:cNvGrpSpPr/>
+        <p:nvPr/>
+      </p:nvGrpSpPr>
+      <p:grpSpPr>
+        <a:xfrm>
+          <a:off x="0" y="0"/>
+          <a:ext cx="0" cy="0"/>
+          <a:chOff x="0" y="0"/>
+          <a:chExt cx="0" cy="0"/>
+        </a:xfrm>
+      </p:grpSpPr>
+      <p:sp>
+        <p:nvSpPr>
+          <p:cNvPr id="2" name="Образ слайда 1"/>
+          <p:cNvSpPr>
+            <a:spLocks noGrp="1" noRot="1" noChangeAspect="1"/>
+          </p:cNvSpPr>
+          <p:nvPr>
+            <p:ph type="sldImg"/>
+          </p:nvPr>
+        </p:nvSpPr>
+        <p:spPr/>
+      </p:sp>
+      <p:sp>
+        <p:nvSpPr>
+          <p:cNvPr id="3" name="Заметки 2"/>
+          <p:cNvSpPr>
+            <a:spLocks noGrp="1"/>
+          </p:cNvSpPr>
+          <p:nvPr>
+            <p:ph type="body" idx="1"/>
+          </p:nvPr>
+        </p:nvSpPr>
+        <p:spPr/>
+        <p:txBody>
+          <a:bodyPr/>
+          <a:lstStyle/>
+          <a:p>
+            <a:r>
+              <a:rPr lang="ru-RU" dirty="0" smtClean="0"/>
+              <a:t>В ходе анкетирования респонденты также отвечали</a:t>
+            </a:r>
+            <a:r>
+              <a:rPr lang="ru-RU" baseline="0" dirty="0" smtClean="0"/>
+              <a:t> на вопрос о наличии и использовании носимых устройств в их семье. Большинство ответов было отрицательным, что я интерпретировала как банальное незнание и боязнь новых и простых в использовании технологий, отдавая предпочтение уже устаревшим методам. Родители не подозревают, насколько их здоровье будет удобнее контролировать, если они потратят 700-1000 рублей и скачают приложение, где будут отображены все данные в режиме реального времени.</a:t>
+            </a:r>
+            <a:endParaRPr lang="ru-RU" dirty="0"/>
+          </a:p>
+        </p:txBody>
+      </p:sp>
+      <p:sp>
+        <p:nvSpPr>
+          <p:cNvPr id="4" name="Номер слайда 3"/>
+          <p:cNvSpPr>
+            <a:spLocks noGrp="1"/>
+          </p:cNvSpPr>
+          <p:nvPr>
+            <p:ph type="sldNum" sz="quarter" idx="10"/>
+          </p:nvPr>
+        </p:nvSpPr>
+        <p:spPr/>
+        <p:txBody>
+          <a:bodyPr/>
+          <a:lstStyle/>
+          <a:p>
+            <a:fld id="{6E15C4CE-F9BA-764A-ADB9-8DEC9A6FF327}" type="slidenum">
+              <a:rPr lang="ru-RU" smtClean="0"/>
+              <a:t>6</a:t>
+            </a:fld>
+            <a:endParaRPr lang="ru-RU"/>
+          </a:p>
+        </p:txBody>
+      </p:sp>
+    </p:spTree>
+    <p:extLst>
+      <p:ext uri="{BB962C8B-B14F-4D97-AF65-F5344CB8AC3E}">
+        <p14:creationId xmlns:p14="http://schemas.microsoft.com/office/powerpoint/2010/main" val="1096617545"/>
+      </p:ext>
+    </p:extLst>
+  </p:cSld>
+  <p:clrMapOvr>
+    <a:masterClrMapping/>
+  </p:clrMapOvr>
+</p:notes>
+</file>
+
 <file path=ppt/slideLayouts/slideLayout1.xml><?xml version="1.0" encoding="utf-8"?>
 <p:sldLayout xmlns:a="http://schemas.openxmlformats.org/drawingml/2006/main" xmlns:r="http://schemas.openxmlformats.org/officeDocument/2006/relationships" xmlns:p="http://schemas.openxmlformats.org/presentationml/2006/main" type="obj" preserve="1">
   <p:cSld name="Title Slide">
@@ -651,7 +933,7 @@
           <a:p>
             <a:fld id="{1D8BD707-D9CF-40AE-B4C6-C98DA3205C09}" type="datetimeFigureOut">
               <a:rPr lang="en-US"/>
-              <a:t>11/18/17</a:t>
+              <a:t>11/19/17</a:t>
             </a:fld>
             <a:endParaRPr lang="en-US"/>
           </a:p>
@@ -851,7 +1133,7 @@
           <a:p>
             <a:fld id="{1D8BD707-D9CF-40AE-B4C6-C98DA3205C09}" type="datetimeFigureOut">
               <a:rPr lang="en-US"/>
-              <a:t>11/18/17</a:t>
+              <a:t>11/19/17</a:t>
             </a:fld>
             <a:endParaRPr lang="en-US"/>
           </a:p>
@@ -1088,7 +1370,7 @@
           <a:p>
             <a:fld id="{1D8BD707-D9CF-40AE-B4C6-C98DA3205C09}" type="datetimeFigureOut">
               <a:rPr lang="en-US"/>
-              <a:t>11/18/17</a:t>
+              <a:t>11/19/17</a:t>
             </a:fld>
             <a:endParaRPr lang="en-US"/>
           </a:p>
@@ -1259,7 +1541,7 @@
           <a:p>
             <a:fld id="{1D8BD707-D9CF-40AE-B4C6-C98DA3205C09}" type="datetimeFigureOut">
               <a:rPr lang="en-US"/>
-              <a:t>11/18/17</a:t>
+              <a:t>11/19/17</a:t>
             </a:fld>
             <a:endParaRPr lang="en-US"/>
           </a:p>
@@ -1401,7 +1683,7 @@
           <a:p>
             <a:fld id="{1D8BD707-D9CF-40AE-B4C6-C98DA3205C09}" type="datetimeFigureOut">
               <a:rPr lang="en-US"/>
-              <a:t>11/18/17</a:t>
+              <a:t>11/19/17</a:t>
             </a:fld>
             <a:endParaRPr lang="en-US"/>
           </a:p>
@@ -1678,7 +1960,7 @@
           <a:p>
             <a:fld id="{1D8BD707-D9CF-40AE-B4C6-C98DA3205C09}" type="datetimeFigureOut">
               <a:rPr lang="en-US"/>
-              <a:t>11/18/17</a:t>
+              <a:t>11/19/17</a:t>
             </a:fld>
             <a:endParaRPr lang="en-US"/>
           </a:p>
@@ -6475,7 +6757,7 @@
           <p:nvPr/>
         </p:nvPicPr>
         <p:blipFill>
-          <a:blip r:embed="rId2"/>
+          <a:blip r:embed="rId3"/>
           <a:stretch>
             <a:fillRect/>
           </a:stretch>

--- a/docs/Presentation.pptx
+++ b/docs/Presentation.pptx
@@ -5,7 +5,7 @@
     <p:sldMasterId id="2147483648" r:id="rId1"/>
   </p:sldMasterIdLst>
   <p:notesMasterIdLst>
-    <p:notesMasterId r:id="rId12"/>
+    <p:notesMasterId r:id="rId13"/>
   </p:notesMasterIdLst>
   <p:sldIdLst>
     <p:sldId id="256" r:id="rId2"/>
@@ -14,10 +14,11 @@
     <p:sldId id="271" r:id="rId5"/>
     <p:sldId id="277" r:id="rId6"/>
     <p:sldId id="272" r:id="rId7"/>
-    <p:sldId id="273" r:id="rId8"/>
-    <p:sldId id="276" r:id="rId9"/>
-    <p:sldId id="274" r:id="rId10"/>
-    <p:sldId id="270" r:id="rId11"/>
+    <p:sldId id="278" r:id="rId8"/>
+    <p:sldId id="273" r:id="rId9"/>
+    <p:sldId id="276" r:id="rId10"/>
+    <p:sldId id="274" r:id="rId11"/>
+    <p:sldId id="270" r:id="rId12"/>
   </p:sldIdLst>
   <p:sldSz cx="9144000" cy="6858000" type="screen4x3"/>
   <p:notesSz cx="9144000" cy="6858000"/>
@@ -217,7 +218,7 @@
           <a:p>
             <a:fld id="{C750EDD8-39F8-D449-BB0F-7DE7A68CE7A4}" type="datetimeFigureOut">
               <a:rPr lang="ru-RU" smtClean="0"/>
-              <a:t>19.11.2017</a:t>
+              <a:t>22.11.2017</a:t>
             </a:fld>
             <a:endParaRPr lang="ru-RU"/>
           </a:p>
@@ -535,7 +536,37 @@
             </a:r>
             <a:r>
               <a:rPr lang="ru-RU" baseline="0" dirty="0" smtClean="0"/>
-              <a:t> первую очередь стоит обозначить актуальность темы. Всем известно, что первый год жизни для ребенка самый важный, говоря, как о здоровье так и об общем развитии. Именно поэтому родителе всецело отдают свои силы для того, чтобы их малыш рос крепким и здоровым. Однако, стоит отметить, что здоровье молодой мамы столь же важно, как и здоровье новорожденного. Однако, многие об этом забывают. Ее организму требуется много сил для того, чтобы восстановиться после беременности. Именно поэтому слежение за показателями здоровья в режиме реального времени с помощью носимых устройств позволит осуществлять контроль ее текущего состояния без ущерба личному времени и станет очень удобным решением, позволяющим в случае каких-либо проблем вовремя сигнализировать об этом. Данные о маме и ребенке будут храниться не разрознено а вместе и с ними можно будет работать в рамках одного приложения, что позволит видеть зависимости между изменением состояния мамы и ее малыша. Также в случае потере телефона или приобретения нового устройства данные, которые предполагается хранить в облаке будут беспроблемно загружены на новый аппарат.</a:t>
+              <a:t> первую очередь стоит обозначить актуальность темы. Всем известно, что первый год жизни для ребенка самый важный, говоря, как о здоровье так и об общем развитии. Именно поэтому родителе всецело отдают свои силы для того, чтобы их малыш рос крепким и здоровым. </a:t>
+            </a:r>
+            <a:endParaRPr lang="ru-RU" baseline="0" dirty="0" smtClean="0"/>
+          </a:p>
+          <a:p>
+            <a:r>
+              <a:rPr lang="ru-RU" baseline="0" dirty="0" smtClean="0"/>
+              <a:t>Однако</a:t>
+            </a:r>
+            <a:r>
+              <a:rPr lang="ru-RU" baseline="0" dirty="0" smtClean="0"/>
+              <a:t>, стоит отметить, что здоровье молодой мамы столь же важно, как и здоровье </a:t>
+            </a:r>
+            <a:r>
+              <a:rPr lang="ru-RU" baseline="0" dirty="0" smtClean="0"/>
+              <a:t>новорожденного. Многие </a:t>
+            </a:r>
+            <a:r>
+              <a:rPr lang="ru-RU" baseline="0" dirty="0" smtClean="0"/>
+              <a:t>об этом забывают. Ее организму требуется много сил для того, чтобы восстановиться после беременности. </a:t>
+            </a:r>
+            <a:endParaRPr lang="ru-RU" baseline="0" dirty="0" smtClean="0"/>
+          </a:p>
+          <a:p>
+            <a:r>
+              <a:rPr lang="ru-RU" baseline="0" dirty="0" smtClean="0"/>
+              <a:t>Именно </a:t>
+            </a:r>
+            <a:r>
+              <a:rPr lang="ru-RU" baseline="0" dirty="0" smtClean="0"/>
+              <a:t>поэтому слежение за показателями здоровья в режиме реального времени с помощью носимых устройств позволит осуществлять контроль ее текущего состояния без ущерба личному времени и станет очень удобным решением, позволяющим в случае каких-либо проблем вовремя сигнализировать об этом. Данные о маме и ребенке будут храниться не разрознено а вместе и с ними можно будет работать в рамках одного приложения, что позволит видеть зависимости между изменением состояния мамы и ее малыша. Также в случае потере телефона или приобретения нового устройства данные, которые предполагается хранить в облаке будут беспроблемно загружены на новый аппарат.</a:t>
             </a:r>
             <a:endParaRPr lang="ru-RU" dirty="0"/>
           </a:p>
@@ -933,7 +964,7 @@
           <a:p>
             <a:fld id="{1D8BD707-D9CF-40AE-B4C6-C98DA3205C09}" type="datetimeFigureOut">
               <a:rPr lang="en-US"/>
-              <a:t>11/19/17</a:t>
+              <a:t>11/22/17</a:t>
             </a:fld>
             <a:endParaRPr lang="en-US"/>
           </a:p>
@@ -1133,7 +1164,7 @@
           <a:p>
             <a:fld id="{1D8BD707-D9CF-40AE-B4C6-C98DA3205C09}" type="datetimeFigureOut">
               <a:rPr lang="en-US"/>
-              <a:t>11/19/17</a:t>
+              <a:t>11/22/17</a:t>
             </a:fld>
             <a:endParaRPr lang="en-US"/>
           </a:p>
@@ -1370,7 +1401,7 @@
           <a:p>
             <a:fld id="{1D8BD707-D9CF-40AE-B4C6-C98DA3205C09}" type="datetimeFigureOut">
               <a:rPr lang="en-US"/>
-              <a:t>11/19/17</a:t>
+              <a:t>11/22/17</a:t>
             </a:fld>
             <a:endParaRPr lang="en-US"/>
           </a:p>
@@ -1541,7 +1572,7 @@
           <a:p>
             <a:fld id="{1D8BD707-D9CF-40AE-B4C6-C98DA3205C09}" type="datetimeFigureOut">
               <a:rPr lang="en-US"/>
-              <a:t>11/19/17</a:t>
+              <a:t>11/22/17</a:t>
             </a:fld>
             <a:endParaRPr lang="en-US"/>
           </a:p>
@@ -1683,7 +1714,7 @@
           <a:p>
             <a:fld id="{1D8BD707-D9CF-40AE-B4C6-C98DA3205C09}" type="datetimeFigureOut">
               <a:rPr lang="en-US"/>
-              <a:t>11/19/17</a:t>
+              <a:t>11/22/17</a:t>
             </a:fld>
             <a:endParaRPr lang="en-US"/>
           </a:p>
@@ -1960,7 +1991,7 @@
           <a:p>
             <a:fld id="{1D8BD707-D9CF-40AE-B4C6-C98DA3205C09}" type="datetimeFigureOut">
               <a:rPr lang="en-US"/>
-              <a:t>11/19/17</a:t>
+              <a:t>11/22/17</a:t>
             </a:fld>
             <a:endParaRPr lang="en-US"/>
           </a:p>
@@ -2247,7 +2278,61 @@
                 <a:ea typeface="Arial" charset="0"/>
                 <a:cs typeface="Arial" charset="0"/>
               </a:rPr>
-              <a:t>Мобильное приложение для молодой </a:t>
+              <a:t>Мобильное </a:t>
+            </a:r>
+            <a:r>
+              <a:rPr lang="ru-RU" sz="2900">
+                <a:solidFill>
+                  <a:srgbClr val="20386E"/>
+                </a:solidFill>
+                <a:latin typeface="Arial" charset="0"/>
+                <a:ea typeface="Arial" charset="0"/>
+                <a:cs typeface="Arial" charset="0"/>
+              </a:rPr>
+              <a:t>приложение </a:t>
+            </a:r>
+            <a:r>
+              <a:rPr lang="ru-RU" sz="2900" smtClean="0">
+                <a:solidFill>
+                  <a:srgbClr val="20386E"/>
+                </a:solidFill>
+                <a:latin typeface="Arial" charset="0"/>
+                <a:ea typeface="Arial" charset="0"/>
+                <a:cs typeface="Arial" charset="0"/>
+              </a:rPr>
+              <a:t/>
+            </a:r>
+            <a:br>
+              <a:rPr lang="ru-RU" sz="2900" smtClean="0">
+                <a:solidFill>
+                  <a:srgbClr val="20386E"/>
+                </a:solidFill>
+                <a:latin typeface="Arial" charset="0"/>
+                <a:ea typeface="Arial" charset="0"/>
+                <a:cs typeface="Arial" charset="0"/>
+              </a:rPr>
+            </a:br>
+            <a:r>
+              <a:rPr lang="ru-RU" sz="2900" smtClean="0">
+                <a:solidFill>
+                  <a:srgbClr val="20386E"/>
+                </a:solidFill>
+                <a:latin typeface="Arial" charset="0"/>
+                <a:ea typeface="Arial" charset="0"/>
+                <a:cs typeface="Arial" charset="0"/>
+              </a:rPr>
+              <a:t>для </a:t>
+            </a:r>
+            <a:r>
+              <a:rPr lang="ru-RU" sz="2900" dirty="0">
+                <a:solidFill>
+                  <a:srgbClr val="20386E"/>
+                </a:solidFill>
+                <a:latin typeface="Arial" charset="0"/>
+                <a:ea typeface="Arial" charset="0"/>
+                <a:cs typeface="Arial" charset="0"/>
+              </a:rPr>
+              <a:t>молодой </a:t>
             </a:r>
             <a:r>
               <a:rPr lang="ru-RU" sz="2900" dirty="0" smtClean="0">
@@ -2686,10 +2771,3019 @@
   <p:clrMapOvr>
     <a:masterClrMapping/>
   </p:clrMapOvr>
+  <p:timing>
+    <p:tnLst>
+      <p:par>
+        <p:cTn id="1" dur="indefinite" restart="never" nodeType="tmRoot"/>
+      </p:par>
+    </p:tnLst>
+  </p:timing>
 </p:sld>
 </file>
 
 <file path=ppt/slides/slide10.xml><?xml version="1.0" encoding="utf-8"?>
+<p:sld xmlns:a="http://schemas.openxmlformats.org/drawingml/2006/main" xmlns:r="http://schemas.openxmlformats.org/officeDocument/2006/relationships" xmlns:p="http://schemas.openxmlformats.org/presentationml/2006/main">
+  <p:cSld>
+    <p:spTree>
+      <p:nvGrpSpPr>
+        <p:cNvPr id="1" name=""/>
+        <p:cNvGrpSpPr/>
+        <p:nvPr/>
+      </p:nvGrpSpPr>
+      <p:grpSpPr>
+        <a:xfrm>
+          <a:off x="0" y="0"/>
+          <a:ext cx="0" cy="0"/>
+          <a:chOff x="0" y="0"/>
+          <a:chExt cx="0" cy="0"/>
+        </a:xfrm>
+      </p:grpSpPr>
+      <p:sp>
+        <p:nvSpPr>
+          <p:cNvPr id="2" name="object 2"/>
+          <p:cNvSpPr txBox="1">
+            <a:spLocks noGrp="1"/>
+          </p:cNvSpPr>
+          <p:nvPr>
+            <p:ph type="title"/>
+          </p:nvPr>
+        </p:nvSpPr>
+        <p:spPr>
+          <a:xfrm>
+            <a:off x="1507616" y="386333"/>
+            <a:ext cx="4283584" cy="321242"/>
+          </a:xfrm>
+          <a:prstGeom prst="rect">
+            <a:avLst/>
+          </a:prstGeom>
+        </p:spPr>
+        <p:txBody>
+          <a:bodyPr vert="horz" wrap="square" lIns="0" tIns="13335" rIns="0" bIns="0" rtlCol="0">
+            <a:spAutoFit/>
+          </a:bodyPr>
+          <a:lstStyle/>
+          <a:p>
+            <a:pPr marL="12700">
+              <a:lnSpc>
+                <a:spcPct val="100000"/>
+              </a:lnSpc>
+              <a:spcBef>
+                <a:spcPts val="105"/>
+              </a:spcBef>
+            </a:pPr>
+            <a:r>
+              <a:rPr sz="2000" spc="-10" dirty="0" smtClean="0">
+                <a:solidFill>
+                  <a:srgbClr val="FFFFFF"/>
+                </a:solidFill>
+              </a:rPr>
+              <a:t>Литература</a:t>
+            </a:r>
+            <a:r>
+              <a:rPr lang="en-US" sz="2000" spc="-10" dirty="0" smtClean="0">
+                <a:solidFill>
+                  <a:srgbClr val="FFFFFF"/>
+                </a:solidFill>
+              </a:rPr>
+              <a:t> </a:t>
+            </a:r>
+            <a:r>
+              <a:rPr lang="ru-RU" sz="2000" spc="-10" dirty="0" smtClean="0">
+                <a:solidFill>
+                  <a:srgbClr val="FFFFFF"/>
+                </a:solidFill>
+              </a:rPr>
+              <a:t>и Интернет-</a:t>
+            </a:r>
+            <a:r>
+              <a:rPr sz="2000" spc="-10" dirty="0" smtClean="0">
+                <a:solidFill>
+                  <a:srgbClr val="FFFFFF"/>
+                </a:solidFill>
+              </a:rPr>
+              <a:t>источники</a:t>
+            </a:r>
+            <a:endParaRPr sz="2000" dirty="0"/>
+          </a:p>
+        </p:txBody>
+      </p:sp>
+      <p:sp>
+        <p:nvSpPr>
+          <p:cNvPr id="3" name="object 3"/>
+          <p:cNvSpPr txBox="1"/>
+          <p:nvPr/>
+        </p:nvSpPr>
+        <p:spPr>
+          <a:xfrm>
+            <a:off x="7568310" y="5619394"/>
+            <a:ext cx="377190" cy="299720"/>
+          </a:xfrm>
+          <a:prstGeom prst="rect">
+            <a:avLst/>
+          </a:prstGeom>
+        </p:spPr>
+        <p:txBody>
+          <a:bodyPr vert="horz" wrap="square" lIns="0" tIns="12700" rIns="0" bIns="0" rtlCol="0">
+            <a:spAutoFit/>
+          </a:bodyPr>
+          <a:lstStyle/>
+          <a:p>
+            <a:pPr marL="12700">
+              <a:lnSpc>
+                <a:spcPct val="100000"/>
+              </a:lnSpc>
+              <a:spcBef>
+                <a:spcPts val="100"/>
+              </a:spcBef>
+            </a:pPr>
+            <a:r>
+              <a:rPr sz="1800" spc="-45" dirty="0">
+                <a:solidFill>
+                  <a:srgbClr val="FFFFFF"/>
+                </a:solidFill>
+                <a:latin typeface="Arial"/>
+                <a:cs typeface="Arial"/>
+              </a:rPr>
+              <a:t>о</a:t>
+            </a:r>
+            <a:r>
+              <a:rPr sz="1800" spc="-20" dirty="0">
+                <a:solidFill>
+                  <a:srgbClr val="FFFFFF"/>
+                </a:solidFill>
+                <a:latin typeface="Arial"/>
+                <a:cs typeface="Arial"/>
+              </a:rPr>
+              <a:t>т</a:t>
+            </a:r>
+            <a:r>
+              <a:rPr sz="1800" dirty="0">
+                <a:solidFill>
+                  <a:srgbClr val="FFFFFF"/>
+                </a:solidFill>
+                <a:latin typeface="Arial"/>
+                <a:cs typeface="Arial"/>
+              </a:rPr>
+              <a:t>о</a:t>
+            </a:r>
+            <a:endParaRPr sz="1800">
+              <a:latin typeface="Arial"/>
+              <a:cs typeface="Arial"/>
+            </a:endParaRPr>
+          </a:p>
+        </p:txBody>
+      </p:sp>
+      <p:sp>
+        <p:nvSpPr>
+          <p:cNvPr id="4" name="object 4"/>
+          <p:cNvSpPr txBox="1"/>
+          <p:nvPr/>
+        </p:nvSpPr>
+        <p:spPr>
+          <a:xfrm>
+            <a:off x="300939" y="1370457"/>
+            <a:ext cx="8310245" cy="5191806"/>
+          </a:xfrm>
+          <a:prstGeom prst="rect">
+            <a:avLst/>
+          </a:prstGeom>
+        </p:spPr>
+        <p:txBody>
+          <a:bodyPr vert="horz" wrap="square" lIns="0" tIns="13335" rIns="0" bIns="0" rtlCol="0">
+            <a:spAutoFit/>
+          </a:bodyPr>
+          <a:lstStyle/>
+          <a:p>
+            <a:pPr marL="342900" lvl="0" indent="-342900" algn="just">
+              <a:buFont typeface="+mj-lt"/>
+              <a:buAutoNum type="arabicPeriod"/>
+            </a:pPr>
+            <a:r>
+              <a:rPr lang="ru-RU" sz="1200" dirty="0" smtClean="0">
+                <a:solidFill>
+                  <a:srgbClr val="003E82"/>
+                </a:solidFill>
+                <a:latin typeface="Arial" charset="0"/>
+                <a:ea typeface="Arial" charset="0"/>
+                <a:cs typeface="Arial" charset="0"/>
+              </a:rPr>
+              <a:t>Изучаем </a:t>
+            </a:r>
+            <a:r>
+              <a:rPr lang="ru-RU" sz="1200" dirty="0">
+                <a:solidFill>
+                  <a:srgbClr val="003E82"/>
+                </a:solidFill>
+                <a:latin typeface="Arial" charset="0"/>
+                <a:ea typeface="Arial" charset="0"/>
+                <a:cs typeface="Arial" charset="0"/>
+              </a:rPr>
+              <a:t>данные, </a:t>
+            </a:r>
+            <a:r>
+              <a:rPr lang="en-US" sz="1200" dirty="0" err="1">
+                <a:solidFill>
+                  <a:srgbClr val="003E82"/>
+                </a:solidFill>
+                <a:latin typeface="Arial" charset="0"/>
+                <a:ea typeface="Arial" charset="0"/>
+                <a:cs typeface="Arial" charset="0"/>
+              </a:rPr>
+              <a:t>собранные</a:t>
+            </a:r>
+            <a:r>
+              <a:rPr lang="en-US" sz="1200" dirty="0">
+                <a:solidFill>
+                  <a:srgbClr val="003E82"/>
+                </a:solidFill>
+                <a:latin typeface="Arial" charset="0"/>
+                <a:ea typeface="Arial" charset="0"/>
+                <a:cs typeface="Arial" charset="0"/>
+              </a:rPr>
+              <a:t> Xiaomi </a:t>
+            </a:r>
+            <a:r>
+              <a:rPr lang="en-US" sz="1200" dirty="0" err="1">
+                <a:solidFill>
+                  <a:srgbClr val="003E82"/>
+                </a:solidFill>
+                <a:latin typeface="Arial" charset="0"/>
+                <a:ea typeface="Arial" charset="0"/>
+                <a:cs typeface="Arial" charset="0"/>
+              </a:rPr>
+              <a:t>Mi</a:t>
+            </a:r>
+            <a:r>
+              <a:rPr lang="en-US" sz="1200" dirty="0">
+                <a:solidFill>
+                  <a:srgbClr val="003E82"/>
+                </a:solidFill>
+                <a:latin typeface="Arial" charset="0"/>
+                <a:ea typeface="Arial" charset="0"/>
+                <a:cs typeface="Arial" charset="0"/>
+              </a:rPr>
+              <a:t> Band </a:t>
+            </a:r>
+            <a:r>
+              <a:rPr lang="en-US" sz="1200" dirty="0" err="1">
+                <a:solidFill>
+                  <a:srgbClr val="003E82"/>
+                </a:solidFill>
+                <a:latin typeface="Arial" charset="0"/>
+                <a:ea typeface="Arial" charset="0"/>
+                <a:cs typeface="Arial" charset="0"/>
+              </a:rPr>
+              <a:t>за</a:t>
+            </a:r>
+            <a:r>
+              <a:rPr lang="en-US" sz="1200" dirty="0">
+                <a:solidFill>
+                  <a:srgbClr val="003E82"/>
+                </a:solidFill>
+                <a:latin typeface="Arial" charset="0"/>
+                <a:ea typeface="Arial" charset="0"/>
+                <a:cs typeface="Arial" charset="0"/>
+              </a:rPr>
+              <a:t> </a:t>
+            </a:r>
+            <a:r>
+              <a:rPr lang="en-US" sz="1200" dirty="0" err="1">
+                <a:solidFill>
+                  <a:srgbClr val="003E82"/>
+                </a:solidFill>
+                <a:latin typeface="Arial" charset="0"/>
+                <a:ea typeface="Arial" charset="0"/>
+                <a:cs typeface="Arial" charset="0"/>
+              </a:rPr>
+              <a:t>год</a:t>
+            </a:r>
+            <a:r>
+              <a:rPr lang="en-US" sz="1200" dirty="0">
+                <a:solidFill>
+                  <a:srgbClr val="003E82"/>
+                </a:solidFill>
+                <a:latin typeface="Arial" charset="0"/>
+                <a:ea typeface="Arial" charset="0"/>
+                <a:cs typeface="Arial" charset="0"/>
+              </a:rPr>
+              <a:t>: [</a:t>
+            </a:r>
+            <a:r>
+              <a:rPr lang="en-US" sz="1200" dirty="0" err="1">
+                <a:solidFill>
+                  <a:srgbClr val="003E82"/>
+                </a:solidFill>
+                <a:latin typeface="Arial" charset="0"/>
+                <a:ea typeface="Arial" charset="0"/>
+                <a:cs typeface="Arial" charset="0"/>
+              </a:rPr>
+              <a:t>Электронный</a:t>
+            </a:r>
+            <a:r>
+              <a:rPr lang="en-US" sz="1200" dirty="0">
+                <a:solidFill>
+                  <a:srgbClr val="003E82"/>
+                </a:solidFill>
+                <a:latin typeface="Arial" charset="0"/>
+                <a:ea typeface="Arial" charset="0"/>
+                <a:cs typeface="Arial" charset="0"/>
+              </a:rPr>
+              <a:t> </a:t>
+            </a:r>
+            <a:r>
+              <a:rPr lang="en-US" sz="1200" dirty="0" err="1">
+                <a:solidFill>
+                  <a:srgbClr val="003E82"/>
+                </a:solidFill>
+                <a:latin typeface="Arial" charset="0"/>
+                <a:ea typeface="Arial" charset="0"/>
+                <a:cs typeface="Arial" charset="0"/>
+              </a:rPr>
+              <a:t>ресурс</a:t>
+            </a:r>
+            <a:r>
+              <a:rPr lang="en-US" sz="1200" dirty="0">
+                <a:solidFill>
+                  <a:srgbClr val="003E82"/>
+                </a:solidFill>
+                <a:latin typeface="Arial" charset="0"/>
+                <a:ea typeface="Arial" charset="0"/>
+                <a:cs typeface="Arial" charset="0"/>
+              </a:rPr>
+              <a:t>] // </a:t>
+            </a:r>
+            <a:r>
+              <a:rPr lang="en-US" sz="1200" dirty="0" err="1">
+                <a:solidFill>
+                  <a:srgbClr val="003E82"/>
+                </a:solidFill>
+                <a:latin typeface="Arial" charset="0"/>
+                <a:ea typeface="Arial" charset="0"/>
+                <a:cs typeface="Arial" charset="0"/>
+              </a:rPr>
+              <a:t>Крупнейший</a:t>
+            </a:r>
+            <a:r>
+              <a:rPr lang="en-US" sz="1200" dirty="0">
+                <a:solidFill>
+                  <a:srgbClr val="003E82"/>
+                </a:solidFill>
+                <a:latin typeface="Arial" charset="0"/>
+                <a:ea typeface="Arial" charset="0"/>
+                <a:cs typeface="Arial" charset="0"/>
+              </a:rPr>
+              <a:t> </a:t>
+            </a:r>
+            <a:r>
+              <a:rPr lang="en-US" sz="1200" dirty="0" err="1">
+                <a:solidFill>
+                  <a:srgbClr val="003E82"/>
+                </a:solidFill>
+                <a:latin typeface="Arial" charset="0"/>
+                <a:ea typeface="Arial" charset="0"/>
+                <a:cs typeface="Arial" charset="0"/>
+              </a:rPr>
+              <a:t>в</a:t>
+            </a:r>
+            <a:r>
+              <a:rPr lang="en-US" sz="1200" dirty="0">
+                <a:solidFill>
+                  <a:srgbClr val="003E82"/>
+                </a:solidFill>
+                <a:latin typeface="Arial" charset="0"/>
+                <a:ea typeface="Arial" charset="0"/>
+                <a:cs typeface="Arial" charset="0"/>
+              </a:rPr>
+              <a:t> </a:t>
+            </a:r>
+            <a:r>
+              <a:rPr lang="en-US" sz="1200" dirty="0" err="1">
+                <a:solidFill>
+                  <a:srgbClr val="003E82"/>
+                </a:solidFill>
+                <a:latin typeface="Arial" charset="0"/>
+                <a:ea typeface="Arial" charset="0"/>
+                <a:cs typeface="Arial" charset="0"/>
+              </a:rPr>
+              <a:t>Европе</a:t>
+            </a:r>
+            <a:r>
+              <a:rPr lang="en-US" sz="1200" dirty="0">
+                <a:solidFill>
+                  <a:srgbClr val="003E82"/>
+                </a:solidFill>
+                <a:latin typeface="Arial" charset="0"/>
+                <a:ea typeface="Arial" charset="0"/>
+                <a:cs typeface="Arial" charset="0"/>
+              </a:rPr>
+              <a:t> </a:t>
+            </a:r>
+            <a:r>
+              <a:rPr lang="en-US" sz="1200" dirty="0" err="1">
+                <a:solidFill>
+                  <a:srgbClr val="003E82"/>
+                </a:solidFill>
+                <a:latin typeface="Arial" charset="0"/>
+                <a:ea typeface="Arial" charset="0"/>
+                <a:cs typeface="Arial" charset="0"/>
+              </a:rPr>
+              <a:t>ресурс</a:t>
+            </a:r>
+            <a:r>
+              <a:rPr lang="en-US" sz="1200" dirty="0">
+                <a:solidFill>
+                  <a:srgbClr val="003E82"/>
+                </a:solidFill>
+                <a:latin typeface="Arial" charset="0"/>
+                <a:ea typeface="Arial" charset="0"/>
+                <a:cs typeface="Arial" charset="0"/>
+              </a:rPr>
+              <a:t> </a:t>
+            </a:r>
+            <a:r>
+              <a:rPr lang="en-US" sz="1200" dirty="0" err="1">
+                <a:solidFill>
+                  <a:srgbClr val="003E82"/>
+                </a:solidFill>
+                <a:latin typeface="Arial" charset="0"/>
+                <a:ea typeface="Arial" charset="0"/>
+                <a:cs typeface="Arial" charset="0"/>
+              </a:rPr>
+              <a:t>для</a:t>
+            </a:r>
+            <a:r>
+              <a:rPr lang="en-US" sz="1200" dirty="0">
+                <a:solidFill>
+                  <a:srgbClr val="003E82"/>
+                </a:solidFill>
+                <a:latin typeface="Arial" charset="0"/>
+                <a:ea typeface="Arial" charset="0"/>
+                <a:cs typeface="Arial" charset="0"/>
+              </a:rPr>
+              <a:t> IT-</a:t>
+            </a:r>
+            <a:r>
+              <a:rPr lang="en-US" sz="1200" dirty="0" err="1">
+                <a:solidFill>
+                  <a:srgbClr val="003E82"/>
+                </a:solidFill>
+                <a:latin typeface="Arial" charset="0"/>
+                <a:ea typeface="Arial" charset="0"/>
+                <a:cs typeface="Arial" charset="0"/>
+              </a:rPr>
+              <a:t>специалистов</a:t>
+            </a:r>
+            <a:r>
+              <a:rPr lang="en-US" sz="1200" dirty="0">
+                <a:solidFill>
+                  <a:srgbClr val="003E82"/>
+                </a:solidFill>
+                <a:latin typeface="Arial" charset="0"/>
+                <a:ea typeface="Arial" charset="0"/>
+                <a:cs typeface="Arial" charset="0"/>
+              </a:rPr>
+              <a:t> </a:t>
+            </a:r>
+            <a:r>
+              <a:rPr lang="en-US" sz="1200" dirty="0" err="1">
+                <a:solidFill>
+                  <a:srgbClr val="003E82"/>
+                </a:solidFill>
+                <a:latin typeface="Arial" charset="0"/>
+                <a:ea typeface="Arial" charset="0"/>
+                <a:cs typeface="Arial" charset="0"/>
+              </a:rPr>
+              <a:t>Habrahabr</a:t>
+            </a:r>
+            <a:r>
+              <a:rPr lang="en-US" sz="1200" dirty="0">
+                <a:solidFill>
+                  <a:srgbClr val="003E82"/>
+                </a:solidFill>
+                <a:latin typeface="Arial" charset="0"/>
+                <a:ea typeface="Arial" charset="0"/>
+                <a:cs typeface="Arial" charset="0"/>
+              </a:rPr>
+              <a:t>. </a:t>
+            </a:r>
+            <a:r>
+              <a:rPr lang="en-US" sz="1200" dirty="0" err="1">
+                <a:solidFill>
+                  <a:srgbClr val="003E82"/>
+                </a:solidFill>
+                <a:latin typeface="Arial" charset="0"/>
+                <a:ea typeface="Arial" charset="0"/>
+                <a:cs typeface="Arial" charset="0"/>
+              </a:rPr>
+              <a:t>М</a:t>
+            </a:r>
+            <a:r>
+              <a:rPr lang="en-US" sz="1200" dirty="0">
+                <a:solidFill>
+                  <a:srgbClr val="003E82"/>
+                </a:solidFill>
+                <a:latin typeface="Arial" charset="0"/>
+                <a:ea typeface="Arial" charset="0"/>
+                <a:cs typeface="Arial" charset="0"/>
+              </a:rPr>
+              <a:t>., 2006-20017. URL: https://</a:t>
+            </a:r>
+            <a:r>
+              <a:rPr lang="en-US" sz="1200" dirty="0" err="1">
+                <a:solidFill>
+                  <a:srgbClr val="003E82"/>
+                </a:solidFill>
+                <a:latin typeface="Arial" charset="0"/>
+                <a:ea typeface="Arial" charset="0"/>
+                <a:cs typeface="Arial" charset="0"/>
+              </a:rPr>
+              <a:t>habrahabr.ru</a:t>
+            </a:r>
+            <a:r>
+              <a:rPr lang="en-US" sz="1200" dirty="0">
+                <a:solidFill>
+                  <a:srgbClr val="003E82"/>
+                </a:solidFill>
+                <a:latin typeface="Arial" charset="0"/>
+                <a:ea typeface="Arial" charset="0"/>
+                <a:cs typeface="Arial" charset="0"/>
+              </a:rPr>
+              <a:t>/sandbox/103526/. (</a:t>
+            </a:r>
+            <a:r>
+              <a:rPr lang="en-US" sz="1200" dirty="0" err="1">
+                <a:solidFill>
+                  <a:srgbClr val="003E82"/>
+                </a:solidFill>
+                <a:latin typeface="Arial" charset="0"/>
+                <a:ea typeface="Arial" charset="0"/>
+                <a:cs typeface="Arial" charset="0"/>
+              </a:rPr>
+              <a:t>Дата</a:t>
+            </a:r>
+            <a:r>
+              <a:rPr lang="en-US" sz="1200" dirty="0">
+                <a:solidFill>
+                  <a:srgbClr val="003E82"/>
+                </a:solidFill>
+                <a:latin typeface="Arial" charset="0"/>
+                <a:ea typeface="Arial" charset="0"/>
+                <a:cs typeface="Arial" charset="0"/>
+              </a:rPr>
+              <a:t> </a:t>
+            </a:r>
+            <a:r>
+              <a:rPr lang="en-US" sz="1200" dirty="0" err="1">
+                <a:solidFill>
+                  <a:srgbClr val="003E82"/>
+                </a:solidFill>
+                <a:latin typeface="Arial" charset="0"/>
+                <a:ea typeface="Arial" charset="0"/>
+                <a:cs typeface="Arial" charset="0"/>
+              </a:rPr>
+              <a:t>обращения</a:t>
+            </a:r>
+            <a:r>
+              <a:rPr lang="en-US" sz="1200" dirty="0">
+                <a:solidFill>
+                  <a:srgbClr val="003E82"/>
+                </a:solidFill>
+                <a:latin typeface="Arial" charset="0"/>
+                <a:ea typeface="Arial" charset="0"/>
+                <a:cs typeface="Arial" charset="0"/>
+              </a:rPr>
+              <a:t>: 18.10.2017</a:t>
+            </a:r>
+            <a:r>
+              <a:rPr lang="en-US" sz="1200" dirty="0" smtClean="0">
+                <a:solidFill>
+                  <a:srgbClr val="003E82"/>
+                </a:solidFill>
+                <a:latin typeface="Arial" charset="0"/>
+                <a:ea typeface="Arial" charset="0"/>
+                <a:cs typeface="Arial" charset="0"/>
+              </a:rPr>
+              <a:t>).</a:t>
+            </a:r>
+            <a:endParaRPr lang="ru-RU" sz="1200" dirty="0" smtClean="0">
+              <a:solidFill>
+                <a:srgbClr val="003E82"/>
+              </a:solidFill>
+              <a:latin typeface="Arial" charset="0"/>
+              <a:ea typeface="Arial" charset="0"/>
+              <a:cs typeface="Arial" charset="0"/>
+            </a:endParaRPr>
+          </a:p>
+          <a:p>
+            <a:pPr marL="342900" indent="-342900" algn="just">
+              <a:buFont typeface="+mj-lt"/>
+              <a:buAutoNum type="arabicPeriod"/>
+            </a:pPr>
+            <a:r>
+              <a:rPr lang="ru-RU" sz="1200" dirty="0" smtClean="0">
+                <a:solidFill>
+                  <a:srgbClr val="003E82"/>
+                </a:solidFill>
+                <a:latin typeface="Arial" charset="0"/>
+                <a:ea typeface="Arial" charset="0"/>
+                <a:cs typeface="Arial" charset="0"/>
+              </a:rPr>
+              <a:t>Правильная </a:t>
+            </a:r>
+            <a:r>
+              <a:rPr lang="ru-RU" sz="1200" dirty="0">
+                <a:solidFill>
+                  <a:srgbClr val="003E82"/>
+                </a:solidFill>
+                <a:latin typeface="Arial" charset="0"/>
+                <a:ea typeface="Arial" charset="0"/>
+                <a:cs typeface="Arial" charset="0"/>
+              </a:rPr>
+              <a:t>работа с БД в </a:t>
+            </a:r>
+            <a:r>
+              <a:rPr lang="en-US" sz="1200" dirty="0">
+                <a:solidFill>
+                  <a:srgbClr val="003E82"/>
+                </a:solidFill>
+                <a:latin typeface="Arial" charset="0"/>
+                <a:ea typeface="Arial" charset="0"/>
+                <a:cs typeface="Arial" charset="0"/>
+              </a:rPr>
+              <a:t>Android</a:t>
+            </a:r>
+            <a:r>
+              <a:rPr lang="ru-RU" sz="1200" dirty="0">
+                <a:solidFill>
+                  <a:srgbClr val="003E82"/>
+                </a:solidFill>
+                <a:latin typeface="Arial" charset="0"/>
+                <a:ea typeface="Arial" charset="0"/>
+                <a:cs typeface="Arial" charset="0"/>
+              </a:rPr>
+              <a:t>: [Электронный ресурс] // Крупнейший в</a:t>
+            </a:r>
+            <a:r>
+              <a:rPr lang="en-US" sz="1200" dirty="0">
+                <a:solidFill>
+                  <a:srgbClr val="003E82"/>
+                </a:solidFill>
+                <a:latin typeface="Arial" charset="0"/>
+                <a:ea typeface="Arial" charset="0"/>
+                <a:cs typeface="Arial" charset="0"/>
+              </a:rPr>
+              <a:t> </a:t>
+            </a:r>
+            <a:r>
+              <a:rPr lang="ru-RU" sz="1200" dirty="0">
+                <a:solidFill>
+                  <a:srgbClr val="003E82"/>
+                </a:solidFill>
+                <a:latin typeface="Arial" charset="0"/>
+                <a:ea typeface="Arial" charset="0"/>
+                <a:cs typeface="Arial" charset="0"/>
+              </a:rPr>
+              <a:t>Европе ресурс для </a:t>
+            </a:r>
+            <a:r>
+              <a:rPr lang="en-US" sz="1200" dirty="0">
+                <a:solidFill>
+                  <a:srgbClr val="003E82"/>
+                </a:solidFill>
+                <a:latin typeface="Arial" charset="0"/>
+                <a:ea typeface="Arial" charset="0"/>
+                <a:cs typeface="Arial" charset="0"/>
+              </a:rPr>
+              <a:t>IT</a:t>
+            </a:r>
+            <a:r>
+              <a:rPr lang="ru-RU" sz="1200" dirty="0">
+                <a:solidFill>
+                  <a:srgbClr val="003E82"/>
+                </a:solidFill>
+                <a:latin typeface="Arial" charset="0"/>
+                <a:ea typeface="Arial" charset="0"/>
+                <a:cs typeface="Arial" charset="0"/>
+              </a:rPr>
+              <a:t>-специалистов </a:t>
+            </a:r>
+            <a:r>
+              <a:rPr lang="en-US" sz="1200" dirty="0" err="1">
+                <a:solidFill>
+                  <a:srgbClr val="003E82"/>
+                </a:solidFill>
+                <a:latin typeface="Arial" charset="0"/>
+                <a:ea typeface="Arial" charset="0"/>
+                <a:cs typeface="Arial" charset="0"/>
+              </a:rPr>
+              <a:t>Habrahabr</a:t>
+            </a:r>
+            <a:r>
+              <a:rPr lang="ru-RU" sz="1200" dirty="0">
+                <a:solidFill>
+                  <a:srgbClr val="003E82"/>
+                </a:solidFill>
+                <a:latin typeface="Arial" charset="0"/>
+                <a:ea typeface="Arial" charset="0"/>
+                <a:cs typeface="Arial" charset="0"/>
+              </a:rPr>
+              <a:t>. </a:t>
+            </a:r>
+            <a:r>
+              <a:rPr lang="en-US" sz="1200" dirty="0" err="1">
+                <a:solidFill>
+                  <a:srgbClr val="003E82"/>
+                </a:solidFill>
+                <a:latin typeface="Arial" charset="0"/>
+                <a:ea typeface="Arial" charset="0"/>
+                <a:cs typeface="Arial" charset="0"/>
+              </a:rPr>
+              <a:t>М</a:t>
+            </a:r>
+            <a:r>
+              <a:rPr lang="en-US" sz="1200" dirty="0">
+                <a:solidFill>
+                  <a:srgbClr val="003E82"/>
+                </a:solidFill>
+                <a:latin typeface="Arial" charset="0"/>
+                <a:ea typeface="Arial" charset="0"/>
+                <a:cs typeface="Arial" charset="0"/>
+              </a:rPr>
+              <a:t>., 2006-20017. URL: https://</a:t>
+            </a:r>
+            <a:r>
+              <a:rPr lang="en-US" sz="1200" dirty="0" err="1">
+                <a:solidFill>
+                  <a:srgbClr val="003E82"/>
+                </a:solidFill>
+                <a:latin typeface="Arial" charset="0"/>
+                <a:ea typeface="Arial" charset="0"/>
+                <a:cs typeface="Arial" charset="0"/>
+              </a:rPr>
+              <a:t>habrahabr.ru</a:t>
+            </a:r>
+            <a:r>
+              <a:rPr lang="en-US" sz="1200" dirty="0">
+                <a:solidFill>
+                  <a:srgbClr val="003E82"/>
+                </a:solidFill>
+                <a:latin typeface="Arial" charset="0"/>
+                <a:ea typeface="Arial" charset="0"/>
+                <a:cs typeface="Arial" charset="0"/>
+              </a:rPr>
+              <a:t>/sandbox/103526/. (</a:t>
+            </a:r>
+            <a:r>
+              <a:rPr lang="en-US" sz="1200" dirty="0" err="1">
+                <a:solidFill>
+                  <a:srgbClr val="003E82"/>
+                </a:solidFill>
+                <a:latin typeface="Arial" charset="0"/>
+                <a:ea typeface="Arial" charset="0"/>
+                <a:cs typeface="Arial" charset="0"/>
+              </a:rPr>
+              <a:t>Дата</a:t>
+            </a:r>
+            <a:r>
+              <a:rPr lang="en-US" sz="1200" dirty="0">
+                <a:solidFill>
+                  <a:srgbClr val="003E82"/>
+                </a:solidFill>
+                <a:latin typeface="Arial" charset="0"/>
+                <a:ea typeface="Arial" charset="0"/>
+                <a:cs typeface="Arial" charset="0"/>
+              </a:rPr>
+              <a:t> </a:t>
+            </a:r>
+            <a:r>
+              <a:rPr lang="en-US" sz="1200" dirty="0" err="1">
+                <a:solidFill>
+                  <a:srgbClr val="003E82"/>
+                </a:solidFill>
+                <a:latin typeface="Arial" charset="0"/>
+                <a:ea typeface="Arial" charset="0"/>
+                <a:cs typeface="Arial" charset="0"/>
+              </a:rPr>
+              <a:t>обращения</a:t>
+            </a:r>
+            <a:r>
+              <a:rPr lang="en-US" sz="1200" dirty="0">
+                <a:solidFill>
+                  <a:srgbClr val="003E82"/>
+                </a:solidFill>
+                <a:latin typeface="Arial" charset="0"/>
+                <a:ea typeface="Arial" charset="0"/>
+                <a:cs typeface="Arial" charset="0"/>
+              </a:rPr>
+              <a:t>: 18.10.2017</a:t>
+            </a:r>
+            <a:r>
+              <a:rPr lang="en-US" sz="1200" dirty="0" smtClean="0">
+                <a:solidFill>
+                  <a:srgbClr val="003E82"/>
+                </a:solidFill>
+                <a:latin typeface="Arial" charset="0"/>
+                <a:ea typeface="Arial" charset="0"/>
+                <a:cs typeface="Arial" charset="0"/>
+              </a:rPr>
+              <a:t>).</a:t>
+            </a:r>
+            <a:endParaRPr lang="ru-RU" sz="1200" dirty="0" smtClean="0">
+              <a:solidFill>
+                <a:srgbClr val="003E82"/>
+              </a:solidFill>
+              <a:latin typeface="Arial" charset="0"/>
+              <a:ea typeface="Arial" charset="0"/>
+              <a:cs typeface="Arial" charset="0"/>
+            </a:endParaRPr>
+          </a:p>
+          <a:p>
+            <a:pPr marL="342900" indent="-342900" algn="just">
+              <a:buFont typeface="+mj-lt"/>
+              <a:buAutoNum type="arabicPeriod"/>
+            </a:pPr>
+            <a:r>
+              <a:rPr lang="en-US" sz="1200" dirty="0" err="1">
+                <a:solidFill>
+                  <a:srgbClr val="003E82"/>
+                </a:solidFill>
+                <a:latin typeface="Arial" charset="0"/>
+                <a:ea typeface="Arial" charset="0"/>
+                <a:cs typeface="Arial" charset="0"/>
+              </a:rPr>
+              <a:t>Сайт</a:t>
+            </a:r>
+            <a:r>
+              <a:rPr lang="en-US" sz="1200" dirty="0">
+                <a:solidFill>
+                  <a:srgbClr val="003E82"/>
+                </a:solidFill>
+                <a:latin typeface="Arial" charset="0"/>
+                <a:ea typeface="Arial" charset="0"/>
+                <a:cs typeface="Arial" charset="0"/>
+              </a:rPr>
+              <a:t> </a:t>
+            </a:r>
+            <a:r>
+              <a:rPr lang="en-US" sz="1200" dirty="0" err="1">
+                <a:solidFill>
+                  <a:srgbClr val="003E82"/>
+                </a:solidFill>
+                <a:latin typeface="Arial" charset="0"/>
+                <a:ea typeface="Arial" charset="0"/>
+                <a:cs typeface="Arial" charset="0"/>
+              </a:rPr>
+              <a:t>для</a:t>
+            </a:r>
+            <a:r>
+              <a:rPr lang="en-US" sz="1200" dirty="0">
+                <a:solidFill>
+                  <a:srgbClr val="003E82"/>
+                </a:solidFill>
+                <a:latin typeface="Arial" charset="0"/>
+                <a:ea typeface="Arial" charset="0"/>
+                <a:cs typeface="Arial" charset="0"/>
+              </a:rPr>
+              <a:t> </a:t>
+            </a:r>
+            <a:r>
+              <a:rPr lang="en-US" sz="1200" dirty="0" err="1">
+                <a:solidFill>
+                  <a:srgbClr val="003E82"/>
+                </a:solidFill>
+                <a:latin typeface="Arial" charset="0"/>
+                <a:ea typeface="Arial" charset="0"/>
+                <a:cs typeface="Arial" charset="0"/>
+              </a:rPr>
+              <a:t>мам</a:t>
+            </a:r>
+            <a:r>
+              <a:rPr lang="en-US" sz="1200" dirty="0">
+                <a:solidFill>
+                  <a:srgbClr val="003E82"/>
+                </a:solidFill>
+                <a:latin typeface="Arial" charset="0"/>
+                <a:ea typeface="Arial" charset="0"/>
+                <a:cs typeface="Arial" charset="0"/>
+              </a:rPr>
+              <a:t> </a:t>
+            </a:r>
+            <a:r>
+              <a:rPr lang="en-US" sz="1200" dirty="0" err="1">
+                <a:solidFill>
+                  <a:srgbClr val="003E82"/>
+                </a:solidFill>
+                <a:latin typeface="Arial" charset="0"/>
+                <a:ea typeface="Arial" charset="0"/>
+                <a:cs typeface="Arial" charset="0"/>
+              </a:rPr>
+              <a:t>и</a:t>
+            </a:r>
+            <a:r>
+              <a:rPr lang="en-US" sz="1200" dirty="0">
+                <a:solidFill>
+                  <a:srgbClr val="003E82"/>
+                </a:solidFill>
+                <a:latin typeface="Arial" charset="0"/>
+                <a:ea typeface="Arial" charset="0"/>
+                <a:cs typeface="Arial" charset="0"/>
+              </a:rPr>
+              <a:t> </a:t>
+            </a:r>
+            <a:r>
+              <a:rPr lang="en-US" sz="1200" dirty="0" err="1">
+                <a:solidFill>
+                  <a:srgbClr val="003E82"/>
+                </a:solidFill>
+                <a:latin typeface="Arial" charset="0"/>
+                <a:ea typeface="Arial" charset="0"/>
+                <a:cs typeface="Arial" charset="0"/>
+              </a:rPr>
+              <a:t>будущих</a:t>
+            </a:r>
+            <a:r>
+              <a:rPr lang="en-US" sz="1200" dirty="0">
+                <a:solidFill>
+                  <a:srgbClr val="003E82"/>
+                </a:solidFill>
+                <a:latin typeface="Arial" charset="0"/>
+                <a:ea typeface="Arial" charset="0"/>
+                <a:cs typeface="Arial" charset="0"/>
+              </a:rPr>
+              <a:t> </a:t>
+            </a:r>
+            <a:r>
+              <a:rPr lang="en-US" sz="1200" dirty="0" err="1">
+                <a:solidFill>
+                  <a:srgbClr val="003E82"/>
+                </a:solidFill>
+                <a:latin typeface="Arial" charset="0"/>
+                <a:ea typeface="Arial" charset="0"/>
+                <a:cs typeface="Arial" charset="0"/>
+              </a:rPr>
+              <a:t>мам</a:t>
+            </a:r>
+            <a:r>
+              <a:rPr lang="en-US" sz="1200" dirty="0">
+                <a:solidFill>
+                  <a:srgbClr val="003E82"/>
+                </a:solidFill>
+                <a:latin typeface="Arial" charset="0"/>
+                <a:ea typeface="Arial" charset="0"/>
+                <a:cs typeface="Arial" charset="0"/>
+              </a:rPr>
+              <a:t>: [</a:t>
+            </a:r>
+            <a:r>
+              <a:rPr lang="en-US" sz="1200" dirty="0" err="1">
+                <a:solidFill>
+                  <a:srgbClr val="003E82"/>
+                </a:solidFill>
+                <a:latin typeface="Arial" charset="0"/>
+                <a:ea typeface="Arial" charset="0"/>
+                <a:cs typeface="Arial" charset="0"/>
+              </a:rPr>
+              <a:t>Электронный</a:t>
+            </a:r>
+            <a:r>
+              <a:rPr lang="en-US" sz="1200" dirty="0">
+                <a:solidFill>
+                  <a:srgbClr val="003E82"/>
+                </a:solidFill>
+                <a:latin typeface="Arial" charset="0"/>
+                <a:ea typeface="Arial" charset="0"/>
+                <a:cs typeface="Arial" charset="0"/>
+              </a:rPr>
+              <a:t> </a:t>
+            </a:r>
+            <a:r>
+              <a:rPr lang="en-US" sz="1200" dirty="0" err="1">
+                <a:solidFill>
+                  <a:srgbClr val="003E82"/>
+                </a:solidFill>
+                <a:latin typeface="Arial" charset="0"/>
+                <a:ea typeface="Arial" charset="0"/>
+                <a:cs typeface="Arial" charset="0"/>
+              </a:rPr>
+              <a:t>ресурс</a:t>
+            </a:r>
+            <a:r>
+              <a:rPr lang="en-US" sz="1200" dirty="0">
+                <a:solidFill>
+                  <a:srgbClr val="003E82"/>
+                </a:solidFill>
+                <a:latin typeface="Arial" charset="0"/>
+                <a:ea typeface="Arial" charset="0"/>
+                <a:cs typeface="Arial" charset="0"/>
+              </a:rPr>
+              <a:t>]. </a:t>
+            </a:r>
+            <a:r>
+              <a:rPr lang="en-US" sz="1200" dirty="0" err="1">
+                <a:solidFill>
+                  <a:srgbClr val="003E82"/>
+                </a:solidFill>
+                <a:latin typeface="Arial" charset="0"/>
+                <a:ea typeface="Arial" charset="0"/>
+                <a:cs typeface="Arial" charset="0"/>
+              </a:rPr>
+              <a:t>М</a:t>
+            </a:r>
+            <a:r>
+              <a:rPr lang="en-US" sz="1200" dirty="0">
+                <a:solidFill>
+                  <a:srgbClr val="003E82"/>
+                </a:solidFill>
+                <a:latin typeface="Arial" charset="0"/>
+                <a:ea typeface="Arial" charset="0"/>
+                <a:cs typeface="Arial" charset="0"/>
+              </a:rPr>
+              <a:t>., 2006-2017. URL</a:t>
+            </a:r>
+            <a:r>
+              <a:rPr lang="ru-RU" sz="1200" dirty="0">
+                <a:solidFill>
+                  <a:srgbClr val="003E82"/>
+                </a:solidFill>
+                <a:latin typeface="Arial" charset="0"/>
+                <a:ea typeface="Arial" charset="0"/>
+                <a:cs typeface="Arial" charset="0"/>
+              </a:rPr>
+              <a:t>: </a:t>
+            </a:r>
+            <a:r>
+              <a:rPr lang="en-US" sz="1200" dirty="0">
+                <a:solidFill>
+                  <a:srgbClr val="003E82"/>
+                </a:solidFill>
+                <a:latin typeface="Arial" charset="0"/>
+                <a:ea typeface="Arial" charset="0"/>
+                <a:cs typeface="Arial" charset="0"/>
+              </a:rPr>
+              <a:t>http</a:t>
+            </a:r>
+            <a:r>
+              <a:rPr lang="ru-RU" sz="1200" dirty="0">
+                <a:solidFill>
+                  <a:srgbClr val="003E82"/>
+                </a:solidFill>
+                <a:latin typeface="Arial" charset="0"/>
+                <a:ea typeface="Arial" charset="0"/>
+                <a:cs typeface="Arial" charset="0"/>
+              </a:rPr>
+              <a:t>://</a:t>
+            </a:r>
+            <a:r>
+              <a:rPr lang="en-US" sz="1200" dirty="0">
+                <a:solidFill>
+                  <a:srgbClr val="003E82"/>
+                </a:solidFill>
+                <a:latin typeface="Arial" charset="0"/>
+                <a:ea typeface="Arial" charset="0"/>
+                <a:cs typeface="Arial" charset="0"/>
+              </a:rPr>
+              <a:t>mama</a:t>
+            </a:r>
+            <a:r>
+              <a:rPr lang="ru-RU" sz="1200" dirty="0">
+                <a:solidFill>
+                  <a:srgbClr val="003E82"/>
+                </a:solidFill>
+                <a:latin typeface="Arial" charset="0"/>
+                <a:ea typeface="Arial" charset="0"/>
+                <a:cs typeface="Arial" charset="0"/>
+              </a:rPr>
+              <a:t>66.</a:t>
+            </a:r>
+            <a:r>
+              <a:rPr lang="en-US" sz="1200" dirty="0">
+                <a:solidFill>
+                  <a:srgbClr val="003E82"/>
+                </a:solidFill>
+                <a:latin typeface="Arial" charset="0"/>
+                <a:ea typeface="Arial" charset="0"/>
+                <a:cs typeface="Arial" charset="0"/>
+              </a:rPr>
+              <a:t>ru</a:t>
+            </a:r>
+            <a:r>
+              <a:rPr lang="ru-RU" sz="1200" dirty="0">
+                <a:solidFill>
+                  <a:srgbClr val="003E82"/>
+                </a:solidFill>
+                <a:latin typeface="Arial" charset="0"/>
+                <a:ea typeface="Arial" charset="0"/>
+                <a:cs typeface="Arial" charset="0"/>
+              </a:rPr>
+              <a:t>/</a:t>
+            </a:r>
+            <a:r>
+              <a:rPr lang="en-US" sz="1200" dirty="0" err="1">
+                <a:solidFill>
+                  <a:srgbClr val="003E82"/>
+                </a:solidFill>
+                <a:latin typeface="Arial" charset="0"/>
+                <a:ea typeface="Arial" charset="0"/>
+                <a:cs typeface="Arial" charset="0"/>
+              </a:rPr>
+              <a:t>privivki</a:t>
+            </a:r>
+            <a:r>
+              <a:rPr lang="ru-RU" sz="1200" dirty="0">
+                <a:solidFill>
+                  <a:srgbClr val="003E82"/>
+                </a:solidFill>
+                <a:latin typeface="Arial" charset="0"/>
+                <a:ea typeface="Arial" charset="0"/>
+                <a:cs typeface="Arial" charset="0"/>
+              </a:rPr>
+              <a:t>/</a:t>
+            </a:r>
+            <a:r>
+              <a:rPr lang="en-US" sz="1200" dirty="0" err="1">
+                <a:solidFill>
+                  <a:srgbClr val="003E82"/>
+                </a:solidFill>
+                <a:latin typeface="Arial" charset="0"/>
+                <a:ea typeface="Arial" charset="0"/>
+                <a:cs typeface="Arial" charset="0"/>
+              </a:rPr>
+              <a:t>vakcinacia</a:t>
+            </a:r>
+            <a:r>
+              <a:rPr lang="ru-RU" sz="1200" dirty="0">
+                <a:solidFill>
+                  <a:srgbClr val="003E82"/>
+                </a:solidFill>
+                <a:latin typeface="Arial" charset="0"/>
+                <a:ea typeface="Arial" charset="0"/>
+                <a:cs typeface="Arial" charset="0"/>
+              </a:rPr>
+              <a:t>-</a:t>
+            </a:r>
+            <a:r>
+              <a:rPr lang="en-US" sz="1200" dirty="0">
+                <a:solidFill>
+                  <a:srgbClr val="003E82"/>
+                </a:solidFill>
+                <a:latin typeface="Arial" charset="0"/>
+                <a:ea typeface="Arial" charset="0"/>
+                <a:cs typeface="Arial" charset="0"/>
+              </a:rPr>
+              <a:t>do</a:t>
+            </a:r>
+            <a:r>
+              <a:rPr lang="ru-RU" sz="1200" dirty="0">
+                <a:solidFill>
+                  <a:srgbClr val="003E82"/>
+                </a:solidFill>
+                <a:latin typeface="Arial" charset="0"/>
+                <a:ea typeface="Arial" charset="0"/>
+                <a:cs typeface="Arial" charset="0"/>
+              </a:rPr>
+              <a:t>-</a:t>
+            </a:r>
+            <a:r>
+              <a:rPr lang="en-US" sz="1200" dirty="0" err="1">
+                <a:solidFill>
+                  <a:srgbClr val="003E82"/>
+                </a:solidFill>
+                <a:latin typeface="Arial" charset="0"/>
+                <a:ea typeface="Arial" charset="0"/>
+                <a:cs typeface="Arial" charset="0"/>
+              </a:rPr>
+              <a:t>goda</a:t>
+            </a:r>
+            <a:r>
+              <a:rPr lang="ru-RU" sz="1200" dirty="0">
+                <a:solidFill>
+                  <a:srgbClr val="003E82"/>
+                </a:solidFill>
+                <a:latin typeface="Arial" charset="0"/>
+                <a:ea typeface="Arial" charset="0"/>
+                <a:cs typeface="Arial" charset="0"/>
+              </a:rPr>
+              <a:t>. (Дата обращения: 18.10.2017</a:t>
+            </a:r>
+            <a:r>
+              <a:rPr lang="ru-RU" sz="1200" dirty="0" smtClean="0">
+                <a:solidFill>
+                  <a:srgbClr val="003E82"/>
+                </a:solidFill>
+                <a:latin typeface="Arial" charset="0"/>
+                <a:ea typeface="Arial" charset="0"/>
+                <a:cs typeface="Arial" charset="0"/>
+              </a:rPr>
+              <a:t>).</a:t>
+            </a:r>
+          </a:p>
+          <a:p>
+            <a:pPr marL="342900" indent="-342900" algn="just">
+              <a:buFont typeface="+mj-lt"/>
+              <a:buAutoNum type="arabicPeriod"/>
+            </a:pPr>
+            <a:r>
+              <a:rPr lang="en-US" sz="1200" dirty="0" err="1">
+                <a:solidFill>
+                  <a:srgbClr val="003E82"/>
+                </a:solidFill>
+                <a:latin typeface="Arial" charset="0"/>
+                <a:ea typeface="Arial" charset="0"/>
+                <a:cs typeface="Arial" charset="0"/>
+              </a:rPr>
+              <a:t>Сайт</a:t>
+            </a:r>
+            <a:r>
+              <a:rPr lang="en-US" sz="1200" dirty="0">
+                <a:solidFill>
+                  <a:srgbClr val="003E82"/>
+                </a:solidFill>
+                <a:latin typeface="Arial" charset="0"/>
+                <a:ea typeface="Arial" charset="0"/>
+                <a:cs typeface="Arial" charset="0"/>
+              </a:rPr>
+              <a:t> </a:t>
+            </a:r>
+            <a:r>
+              <a:rPr lang="en-US" sz="1200" dirty="0" err="1">
+                <a:solidFill>
+                  <a:srgbClr val="003E82"/>
+                </a:solidFill>
+                <a:latin typeface="Arial" charset="0"/>
+                <a:ea typeface="Arial" charset="0"/>
+                <a:cs typeface="Arial" charset="0"/>
+              </a:rPr>
+              <a:t>о</a:t>
+            </a:r>
+            <a:r>
+              <a:rPr lang="en-US" sz="1200" dirty="0">
+                <a:solidFill>
+                  <a:srgbClr val="003E82"/>
+                </a:solidFill>
+                <a:latin typeface="Arial" charset="0"/>
+                <a:ea typeface="Arial" charset="0"/>
+                <a:cs typeface="Arial" charset="0"/>
+              </a:rPr>
+              <a:t> </a:t>
+            </a:r>
+            <a:r>
+              <a:rPr lang="en-US" sz="1200" dirty="0" err="1">
+                <a:solidFill>
+                  <a:srgbClr val="003E82"/>
+                </a:solidFill>
+                <a:latin typeface="Arial" charset="0"/>
+                <a:ea typeface="Arial" charset="0"/>
+                <a:cs typeface="Arial" charset="0"/>
+              </a:rPr>
+              <a:t>беременности</a:t>
+            </a:r>
+            <a:r>
+              <a:rPr lang="en-US" sz="1200" dirty="0">
+                <a:solidFill>
+                  <a:srgbClr val="003E82"/>
+                </a:solidFill>
+                <a:latin typeface="Arial" charset="0"/>
+                <a:ea typeface="Arial" charset="0"/>
+                <a:cs typeface="Arial" charset="0"/>
+              </a:rPr>
+              <a:t> </a:t>
+            </a:r>
+            <a:r>
+              <a:rPr lang="en-US" sz="1200" dirty="0" err="1">
+                <a:solidFill>
+                  <a:srgbClr val="003E82"/>
+                </a:solidFill>
+                <a:latin typeface="Arial" charset="0"/>
+                <a:ea typeface="Arial" charset="0"/>
+                <a:cs typeface="Arial" charset="0"/>
+              </a:rPr>
+              <a:t>и</a:t>
+            </a:r>
+            <a:r>
+              <a:rPr lang="en-US" sz="1200" dirty="0">
+                <a:solidFill>
+                  <a:srgbClr val="003E82"/>
+                </a:solidFill>
+                <a:latin typeface="Arial" charset="0"/>
+                <a:ea typeface="Arial" charset="0"/>
+                <a:cs typeface="Arial" charset="0"/>
+              </a:rPr>
+              <a:t> </a:t>
+            </a:r>
+            <a:r>
+              <a:rPr lang="en-US" sz="1200" dirty="0" err="1">
+                <a:solidFill>
+                  <a:srgbClr val="003E82"/>
+                </a:solidFill>
+                <a:latin typeface="Arial" charset="0"/>
+                <a:ea typeface="Arial" charset="0"/>
+                <a:cs typeface="Arial" charset="0"/>
+              </a:rPr>
+              <a:t>материнстве</a:t>
+            </a:r>
+            <a:r>
+              <a:rPr lang="en-US" sz="1200" dirty="0">
+                <a:solidFill>
+                  <a:srgbClr val="003E82"/>
+                </a:solidFill>
+                <a:latin typeface="Arial" charset="0"/>
+                <a:ea typeface="Arial" charset="0"/>
+                <a:cs typeface="Arial" charset="0"/>
+              </a:rPr>
+              <a:t>: [</a:t>
+            </a:r>
+            <a:r>
+              <a:rPr lang="en-US" sz="1200" dirty="0" err="1">
+                <a:solidFill>
+                  <a:srgbClr val="003E82"/>
+                </a:solidFill>
+                <a:latin typeface="Arial" charset="0"/>
+                <a:ea typeface="Arial" charset="0"/>
+                <a:cs typeface="Arial" charset="0"/>
+              </a:rPr>
+              <a:t>Электронный</a:t>
+            </a:r>
+            <a:r>
+              <a:rPr lang="en-US" sz="1200" dirty="0">
+                <a:solidFill>
+                  <a:srgbClr val="003E82"/>
+                </a:solidFill>
+                <a:latin typeface="Arial" charset="0"/>
+                <a:ea typeface="Arial" charset="0"/>
+                <a:cs typeface="Arial" charset="0"/>
+              </a:rPr>
+              <a:t> </a:t>
+            </a:r>
+            <a:r>
+              <a:rPr lang="en-US" sz="1200" dirty="0" err="1">
+                <a:solidFill>
+                  <a:srgbClr val="003E82"/>
+                </a:solidFill>
+                <a:latin typeface="Arial" charset="0"/>
+                <a:ea typeface="Arial" charset="0"/>
+                <a:cs typeface="Arial" charset="0"/>
+              </a:rPr>
+              <a:t>ресурс</a:t>
+            </a:r>
+            <a:r>
+              <a:rPr lang="en-US" sz="1200" dirty="0">
+                <a:solidFill>
+                  <a:srgbClr val="003E82"/>
+                </a:solidFill>
+                <a:latin typeface="Arial" charset="0"/>
+                <a:ea typeface="Arial" charset="0"/>
+                <a:cs typeface="Arial" charset="0"/>
+              </a:rPr>
+              <a:t>]. </a:t>
+            </a:r>
+            <a:r>
+              <a:rPr lang="en-US" sz="1200" dirty="0" err="1">
+                <a:solidFill>
+                  <a:srgbClr val="003E82"/>
+                </a:solidFill>
+                <a:latin typeface="Arial" charset="0"/>
+                <a:ea typeface="Arial" charset="0"/>
+                <a:cs typeface="Arial" charset="0"/>
+              </a:rPr>
+              <a:t>М</a:t>
+            </a:r>
+            <a:r>
+              <a:rPr lang="en-US" sz="1200" dirty="0">
+                <a:solidFill>
+                  <a:srgbClr val="003E82"/>
+                </a:solidFill>
+                <a:latin typeface="Arial" charset="0"/>
+                <a:ea typeface="Arial" charset="0"/>
+                <a:cs typeface="Arial" charset="0"/>
+              </a:rPr>
+              <a:t>., 2005-2017. URL: https://</a:t>
+            </a:r>
+            <a:r>
+              <a:rPr lang="en-US" sz="1200" dirty="0" err="1">
+                <a:solidFill>
+                  <a:srgbClr val="003E82"/>
+                </a:solidFill>
+                <a:latin typeface="Arial" charset="0"/>
+                <a:ea typeface="Arial" charset="0"/>
+                <a:cs typeface="Arial" charset="0"/>
+              </a:rPr>
+              <a:t>www.babyblog.ru</a:t>
+            </a:r>
+            <a:r>
+              <a:rPr lang="en-US" sz="1200" dirty="0">
+                <a:solidFill>
+                  <a:srgbClr val="003E82"/>
+                </a:solidFill>
+                <a:latin typeface="Arial" charset="0"/>
+                <a:ea typeface="Arial" charset="0"/>
+                <a:cs typeface="Arial" charset="0"/>
+              </a:rPr>
+              <a:t>/. (</a:t>
+            </a:r>
+            <a:r>
+              <a:rPr lang="en-US" sz="1200" dirty="0" err="1">
+                <a:solidFill>
+                  <a:srgbClr val="003E82"/>
+                </a:solidFill>
+                <a:latin typeface="Arial" charset="0"/>
+                <a:ea typeface="Arial" charset="0"/>
+                <a:cs typeface="Arial" charset="0"/>
+              </a:rPr>
+              <a:t>Дата</a:t>
+            </a:r>
+            <a:r>
+              <a:rPr lang="en-US" sz="1200" dirty="0">
+                <a:solidFill>
+                  <a:srgbClr val="003E82"/>
+                </a:solidFill>
+                <a:latin typeface="Arial" charset="0"/>
+                <a:ea typeface="Arial" charset="0"/>
+                <a:cs typeface="Arial" charset="0"/>
+              </a:rPr>
+              <a:t> </a:t>
+            </a:r>
+            <a:r>
+              <a:rPr lang="en-US" sz="1200" dirty="0" err="1">
+                <a:solidFill>
+                  <a:srgbClr val="003E82"/>
+                </a:solidFill>
+                <a:latin typeface="Arial" charset="0"/>
+                <a:ea typeface="Arial" charset="0"/>
+                <a:cs typeface="Arial" charset="0"/>
+              </a:rPr>
+              <a:t>обращения</a:t>
+            </a:r>
+            <a:r>
+              <a:rPr lang="en-US" sz="1200" dirty="0">
+                <a:solidFill>
+                  <a:srgbClr val="003E82"/>
+                </a:solidFill>
+                <a:latin typeface="Arial" charset="0"/>
+                <a:ea typeface="Arial" charset="0"/>
+                <a:cs typeface="Arial" charset="0"/>
+              </a:rPr>
+              <a:t>: 18.10.2017</a:t>
+            </a:r>
+            <a:r>
+              <a:rPr lang="en-US" sz="1200" dirty="0" smtClean="0">
+                <a:solidFill>
+                  <a:srgbClr val="003E82"/>
+                </a:solidFill>
+                <a:latin typeface="Arial" charset="0"/>
+                <a:ea typeface="Arial" charset="0"/>
+                <a:cs typeface="Arial" charset="0"/>
+              </a:rPr>
+              <a:t>).</a:t>
+            </a:r>
+            <a:endParaRPr lang="ru-RU" sz="1200" dirty="0" smtClean="0">
+              <a:solidFill>
+                <a:srgbClr val="003E82"/>
+              </a:solidFill>
+              <a:latin typeface="Arial" charset="0"/>
+              <a:ea typeface="Arial" charset="0"/>
+              <a:cs typeface="Arial" charset="0"/>
+            </a:endParaRPr>
+          </a:p>
+          <a:p>
+            <a:pPr marL="342900" lvl="0" indent="-342900" algn="just">
+              <a:buFont typeface="+mj-lt"/>
+              <a:buAutoNum type="arabicPeriod"/>
+            </a:pPr>
+            <a:r>
+              <a:rPr lang="ru-RU" sz="1200" dirty="0" smtClean="0">
+                <a:solidFill>
+                  <a:srgbClr val="003E82"/>
+                </a:solidFill>
+                <a:latin typeface="Arial" charset="0"/>
+                <a:ea typeface="Arial" charset="0"/>
+                <a:cs typeface="Arial" charset="0"/>
+              </a:rPr>
+              <a:t>Сайт </a:t>
+            </a:r>
+            <a:r>
+              <a:rPr lang="ru-RU" sz="1200" dirty="0">
+                <a:solidFill>
+                  <a:srgbClr val="003E82"/>
+                </a:solidFill>
+                <a:latin typeface="Arial" charset="0"/>
+                <a:ea typeface="Arial" charset="0"/>
+                <a:cs typeface="Arial" charset="0"/>
+              </a:rPr>
+              <a:t>по обучению разработке приложений под Android: [Электронный ресурс]. М., 2011-2017. URL: </a:t>
+            </a:r>
+            <a:r>
+              <a:rPr lang="ru-RU" sz="1200" dirty="0" err="1">
+                <a:solidFill>
+                  <a:srgbClr val="003E82"/>
+                </a:solidFill>
+                <a:latin typeface="Arial" charset="0"/>
+                <a:ea typeface="Arial" charset="0"/>
+                <a:cs typeface="Arial" charset="0"/>
+              </a:rPr>
+              <a:t>http</a:t>
+            </a:r>
+            <a:r>
+              <a:rPr lang="ru-RU" sz="1200" dirty="0">
+                <a:solidFill>
+                  <a:srgbClr val="003E82"/>
+                </a:solidFill>
+                <a:latin typeface="Arial" charset="0"/>
+                <a:ea typeface="Arial" charset="0"/>
+                <a:cs typeface="Arial" charset="0"/>
+              </a:rPr>
+              <a:t>://</a:t>
+            </a:r>
+            <a:r>
+              <a:rPr lang="ru-RU" sz="1200" dirty="0" err="1">
+                <a:solidFill>
+                  <a:srgbClr val="003E82"/>
+                </a:solidFill>
+                <a:latin typeface="Arial" charset="0"/>
+                <a:ea typeface="Arial" charset="0"/>
+                <a:cs typeface="Arial" charset="0"/>
+              </a:rPr>
+              <a:t>startandroid.ru</a:t>
+            </a:r>
+            <a:r>
+              <a:rPr lang="ru-RU" sz="1200" dirty="0">
+                <a:solidFill>
+                  <a:srgbClr val="003E82"/>
+                </a:solidFill>
+                <a:latin typeface="Arial" charset="0"/>
+                <a:ea typeface="Arial" charset="0"/>
+                <a:cs typeface="Arial" charset="0"/>
+              </a:rPr>
+              <a:t>/ru/. (Дата обращения: 18.10.2017</a:t>
+            </a:r>
+            <a:r>
+              <a:rPr lang="ru-RU" sz="1200" dirty="0" smtClean="0">
+                <a:solidFill>
+                  <a:srgbClr val="003E82"/>
+                </a:solidFill>
+                <a:latin typeface="Arial" charset="0"/>
+                <a:ea typeface="Arial" charset="0"/>
+                <a:cs typeface="Arial" charset="0"/>
+              </a:rPr>
+              <a:t>).</a:t>
+            </a:r>
+          </a:p>
+          <a:p>
+            <a:pPr marL="342900" lvl="0" indent="-342900" algn="just">
+              <a:buFont typeface="+mj-lt"/>
+              <a:buAutoNum type="arabicPeriod"/>
+            </a:pPr>
+            <a:r>
+              <a:rPr lang="ru-RU" sz="1200" dirty="0">
+                <a:solidFill>
+                  <a:srgbClr val="003E82"/>
+                </a:solidFill>
+                <a:latin typeface="Arial" charset="0"/>
+                <a:ea typeface="Arial" charset="0"/>
+                <a:cs typeface="Arial" charset="0"/>
+              </a:rPr>
+              <a:t>Сайт </a:t>
+            </a:r>
+            <a:r>
+              <a:rPr lang="ru-RU" sz="1200" dirty="0" smtClean="0">
+                <a:solidFill>
+                  <a:srgbClr val="003E82"/>
+                </a:solidFill>
+                <a:latin typeface="Arial" charset="0"/>
+                <a:ea typeface="Arial" charset="0"/>
+                <a:cs typeface="Arial" charset="0"/>
+              </a:rPr>
+              <a:t>сервиса </a:t>
+            </a:r>
+            <a:r>
+              <a:rPr lang="en-US" sz="1200" dirty="0" smtClean="0">
+                <a:solidFill>
+                  <a:srgbClr val="003E82"/>
+                </a:solidFill>
+                <a:latin typeface="Arial" charset="0"/>
+                <a:ea typeface="Arial" charset="0"/>
+                <a:cs typeface="Arial" charset="0"/>
+              </a:rPr>
+              <a:t>Firebase</a:t>
+            </a:r>
+            <a:r>
+              <a:rPr lang="ru-RU" sz="1200" dirty="0" smtClean="0">
+                <a:solidFill>
+                  <a:srgbClr val="003E82"/>
+                </a:solidFill>
+                <a:latin typeface="Arial" charset="0"/>
+                <a:ea typeface="Arial" charset="0"/>
+                <a:cs typeface="Arial" charset="0"/>
+              </a:rPr>
+              <a:t>: </a:t>
+            </a:r>
+            <a:r>
+              <a:rPr lang="ru-RU" sz="1200" dirty="0">
+                <a:solidFill>
+                  <a:srgbClr val="003E82"/>
+                </a:solidFill>
+                <a:latin typeface="Arial" charset="0"/>
+                <a:ea typeface="Arial" charset="0"/>
+                <a:cs typeface="Arial" charset="0"/>
+              </a:rPr>
+              <a:t>[Электронный ресурс]. М., </a:t>
+            </a:r>
+            <a:r>
+              <a:rPr lang="ru-RU" sz="1200" dirty="0" smtClean="0">
+                <a:solidFill>
+                  <a:srgbClr val="003E82"/>
+                </a:solidFill>
+                <a:latin typeface="Arial" charset="0"/>
+                <a:ea typeface="Arial" charset="0"/>
+                <a:cs typeface="Arial" charset="0"/>
+              </a:rPr>
+              <a:t>201</a:t>
+            </a:r>
+            <a:r>
+              <a:rPr lang="en-US" sz="1200" dirty="0" smtClean="0">
+                <a:solidFill>
+                  <a:srgbClr val="003E82"/>
+                </a:solidFill>
+                <a:latin typeface="Arial" charset="0"/>
+                <a:ea typeface="Arial" charset="0"/>
+                <a:cs typeface="Arial" charset="0"/>
+              </a:rPr>
+              <a:t>2</a:t>
+            </a:r>
+            <a:r>
+              <a:rPr lang="ru-RU" sz="1200" dirty="0" smtClean="0">
+                <a:solidFill>
+                  <a:srgbClr val="003E82"/>
+                </a:solidFill>
+                <a:latin typeface="Arial" charset="0"/>
+                <a:ea typeface="Arial" charset="0"/>
+                <a:cs typeface="Arial" charset="0"/>
+              </a:rPr>
+              <a:t>-2017</a:t>
+            </a:r>
+            <a:r>
+              <a:rPr lang="ru-RU" sz="1200" dirty="0">
+                <a:solidFill>
+                  <a:srgbClr val="003E82"/>
+                </a:solidFill>
+                <a:latin typeface="Arial" charset="0"/>
+                <a:ea typeface="Arial" charset="0"/>
+                <a:cs typeface="Arial" charset="0"/>
+              </a:rPr>
+              <a:t>. URL: </a:t>
+            </a:r>
+            <a:r>
+              <a:rPr lang="en-US" sz="1200" dirty="0">
+                <a:solidFill>
+                  <a:srgbClr val="003E82"/>
+                </a:solidFill>
+                <a:latin typeface="Arial" charset="0"/>
+                <a:ea typeface="Arial" charset="0"/>
+                <a:cs typeface="Arial" charset="0"/>
+              </a:rPr>
+              <a:t>https://</a:t>
+            </a:r>
+            <a:r>
+              <a:rPr lang="en-US" sz="1200" dirty="0" err="1">
+                <a:solidFill>
+                  <a:srgbClr val="003E82"/>
+                </a:solidFill>
+                <a:latin typeface="Arial" charset="0"/>
+                <a:ea typeface="Arial" charset="0"/>
+                <a:cs typeface="Arial" charset="0"/>
+              </a:rPr>
+              <a:t>www.firebase.com</a:t>
+            </a:r>
+            <a:r>
+              <a:rPr lang="en-US" sz="1200" dirty="0" smtClean="0">
+                <a:solidFill>
+                  <a:srgbClr val="003E82"/>
+                </a:solidFill>
+                <a:latin typeface="Arial" charset="0"/>
+                <a:ea typeface="Arial" charset="0"/>
+                <a:cs typeface="Arial" charset="0"/>
+              </a:rPr>
+              <a:t>/</a:t>
+            </a:r>
+            <a:r>
+              <a:rPr lang="ru-RU" sz="1200" dirty="0" smtClean="0">
+                <a:solidFill>
+                  <a:srgbClr val="003E82"/>
+                </a:solidFill>
+                <a:latin typeface="Arial" charset="0"/>
+                <a:ea typeface="Arial" charset="0"/>
+                <a:cs typeface="Arial" charset="0"/>
+              </a:rPr>
+              <a:t>. </a:t>
+            </a:r>
+            <a:r>
+              <a:rPr lang="ru-RU" sz="1200" dirty="0">
+                <a:solidFill>
+                  <a:srgbClr val="003E82"/>
+                </a:solidFill>
+                <a:latin typeface="Arial" charset="0"/>
+                <a:ea typeface="Arial" charset="0"/>
+                <a:cs typeface="Arial" charset="0"/>
+              </a:rPr>
+              <a:t>(Дата обращения: </a:t>
+            </a:r>
+            <a:r>
+              <a:rPr lang="en-US" sz="1200" dirty="0" smtClean="0">
+                <a:solidFill>
+                  <a:srgbClr val="003E82"/>
+                </a:solidFill>
+                <a:latin typeface="Arial" charset="0"/>
+                <a:ea typeface="Arial" charset="0"/>
+                <a:cs typeface="Arial" charset="0"/>
+              </a:rPr>
+              <a:t>17</a:t>
+            </a:r>
+            <a:r>
+              <a:rPr lang="ru-RU" sz="1200" dirty="0" smtClean="0">
+                <a:solidFill>
+                  <a:srgbClr val="003E82"/>
+                </a:solidFill>
+                <a:latin typeface="Arial" charset="0"/>
+                <a:ea typeface="Arial" charset="0"/>
+                <a:cs typeface="Arial" charset="0"/>
+              </a:rPr>
+              <a:t>.1</a:t>
+            </a:r>
+            <a:r>
+              <a:rPr lang="en-US" sz="1200" dirty="0" smtClean="0">
+                <a:solidFill>
+                  <a:srgbClr val="003E82"/>
+                </a:solidFill>
+                <a:latin typeface="Arial" charset="0"/>
+                <a:ea typeface="Arial" charset="0"/>
+                <a:cs typeface="Arial" charset="0"/>
+              </a:rPr>
+              <a:t>1</a:t>
+            </a:r>
+            <a:r>
+              <a:rPr lang="ru-RU" sz="1200" dirty="0" smtClean="0">
+                <a:solidFill>
+                  <a:srgbClr val="003E82"/>
+                </a:solidFill>
+                <a:latin typeface="Arial" charset="0"/>
+                <a:ea typeface="Arial" charset="0"/>
+                <a:cs typeface="Arial" charset="0"/>
+              </a:rPr>
+              <a:t>.2017</a:t>
+            </a:r>
+            <a:r>
+              <a:rPr lang="ru-RU" sz="1200" dirty="0">
+                <a:solidFill>
+                  <a:srgbClr val="003E82"/>
+                </a:solidFill>
+                <a:latin typeface="Arial" charset="0"/>
+                <a:ea typeface="Arial" charset="0"/>
+                <a:cs typeface="Arial" charset="0"/>
+              </a:rPr>
+              <a:t>).</a:t>
+            </a:r>
+          </a:p>
+          <a:p>
+            <a:pPr marL="342900" indent="-342900" algn="just">
+              <a:buFont typeface="+mj-lt"/>
+              <a:buAutoNum type="arabicPeriod"/>
+            </a:pPr>
+            <a:r>
+              <a:rPr lang="ru-RU" sz="1200" dirty="0" smtClean="0">
+                <a:solidFill>
+                  <a:srgbClr val="003E82"/>
+                </a:solidFill>
+                <a:latin typeface="Arial" charset="0"/>
+                <a:ea typeface="Arial" charset="0"/>
+                <a:cs typeface="Arial" charset="0"/>
+              </a:rPr>
+              <a:t>Сайт </a:t>
+            </a:r>
+            <a:r>
+              <a:rPr lang="ru-RU" sz="1200" dirty="0">
+                <a:solidFill>
+                  <a:srgbClr val="003E82"/>
+                </a:solidFill>
+                <a:latin typeface="Arial" charset="0"/>
+                <a:ea typeface="Arial" charset="0"/>
+                <a:cs typeface="Arial" charset="0"/>
+              </a:rPr>
+              <a:t>фитнес-браслета </a:t>
+            </a:r>
+            <a:r>
+              <a:rPr lang="en-US" sz="1200" dirty="0" err="1">
+                <a:solidFill>
+                  <a:srgbClr val="003E82"/>
+                </a:solidFill>
+                <a:latin typeface="Arial" charset="0"/>
+                <a:ea typeface="Arial" charset="0"/>
+                <a:cs typeface="Arial" charset="0"/>
+              </a:rPr>
+              <a:t>Mi</a:t>
+            </a:r>
+            <a:r>
+              <a:rPr lang="en-US" sz="1200" dirty="0">
+                <a:solidFill>
+                  <a:srgbClr val="003E82"/>
+                </a:solidFill>
+                <a:latin typeface="Arial" charset="0"/>
+                <a:ea typeface="Arial" charset="0"/>
+                <a:cs typeface="Arial" charset="0"/>
+              </a:rPr>
+              <a:t> band</a:t>
+            </a:r>
+            <a:r>
+              <a:rPr lang="ru-RU" sz="1200" dirty="0">
+                <a:solidFill>
+                  <a:srgbClr val="003E82"/>
+                </a:solidFill>
+                <a:latin typeface="Arial" charset="0"/>
+                <a:ea typeface="Arial" charset="0"/>
+                <a:cs typeface="Arial" charset="0"/>
+              </a:rPr>
+              <a:t>: [Электронный ресурс]. </a:t>
+            </a:r>
+            <a:r>
+              <a:rPr lang="en-US" sz="1200" dirty="0">
+                <a:solidFill>
+                  <a:srgbClr val="003E82"/>
+                </a:solidFill>
+                <a:latin typeface="Arial" charset="0"/>
+                <a:ea typeface="Arial" charset="0"/>
+                <a:cs typeface="Arial" charset="0"/>
+              </a:rPr>
+              <a:t>2010-2017. URL: http://</a:t>
+            </a:r>
+            <a:r>
+              <a:rPr lang="en-US" sz="1200" dirty="0" err="1">
+                <a:solidFill>
+                  <a:srgbClr val="003E82"/>
+                </a:solidFill>
+                <a:latin typeface="Arial" charset="0"/>
+                <a:ea typeface="Arial" charset="0"/>
+                <a:cs typeface="Arial" charset="0"/>
+              </a:rPr>
+              <a:t>www.mi.com</a:t>
+            </a:r>
+            <a:r>
+              <a:rPr lang="en-US" sz="1200" dirty="0">
+                <a:solidFill>
+                  <a:srgbClr val="003E82"/>
+                </a:solidFill>
+                <a:latin typeface="Arial" charset="0"/>
+                <a:ea typeface="Arial" charset="0"/>
+                <a:cs typeface="Arial" charset="0"/>
+              </a:rPr>
+              <a:t>/</a:t>
+            </a:r>
+            <a:r>
+              <a:rPr lang="en-US" sz="1200" dirty="0" err="1">
+                <a:solidFill>
+                  <a:srgbClr val="003E82"/>
+                </a:solidFill>
+                <a:latin typeface="Arial" charset="0"/>
+                <a:ea typeface="Arial" charset="0"/>
+                <a:cs typeface="Arial" charset="0"/>
+              </a:rPr>
+              <a:t>en</a:t>
+            </a:r>
+            <a:r>
+              <a:rPr lang="en-US" sz="1200" dirty="0">
+                <a:solidFill>
+                  <a:srgbClr val="003E82"/>
+                </a:solidFill>
+                <a:latin typeface="Arial" charset="0"/>
+                <a:ea typeface="Arial" charset="0"/>
+                <a:cs typeface="Arial" charset="0"/>
+              </a:rPr>
+              <a:t>/</a:t>
+            </a:r>
+            <a:r>
+              <a:rPr lang="en-US" sz="1200" dirty="0" err="1">
+                <a:solidFill>
+                  <a:srgbClr val="003E82"/>
+                </a:solidFill>
+                <a:latin typeface="Arial" charset="0"/>
+                <a:ea typeface="Arial" charset="0"/>
+                <a:cs typeface="Arial" charset="0"/>
+              </a:rPr>
+              <a:t>miband</a:t>
+            </a:r>
+            <a:r>
+              <a:rPr lang="en-US" sz="1200" dirty="0">
+                <a:solidFill>
+                  <a:srgbClr val="003E82"/>
+                </a:solidFill>
+                <a:latin typeface="Arial" charset="0"/>
+                <a:ea typeface="Arial" charset="0"/>
+                <a:cs typeface="Arial" charset="0"/>
+              </a:rPr>
+              <a:t>/. (</a:t>
+            </a:r>
+            <a:r>
+              <a:rPr lang="en-US" sz="1200" dirty="0" err="1">
+                <a:solidFill>
+                  <a:srgbClr val="003E82"/>
+                </a:solidFill>
+                <a:latin typeface="Arial" charset="0"/>
+                <a:ea typeface="Arial" charset="0"/>
+                <a:cs typeface="Arial" charset="0"/>
+              </a:rPr>
+              <a:t>Дата</a:t>
+            </a:r>
+            <a:r>
+              <a:rPr lang="en-US" sz="1200" dirty="0">
+                <a:solidFill>
+                  <a:srgbClr val="003E82"/>
+                </a:solidFill>
+                <a:latin typeface="Arial" charset="0"/>
+                <a:ea typeface="Arial" charset="0"/>
+                <a:cs typeface="Arial" charset="0"/>
+              </a:rPr>
+              <a:t> </a:t>
+            </a:r>
+            <a:r>
+              <a:rPr lang="en-US" sz="1200" dirty="0" err="1">
+                <a:solidFill>
+                  <a:srgbClr val="003E82"/>
+                </a:solidFill>
+                <a:latin typeface="Arial" charset="0"/>
+                <a:ea typeface="Arial" charset="0"/>
+                <a:cs typeface="Arial" charset="0"/>
+              </a:rPr>
+              <a:t>обращения</a:t>
+            </a:r>
+            <a:r>
+              <a:rPr lang="en-US" sz="1200" dirty="0">
+                <a:solidFill>
+                  <a:srgbClr val="003E82"/>
+                </a:solidFill>
+                <a:latin typeface="Arial" charset="0"/>
+                <a:ea typeface="Arial" charset="0"/>
+                <a:cs typeface="Arial" charset="0"/>
+              </a:rPr>
+              <a:t>: 18.10.2017</a:t>
+            </a:r>
+            <a:r>
+              <a:rPr lang="en-US" sz="1200" dirty="0" smtClean="0">
+                <a:solidFill>
+                  <a:srgbClr val="003E82"/>
+                </a:solidFill>
+                <a:latin typeface="Arial" charset="0"/>
+                <a:ea typeface="Arial" charset="0"/>
+                <a:cs typeface="Arial" charset="0"/>
+              </a:rPr>
+              <a:t>).</a:t>
+            </a:r>
+            <a:endParaRPr lang="ru-RU" sz="1200" dirty="0" smtClean="0">
+              <a:solidFill>
+                <a:srgbClr val="003E82"/>
+              </a:solidFill>
+              <a:latin typeface="Arial" charset="0"/>
+              <a:ea typeface="Arial" charset="0"/>
+              <a:cs typeface="Arial" charset="0"/>
+            </a:endParaRPr>
+          </a:p>
+          <a:p>
+            <a:pPr marL="342900" lvl="0" indent="-342900" algn="just">
+              <a:buFont typeface="+mj-lt"/>
+              <a:buAutoNum type="arabicPeriod"/>
+            </a:pPr>
+            <a:r>
+              <a:rPr lang="en-US" sz="1200" dirty="0" err="1" smtClean="0">
+                <a:solidFill>
+                  <a:srgbClr val="003E82"/>
+                </a:solidFill>
+                <a:latin typeface="Arial" charset="0"/>
+                <a:ea typeface="Arial" charset="0"/>
+                <a:cs typeface="Arial" charset="0"/>
+              </a:rPr>
+              <a:t>Социальная</a:t>
+            </a:r>
+            <a:r>
+              <a:rPr lang="en-US" sz="1200" dirty="0" smtClean="0">
+                <a:solidFill>
+                  <a:srgbClr val="003E82"/>
+                </a:solidFill>
+                <a:latin typeface="Arial" charset="0"/>
+                <a:ea typeface="Arial" charset="0"/>
+                <a:cs typeface="Arial" charset="0"/>
+              </a:rPr>
+              <a:t> </a:t>
+            </a:r>
+            <a:r>
+              <a:rPr lang="en-US" sz="1200" dirty="0" err="1">
+                <a:solidFill>
+                  <a:srgbClr val="003E82"/>
+                </a:solidFill>
+                <a:latin typeface="Arial" charset="0"/>
+                <a:ea typeface="Arial" charset="0"/>
+                <a:cs typeface="Arial" charset="0"/>
+              </a:rPr>
+              <a:t>сеть</a:t>
+            </a:r>
+            <a:r>
+              <a:rPr lang="en-US" sz="1200" dirty="0">
+                <a:solidFill>
+                  <a:srgbClr val="003E82"/>
+                </a:solidFill>
+                <a:latin typeface="Arial" charset="0"/>
+                <a:ea typeface="Arial" charset="0"/>
+                <a:cs typeface="Arial" charset="0"/>
+              </a:rPr>
+              <a:t> </a:t>
+            </a:r>
+            <a:r>
+              <a:rPr lang="en-US" sz="1200" dirty="0" err="1">
+                <a:solidFill>
+                  <a:srgbClr val="003E82"/>
+                </a:solidFill>
+                <a:latin typeface="Arial" charset="0"/>
+                <a:ea typeface="Arial" charset="0"/>
+                <a:cs typeface="Arial" charset="0"/>
+              </a:rPr>
+              <a:t>для</a:t>
+            </a:r>
+            <a:r>
+              <a:rPr lang="en-US" sz="1200" dirty="0">
+                <a:solidFill>
+                  <a:srgbClr val="003E82"/>
+                </a:solidFill>
+                <a:latin typeface="Arial" charset="0"/>
+                <a:ea typeface="Arial" charset="0"/>
+                <a:cs typeface="Arial" charset="0"/>
+              </a:rPr>
+              <a:t> </a:t>
+            </a:r>
+            <a:r>
+              <a:rPr lang="en-US" sz="1200" dirty="0" err="1">
+                <a:solidFill>
+                  <a:srgbClr val="003E82"/>
+                </a:solidFill>
+                <a:latin typeface="Arial" charset="0"/>
+                <a:ea typeface="Arial" charset="0"/>
+                <a:cs typeface="Arial" charset="0"/>
+              </a:rPr>
+              <a:t>мам</a:t>
+            </a:r>
+            <a:r>
+              <a:rPr lang="en-US" sz="1200" dirty="0">
+                <a:solidFill>
+                  <a:srgbClr val="003E82"/>
+                </a:solidFill>
+                <a:latin typeface="Arial" charset="0"/>
+                <a:ea typeface="Arial" charset="0"/>
+                <a:cs typeface="Arial" charset="0"/>
+              </a:rPr>
+              <a:t>: [</a:t>
+            </a:r>
+            <a:r>
+              <a:rPr lang="en-US" sz="1200" dirty="0" err="1">
+                <a:solidFill>
+                  <a:srgbClr val="003E82"/>
+                </a:solidFill>
+                <a:latin typeface="Arial" charset="0"/>
+                <a:ea typeface="Arial" charset="0"/>
+                <a:cs typeface="Arial" charset="0"/>
+              </a:rPr>
+              <a:t>Электронный</a:t>
+            </a:r>
+            <a:r>
+              <a:rPr lang="en-US" sz="1200" dirty="0">
+                <a:solidFill>
+                  <a:srgbClr val="003E82"/>
+                </a:solidFill>
+                <a:latin typeface="Arial" charset="0"/>
+                <a:ea typeface="Arial" charset="0"/>
+                <a:cs typeface="Arial" charset="0"/>
+              </a:rPr>
+              <a:t> </a:t>
+            </a:r>
+            <a:r>
+              <a:rPr lang="en-US" sz="1200" dirty="0" err="1">
+                <a:solidFill>
+                  <a:srgbClr val="003E82"/>
+                </a:solidFill>
+                <a:latin typeface="Arial" charset="0"/>
+                <a:ea typeface="Arial" charset="0"/>
+                <a:cs typeface="Arial" charset="0"/>
+              </a:rPr>
+              <a:t>ресурс</a:t>
+            </a:r>
+            <a:r>
+              <a:rPr lang="en-US" sz="1200" dirty="0">
+                <a:solidFill>
+                  <a:srgbClr val="003E82"/>
+                </a:solidFill>
+                <a:latin typeface="Arial" charset="0"/>
+                <a:ea typeface="Arial" charset="0"/>
+                <a:cs typeface="Arial" charset="0"/>
+              </a:rPr>
+              <a:t>]. </a:t>
+            </a:r>
+            <a:r>
+              <a:rPr lang="en-US" sz="1200" dirty="0" err="1">
+                <a:solidFill>
+                  <a:srgbClr val="003E82"/>
+                </a:solidFill>
+                <a:latin typeface="Arial" charset="0"/>
+                <a:ea typeface="Arial" charset="0"/>
+                <a:cs typeface="Arial" charset="0"/>
+              </a:rPr>
+              <a:t>М</a:t>
+            </a:r>
+            <a:r>
+              <a:rPr lang="en-US" sz="1200" dirty="0">
+                <a:solidFill>
+                  <a:srgbClr val="003E82"/>
+                </a:solidFill>
+                <a:latin typeface="Arial" charset="0"/>
+                <a:ea typeface="Arial" charset="0"/>
+                <a:cs typeface="Arial" charset="0"/>
+              </a:rPr>
+              <a:t>., 2009-2017. URL: http://</a:t>
+            </a:r>
+            <a:r>
+              <a:rPr lang="en-US" sz="1200" dirty="0" err="1">
+                <a:solidFill>
+                  <a:srgbClr val="003E82"/>
+                </a:solidFill>
+                <a:latin typeface="Arial" charset="0"/>
+                <a:ea typeface="Arial" charset="0"/>
+                <a:cs typeface="Arial" charset="0"/>
+              </a:rPr>
+              <a:t>www.stranamam.ru</a:t>
+            </a:r>
+            <a:r>
+              <a:rPr lang="en-US" sz="1200" dirty="0">
+                <a:solidFill>
+                  <a:srgbClr val="003E82"/>
+                </a:solidFill>
+                <a:latin typeface="Arial" charset="0"/>
+                <a:ea typeface="Arial" charset="0"/>
+                <a:cs typeface="Arial" charset="0"/>
+              </a:rPr>
+              <a:t>/. </a:t>
+            </a:r>
+            <a:r>
+              <a:rPr lang="ru-RU" sz="1200" dirty="0">
+                <a:solidFill>
+                  <a:srgbClr val="003E82"/>
+                </a:solidFill>
+                <a:latin typeface="Arial" charset="0"/>
+                <a:ea typeface="Arial" charset="0"/>
+                <a:cs typeface="Arial" charset="0"/>
+              </a:rPr>
+              <a:t>(Дата обращения: 18.10.2017</a:t>
+            </a:r>
+            <a:r>
+              <a:rPr lang="ru-RU" sz="1200" dirty="0" smtClean="0">
+                <a:solidFill>
+                  <a:srgbClr val="003E82"/>
+                </a:solidFill>
+                <a:latin typeface="Arial" charset="0"/>
+                <a:ea typeface="Arial" charset="0"/>
+                <a:cs typeface="Arial" charset="0"/>
+              </a:rPr>
+              <a:t>).</a:t>
+            </a:r>
+          </a:p>
+          <a:p>
+            <a:pPr marL="342900" indent="-342900" algn="just">
+              <a:buFont typeface="+mj-lt"/>
+              <a:buAutoNum type="arabicPeriod"/>
+            </a:pPr>
+            <a:r>
+              <a:rPr lang="ru-RU" sz="1200" dirty="0" err="1">
+                <a:solidFill>
+                  <a:srgbClr val="003E82"/>
+                </a:solidFill>
+                <a:latin typeface="Arial" charset="0"/>
+                <a:ea typeface="Arial" charset="0"/>
+                <a:cs typeface="Arial" charset="0"/>
+              </a:rPr>
+              <a:t>Филлипс</a:t>
+            </a:r>
+            <a:r>
+              <a:rPr lang="ru-RU" sz="1200" dirty="0">
+                <a:solidFill>
+                  <a:srgbClr val="003E82"/>
+                </a:solidFill>
+                <a:latin typeface="Arial" charset="0"/>
+                <a:ea typeface="Arial" charset="0"/>
+                <a:cs typeface="Arial" charset="0"/>
+              </a:rPr>
+              <a:t> Б., Стюарт К., </a:t>
+            </a:r>
+            <a:r>
+              <a:rPr lang="ru-RU" sz="1200" dirty="0" err="1">
+                <a:solidFill>
+                  <a:srgbClr val="003E82"/>
+                </a:solidFill>
+                <a:latin typeface="Arial" charset="0"/>
+                <a:ea typeface="Arial" charset="0"/>
+                <a:cs typeface="Arial" charset="0"/>
+              </a:rPr>
+              <a:t>Марсикано</a:t>
+            </a:r>
+            <a:r>
+              <a:rPr lang="ru-RU" sz="1200" dirty="0">
+                <a:solidFill>
+                  <a:srgbClr val="003E82"/>
+                </a:solidFill>
+                <a:latin typeface="Arial" charset="0"/>
+                <a:ea typeface="Arial" charset="0"/>
+                <a:cs typeface="Arial" charset="0"/>
+              </a:rPr>
+              <a:t> К. Android. Программирование для профессионалов. 3-е издание. — СПб.: Питер, 2017. — 688 с.</a:t>
+            </a:r>
+          </a:p>
+          <a:p>
+            <a:pPr marL="342900" indent="-342900" algn="just">
+              <a:buFont typeface="+mj-lt"/>
+              <a:buAutoNum type="arabicPeriod"/>
+            </a:pPr>
+            <a:r>
+              <a:rPr lang="en-US" sz="1200" dirty="0">
+                <a:solidFill>
+                  <a:srgbClr val="003E82"/>
+                </a:solidFill>
+                <a:latin typeface="Arial" charset="0"/>
+                <a:ea typeface="Arial" charset="0"/>
+                <a:cs typeface="Arial" charset="0"/>
+              </a:rPr>
+              <a:t>Bloch. J. Effective Java: Programming Language Guide. — UK.: Addison-Wesley, 2001. — 272 </a:t>
+            </a:r>
+            <a:r>
+              <a:rPr lang="ru-RU" sz="1200" dirty="0">
+                <a:solidFill>
+                  <a:srgbClr val="003E82"/>
+                </a:solidFill>
+                <a:latin typeface="Arial" charset="0"/>
+                <a:ea typeface="Arial" charset="0"/>
+                <a:cs typeface="Arial" charset="0"/>
+              </a:rPr>
+              <a:t>с</a:t>
+            </a:r>
+            <a:r>
+              <a:rPr lang="en-US" sz="1200" dirty="0" smtClean="0">
+                <a:solidFill>
+                  <a:srgbClr val="003E82"/>
+                </a:solidFill>
+                <a:latin typeface="Arial" charset="0"/>
+                <a:ea typeface="Arial" charset="0"/>
+                <a:cs typeface="Arial" charset="0"/>
+              </a:rPr>
+              <a:t>.</a:t>
+            </a:r>
+            <a:endParaRPr lang="ru-RU" sz="1200" dirty="0">
+              <a:solidFill>
+                <a:srgbClr val="003E82"/>
+              </a:solidFill>
+              <a:latin typeface="Arial" charset="0"/>
+              <a:ea typeface="Arial" charset="0"/>
+              <a:cs typeface="Arial" charset="0"/>
+            </a:endParaRPr>
+          </a:p>
+          <a:p>
+            <a:pPr marL="342900" lvl="0" indent="-342900" algn="just">
+              <a:buFont typeface="+mj-lt"/>
+              <a:buAutoNum type="arabicPeriod"/>
+            </a:pPr>
+            <a:r>
+              <a:rPr lang="en-US" sz="1200" dirty="0">
+                <a:solidFill>
+                  <a:srgbClr val="003E82"/>
+                </a:solidFill>
+                <a:latin typeface="Arial" charset="0"/>
+                <a:ea typeface="Arial" charset="0"/>
+                <a:cs typeface="Arial" charset="0"/>
+              </a:rPr>
+              <a:t>Google Android Guidelines: [</a:t>
+            </a:r>
+            <a:r>
+              <a:rPr lang="ru-RU" sz="1200" dirty="0">
+                <a:solidFill>
+                  <a:srgbClr val="003E82"/>
+                </a:solidFill>
+                <a:latin typeface="Arial" charset="0"/>
+                <a:ea typeface="Arial" charset="0"/>
+                <a:cs typeface="Arial" charset="0"/>
+              </a:rPr>
+              <a:t>Электронный ресурс</a:t>
+            </a:r>
+            <a:r>
+              <a:rPr lang="en-US" sz="1200" dirty="0">
+                <a:solidFill>
+                  <a:srgbClr val="003E82"/>
+                </a:solidFill>
+                <a:latin typeface="Arial" charset="0"/>
+                <a:ea typeface="Arial" charset="0"/>
+                <a:cs typeface="Arial" charset="0"/>
+              </a:rPr>
+              <a:t>]. </a:t>
+            </a:r>
+            <a:r>
+              <a:rPr lang="en-US" sz="1200" dirty="0" err="1">
+                <a:solidFill>
+                  <a:srgbClr val="003E82"/>
+                </a:solidFill>
+                <a:latin typeface="Arial" charset="0"/>
+                <a:ea typeface="Arial" charset="0"/>
+                <a:cs typeface="Arial" charset="0"/>
+              </a:rPr>
+              <a:t>М</a:t>
+            </a:r>
+            <a:r>
+              <a:rPr lang="en-US" sz="1200" dirty="0">
+                <a:solidFill>
+                  <a:srgbClr val="003E82"/>
+                </a:solidFill>
+                <a:latin typeface="Arial" charset="0"/>
+                <a:ea typeface="Arial" charset="0"/>
+                <a:cs typeface="Arial" charset="0"/>
+              </a:rPr>
+              <a:t>., 2009-2017. URL</a:t>
+            </a:r>
+            <a:r>
+              <a:rPr lang="ru-RU" sz="1200" dirty="0">
+                <a:solidFill>
+                  <a:srgbClr val="003E82"/>
+                </a:solidFill>
+                <a:latin typeface="Arial" charset="0"/>
+                <a:ea typeface="Arial" charset="0"/>
+                <a:cs typeface="Arial" charset="0"/>
+              </a:rPr>
+              <a:t>: </a:t>
+            </a:r>
+            <a:r>
+              <a:rPr lang="en-US" sz="1200" dirty="0">
+                <a:solidFill>
+                  <a:srgbClr val="003E82"/>
+                </a:solidFill>
+                <a:latin typeface="Arial" charset="0"/>
+                <a:ea typeface="Arial" charset="0"/>
+                <a:cs typeface="Arial" charset="0"/>
+              </a:rPr>
+              <a:t>https</a:t>
+            </a:r>
+            <a:r>
+              <a:rPr lang="ru-RU" sz="1200" dirty="0">
+                <a:solidFill>
+                  <a:srgbClr val="003E82"/>
+                </a:solidFill>
+                <a:latin typeface="Arial" charset="0"/>
+                <a:ea typeface="Arial" charset="0"/>
+                <a:cs typeface="Arial" charset="0"/>
+              </a:rPr>
+              <a:t>://</a:t>
+            </a:r>
+            <a:r>
+              <a:rPr lang="en-US" sz="1200" dirty="0">
+                <a:solidFill>
+                  <a:srgbClr val="003E82"/>
+                </a:solidFill>
+                <a:latin typeface="Arial" charset="0"/>
+                <a:ea typeface="Arial" charset="0"/>
+                <a:cs typeface="Arial" charset="0"/>
+              </a:rPr>
+              <a:t>developer</a:t>
+            </a:r>
+            <a:r>
+              <a:rPr lang="ru-RU" sz="1200" dirty="0">
+                <a:solidFill>
+                  <a:srgbClr val="003E82"/>
+                </a:solidFill>
+                <a:latin typeface="Arial" charset="0"/>
+                <a:ea typeface="Arial" charset="0"/>
+                <a:cs typeface="Arial" charset="0"/>
+              </a:rPr>
+              <a:t>.</a:t>
+            </a:r>
+            <a:r>
+              <a:rPr lang="en-US" sz="1200" dirty="0">
+                <a:solidFill>
+                  <a:srgbClr val="003E82"/>
+                </a:solidFill>
+                <a:latin typeface="Arial" charset="0"/>
+                <a:ea typeface="Arial" charset="0"/>
+                <a:cs typeface="Arial" charset="0"/>
+              </a:rPr>
+              <a:t>android</a:t>
+            </a:r>
+            <a:r>
+              <a:rPr lang="ru-RU" sz="1200" dirty="0">
+                <a:solidFill>
+                  <a:srgbClr val="003E82"/>
+                </a:solidFill>
+                <a:latin typeface="Arial" charset="0"/>
+                <a:ea typeface="Arial" charset="0"/>
+                <a:cs typeface="Arial" charset="0"/>
+              </a:rPr>
+              <a:t>.</a:t>
+            </a:r>
+            <a:r>
+              <a:rPr lang="en-US" sz="1200" dirty="0">
+                <a:solidFill>
+                  <a:srgbClr val="003E82"/>
+                </a:solidFill>
+                <a:latin typeface="Arial" charset="0"/>
+                <a:ea typeface="Arial" charset="0"/>
+                <a:cs typeface="Arial" charset="0"/>
+              </a:rPr>
+              <a:t>com</a:t>
+            </a:r>
+            <a:r>
+              <a:rPr lang="ru-RU" sz="1200" dirty="0">
+                <a:solidFill>
+                  <a:srgbClr val="003E82"/>
+                </a:solidFill>
+                <a:latin typeface="Arial" charset="0"/>
+                <a:ea typeface="Arial" charset="0"/>
+                <a:cs typeface="Arial" charset="0"/>
+              </a:rPr>
+              <a:t>/</a:t>
+            </a:r>
+            <a:r>
+              <a:rPr lang="en-US" sz="1200" dirty="0">
+                <a:solidFill>
+                  <a:srgbClr val="003E82"/>
+                </a:solidFill>
+                <a:latin typeface="Arial" charset="0"/>
+                <a:ea typeface="Arial" charset="0"/>
+                <a:cs typeface="Arial" charset="0"/>
+              </a:rPr>
+              <a:t>design</a:t>
+            </a:r>
+            <a:r>
+              <a:rPr lang="ru-RU" sz="1200" dirty="0">
+                <a:solidFill>
+                  <a:srgbClr val="003E82"/>
+                </a:solidFill>
+                <a:latin typeface="Arial" charset="0"/>
+                <a:ea typeface="Arial" charset="0"/>
+                <a:cs typeface="Arial" charset="0"/>
+              </a:rPr>
+              <a:t>/</a:t>
+            </a:r>
+            <a:r>
+              <a:rPr lang="en-US" sz="1200" dirty="0">
+                <a:solidFill>
+                  <a:srgbClr val="003E82"/>
+                </a:solidFill>
+                <a:latin typeface="Arial" charset="0"/>
+                <a:ea typeface="Arial" charset="0"/>
+                <a:cs typeface="Arial" charset="0"/>
+              </a:rPr>
+              <a:t>index</a:t>
+            </a:r>
+            <a:r>
+              <a:rPr lang="ru-RU" sz="1200" dirty="0">
+                <a:solidFill>
+                  <a:srgbClr val="003E82"/>
+                </a:solidFill>
+                <a:latin typeface="Arial" charset="0"/>
+                <a:ea typeface="Arial" charset="0"/>
+                <a:cs typeface="Arial" charset="0"/>
+              </a:rPr>
+              <a:t>.</a:t>
+            </a:r>
+            <a:r>
+              <a:rPr lang="en-US" sz="1200" dirty="0">
+                <a:solidFill>
+                  <a:srgbClr val="003E82"/>
+                </a:solidFill>
+                <a:latin typeface="Arial" charset="0"/>
+                <a:ea typeface="Arial" charset="0"/>
+                <a:cs typeface="Arial" charset="0"/>
+              </a:rPr>
+              <a:t>html</a:t>
+            </a:r>
+            <a:r>
+              <a:rPr lang="ru-RU" sz="1200" dirty="0">
+                <a:solidFill>
+                  <a:srgbClr val="003E82"/>
+                </a:solidFill>
+                <a:latin typeface="Arial" charset="0"/>
+                <a:ea typeface="Arial" charset="0"/>
+                <a:cs typeface="Arial" charset="0"/>
+              </a:rPr>
+              <a:t>. (Дата обращения: 18.10.2017</a:t>
+            </a:r>
+            <a:r>
+              <a:rPr lang="ru-RU" sz="1200" dirty="0" smtClean="0">
+                <a:solidFill>
+                  <a:srgbClr val="003E82"/>
+                </a:solidFill>
+                <a:latin typeface="Arial" charset="0"/>
+                <a:ea typeface="Arial" charset="0"/>
+                <a:cs typeface="Arial" charset="0"/>
+              </a:rPr>
+              <a:t>).</a:t>
+            </a:r>
+          </a:p>
+          <a:p>
+            <a:pPr marL="342900" lvl="0" indent="-342900" algn="just">
+              <a:buFont typeface="+mj-lt"/>
+              <a:buAutoNum type="arabicPeriod"/>
+            </a:pPr>
+            <a:r>
+              <a:rPr lang="en-US" sz="1200" dirty="0">
+                <a:solidFill>
+                  <a:srgbClr val="003E82"/>
+                </a:solidFill>
+                <a:latin typeface="Arial" charset="0"/>
+                <a:ea typeface="Arial" charset="0"/>
+                <a:cs typeface="Arial" charset="0"/>
+              </a:rPr>
+              <a:t>Jason W. Android </a:t>
+            </a:r>
+            <a:r>
+              <a:rPr lang="ru-RU" sz="1200" dirty="0" err="1">
+                <a:solidFill>
+                  <a:srgbClr val="003E82"/>
+                </a:solidFill>
+                <a:latin typeface="Arial" charset="0"/>
+                <a:ea typeface="Arial" charset="0"/>
+                <a:cs typeface="Arial" charset="0"/>
+              </a:rPr>
+              <a:t>Database</a:t>
+            </a:r>
+            <a:r>
+              <a:rPr lang="ru-RU" sz="1200" dirty="0">
+                <a:solidFill>
+                  <a:srgbClr val="003E82"/>
+                </a:solidFill>
+                <a:latin typeface="Arial" charset="0"/>
+                <a:ea typeface="Arial" charset="0"/>
+                <a:cs typeface="Arial" charset="0"/>
+              </a:rPr>
+              <a:t> </a:t>
+            </a:r>
+            <a:r>
+              <a:rPr lang="ru-RU" sz="1200" dirty="0" err="1">
+                <a:solidFill>
+                  <a:srgbClr val="003E82"/>
+                </a:solidFill>
+                <a:latin typeface="Arial" charset="0"/>
+                <a:ea typeface="Arial" charset="0"/>
+                <a:cs typeface="Arial" charset="0"/>
+              </a:rPr>
+              <a:t>Programming</a:t>
+            </a:r>
+            <a:r>
+              <a:rPr lang="ru-RU" sz="1200" dirty="0">
+                <a:solidFill>
+                  <a:srgbClr val="003E82"/>
+                </a:solidFill>
+                <a:latin typeface="Arial" charset="0"/>
+                <a:ea typeface="Arial" charset="0"/>
+                <a:cs typeface="Arial" charset="0"/>
+              </a:rPr>
+              <a:t>. — UK.: </a:t>
+            </a:r>
+            <a:r>
+              <a:rPr lang="ru-RU" sz="1200" dirty="0" err="1">
+                <a:solidFill>
+                  <a:srgbClr val="003E82"/>
+                </a:solidFill>
+                <a:latin typeface="Arial" charset="0"/>
+                <a:ea typeface="Arial" charset="0"/>
+                <a:cs typeface="Arial" charset="0"/>
+              </a:rPr>
+              <a:t>Packt</a:t>
+            </a:r>
+            <a:r>
+              <a:rPr lang="ru-RU" sz="1200" dirty="0">
+                <a:solidFill>
+                  <a:srgbClr val="003E82"/>
+                </a:solidFill>
+                <a:latin typeface="Arial" charset="0"/>
+                <a:ea typeface="Arial" charset="0"/>
+                <a:cs typeface="Arial" charset="0"/>
+              </a:rPr>
+              <a:t>, 2017. — 212 с</a:t>
+            </a:r>
+            <a:r>
+              <a:rPr lang="ru-RU" sz="1200" dirty="0" smtClean="0">
+                <a:solidFill>
+                  <a:srgbClr val="003E82"/>
+                </a:solidFill>
+                <a:latin typeface="Arial" charset="0"/>
+                <a:ea typeface="Arial" charset="0"/>
+                <a:cs typeface="Arial" charset="0"/>
+              </a:rPr>
+              <a:t>.</a:t>
+            </a:r>
+            <a:endParaRPr lang="ru-RU" sz="1200" dirty="0">
+              <a:solidFill>
+                <a:srgbClr val="003E82"/>
+              </a:solidFill>
+              <a:latin typeface="Arial" charset="0"/>
+              <a:ea typeface="Arial" charset="0"/>
+              <a:cs typeface="Arial" charset="0"/>
+            </a:endParaRPr>
+          </a:p>
+          <a:p>
+            <a:pPr marL="342900" indent="-342900" algn="just">
+              <a:buFont typeface="+mj-lt"/>
+              <a:buAutoNum type="arabicPeriod"/>
+            </a:pPr>
+            <a:r>
+              <a:rPr lang="en-US" sz="1200" dirty="0" err="1">
+                <a:solidFill>
+                  <a:srgbClr val="003E82"/>
+                </a:solidFill>
+                <a:latin typeface="Arial" charset="0"/>
+                <a:ea typeface="Arial" charset="0"/>
+                <a:cs typeface="Arial" charset="0"/>
+              </a:rPr>
+              <a:t>Schildt</a:t>
+            </a:r>
+            <a:r>
+              <a:rPr lang="en-US" sz="1200" dirty="0">
+                <a:solidFill>
+                  <a:srgbClr val="003E82"/>
+                </a:solidFill>
+                <a:latin typeface="Arial" charset="0"/>
+                <a:ea typeface="Arial" charset="0"/>
+                <a:cs typeface="Arial" charset="0"/>
+              </a:rPr>
+              <a:t> H. Java: The Complete Reference, Ninth Edition. — UK.: Oracle Press, 2017. — 1376 </a:t>
+            </a:r>
+            <a:r>
+              <a:rPr lang="ru-RU" sz="1200" dirty="0">
+                <a:solidFill>
+                  <a:srgbClr val="003E82"/>
+                </a:solidFill>
+                <a:latin typeface="Arial" charset="0"/>
+                <a:ea typeface="Arial" charset="0"/>
+                <a:cs typeface="Arial" charset="0"/>
+              </a:rPr>
+              <a:t>с</a:t>
+            </a:r>
+            <a:r>
+              <a:rPr lang="en-US" sz="1200" dirty="0" smtClean="0">
+                <a:solidFill>
+                  <a:srgbClr val="003E82"/>
+                </a:solidFill>
+                <a:latin typeface="Arial" charset="0"/>
+                <a:ea typeface="Arial" charset="0"/>
+                <a:cs typeface="Arial" charset="0"/>
+              </a:rPr>
+              <a:t>.</a:t>
+            </a:r>
+            <a:endParaRPr lang="ru-RU" sz="1200" dirty="0">
+              <a:solidFill>
+                <a:srgbClr val="003E82"/>
+              </a:solidFill>
+              <a:latin typeface="Arial" charset="0"/>
+              <a:ea typeface="Arial" charset="0"/>
+              <a:cs typeface="Arial" charset="0"/>
+            </a:endParaRPr>
+          </a:p>
+          <a:p>
+            <a:pPr marL="342900" lvl="0" indent="-342900" algn="just">
+              <a:buFont typeface="+mj-lt"/>
+              <a:buAutoNum type="arabicPeriod"/>
+            </a:pPr>
+            <a:r>
+              <a:rPr lang="ru-RU" sz="1200" dirty="0" err="1">
+                <a:solidFill>
+                  <a:srgbClr val="003E82"/>
+                </a:solidFill>
+                <a:latin typeface="Arial" charset="0"/>
+                <a:ea typeface="Arial" charset="0"/>
+                <a:cs typeface="Arial" charset="0"/>
+              </a:rPr>
+              <a:t>The</a:t>
+            </a:r>
+            <a:r>
+              <a:rPr lang="ru-RU" sz="1200" dirty="0">
+                <a:solidFill>
+                  <a:srgbClr val="003E82"/>
+                </a:solidFill>
+                <a:latin typeface="Arial" charset="0"/>
+                <a:ea typeface="Arial" charset="0"/>
+                <a:cs typeface="Arial" charset="0"/>
+              </a:rPr>
+              <a:t> </a:t>
+            </a:r>
+            <a:r>
+              <a:rPr lang="ru-RU" sz="1200" dirty="0" err="1">
+                <a:solidFill>
+                  <a:srgbClr val="003E82"/>
+                </a:solidFill>
+                <a:latin typeface="Arial" charset="0"/>
+                <a:ea typeface="Arial" charset="0"/>
+                <a:cs typeface="Arial" charset="0"/>
+              </a:rPr>
+              <a:t>Busy</a:t>
+            </a:r>
+            <a:r>
+              <a:rPr lang="ru-RU" sz="1200" dirty="0">
+                <a:solidFill>
+                  <a:srgbClr val="003E82"/>
+                </a:solidFill>
+                <a:latin typeface="Arial" charset="0"/>
+                <a:ea typeface="Arial" charset="0"/>
+                <a:cs typeface="Arial" charset="0"/>
+              </a:rPr>
+              <a:t> </a:t>
+            </a:r>
+            <a:r>
+              <a:rPr lang="ru-RU" sz="1200" dirty="0" err="1">
+                <a:solidFill>
+                  <a:srgbClr val="003E82"/>
+                </a:solidFill>
+                <a:latin typeface="Arial" charset="0"/>
+                <a:ea typeface="Arial" charset="0"/>
+                <a:cs typeface="Arial" charset="0"/>
+              </a:rPr>
+              <a:t>Coder's</a:t>
+            </a:r>
+            <a:r>
+              <a:rPr lang="ru-RU" sz="1200" dirty="0">
+                <a:solidFill>
+                  <a:srgbClr val="003E82"/>
+                </a:solidFill>
+                <a:latin typeface="Arial" charset="0"/>
+                <a:ea typeface="Arial" charset="0"/>
+                <a:cs typeface="Arial" charset="0"/>
+              </a:rPr>
+              <a:t> </a:t>
+            </a:r>
+            <a:r>
+              <a:rPr lang="ru-RU" sz="1200" dirty="0" err="1">
+                <a:solidFill>
+                  <a:srgbClr val="003E82"/>
+                </a:solidFill>
+                <a:latin typeface="Arial" charset="0"/>
+                <a:ea typeface="Arial" charset="0"/>
+                <a:cs typeface="Arial" charset="0"/>
+              </a:rPr>
+              <a:t>Guide</a:t>
+            </a:r>
+            <a:r>
+              <a:rPr lang="ru-RU" sz="1200" dirty="0">
+                <a:solidFill>
+                  <a:srgbClr val="003E82"/>
+                </a:solidFill>
+                <a:latin typeface="Arial" charset="0"/>
+                <a:ea typeface="Arial" charset="0"/>
+                <a:cs typeface="Arial" charset="0"/>
+              </a:rPr>
+              <a:t> </a:t>
+            </a:r>
+            <a:r>
+              <a:rPr lang="ru-RU" sz="1200" dirty="0" err="1">
+                <a:solidFill>
+                  <a:srgbClr val="003E82"/>
+                </a:solidFill>
+                <a:latin typeface="Arial" charset="0"/>
+                <a:ea typeface="Arial" charset="0"/>
+                <a:cs typeface="Arial" charset="0"/>
+              </a:rPr>
+              <a:t>to</a:t>
+            </a:r>
+            <a:r>
+              <a:rPr lang="ru-RU" sz="1200" dirty="0">
+                <a:solidFill>
+                  <a:srgbClr val="003E82"/>
+                </a:solidFill>
+                <a:latin typeface="Arial" charset="0"/>
+                <a:ea typeface="Arial" charset="0"/>
+                <a:cs typeface="Arial" charset="0"/>
+              </a:rPr>
+              <a:t> Android </a:t>
+            </a:r>
+            <a:r>
+              <a:rPr lang="ru-RU" sz="1200" dirty="0" err="1">
+                <a:solidFill>
+                  <a:srgbClr val="003E82"/>
+                </a:solidFill>
+                <a:latin typeface="Arial" charset="0"/>
+                <a:ea typeface="Arial" charset="0"/>
+                <a:cs typeface="Arial" charset="0"/>
+              </a:rPr>
+              <a:t>Development</a:t>
+            </a:r>
+            <a:r>
+              <a:rPr lang="ru-RU" sz="1200" dirty="0">
+                <a:solidFill>
+                  <a:srgbClr val="003E82"/>
+                </a:solidFill>
+                <a:latin typeface="Arial" charset="0"/>
+                <a:ea typeface="Arial" charset="0"/>
+                <a:cs typeface="Arial" charset="0"/>
+              </a:rPr>
+              <a:t>: [Электронный ресурс]. М., 2011-2017. URL: </a:t>
+            </a:r>
+            <a:r>
+              <a:rPr lang="ru-RU" sz="1200" dirty="0" err="1">
+                <a:solidFill>
+                  <a:srgbClr val="003E82"/>
+                </a:solidFill>
+                <a:latin typeface="Arial" charset="0"/>
+                <a:ea typeface="Arial" charset="0"/>
+                <a:cs typeface="Arial" charset="0"/>
+              </a:rPr>
+              <a:t>https</a:t>
+            </a:r>
+            <a:r>
+              <a:rPr lang="ru-RU" sz="1200" dirty="0">
+                <a:solidFill>
+                  <a:srgbClr val="003E82"/>
+                </a:solidFill>
+                <a:latin typeface="Arial" charset="0"/>
+                <a:ea typeface="Arial" charset="0"/>
+                <a:cs typeface="Arial" charset="0"/>
+              </a:rPr>
+              <a:t>://</a:t>
+            </a:r>
+            <a:r>
+              <a:rPr lang="ru-RU" sz="1200" dirty="0" err="1">
+                <a:solidFill>
+                  <a:srgbClr val="003E82"/>
+                </a:solidFill>
+                <a:latin typeface="Arial" charset="0"/>
+                <a:ea typeface="Arial" charset="0"/>
+                <a:cs typeface="Arial" charset="0"/>
+              </a:rPr>
+              <a:t>commonsware.com</a:t>
+            </a:r>
+            <a:r>
+              <a:rPr lang="ru-RU" sz="1200" dirty="0">
+                <a:solidFill>
+                  <a:srgbClr val="003E82"/>
+                </a:solidFill>
+                <a:latin typeface="Arial" charset="0"/>
+                <a:ea typeface="Arial" charset="0"/>
+                <a:cs typeface="Arial" charset="0"/>
+              </a:rPr>
+              <a:t>/Android/. (Дата обращения: 18.10.2017).</a:t>
+            </a:r>
+          </a:p>
+          <a:p>
+            <a:pPr marL="342900" lvl="0" indent="-342900" algn="just">
+              <a:buFont typeface="+mj-lt"/>
+              <a:buAutoNum type="arabicPeriod"/>
+            </a:pPr>
+            <a:r>
+              <a:rPr lang="en-US" sz="1200" dirty="0" err="1" smtClean="0">
+                <a:solidFill>
+                  <a:srgbClr val="003E82"/>
+                </a:solidFill>
+                <a:latin typeface="Arial" charset="0"/>
+                <a:ea typeface="Arial" charset="0"/>
+                <a:cs typeface="Arial" charset="0"/>
+              </a:rPr>
+              <a:t>Urma</a:t>
+            </a:r>
+            <a:r>
+              <a:rPr lang="en-US" sz="1200" dirty="0" smtClean="0">
+                <a:solidFill>
+                  <a:srgbClr val="003E82"/>
+                </a:solidFill>
+                <a:latin typeface="Arial" charset="0"/>
+                <a:ea typeface="Arial" charset="0"/>
+                <a:cs typeface="Arial" charset="0"/>
+              </a:rPr>
+              <a:t> </a:t>
+            </a:r>
+            <a:r>
+              <a:rPr lang="en-US" sz="1200" dirty="0">
+                <a:solidFill>
+                  <a:srgbClr val="003E82"/>
+                </a:solidFill>
+                <a:latin typeface="Arial" charset="0"/>
+                <a:ea typeface="Arial" charset="0"/>
+                <a:cs typeface="Arial" charset="0"/>
+              </a:rPr>
+              <a:t>R., Fusco M., Mycroft A. Java 8 &amp; 9 in Action, Second Edition. — UK.: Manning, 2017. — 550 </a:t>
+            </a:r>
+            <a:r>
+              <a:rPr lang="ru-RU" sz="1200" dirty="0">
+                <a:solidFill>
+                  <a:srgbClr val="003E82"/>
+                </a:solidFill>
+                <a:latin typeface="Arial" charset="0"/>
+                <a:ea typeface="Arial" charset="0"/>
+                <a:cs typeface="Arial" charset="0"/>
+              </a:rPr>
+              <a:t>с</a:t>
+            </a:r>
+            <a:r>
+              <a:rPr lang="en-US" sz="1200" dirty="0">
+                <a:solidFill>
+                  <a:srgbClr val="003E82"/>
+                </a:solidFill>
+                <a:latin typeface="Arial" charset="0"/>
+                <a:ea typeface="Arial" charset="0"/>
+                <a:cs typeface="Arial" charset="0"/>
+              </a:rPr>
+              <a:t>.</a:t>
+            </a:r>
+            <a:endParaRPr lang="ru-RU" sz="1200" dirty="0">
+              <a:solidFill>
+                <a:srgbClr val="003E82"/>
+              </a:solidFill>
+              <a:latin typeface="Arial" charset="0"/>
+              <a:ea typeface="Arial" charset="0"/>
+              <a:cs typeface="Arial" charset="0"/>
+            </a:endParaRPr>
+          </a:p>
+          <a:p>
+            <a:pPr marL="342900" indent="-342900" algn="just">
+              <a:lnSpc>
+                <a:spcPct val="100000"/>
+              </a:lnSpc>
+              <a:spcBef>
+                <a:spcPts val="5"/>
+              </a:spcBef>
+              <a:buFont typeface="+mj-lt"/>
+              <a:buAutoNum type="arabicPeriod"/>
+            </a:pPr>
+            <a:endParaRPr sz="1250" dirty="0">
+              <a:solidFill>
+                <a:srgbClr val="0070C0"/>
+              </a:solidFill>
+              <a:latin typeface="Times New Roman"/>
+              <a:cs typeface="Times New Roman"/>
+            </a:endParaRPr>
+          </a:p>
+        </p:txBody>
+      </p:sp>
+      <p:sp>
+        <p:nvSpPr>
+          <p:cNvPr id="6" name="object 11"/>
+          <p:cNvSpPr txBox="1">
+            <a:spLocks noGrp="1"/>
+          </p:cNvSpPr>
+          <p:nvPr>
+            <p:ph type="ftr" sz="quarter" idx="5"/>
+          </p:nvPr>
+        </p:nvSpPr>
+        <p:spPr>
+          <a:xfrm>
+            <a:off x="334467" y="6456293"/>
+            <a:ext cx="1951355" cy="126317"/>
+          </a:xfrm>
+          <a:prstGeom prst="rect">
+            <a:avLst/>
+          </a:prstGeom>
+        </p:spPr>
+        <p:txBody>
+          <a:bodyPr vert="horz" wrap="square" lIns="0" tIns="3175" rIns="0" bIns="0" rtlCol="0">
+            <a:spAutoFit/>
+          </a:bodyPr>
+          <a:lstStyle/>
+          <a:p>
+            <a:pPr marL="12700">
+              <a:lnSpc>
+                <a:spcPct val="100000"/>
+              </a:lnSpc>
+              <a:spcBef>
+                <a:spcPts val="25"/>
+              </a:spcBef>
+            </a:pPr>
+            <a:r>
+              <a:rPr dirty="0"/>
+              <a:t>Высшая </a:t>
+            </a:r>
+            <a:r>
+              <a:rPr spc="-5" dirty="0"/>
+              <a:t>школа экономики, Москва,</a:t>
+            </a:r>
+            <a:r>
+              <a:rPr spc="10" dirty="0"/>
+              <a:t> </a:t>
+            </a:r>
+            <a:r>
+              <a:rPr spc="-5" dirty="0" smtClean="0"/>
+              <a:t>201</a:t>
+            </a:r>
+            <a:r>
+              <a:rPr lang="ru-RU" spc="-5" dirty="0" smtClean="0"/>
+              <a:t>7</a:t>
+            </a:r>
+            <a:endParaRPr spc="-5" dirty="0"/>
+          </a:p>
+        </p:txBody>
+      </p:sp>
+    </p:spTree>
+    <p:extLst>
+      <p:ext uri="{BB962C8B-B14F-4D97-AF65-F5344CB8AC3E}">
+        <p14:creationId xmlns:p14="http://schemas.microsoft.com/office/powerpoint/2010/main" val="857290689"/>
+      </p:ext>
+    </p:extLst>
+  </p:cSld>
+  <p:clrMapOvr>
+    <a:masterClrMapping/>
+  </p:clrMapOvr>
+</p:sld>
+</file>
+
+<file path=ppt/slides/slide11.xml><?xml version="1.0" encoding="utf-8"?>
 <p:sld xmlns:a="http://schemas.openxmlformats.org/drawingml/2006/main" xmlns:r="http://schemas.openxmlformats.org/officeDocument/2006/relationships" xmlns:p="http://schemas.openxmlformats.org/presentationml/2006/main" showMasterSp="0">
   <p:cSld>
     <p:spTree>
@@ -3252,6 +6346,13 @@
   <p:clrMapOvr>
     <a:masterClrMapping/>
   </p:clrMapOvr>
+  <p:timing>
+    <p:tnLst>
+      <p:par>
+        <p:cTn id="1" dur="indefinite" restart="never" nodeType="tmRoot"/>
+      </p:par>
+    </p:tnLst>
+  </p:timing>
 </p:sld>
 </file>
 
@@ -6832,6 +9933,111 @@
           <a:chExt cx="0" cy="0"/>
         </a:xfrm>
       </p:grpSpPr>
+      <p:pic>
+        <p:nvPicPr>
+          <p:cNvPr id="4" name="Рисунок 3"/>
+          <p:cNvPicPr>
+            <a:picLocks noChangeAspect="1"/>
+          </p:cNvPicPr>
+          <p:nvPr/>
+        </p:nvPicPr>
+        <p:blipFill>
+          <a:blip r:embed="rId2">
+            <a:extLst>
+              <a:ext uri="{28A0092B-C50C-407E-A947-70E740481C1C}">
+                <a14:useLocalDpi xmlns:a14="http://schemas.microsoft.com/office/drawing/2010/main" val="0"/>
+              </a:ext>
+            </a:extLst>
+          </a:blip>
+          <a:stretch>
+            <a:fillRect/>
+          </a:stretch>
+        </p:blipFill>
+        <p:spPr>
+          <a:xfrm>
+            <a:off x="1600200" y="1676400"/>
+            <a:ext cx="5798184" cy="4495800"/>
+          </a:xfrm>
+          <a:prstGeom prst="rect">
+            <a:avLst/>
+          </a:prstGeom>
+        </p:spPr>
+      </p:pic>
+      <p:sp>
+        <p:nvSpPr>
+          <p:cNvPr id="5" name="object 2"/>
+          <p:cNvSpPr txBox="1">
+            <a:spLocks noGrp="1"/>
+          </p:cNvSpPr>
+          <p:nvPr>
+            <p:ph type="title"/>
+          </p:nvPr>
+        </p:nvSpPr>
+        <p:spPr>
+          <a:xfrm>
+            <a:off x="1507616" y="386333"/>
+            <a:ext cx="4190365" cy="330835"/>
+          </a:xfrm>
+          <a:prstGeom prst="rect">
+            <a:avLst/>
+          </a:prstGeom>
+        </p:spPr>
+        <p:txBody>
+          <a:bodyPr vert="horz" wrap="square" lIns="0" tIns="13335" rIns="0" bIns="0" rtlCol="0">
+            <a:spAutoFit/>
+          </a:bodyPr>
+          <a:lstStyle/>
+          <a:p>
+            <a:pPr marL="12700">
+              <a:lnSpc>
+                <a:spcPct val="100000"/>
+              </a:lnSpc>
+              <a:spcBef>
+                <a:spcPts val="105"/>
+              </a:spcBef>
+            </a:pPr>
+            <a:r>
+              <a:rPr lang="ru-RU" sz="2000" spc="-5" dirty="0" smtClean="0">
+                <a:solidFill>
+                  <a:srgbClr val="FFFFFF"/>
+                </a:solidFill>
+              </a:rPr>
+              <a:t>База данных</a:t>
+            </a:r>
+            <a:endParaRPr sz="2000" dirty="0"/>
+          </a:p>
+        </p:txBody>
+      </p:sp>
+    </p:spTree>
+    <p:extLst>
+      <p:ext uri="{BB962C8B-B14F-4D97-AF65-F5344CB8AC3E}">
+        <p14:creationId xmlns:p14="http://schemas.microsoft.com/office/powerpoint/2010/main" val="342390242"/>
+      </p:ext>
+    </p:extLst>
+  </p:cSld>
+  <p:clrMapOvr>
+    <a:masterClrMapping/>
+  </p:clrMapOvr>
+</p:sld>
+</file>
+
+<file path=ppt/slides/slide8.xml><?xml version="1.0" encoding="utf-8"?>
+<p:sld xmlns:a="http://schemas.openxmlformats.org/drawingml/2006/main" xmlns:r="http://schemas.openxmlformats.org/officeDocument/2006/relationships" xmlns:p="http://schemas.openxmlformats.org/presentationml/2006/main">
+  <p:cSld>
+    <p:spTree>
+      <p:nvGrpSpPr>
+        <p:cNvPr id="1" name=""/>
+        <p:cNvGrpSpPr/>
+        <p:nvPr/>
+      </p:nvGrpSpPr>
+      <p:grpSpPr>
+        <a:xfrm>
+          <a:off x="0" y="0"/>
+          <a:ext cx="0" cy="0"/>
+          <a:chOff x="0" y="0"/>
+          <a:chExt cx="0" cy="0"/>
+        </a:xfrm>
+      </p:grpSpPr>
       <p:sp>
         <p:nvSpPr>
           <p:cNvPr id="2" name="object 2"/>
@@ -7682,7 +10888,7 @@
 </p:sld>
 </file>
 
-<file path=ppt/slides/slide8.xml><?xml version="1.0" encoding="utf-8"?>
+<file path=ppt/slides/slide9.xml><?xml version="1.0" encoding="utf-8"?>
 <p:sld xmlns:a="http://schemas.openxmlformats.org/drawingml/2006/main" xmlns:r="http://schemas.openxmlformats.org/officeDocument/2006/relationships" xmlns:p="http://schemas.openxmlformats.org/presentationml/2006/main">
   <p:cSld>
     <p:spTree>
@@ -8295,7 +11501,7 @@
                 <a:latin typeface="Arial"/>
                 <a:cs typeface="Arial"/>
               </a:rPr>
-              <a:t>irebase + SQLite</a:t>
+              <a:t>irebase </a:t>
             </a:r>
             <a:endParaRPr lang="ru-RU" sz="1400" dirty="0" smtClean="0">
               <a:solidFill>
@@ -8324,7 +11530,17 @@
                 <a:latin typeface="Arial"/>
                 <a:cs typeface="Arial"/>
               </a:rPr>
-              <a:t>Получение данных с браслета</a:t>
+              <a:t>Получение </a:t>
+            </a:r>
+            <a:r>
+              <a:rPr lang="ru-RU" sz="1400" dirty="0" smtClean="0">
+                <a:solidFill>
+                  <a:srgbClr val="003E82"/>
+                </a:solidFill>
+                <a:latin typeface="Arial"/>
+                <a:cs typeface="Arial"/>
+              </a:rPr>
+              <a:t>данных с браслета</a:t>
             </a:r>
             <a:r>
               <a:rPr lang="en-US" sz="1400" dirty="0" smtClean="0">
@@ -8579,3008 +11795,6 @@
     <p:extLst>
       <p:ext uri="{BB962C8B-B14F-4D97-AF65-F5344CB8AC3E}">
         <p14:creationId xmlns:p14="http://schemas.microsoft.com/office/powerpoint/2010/main" val="2134010169"/>
-      </p:ext>
-    </p:extLst>
-  </p:cSld>
-  <p:clrMapOvr>
-    <a:masterClrMapping/>
-  </p:clrMapOvr>
-</p:sld>
-</file>
-
-<file path=ppt/slides/slide9.xml><?xml version="1.0" encoding="utf-8"?>
-<p:sld xmlns:a="http://schemas.openxmlformats.org/drawingml/2006/main" xmlns:r="http://schemas.openxmlformats.org/officeDocument/2006/relationships" xmlns:p="http://schemas.openxmlformats.org/presentationml/2006/main">
-  <p:cSld>
-    <p:spTree>
-      <p:nvGrpSpPr>
-        <p:cNvPr id="1" name=""/>
-        <p:cNvGrpSpPr/>
-        <p:nvPr/>
-      </p:nvGrpSpPr>
-      <p:grpSpPr>
-        <a:xfrm>
-          <a:off x="0" y="0"/>
-          <a:ext cx="0" cy="0"/>
-          <a:chOff x="0" y="0"/>
-          <a:chExt cx="0" cy="0"/>
-        </a:xfrm>
-      </p:grpSpPr>
-      <p:sp>
-        <p:nvSpPr>
-          <p:cNvPr id="2" name="object 2"/>
-          <p:cNvSpPr txBox="1">
-            <a:spLocks noGrp="1"/>
-          </p:cNvSpPr>
-          <p:nvPr>
-            <p:ph type="title"/>
-          </p:nvPr>
-        </p:nvSpPr>
-        <p:spPr>
-          <a:xfrm>
-            <a:off x="1507616" y="386333"/>
-            <a:ext cx="4283584" cy="321242"/>
-          </a:xfrm>
-          <a:prstGeom prst="rect">
-            <a:avLst/>
-          </a:prstGeom>
-        </p:spPr>
-        <p:txBody>
-          <a:bodyPr vert="horz" wrap="square" lIns="0" tIns="13335" rIns="0" bIns="0" rtlCol="0">
-            <a:spAutoFit/>
-          </a:bodyPr>
-          <a:lstStyle/>
-          <a:p>
-            <a:pPr marL="12700">
-              <a:lnSpc>
-                <a:spcPct val="100000"/>
-              </a:lnSpc>
-              <a:spcBef>
-                <a:spcPts val="105"/>
-              </a:spcBef>
-            </a:pPr>
-            <a:r>
-              <a:rPr sz="2000" spc="-10" dirty="0" smtClean="0">
-                <a:solidFill>
-                  <a:srgbClr val="FFFFFF"/>
-                </a:solidFill>
-              </a:rPr>
-              <a:t>Литература</a:t>
-            </a:r>
-            <a:r>
-              <a:rPr lang="en-US" sz="2000" spc="-10" dirty="0" smtClean="0">
-                <a:solidFill>
-                  <a:srgbClr val="FFFFFF"/>
-                </a:solidFill>
-              </a:rPr>
-              <a:t> </a:t>
-            </a:r>
-            <a:r>
-              <a:rPr lang="ru-RU" sz="2000" spc="-10" dirty="0" smtClean="0">
-                <a:solidFill>
-                  <a:srgbClr val="FFFFFF"/>
-                </a:solidFill>
-              </a:rPr>
-              <a:t>и Интернет-</a:t>
-            </a:r>
-            <a:r>
-              <a:rPr sz="2000" spc="-10" dirty="0" smtClean="0">
-                <a:solidFill>
-                  <a:srgbClr val="FFFFFF"/>
-                </a:solidFill>
-              </a:rPr>
-              <a:t>источники</a:t>
-            </a:r>
-            <a:endParaRPr sz="2000" dirty="0"/>
-          </a:p>
-        </p:txBody>
-      </p:sp>
-      <p:sp>
-        <p:nvSpPr>
-          <p:cNvPr id="3" name="object 3"/>
-          <p:cNvSpPr txBox="1"/>
-          <p:nvPr/>
-        </p:nvSpPr>
-        <p:spPr>
-          <a:xfrm>
-            <a:off x="7568310" y="5619394"/>
-            <a:ext cx="377190" cy="299720"/>
-          </a:xfrm>
-          <a:prstGeom prst="rect">
-            <a:avLst/>
-          </a:prstGeom>
-        </p:spPr>
-        <p:txBody>
-          <a:bodyPr vert="horz" wrap="square" lIns="0" tIns="12700" rIns="0" bIns="0" rtlCol="0">
-            <a:spAutoFit/>
-          </a:bodyPr>
-          <a:lstStyle/>
-          <a:p>
-            <a:pPr marL="12700">
-              <a:lnSpc>
-                <a:spcPct val="100000"/>
-              </a:lnSpc>
-              <a:spcBef>
-                <a:spcPts val="100"/>
-              </a:spcBef>
-            </a:pPr>
-            <a:r>
-              <a:rPr sz="1800" spc="-45" dirty="0">
-                <a:solidFill>
-                  <a:srgbClr val="FFFFFF"/>
-                </a:solidFill>
-                <a:latin typeface="Arial"/>
-                <a:cs typeface="Arial"/>
-              </a:rPr>
-              <a:t>о</a:t>
-            </a:r>
-            <a:r>
-              <a:rPr sz="1800" spc="-20" dirty="0">
-                <a:solidFill>
-                  <a:srgbClr val="FFFFFF"/>
-                </a:solidFill>
-                <a:latin typeface="Arial"/>
-                <a:cs typeface="Arial"/>
-              </a:rPr>
-              <a:t>т</a:t>
-            </a:r>
-            <a:r>
-              <a:rPr sz="1800" dirty="0">
-                <a:solidFill>
-                  <a:srgbClr val="FFFFFF"/>
-                </a:solidFill>
-                <a:latin typeface="Arial"/>
-                <a:cs typeface="Arial"/>
-              </a:rPr>
-              <a:t>о</a:t>
-            </a:r>
-            <a:endParaRPr sz="1800">
-              <a:latin typeface="Arial"/>
-              <a:cs typeface="Arial"/>
-            </a:endParaRPr>
-          </a:p>
-        </p:txBody>
-      </p:sp>
-      <p:sp>
-        <p:nvSpPr>
-          <p:cNvPr id="4" name="object 4"/>
-          <p:cNvSpPr txBox="1"/>
-          <p:nvPr/>
-        </p:nvSpPr>
-        <p:spPr>
-          <a:xfrm>
-            <a:off x="300939" y="1370457"/>
-            <a:ext cx="8310245" cy="5191806"/>
-          </a:xfrm>
-          <a:prstGeom prst="rect">
-            <a:avLst/>
-          </a:prstGeom>
-        </p:spPr>
-        <p:txBody>
-          <a:bodyPr vert="horz" wrap="square" lIns="0" tIns="13335" rIns="0" bIns="0" rtlCol="0">
-            <a:spAutoFit/>
-          </a:bodyPr>
-          <a:lstStyle/>
-          <a:p>
-            <a:pPr marL="342900" lvl="0" indent="-342900" algn="just">
-              <a:buFont typeface="+mj-lt"/>
-              <a:buAutoNum type="arabicPeriod"/>
-            </a:pPr>
-            <a:r>
-              <a:rPr lang="ru-RU" sz="1200" dirty="0" smtClean="0">
-                <a:solidFill>
-                  <a:srgbClr val="003E82"/>
-                </a:solidFill>
-                <a:latin typeface="Arial" charset="0"/>
-                <a:ea typeface="Arial" charset="0"/>
-                <a:cs typeface="Arial" charset="0"/>
-              </a:rPr>
-              <a:t>Изучаем </a:t>
-            </a:r>
-            <a:r>
-              <a:rPr lang="ru-RU" sz="1200" dirty="0">
-                <a:solidFill>
-                  <a:srgbClr val="003E82"/>
-                </a:solidFill>
-                <a:latin typeface="Arial" charset="0"/>
-                <a:ea typeface="Arial" charset="0"/>
-                <a:cs typeface="Arial" charset="0"/>
-              </a:rPr>
-              <a:t>данные, </a:t>
-            </a:r>
-            <a:r>
-              <a:rPr lang="en-US" sz="1200" dirty="0" err="1">
-                <a:solidFill>
-                  <a:srgbClr val="003E82"/>
-                </a:solidFill>
-                <a:latin typeface="Arial" charset="0"/>
-                <a:ea typeface="Arial" charset="0"/>
-                <a:cs typeface="Arial" charset="0"/>
-              </a:rPr>
-              <a:t>собранные</a:t>
-            </a:r>
-            <a:r>
-              <a:rPr lang="en-US" sz="1200" dirty="0">
-                <a:solidFill>
-                  <a:srgbClr val="003E82"/>
-                </a:solidFill>
-                <a:latin typeface="Arial" charset="0"/>
-                <a:ea typeface="Arial" charset="0"/>
-                <a:cs typeface="Arial" charset="0"/>
-              </a:rPr>
-              <a:t> Xiaomi </a:t>
-            </a:r>
-            <a:r>
-              <a:rPr lang="en-US" sz="1200" dirty="0" err="1">
-                <a:solidFill>
-                  <a:srgbClr val="003E82"/>
-                </a:solidFill>
-                <a:latin typeface="Arial" charset="0"/>
-                <a:ea typeface="Arial" charset="0"/>
-                <a:cs typeface="Arial" charset="0"/>
-              </a:rPr>
-              <a:t>Mi</a:t>
-            </a:r>
-            <a:r>
-              <a:rPr lang="en-US" sz="1200" dirty="0">
-                <a:solidFill>
-                  <a:srgbClr val="003E82"/>
-                </a:solidFill>
-                <a:latin typeface="Arial" charset="0"/>
-                <a:ea typeface="Arial" charset="0"/>
-                <a:cs typeface="Arial" charset="0"/>
-              </a:rPr>
-              <a:t> Band </a:t>
-            </a:r>
-            <a:r>
-              <a:rPr lang="en-US" sz="1200" dirty="0" err="1">
-                <a:solidFill>
-                  <a:srgbClr val="003E82"/>
-                </a:solidFill>
-                <a:latin typeface="Arial" charset="0"/>
-                <a:ea typeface="Arial" charset="0"/>
-                <a:cs typeface="Arial" charset="0"/>
-              </a:rPr>
-              <a:t>за</a:t>
-            </a:r>
-            <a:r>
-              <a:rPr lang="en-US" sz="1200" dirty="0">
-                <a:solidFill>
-                  <a:srgbClr val="003E82"/>
-                </a:solidFill>
-                <a:latin typeface="Arial" charset="0"/>
-                <a:ea typeface="Arial" charset="0"/>
-                <a:cs typeface="Arial" charset="0"/>
-              </a:rPr>
-              <a:t> </a:t>
-            </a:r>
-            <a:r>
-              <a:rPr lang="en-US" sz="1200" dirty="0" err="1">
-                <a:solidFill>
-                  <a:srgbClr val="003E82"/>
-                </a:solidFill>
-                <a:latin typeface="Arial" charset="0"/>
-                <a:ea typeface="Arial" charset="0"/>
-                <a:cs typeface="Arial" charset="0"/>
-              </a:rPr>
-              <a:t>год</a:t>
-            </a:r>
-            <a:r>
-              <a:rPr lang="en-US" sz="1200" dirty="0">
-                <a:solidFill>
-                  <a:srgbClr val="003E82"/>
-                </a:solidFill>
-                <a:latin typeface="Arial" charset="0"/>
-                <a:ea typeface="Arial" charset="0"/>
-                <a:cs typeface="Arial" charset="0"/>
-              </a:rPr>
-              <a:t>: [</a:t>
-            </a:r>
-            <a:r>
-              <a:rPr lang="en-US" sz="1200" dirty="0" err="1">
-                <a:solidFill>
-                  <a:srgbClr val="003E82"/>
-                </a:solidFill>
-                <a:latin typeface="Arial" charset="0"/>
-                <a:ea typeface="Arial" charset="0"/>
-                <a:cs typeface="Arial" charset="0"/>
-              </a:rPr>
-              <a:t>Электронный</a:t>
-            </a:r>
-            <a:r>
-              <a:rPr lang="en-US" sz="1200" dirty="0">
-                <a:solidFill>
-                  <a:srgbClr val="003E82"/>
-                </a:solidFill>
-                <a:latin typeface="Arial" charset="0"/>
-                <a:ea typeface="Arial" charset="0"/>
-                <a:cs typeface="Arial" charset="0"/>
-              </a:rPr>
-              <a:t> </a:t>
-            </a:r>
-            <a:r>
-              <a:rPr lang="en-US" sz="1200" dirty="0" err="1">
-                <a:solidFill>
-                  <a:srgbClr val="003E82"/>
-                </a:solidFill>
-                <a:latin typeface="Arial" charset="0"/>
-                <a:ea typeface="Arial" charset="0"/>
-                <a:cs typeface="Arial" charset="0"/>
-              </a:rPr>
-              <a:t>ресурс</a:t>
-            </a:r>
-            <a:r>
-              <a:rPr lang="en-US" sz="1200" dirty="0">
-                <a:solidFill>
-                  <a:srgbClr val="003E82"/>
-                </a:solidFill>
-                <a:latin typeface="Arial" charset="0"/>
-                <a:ea typeface="Arial" charset="0"/>
-                <a:cs typeface="Arial" charset="0"/>
-              </a:rPr>
-              <a:t>] // </a:t>
-            </a:r>
-            <a:r>
-              <a:rPr lang="en-US" sz="1200" dirty="0" err="1">
-                <a:solidFill>
-                  <a:srgbClr val="003E82"/>
-                </a:solidFill>
-                <a:latin typeface="Arial" charset="0"/>
-                <a:ea typeface="Arial" charset="0"/>
-                <a:cs typeface="Arial" charset="0"/>
-              </a:rPr>
-              <a:t>Крупнейший</a:t>
-            </a:r>
-            <a:r>
-              <a:rPr lang="en-US" sz="1200" dirty="0">
-                <a:solidFill>
-                  <a:srgbClr val="003E82"/>
-                </a:solidFill>
-                <a:latin typeface="Arial" charset="0"/>
-                <a:ea typeface="Arial" charset="0"/>
-                <a:cs typeface="Arial" charset="0"/>
-              </a:rPr>
-              <a:t> </a:t>
-            </a:r>
-            <a:r>
-              <a:rPr lang="en-US" sz="1200" dirty="0" err="1">
-                <a:solidFill>
-                  <a:srgbClr val="003E82"/>
-                </a:solidFill>
-                <a:latin typeface="Arial" charset="0"/>
-                <a:ea typeface="Arial" charset="0"/>
-                <a:cs typeface="Arial" charset="0"/>
-              </a:rPr>
-              <a:t>в</a:t>
-            </a:r>
-            <a:r>
-              <a:rPr lang="en-US" sz="1200" dirty="0">
-                <a:solidFill>
-                  <a:srgbClr val="003E82"/>
-                </a:solidFill>
-                <a:latin typeface="Arial" charset="0"/>
-                <a:ea typeface="Arial" charset="0"/>
-                <a:cs typeface="Arial" charset="0"/>
-              </a:rPr>
-              <a:t> </a:t>
-            </a:r>
-            <a:r>
-              <a:rPr lang="en-US" sz="1200" dirty="0" err="1">
-                <a:solidFill>
-                  <a:srgbClr val="003E82"/>
-                </a:solidFill>
-                <a:latin typeface="Arial" charset="0"/>
-                <a:ea typeface="Arial" charset="0"/>
-                <a:cs typeface="Arial" charset="0"/>
-              </a:rPr>
-              <a:t>Европе</a:t>
-            </a:r>
-            <a:r>
-              <a:rPr lang="en-US" sz="1200" dirty="0">
-                <a:solidFill>
-                  <a:srgbClr val="003E82"/>
-                </a:solidFill>
-                <a:latin typeface="Arial" charset="0"/>
-                <a:ea typeface="Arial" charset="0"/>
-                <a:cs typeface="Arial" charset="0"/>
-              </a:rPr>
-              <a:t> </a:t>
-            </a:r>
-            <a:r>
-              <a:rPr lang="en-US" sz="1200" dirty="0" err="1">
-                <a:solidFill>
-                  <a:srgbClr val="003E82"/>
-                </a:solidFill>
-                <a:latin typeface="Arial" charset="0"/>
-                <a:ea typeface="Arial" charset="0"/>
-                <a:cs typeface="Arial" charset="0"/>
-              </a:rPr>
-              <a:t>ресурс</a:t>
-            </a:r>
-            <a:r>
-              <a:rPr lang="en-US" sz="1200" dirty="0">
-                <a:solidFill>
-                  <a:srgbClr val="003E82"/>
-                </a:solidFill>
-                <a:latin typeface="Arial" charset="0"/>
-                <a:ea typeface="Arial" charset="0"/>
-                <a:cs typeface="Arial" charset="0"/>
-              </a:rPr>
-              <a:t> </a:t>
-            </a:r>
-            <a:r>
-              <a:rPr lang="en-US" sz="1200" dirty="0" err="1">
-                <a:solidFill>
-                  <a:srgbClr val="003E82"/>
-                </a:solidFill>
-                <a:latin typeface="Arial" charset="0"/>
-                <a:ea typeface="Arial" charset="0"/>
-                <a:cs typeface="Arial" charset="0"/>
-              </a:rPr>
-              <a:t>для</a:t>
-            </a:r>
-            <a:r>
-              <a:rPr lang="en-US" sz="1200" dirty="0">
-                <a:solidFill>
-                  <a:srgbClr val="003E82"/>
-                </a:solidFill>
-                <a:latin typeface="Arial" charset="0"/>
-                <a:ea typeface="Arial" charset="0"/>
-                <a:cs typeface="Arial" charset="0"/>
-              </a:rPr>
-              <a:t> IT-</a:t>
-            </a:r>
-            <a:r>
-              <a:rPr lang="en-US" sz="1200" dirty="0" err="1">
-                <a:solidFill>
-                  <a:srgbClr val="003E82"/>
-                </a:solidFill>
-                <a:latin typeface="Arial" charset="0"/>
-                <a:ea typeface="Arial" charset="0"/>
-                <a:cs typeface="Arial" charset="0"/>
-              </a:rPr>
-              <a:t>специалистов</a:t>
-            </a:r>
-            <a:r>
-              <a:rPr lang="en-US" sz="1200" dirty="0">
-                <a:solidFill>
-                  <a:srgbClr val="003E82"/>
-                </a:solidFill>
-                <a:latin typeface="Arial" charset="0"/>
-                <a:ea typeface="Arial" charset="0"/>
-                <a:cs typeface="Arial" charset="0"/>
-              </a:rPr>
-              <a:t> </a:t>
-            </a:r>
-            <a:r>
-              <a:rPr lang="en-US" sz="1200" dirty="0" err="1">
-                <a:solidFill>
-                  <a:srgbClr val="003E82"/>
-                </a:solidFill>
-                <a:latin typeface="Arial" charset="0"/>
-                <a:ea typeface="Arial" charset="0"/>
-                <a:cs typeface="Arial" charset="0"/>
-              </a:rPr>
-              <a:t>Habrahabr</a:t>
-            </a:r>
-            <a:r>
-              <a:rPr lang="en-US" sz="1200" dirty="0">
-                <a:solidFill>
-                  <a:srgbClr val="003E82"/>
-                </a:solidFill>
-                <a:latin typeface="Arial" charset="0"/>
-                <a:ea typeface="Arial" charset="0"/>
-                <a:cs typeface="Arial" charset="0"/>
-              </a:rPr>
-              <a:t>. </a:t>
-            </a:r>
-            <a:r>
-              <a:rPr lang="en-US" sz="1200" dirty="0" err="1">
-                <a:solidFill>
-                  <a:srgbClr val="003E82"/>
-                </a:solidFill>
-                <a:latin typeface="Arial" charset="0"/>
-                <a:ea typeface="Arial" charset="0"/>
-                <a:cs typeface="Arial" charset="0"/>
-              </a:rPr>
-              <a:t>М</a:t>
-            </a:r>
-            <a:r>
-              <a:rPr lang="en-US" sz="1200" dirty="0">
-                <a:solidFill>
-                  <a:srgbClr val="003E82"/>
-                </a:solidFill>
-                <a:latin typeface="Arial" charset="0"/>
-                <a:ea typeface="Arial" charset="0"/>
-                <a:cs typeface="Arial" charset="0"/>
-              </a:rPr>
-              <a:t>., 2006-20017. URL: https://</a:t>
-            </a:r>
-            <a:r>
-              <a:rPr lang="en-US" sz="1200" dirty="0" err="1">
-                <a:solidFill>
-                  <a:srgbClr val="003E82"/>
-                </a:solidFill>
-                <a:latin typeface="Arial" charset="0"/>
-                <a:ea typeface="Arial" charset="0"/>
-                <a:cs typeface="Arial" charset="0"/>
-              </a:rPr>
-              <a:t>habrahabr.ru</a:t>
-            </a:r>
-            <a:r>
-              <a:rPr lang="en-US" sz="1200" dirty="0">
-                <a:solidFill>
-                  <a:srgbClr val="003E82"/>
-                </a:solidFill>
-                <a:latin typeface="Arial" charset="0"/>
-                <a:ea typeface="Arial" charset="0"/>
-                <a:cs typeface="Arial" charset="0"/>
-              </a:rPr>
-              <a:t>/sandbox/103526/. (</a:t>
-            </a:r>
-            <a:r>
-              <a:rPr lang="en-US" sz="1200" dirty="0" err="1">
-                <a:solidFill>
-                  <a:srgbClr val="003E82"/>
-                </a:solidFill>
-                <a:latin typeface="Arial" charset="0"/>
-                <a:ea typeface="Arial" charset="0"/>
-                <a:cs typeface="Arial" charset="0"/>
-              </a:rPr>
-              <a:t>Дата</a:t>
-            </a:r>
-            <a:r>
-              <a:rPr lang="en-US" sz="1200" dirty="0">
-                <a:solidFill>
-                  <a:srgbClr val="003E82"/>
-                </a:solidFill>
-                <a:latin typeface="Arial" charset="0"/>
-                <a:ea typeface="Arial" charset="0"/>
-                <a:cs typeface="Arial" charset="0"/>
-              </a:rPr>
-              <a:t> </a:t>
-            </a:r>
-            <a:r>
-              <a:rPr lang="en-US" sz="1200" dirty="0" err="1">
-                <a:solidFill>
-                  <a:srgbClr val="003E82"/>
-                </a:solidFill>
-                <a:latin typeface="Arial" charset="0"/>
-                <a:ea typeface="Arial" charset="0"/>
-                <a:cs typeface="Arial" charset="0"/>
-              </a:rPr>
-              <a:t>обращения</a:t>
-            </a:r>
-            <a:r>
-              <a:rPr lang="en-US" sz="1200" dirty="0">
-                <a:solidFill>
-                  <a:srgbClr val="003E82"/>
-                </a:solidFill>
-                <a:latin typeface="Arial" charset="0"/>
-                <a:ea typeface="Arial" charset="0"/>
-                <a:cs typeface="Arial" charset="0"/>
-              </a:rPr>
-              <a:t>: 18.10.2017</a:t>
-            </a:r>
-            <a:r>
-              <a:rPr lang="en-US" sz="1200" dirty="0" smtClean="0">
-                <a:solidFill>
-                  <a:srgbClr val="003E82"/>
-                </a:solidFill>
-                <a:latin typeface="Arial" charset="0"/>
-                <a:ea typeface="Arial" charset="0"/>
-                <a:cs typeface="Arial" charset="0"/>
-              </a:rPr>
-              <a:t>).</a:t>
-            </a:r>
-            <a:endParaRPr lang="ru-RU" sz="1200" dirty="0" smtClean="0">
-              <a:solidFill>
-                <a:srgbClr val="003E82"/>
-              </a:solidFill>
-              <a:latin typeface="Arial" charset="0"/>
-              <a:ea typeface="Arial" charset="0"/>
-              <a:cs typeface="Arial" charset="0"/>
-            </a:endParaRPr>
-          </a:p>
-          <a:p>
-            <a:pPr marL="342900" indent="-342900" algn="just">
-              <a:buFont typeface="+mj-lt"/>
-              <a:buAutoNum type="arabicPeriod"/>
-            </a:pPr>
-            <a:r>
-              <a:rPr lang="ru-RU" sz="1200" dirty="0" smtClean="0">
-                <a:solidFill>
-                  <a:srgbClr val="003E82"/>
-                </a:solidFill>
-                <a:latin typeface="Arial" charset="0"/>
-                <a:ea typeface="Arial" charset="0"/>
-                <a:cs typeface="Arial" charset="0"/>
-              </a:rPr>
-              <a:t>Правильная </a:t>
-            </a:r>
-            <a:r>
-              <a:rPr lang="ru-RU" sz="1200" dirty="0">
-                <a:solidFill>
-                  <a:srgbClr val="003E82"/>
-                </a:solidFill>
-                <a:latin typeface="Arial" charset="0"/>
-                <a:ea typeface="Arial" charset="0"/>
-                <a:cs typeface="Arial" charset="0"/>
-              </a:rPr>
-              <a:t>работа с БД в </a:t>
-            </a:r>
-            <a:r>
-              <a:rPr lang="en-US" sz="1200" dirty="0">
-                <a:solidFill>
-                  <a:srgbClr val="003E82"/>
-                </a:solidFill>
-                <a:latin typeface="Arial" charset="0"/>
-                <a:ea typeface="Arial" charset="0"/>
-                <a:cs typeface="Arial" charset="0"/>
-              </a:rPr>
-              <a:t>Android</a:t>
-            </a:r>
-            <a:r>
-              <a:rPr lang="ru-RU" sz="1200" dirty="0">
-                <a:solidFill>
-                  <a:srgbClr val="003E82"/>
-                </a:solidFill>
-                <a:latin typeface="Arial" charset="0"/>
-                <a:ea typeface="Arial" charset="0"/>
-                <a:cs typeface="Arial" charset="0"/>
-              </a:rPr>
-              <a:t>: [Электронный ресурс] // Крупнейший в</a:t>
-            </a:r>
-            <a:r>
-              <a:rPr lang="en-US" sz="1200" dirty="0">
-                <a:solidFill>
-                  <a:srgbClr val="003E82"/>
-                </a:solidFill>
-                <a:latin typeface="Arial" charset="0"/>
-                <a:ea typeface="Arial" charset="0"/>
-                <a:cs typeface="Arial" charset="0"/>
-              </a:rPr>
-              <a:t> </a:t>
-            </a:r>
-            <a:r>
-              <a:rPr lang="ru-RU" sz="1200" dirty="0">
-                <a:solidFill>
-                  <a:srgbClr val="003E82"/>
-                </a:solidFill>
-                <a:latin typeface="Arial" charset="0"/>
-                <a:ea typeface="Arial" charset="0"/>
-                <a:cs typeface="Arial" charset="0"/>
-              </a:rPr>
-              <a:t>Европе ресурс для </a:t>
-            </a:r>
-            <a:r>
-              <a:rPr lang="en-US" sz="1200" dirty="0">
-                <a:solidFill>
-                  <a:srgbClr val="003E82"/>
-                </a:solidFill>
-                <a:latin typeface="Arial" charset="0"/>
-                <a:ea typeface="Arial" charset="0"/>
-                <a:cs typeface="Arial" charset="0"/>
-              </a:rPr>
-              <a:t>IT</a:t>
-            </a:r>
-            <a:r>
-              <a:rPr lang="ru-RU" sz="1200" dirty="0">
-                <a:solidFill>
-                  <a:srgbClr val="003E82"/>
-                </a:solidFill>
-                <a:latin typeface="Arial" charset="0"/>
-                <a:ea typeface="Arial" charset="0"/>
-                <a:cs typeface="Arial" charset="0"/>
-              </a:rPr>
-              <a:t>-специалистов </a:t>
-            </a:r>
-            <a:r>
-              <a:rPr lang="en-US" sz="1200" dirty="0" err="1">
-                <a:solidFill>
-                  <a:srgbClr val="003E82"/>
-                </a:solidFill>
-                <a:latin typeface="Arial" charset="0"/>
-                <a:ea typeface="Arial" charset="0"/>
-                <a:cs typeface="Arial" charset="0"/>
-              </a:rPr>
-              <a:t>Habrahabr</a:t>
-            </a:r>
-            <a:r>
-              <a:rPr lang="ru-RU" sz="1200" dirty="0">
-                <a:solidFill>
-                  <a:srgbClr val="003E82"/>
-                </a:solidFill>
-                <a:latin typeface="Arial" charset="0"/>
-                <a:ea typeface="Arial" charset="0"/>
-                <a:cs typeface="Arial" charset="0"/>
-              </a:rPr>
-              <a:t>. </a:t>
-            </a:r>
-            <a:r>
-              <a:rPr lang="en-US" sz="1200" dirty="0" err="1">
-                <a:solidFill>
-                  <a:srgbClr val="003E82"/>
-                </a:solidFill>
-                <a:latin typeface="Arial" charset="0"/>
-                <a:ea typeface="Arial" charset="0"/>
-                <a:cs typeface="Arial" charset="0"/>
-              </a:rPr>
-              <a:t>М</a:t>
-            </a:r>
-            <a:r>
-              <a:rPr lang="en-US" sz="1200" dirty="0">
-                <a:solidFill>
-                  <a:srgbClr val="003E82"/>
-                </a:solidFill>
-                <a:latin typeface="Arial" charset="0"/>
-                <a:ea typeface="Arial" charset="0"/>
-                <a:cs typeface="Arial" charset="0"/>
-              </a:rPr>
-              <a:t>., 2006-20017. URL: https://</a:t>
-            </a:r>
-            <a:r>
-              <a:rPr lang="en-US" sz="1200" dirty="0" err="1">
-                <a:solidFill>
-                  <a:srgbClr val="003E82"/>
-                </a:solidFill>
-                <a:latin typeface="Arial" charset="0"/>
-                <a:ea typeface="Arial" charset="0"/>
-                <a:cs typeface="Arial" charset="0"/>
-              </a:rPr>
-              <a:t>habrahabr.ru</a:t>
-            </a:r>
-            <a:r>
-              <a:rPr lang="en-US" sz="1200" dirty="0">
-                <a:solidFill>
-                  <a:srgbClr val="003E82"/>
-                </a:solidFill>
-                <a:latin typeface="Arial" charset="0"/>
-                <a:ea typeface="Arial" charset="0"/>
-                <a:cs typeface="Arial" charset="0"/>
-              </a:rPr>
-              <a:t>/sandbox/103526/. (</a:t>
-            </a:r>
-            <a:r>
-              <a:rPr lang="en-US" sz="1200" dirty="0" err="1">
-                <a:solidFill>
-                  <a:srgbClr val="003E82"/>
-                </a:solidFill>
-                <a:latin typeface="Arial" charset="0"/>
-                <a:ea typeface="Arial" charset="0"/>
-                <a:cs typeface="Arial" charset="0"/>
-              </a:rPr>
-              <a:t>Дата</a:t>
-            </a:r>
-            <a:r>
-              <a:rPr lang="en-US" sz="1200" dirty="0">
-                <a:solidFill>
-                  <a:srgbClr val="003E82"/>
-                </a:solidFill>
-                <a:latin typeface="Arial" charset="0"/>
-                <a:ea typeface="Arial" charset="0"/>
-                <a:cs typeface="Arial" charset="0"/>
-              </a:rPr>
-              <a:t> </a:t>
-            </a:r>
-            <a:r>
-              <a:rPr lang="en-US" sz="1200" dirty="0" err="1">
-                <a:solidFill>
-                  <a:srgbClr val="003E82"/>
-                </a:solidFill>
-                <a:latin typeface="Arial" charset="0"/>
-                <a:ea typeface="Arial" charset="0"/>
-                <a:cs typeface="Arial" charset="0"/>
-              </a:rPr>
-              <a:t>обращения</a:t>
-            </a:r>
-            <a:r>
-              <a:rPr lang="en-US" sz="1200" dirty="0">
-                <a:solidFill>
-                  <a:srgbClr val="003E82"/>
-                </a:solidFill>
-                <a:latin typeface="Arial" charset="0"/>
-                <a:ea typeface="Arial" charset="0"/>
-                <a:cs typeface="Arial" charset="0"/>
-              </a:rPr>
-              <a:t>: 18.10.2017</a:t>
-            </a:r>
-            <a:r>
-              <a:rPr lang="en-US" sz="1200" dirty="0" smtClean="0">
-                <a:solidFill>
-                  <a:srgbClr val="003E82"/>
-                </a:solidFill>
-                <a:latin typeface="Arial" charset="0"/>
-                <a:ea typeface="Arial" charset="0"/>
-                <a:cs typeface="Arial" charset="0"/>
-              </a:rPr>
-              <a:t>).</a:t>
-            </a:r>
-            <a:endParaRPr lang="ru-RU" sz="1200" dirty="0" smtClean="0">
-              <a:solidFill>
-                <a:srgbClr val="003E82"/>
-              </a:solidFill>
-              <a:latin typeface="Arial" charset="0"/>
-              <a:ea typeface="Arial" charset="0"/>
-              <a:cs typeface="Arial" charset="0"/>
-            </a:endParaRPr>
-          </a:p>
-          <a:p>
-            <a:pPr marL="342900" indent="-342900" algn="just">
-              <a:buFont typeface="+mj-lt"/>
-              <a:buAutoNum type="arabicPeriod"/>
-            </a:pPr>
-            <a:r>
-              <a:rPr lang="en-US" sz="1200" dirty="0" err="1">
-                <a:solidFill>
-                  <a:srgbClr val="003E82"/>
-                </a:solidFill>
-                <a:latin typeface="Arial" charset="0"/>
-                <a:ea typeface="Arial" charset="0"/>
-                <a:cs typeface="Arial" charset="0"/>
-              </a:rPr>
-              <a:t>Сайт</a:t>
-            </a:r>
-            <a:r>
-              <a:rPr lang="en-US" sz="1200" dirty="0">
-                <a:solidFill>
-                  <a:srgbClr val="003E82"/>
-                </a:solidFill>
-                <a:latin typeface="Arial" charset="0"/>
-                <a:ea typeface="Arial" charset="0"/>
-                <a:cs typeface="Arial" charset="0"/>
-              </a:rPr>
-              <a:t> </a:t>
-            </a:r>
-            <a:r>
-              <a:rPr lang="en-US" sz="1200" dirty="0" err="1">
-                <a:solidFill>
-                  <a:srgbClr val="003E82"/>
-                </a:solidFill>
-                <a:latin typeface="Arial" charset="0"/>
-                <a:ea typeface="Arial" charset="0"/>
-                <a:cs typeface="Arial" charset="0"/>
-              </a:rPr>
-              <a:t>для</a:t>
-            </a:r>
-            <a:r>
-              <a:rPr lang="en-US" sz="1200" dirty="0">
-                <a:solidFill>
-                  <a:srgbClr val="003E82"/>
-                </a:solidFill>
-                <a:latin typeface="Arial" charset="0"/>
-                <a:ea typeface="Arial" charset="0"/>
-                <a:cs typeface="Arial" charset="0"/>
-              </a:rPr>
-              <a:t> </a:t>
-            </a:r>
-            <a:r>
-              <a:rPr lang="en-US" sz="1200" dirty="0" err="1">
-                <a:solidFill>
-                  <a:srgbClr val="003E82"/>
-                </a:solidFill>
-                <a:latin typeface="Arial" charset="0"/>
-                <a:ea typeface="Arial" charset="0"/>
-                <a:cs typeface="Arial" charset="0"/>
-              </a:rPr>
-              <a:t>мам</a:t>
-            </a:r>
-            <a:r>
-              <a:rPr lang="en-US" sz="1200" dirty="0">
-                <a:solidFill>
-                  <a:srgbClr val="003E82"/>
-                </a:solidFill>
-                <a:latin typeface="Arial" charset="0"/>
-                <a:ea typeface="Arial" charset="0"/>
-                <a:cs typeface="Arial" charset="0"/>
-              </a:rPr>
-              <a:t> </a:t>
-            </a:r>
-            <a:r>
-              <a:rPr lang="en-US" sz="1200" dirty="0" err="1">
-                <a:solidFill>
-                  <a:srgbClr val="003E82"/>
-                </a:solidFill>
-                <a:latin typeface="Arial" charset="0"/>
-                <a:ea typeface="Arial" charset="0"/>
-                <a:cs typeface="Arial" charset="0"/>
-              </a:rPr>
-              <a:t>и</a:t>
-            </a:r>
-            <a:r>
-              <a:rPr lang="en-US" sz="1200" dirty="0">
-                <a:solidFill>
-                  <a:srgbClr val="003E82"/>
-                </a:solidFill>
-                <a:latin typeface="Arial" charset="0"/>
-                <a:ea typeface="Arial" charset="0"/>
-                <a:cs typeface="Arial" charset="0"/>
-              </a:rPr>
-              <a:t> </a:t>
-            </a:r>
-            <a:r>
-              <a:rPr lang="en-US" sz="1200" dirty="0" err="1">
-                <a:solidFill>
-                  <a:srgbClr val="003E82"/>
-                </a:solidFill>
-                <a:latin typeface="Arial" charset="0"/>
-                <a:ea typeface="Arial" charset="0"/>
-                <a:cs typeface="Arial" charset="0"/>
-              </a:rPr>
-              <a:t>будущих</a:t>
-            </a:r>
-            <a:r>
-              <a:rPr lang="en-US" sz="1200" dirty="0">
-                <a:solidFill>
-                  <a:srgbClr val="003E82"/>
-                </a:solidFill>
-                <a:latin typeface="Arial" charset="0"/>
-                <a:ea typeface="Arial" charset="0"/>
-                <a:cs typeface="Arial" charset="0"/>
-              </a:rPr>
-              <a:t> </a:t>
-            </a:r>
-            <a:r>
-              <a:rPr lang="en-US" sz="1200" dirty="0" err="1">
-                <a:solidFill>
-                  <a:srgbClr val="003E82"/>
-                </a:solidFill>
-                <a:latin typeface="Arial" charset="0"/>
-                <a:ea typeface="Arial" charset="0"/>
-                <a:cs typeface="Arial" charset="0"/>
-              </a:rPr>
-              <a:t>мам</a:t>
-            </a:r>
-            <a:r>
-              <a:rPr lang="en-US" sz="1200" dirty="0">
-                <a:solidFill>
-                  <a:srgbClr val="003E82"/>
-                </a:solidFill>
-                <a:latin typeface="Arial" charset="0"/>
-                <a:ea typeface="Arial" charset="0"/>
-                <a:cs typeface="Arial" charset="0"/>
-              </a:rPr>
-              <a:t>: [</a:t>
-            </a:r>
-            <a:r>
-              <a:rPr lang="en-US" sz="1200" dirty="0" err="1">
-                <a:solidFill>
-                  <a:srgbClr val="003E82"/>
-                </a:solidFill>
-                <a:latin typeface="Arial" charset="0"/>
-                <a:ea typeface="Arial" charset="0"/>
-                <a:cs typeface="Arial" charset="0"/>
-              </a:rPr>
-              <a:t>Электронный</a:t>
-            </a:r>
-            <a:r>
-              <a:rPr lang="en-US" sz="1200" dirty="0">
-                <a:solidFill>
-                  <a:srgbClr val="003E82"/>
-                </a:solidFill>
-                <a:latin typeface="Arial" charset="0"/>
-                <a:ea typeface="Arial" charset="0"/>
-                <a:cs typeface="Arial" charset="0"/>
-              </a:rPr>
-              <a:t> </a:t>
-            </a:r>
-            <a:r>
-              <a:rPr lang="en-US" sz="1200" dirty="0" err="1">
-                <a:solidFill>
-                  <a:srgbClr val="003E82"/>
-                </a:solidFill>
-                <a:latin typeface="Arial" charset="0"/>
-                <a:ea typeface="Arial" charset="0"/>
-                <a:cs typeface="Arial" charset="0"/>
-              </a:rPr>
-              <a:t>ресурс</a:t>
-            </a:r>
-            <a:r>
-              <a:rPr lang="en-US" sz="1200" dirty="0">
-                <a:solidFill>
-                  <a:srgbClr val="003E82"/>
-                </a:solidFill>
-                <a:latin typeface="Arial" charset="0"/>
-                <a:ea typeface="Arial" charset="0"/>
-                <a:cs typeface="Arial" charset="0"/>
-              </a:rPr>
-              <a:t>]. </a:t>
-            </a:r>
-            <a:r>
-              <a:rPr lang="en-US" sz="1200" dirty="0" err="1">
-                <a:solidFill>
-                  <a:srgbClr val="003E82"/>
-                </a:solidFill>
-                <a:latin typeface="Arial" charset="0"/>
-                <a:ea typeface="Arial" charset="0"/>
-                <a:cs typeface="Arial" charset="0"/>
-              </a:rPr>
-              <a:t>М</a:t>
-            </a:r>
-            <a:r>
-              <a:rPr lang="en-US" sz="1200" dirty="0">
-                <a:solidFill>
-                  <a:srgbClr val="003E82"/>
-                </a:solidFill>
-                <a:latin typeface="Arial" charset="0"/>
-                <a:ea typeface="Arial" charset="0"/>
-                <a:cs typeface="Arial" charset="0"/>
-              </a:rPr>
-              <a:t>., 2006-2017. URL</a:t>
-            </a:r>
-            <a:r>
-              <a:rPr lang="ru-RU" sz="1200" dirty="0">
-                <a:solidFill>
-                  <a:srgbClr val="003E82"/>
-                </a:solidFill>
-                <a:latin typeface="Arial" charset="0"/>
-                <a:ea typeface="Arial" charset="0"/>
-                <a:cs typeface="Arial" charset="0"/>
-              </a:rPr>
-              <a:t>: </a:t>
-            </a:r>
-            <a:r>
-              <a:rPr lang="en-US" sz="1200" dirty="0">
-                <a:solidFill>
-                  <a:srgbClr val="003E82"/>
-                </a:solidFill>
-                <a:latin typeface="Arial" charset="0"/>
-                <a:ea typeface="Arial" charset="0"/>
-                <a:cs typeface="Arial" charset="0"/>
-              </a:rPr>
-              <a:t>http</a:t>
-            </a:r>
-            <a:r>
-              <a:rPr lang="ru-RU" sz="1200" dirty="0">
-                <a:solidFill>
-                  <a:srgbClr val="003E82"/>
-                </a:solidFill>
-                <a:latin typeface="Arial" charset="0"/>
-                <a:ea typeface="Arial" charset="0"/>
-                <a:cs typeface="Arial" charset="0"/>
-              </a:rPr>
-              <a:t>://</a:t>
-            </a:r>
-            <a:r>
-              <a:rPr lang="en-US" sz="1200" dirty="0">
-                <a:solidFill>
-                  <a:srgbClr val="003E82"/>
-                </a:solidFill>
-                <a:latin typeface="Arial" charset="0"/>
-                <a:ea typeface="Arial" charset="0"/>
-                <a:cs typeface="Arial" charset="0"/>
-              </a:rPr>
-              <a:t>mama</a:t>
-            </a:r>
-            <a:r>
-              <a:rPr lang="ru-RU" sz="1200" dirty="0">
-                <a:solidFill>
-                  <a:srgbClr val="003E82"/>
-                </a:solidFill>
-                <a:latin typeface="Arial" charset="0"/>
-                <a:ea typeface="Arial" charset="0"/>
-                <a:cs typeface="Arial" charset="0"/>
-              </a:rPr>
-              <a:t>66.</a:t>
-            </a:r>
-            <a:r>
-              <a:rPr lang="en-US" sz="1200" dirty="0">
-                <a:solidFill>
-                  <a:srgbClr val="003E82"/>
-                </a:solidFill>
-                <a:latin typeface="Arial" charset="0"/>
-                <a:ea typeface="Arial" charset="0"/>
-                <a:cs typeface="Arial" charset="0"/>
-              </a:rPr>
-              <a:t>ru</a:t>
-            </a:r>
-            <a:r>
-              <a:rPr lang="ru-RU" sz="1200" dirty="0">
-                <a:solidFill>
-                  <a:srgbClr val="003E82"/>
-                </a:solidFill>
-                <a:latin typeface="Arial" charset="0"/>
-                <a:ea typeface="Arial" charset="0"/>
-                <a:cs typeface="Arial" charset="0"/>
-              </a:rPr>
-              <a:t>/</a:t>
-            </a:r>
-            <a:r>
-              <a:rPr lang="en-US" sz="1200" dirty="0" err="1">
-                <a:solidFill>
-                  <a:srgbClr val="003E82"/>
-                </a:solidFill>
-                <a:latin typeface="Arial" charset="0"/>
-                <a:ea typeface="Arial" charset="0"/>
-                <a:cs typeface="Arial" charset="0"/>
-              </a:rPr>
-              <a:t>privivki</a:t>
-            </a:r>
-            <a:r>
-              <a:rPr lang="ru-RU" sz="1200" dirty="0">
-                <a:solidFill>
-                  <a:srgbClr val="003E82"/>
-                </a:solidFill>
-                <a:latin typeface="Arial" charset="0"/>
-                <a:ea typeface="Arial" charset="0"/>
-                <a:cs typeface="Arial" charset="0"/>
-              </a:rPr>
-              <a:t>/</a:t>
-            </a:r>
-            <a:r>
-              <a:rPr lang="en-US" sz="1200" dirty="0" err="1">
-                <a:solidFill>
-                  <a:srgbClr val="003E82"/>
-                </a:solidFill>
-                <a:latin typeface="Arial" charset="0"/>
-                <a:ea typeface="Arial" charset="0"/>
-                <a:cs typeface="Arial" charset="0"/>
-              </a:rPr>
-              <a:t>vakcinacia</a:t>
-            </a:r>
-            <a:r>
-              <a:rPr lang="ru-RU" sz="1200" dirty="0">
-                <a:solidFill>
-                  <a:srgbClr val="003E82"/>
-                </a:solidFill>
-                <a:latin typeface="Arial" charset="0"/>
-                <a:ea typeface="Arial" charset="0"/>
-                <a:cs typeface="Arial" charset="0"/>
-              </a:rPr>
-              <a:t>-</a:t>
-            </a:r>
-            <a:r>
-              <a:rPr lang="en-US" sz="1200" dirty="0">
-                <a:solidFill>
-                  <a:srgbClr val="003E82"/>
-                </a:solidFill>
-                <a:latin typeface="Arial" charset="0"/>
-                <a:ea typeface="Arial" charset="0"/>
-                <a:cs typeface="Arial" charset="0"/>
-              </a:rPr>
-              <a:t>do</a:t>
-            </a:r>
-            <a:r>
-              <a:rPr lang="ru-RU" sz="1200" dirty="0">
-                <a:solidFill>
-                  <a:srgbClr val="003E82"/>
-                </a:solidFill>
-                <a:latin typeface="Arial" charset="0"/>
-                <a:ea typeface="Arial" charset="0"/>
-                <a:cs typeface="Arial" charset="0"/>
-              </a:rPr>
-              <a:t>-</a:t>
-            </a:r>
-            <a:r>
-              <a:rPr lang="en-US" sz="1200" dirty="0" err="1">
-                <a:solidFill>
-                  <a:srgbClr val="003E82"/>
-                </a:solidFill>
-                <a:latin typeface="Arial" charset="0"/>
-                <a:ea typeface="Arial" charset="0"/>
-                <a:cs typeface="Arial" charset="0"/>
-              </a:rPr>
-              <a:t>goda</a:t>
-            </a:r>
-            <a:r>
-              <a:rPr lang="ru-RU" sz="1200" dirty="0">
-                <a:solidFill>
-                  <a:srgbClr val="003E82"/>
-                </a:solidFill>
-                <a:latin typeface="Arial" charset="0"/>
-                <a:ea typeface="Arial" charset="0"/>
-                <a:cs typeface="Arial" charset="0"/>
-              </a:rPr>
-              <a:t>. (Дата обращения: 18.10.2017</a:t>
-            </a:r>
-            <a:r>
-              <a:rPr lang="ru-RU" sz="1200" dirty="0" smtClean="0">
-                <a:solidFill>
-                  <a:srgbClr val="003E82"/>
-                </a:solidFill>
-                <a:latin typeface="Arial" charset="0"/>
-                <a:ea typeface="Arial" charset="0"/>
-                <a:cs typeface="Arial" charset="0"/>
-              </a:rPr>
-              <a:t>).</a:t>
-            </a:r>
-          </a:p>
-          <a:p>
-            <a:pPr marL="342900" indent="-342900" algn="just">
-              <a:buFont typeface="+mj-lt"/>
-              <a:buAutoNum type="arabicPeriod"/>
-            </a:pPr>
-            <a:r>
-              <a:rPr lang="en-US" sz="1200" dirty="0" err="1">
-                <a:solidFill>
-                  <a:srgbClr val="003E82"/>
-                </a:solidFill>
-                <a:latin typeface="Arial" charset="0"/>
-                <a:ea typeface="Arial" charset="0"/>
-                <a:cs typeface="Arial" charset="0"/>
-              </a:rPr>
-              <a:t>Сайт</a:t>
-            </a:r>
-            <a:r>
-              <a:rPr lang="en-US" sz="1200" dirty="0">
-                <a:solidFill>
-                  <a:srgbClr val="003E82"/>
-                </a:solidFill>
-                <a:latin typeface="Arial" charset="0"/>
-                <a:ea typeface="Arial" charset="0"/>
-                <a:cs typeface="Arial" charset="0"/>
-              </a:rPr>
-              <a:t> </a:t>
-            </a:r>
-            <a:r>
-              <a:rPr lang="en-US" sz="1200" dirty="0" err="1">
-                <a:solidFill>
-                  <a:srgbClr val="003E82"/>
-                </a:solidFill>
-                <a:latin typeface="Arial" charset="0"/>
-                <a:ea typeface="Arial" charset="0"/>
-                <a:cs typeface="Arial" charset="0"/>
-              </a:rPr>
-              <a:t>о</a:t>
-            </a:r>
-            <a:r>
-              <a:rPr lang="en-US" sz="1200" dirty="0">
-                <a:solidFill>
-                  <a:srgbClr val="003E82"/>
-                </a:solidFill>
-                <a:latin typeface="Arial" charset="0"/>
-                <a:ea typeface="Arial" charset="0"/>
-                <a:cs typeface="Arial" charset="0"/>
-              </a:rPr>
-              <a:t> </a:t>
-            </a:r>
-            <a:r>
-              <a:rPr lang="en-US" sz="1200" dirty="0" err="1">
-                <a:solidFill>
-                  <a:srgbClr val="003E82"/>
-                </a:solidFill>
-                <a:latin typeface="Arial" charset="0"/>
-                <a:ea typeface="Arial" charset="0"/>
-                <a:cs typeface="Arial" charset="0"/>
-              </a:rPr>
-              <a:t>беременности</a:t>
-            </a:r>
-            <a:r>
-              <a:rPr lang="en-US" sz="1200" dirty="0">
-                <a:solidFill>
-                  <a:srgbClr val="003E82"/>
-                </a:solidFill>
-                <a:latin typeface="Arial" charset="0"/>
-                <a:ea typeface="Arial" charset="0"/>
-                <a:cs typeface="Arial" charset="0"/>
-              </a:rPr>
-              <a:t> </a:t>
-            </a:r>
-            <a:r>
-              <a:rPr lang="en-US" sz="1200" dirty="0" err="1">
-                <a:solidFill>
-                  <a:srgbClr val="003E82"/>
-                </a:solidFill>
-                <a:latin typeface="Arial" charset="0"/>
-                <a:ea typeface="Arial" charset="0"/>
-                <a:cs typeface="Arial" charset="0"/>
-              </a:rPr>
-              <a:t>и</a:t>
-            </a:r>
-            <a:r>
-              <a:rPr lang="en-US" sz="1200" dirty="0">
-                <a:solidFill>
-                  <a:srgbClr val="003E82"/>
-                </a:solidFill>
-                <a:latin typeface="Arial" charset="0"/>
-                <a:ea typeface="Arial" charset="0"/>
-                <a:cs typeface="Arial" charset="0"/>
-              </a:rPr>
-              <a:t> </a:t>
-            </a:r>
-            <a:r>
-              <a:rPr lang="en-US" sz="1200" dirty="0" err="1">
-                <a:solidFill>
-                  <a:srgbClr val="003E82"/>
-                </a:solidFill>
-                <a:latin typeface="Arial" charset="0"/>
-                <a:ea typeface="Arial" charset="0"/>
-                <a:cs typeface="Arial" charset="0"/>
-              </a:rPr>
-              <a:t>материнстве</a:t>
-            </a:r>
-            <a:r>
-              <a:rPr lang="en-US" sz="1200" dirty="0">
-                <a:solidFill>
-                  <a:srgbClr val="003E82"/>
-                </a:solidFill>
-                <a:latin typeface="Arial" charset="0"/>
-                <a:ea typeface="Arial" charset="0"/>
-                <a:cs typeface="Arial" charset="0"/>
-              </a:rPr>
-              <a:t>: [</a:t>
-            </a:r>
-            <a:r>
-              <a:rPr lang="en-US" sz="1200" dirty="0" err="1">
-                <a:solidFill>
-                  <a:srgbClr val="003E82"/>
-                </a:solidFill>
-                <a:latin typeface="Arial" charset="0"/>
-                <a:ea typeface="Arial" charset="0"/>
-                <a:cs typeface="Arial" charset="0"/>
-              </a:rPr>
-              <a:t>Электронный</a:t>
-            </a:r>
-            <a:r>
-              <a:rPr lang="en-US" sz="1200" dirty="0">
-                <a:solidFill>
-                  <a:srgbClr val="003E82"/>
-                </a:solidFill>
-                <a:latin typeface="Arial" charset="0"/>
-                <a:ea typeface="Arial" charset="0"/>
-                <a:cs typeface="Arial" charset="0"/>
-              </a:rPr>
-              <a:t> </a:t>
-            </a:r>
-            <a:r>
-              <a:rPr lang="en-US" sz="1200" dirty="0" err="1">
-                <a:solidFill>
-                  <a:srgbClr val="003E82"/>
-                </a:solidFill>
-                <a:latin typeface="Arial" charset="0"/>
-                <a:ea typeface="Arial" charset="0"/>
-                <a:cs typeface="Arial" charset="0"/>
-              </a:rPr>
-              <a:t>ресурс</a:t>
-            </a:r>
-            <a:r>
-              <a:rPr lang="en-US" sz="1200" dirty="0">
-                <a:solidFill>
-                  <a:srgbClr val="003E82"/>
-                </a:solidFill>
-                <a:latin typeface="Arial" charset="0"/>
-                <a:ea typeface="Arial" charset="0"/>
-                <a:cs typeface="Arial" charset="0"/>
-              </a:rPr>
-              <a:t>]. </a:t>
-            </a:r>
-            <a:r>
-              <a:rPr lang="en-US" sz="1200" dirty="0" err="1">
-                <a:solidFill>
-                  <a:srgbClr val="003E82"/>
-                </a:solidFill>
-                <a:latin typeface="Arial" charset="0"/>
-                <a:ea typeface="Arial" charset="0"/>
-                <a:cs typeface="Arial" charset="0"/>
-              </a:rPr>
-              <a:t>М</a:t>
-            </a:r>
-            <a:r>
-              <a:rPr lang="en-US" sz="1200" dirty="0">
-                <a:solidFill>
-                  <a:srgbClr val="003E82"/>
-                </a:solidFill>
-                <a:latin typeface="Arial" charset="0"/>
-                <a:ea typeface="Arial" charset="0"/>
-                <a:cs typeface="Arial" charset="0"/>
-              </a:rPr>
-              <a:t>., 2005-2017. URL: https://</a:t>
-            </a:r>
-            <a:r>
-              <a:rPr lang="en-US" sz="1200" dirty="0" err="1">
-                <a:solidFill>
-                  <a:srgbClr val="003E82"/>
-                </a:solidFill>
-                <a:latin typeface="Arial" charset="0"/>
-                <a:ea typeface="Arial" charset="0"/>
-                <a:cs typeface="Arial" charset="0"/>
-              </a:rPr>
-              <a:t>www.babyblog.ru</a:t>
-            </a:r>
-            <a:r>
-              <a:rPr lang="en-US" sz="1200" dirty="0">
-                <a:solidFill>
-                  <a:srgbClr val="003E82"/>
-                </a:solidFill>
-                <a:latin typeface="Arial" charset="0"/>
-                <a:ea typeface="Arial" charset="0"/>
-                <a:cs typeface="Arial" charset="0"/>
-              </a:rPr>
-              <a:t>/. (</a:t>
-            </a:r>
-            <a:r>
-              <a:rPr lang="en-US" sz="1200" dirty="0" err="1">
-                <a:solidFill>
-                  <a:srgbClr val="003E82"/>
-                </a:solidFill>
-                <a:latin typeface="Arial" charset="0"/>
-                <a:ea typeface="Arial" charset="0"/>
-                <a:cs typeface="Arial" charset="0"/>
-              </a:rPr>
-              <a:t>Дата</a:t>
-            </a:r>
-            <a:r>
-              <a:rPr lang="en-US" sz="1200" dirty="0">
-                <a:solidFill>
-                  <a:srgbClr val="003E82"/>
-                </a:solidFill>
-                <a:latin typeface="Arial" charset="0"/>
-                <a:ea typeface="Arial" charset="0"/>
-                <a:cs typeface="Arial" charset="0"/>
-              </a:rPr>
-              <a:t> </a:t>
-            </a:r>
-            <a:r>
-              <a:rPr lang="en-US" sz="1200" dirty="0" err="1">
-                <a:solidFill>
-                  <a:srgbClr val="003E82"/>
-                </a:solidFill>
-                <a:latin typeface="Arial" charset="0"/>
-                <a:ea typeface="Arial" charset="0"/>
-                <a:cs typeface="Arial" charset="0"/>
-              </a:rPr>
-              <a:t>обращения</a:t>
-            </a:r>
-            <a:r>
-              <a:rPr lang="en-US" sz="1200" dirty="0">
-                <a:solidFill>
-                  <a:srgbClr val="003E82"/>
-                </a:solidFill>
-                <a:latin typeface="Arial" charset="0"/>
-                <a:ea typeface="Arial" charset="0"/>
-                <a:cs typeface="Arial" charset="0"/>
-              </a:rPr>
-              <a:t>: 18.10.2017</a:t>
-            </a:r>
-            <a:r>
-              <a:rPr lang="en-US" sz="1200" dirty="0" smtClean="0">
-                <a:solidFill>
-                  <a:srgbClr val="003E82"/>
-                </a:solidFill>
-                <a:latin typeface="Arial" charset="0"/>
-                <a:ea typeface="Arial" charset="0"/>
-                <a:cs typeface="Arial" charset="0"/>
-              </a:rPr>
-              <a:t>).</a:t>
-            </a:r>
-            <a:endParaRPr lang="ru-RU" sz="1200" dirty="0" smtClean="0">
-              <a:solidFill>
-                <a:srgbClr val="003E82"/>
-              </a:solidFill>
-              <a:latin typeface="Arial" charset="0"/>
-              <a:ea typeface="Arial" charset="0"/>
-              <a:cs typeface="Arial" charset="0"/>
-            </a:endParaRPr>
-          </a:p>
-          <a:p>
-            <a:pPr marL="342900" lvl="0" indent="-342900" algn="just">
-              <a:buFont typeface="+mj-lt"/>
-              <a:buAutoNum type="arabicPeriod"/>
-            </a:pPr>
-            <a:r>
-              <a:rPr lang="ru-RU" sz="1200" dirty="0" smtClean="0">
-                <a:solidFill>
-                  <a:srgbClr val="003E82"/>
-                </a:solidFill>
-                <a:latin typeface="Arial" charset="0"/>
-                <a:ea typeface="Arial" charset="0"/>
-                <a:cs typeface="Arial" charset="0"/>
-              </a:rPr>
-              <a:t>Сайт </a:t>
-            </a:r>
-            <a:r>
-              <a:rPr lang="ru-RU" sz="1200" dirty="0">
-                <a:solidFill>
-                  <a:srgbClr val="003E82"/>
-                </a:solidFill>
-                <a:latin typeface="Arial" charset="0"/>
-                <a:ea typeface="Arial" charset="0"/>
-                <a:cs typeface="Arial" charset="0"/>
-              </a:rPr>
-              <a:t>по обучению разработке приложений под Android: [Электронный ресурс]. М., 2011-2017. URL: </a:t>
-            </a:r>
-            <a:r>
-              <a:rPr lang="ru-RU" sz="1200" dirty="0" err="1">
-                <a:solidFill>
-                  <a:srgbClr val="003E82"/>
-                </a:solidFill>
-                <a:latin typeface="Arial" charset="0"/>
-                <a:ea typeface="Arial" charset="0"/>
-                <a:cs typeface="Arial" charset="0"/>
-              </a:rPr>
-              <a:t>http</a:t>
-            </a:r>
-            <a:r>
-              <a:rPr lang="ru-RU" sz="1200" dirty="0">
-                <a:solidFill>
-                  <a:srgbClr val="003E82"/>
-                </a:solidFill>
-                <a:latin typeface="Arial" charset="0"/>
-                <a:ea typeface="Arial" charset="0"/>
-                <a:cs typeface="Arial" charset="0"/>
-              </a:rPr>
-              <a:t>://</a:t>
-            </a:r>
-            <a:r>
-              <a:rPr lang="ru-RU" sz="1200" dirty="0" err="1">
-                <a:solidFill>
-                  <a:srgbClr val="003E82"/>
-                </a:solidFill>
-                <a:latin typeface="Arial" charset="0"/>
-                <a:ea typeface="Arial" charset="0"/>
-                <a:cs typeface="Arial" charset="0"/>
-              </a:rPr>
-              <a:t>startandroid.ru</a:t>
-            </a:r>
-            <a:r>
-              <a:rPr lang="ru-RU" sz="1200" dirty="0">
-                <a:solidFill>
-                  <a:srgbClr val="003E82"/>
-                </a:solidFill>
-                <a:latin typeface="Arial" charset="0"/>
-                <a:ea typeface="Arial" charset="0"/>
-                <a:cs typeface="Arial" charset="0"/>
-              </a:rPr>
-              <a:t>/ru/. (Дата обращения: 18.10.2017</a:t>
-            </a:r>
-            <a:r>
-              <a:rPr lang="ru-RU" sz="1200" dirty="0" smtClean="0">
-                <a:solidFill>
-                  <a:srgbClr val="003E82"/>
-                </a:solidFill>
-                <a:latin typeface="Arial" charset="0"/>
-                <a:ea typeface="Arial" charset="0"/>
-                <a:cs typeface="Arial" charset="0"/>
-              </a:rPr>
-              <a:t>).</a:t>
-            </a:r>
-          </a:p>
-          <a:p>
-            <a:pPr marL="342900" lvl="0" indent="-342900" algn="just">
-              <a:buFont typeface="+mj-lt"/>
-              <a:buAutoNum type="arabicPeriod"/>
-            </a:pPr>
-            <a:r>
-              <a:rPr lang="ru-RU" sz="1200" dirty="0">
-                <a:solidFill>
-                  <a:srgbClr val="003E82"/>
-                </a:solidFill>
-                <a:latin typeface="Arial" charset="0"/>
-                <a:ea typeface="Arial" charset="0"/>
-                <a:cs typeface="Arial" charset="0"/>
-              </a:rPr>
-              <a:t>Сайт </a:t>
-            </a:r>
-            <a:r>
-              <a:rPr lang="ru-RU" sz="1200" dirty="0" smtClean="0">
-                <a:solidFill>
-                  <a:srgbClr val="003E82"/>
-                </a:solidFill>
-                <a:latin typeface="Arial" charset="0"/>
-                <a:ea typeface="Arial" charset="0"/>
-                <a:cs typeface="Arial" charset="0"/>
-              </a:rPr>
-              <a:t>сервиса </a:t>
-            </a:r>
-            <a:r>
-              <a:rPr lang="en-US" sz="1200" dirty="0" smtClean="0">
-                <a:solidFill>
-                  <a:srgbClr val="003E82"/>
-                </a:solidFill>
-                <a:latin typeface="Arial" charset="0"/>
-                <a:ea typeface="Arial" charset="0"/>
-                <a:cs typeface="Arial" charset="0"/>
-              </a:rPr>
-              <a:t>Firebase</a:t>
-            </a:r>
-            <a:r>
-              <a:rPr lang="ru-RU" sz="1200" dirty="0" smtClean="0">
-                <a:solidFill>
-                  <a:srgbClr val="003E82"/>
-                </a:solidFill>
-                <a:latin typeface="Arial" charset="0"/>
-                <a:ea typeface="Arial" charset="0"/>
-                <a:cs typeface="Arial" charset="0"/>
-              </a:rPr>
-              <a:t>: </a:t>
-            </a:r>
-            <a:r>
-              <a:rPr lang="ru-RU" sz="1200" dirty="0">
-                <a:solidFill>
-                  <a:srgbClr val="003E82"/>
-                </a:solidFill>
-                <a:latin typeface="Arial" charset="0"/>
-                <a:ea typeface="Arial" charset="0"/>
-                <a:cs typeface="Arial" charset="0"/>
-              </a:rPr>
-              <a:t>[Электронный ресурс]. М., </a:t>
-            </a:r>
-            <a:r>
-              <a:rPr lang="ru-RU" sz="1200" dirty="0" smtClean="0">
-                <a:solidFill>
-                  <a:srgbClr val="003E82"/>
-                </a:solidFill>
-                <a:latin typeface="Arial" charset="0"/>
-                <a:ea typeface="Arial" charset="0"/>
-                <a:cs typeface="Arial" charset="0"/>
-              </a:rPr>
-              <a:t>201</a:t>
-            </a:r>
-            <a:r>
-              <a:rPr lang="en-US" sz="1200" dirty="0" smtClean="0">
-                <a:solidFill>
-                  <a:srgbClr val="003E82"/>
-                </a:solidFill>
-                <a:latin typeface="Arial" charset="0"/>
-                <a:ea typeface="Arial" charset="0"/>
-                <a:cs typeface="Arial" charset="0"/>
-              </a:rPr>
-              <a:t>2</a:t>
-            </a:r>
-            <a:r>
-              <a:rPr lang="ru-RU" sz="1200" dirty="0" smtClean="0">
-                <a:solidFill>
-                  <a:srgbClr val="003E82"/>
-                </a:solidFill>
-                <a:latin typeface="Arial" charset="0"/>
-                <a:ea typeface="Arial" charset="0"/>
-                <a:cs typeface="Arial" charset="0"/>
-              </a:rPr>
-              <a:t>-2017</a:t>
-            </a:r>
-            <a:r>
-              <a:rPr lang="ru-RU" sz="1200" dirty="0">
-                <a:solidFill>
-                  <a:srgbClr val="003E82"/>
-                </a:solidFill>
-                <a:latin typeface="Arial" charset="0"/>
-                <a:ea typeface="Arial" charset="0"/>
-                <a:cs typeface="Arial" charset="0"/>
-              </a:rPr>
-              <a:t>. URL: </a:t>
-            </a:r>
-            <a:r>
-              <a:rPr lang="en-US" sz="1200" dirty="0">
-                <a:solidFill>
-                  <a:srgbClr val="003E82"/>
-                </a:solidFill>
-                <a:latin typeface="Arial" charset="0"/>
-                <a:ea typeface="Arial" charset="0"/>
-                <a:cs typeface="Arial" charset="0"/>
-              </a:rPr>
-              <a:t>https://</a:t>
-            </a:r>
-            <a:r>
-              <a:rPr lang="en-US" sz="1200" dirty="0" err="1">
-                <a:solidFill>
-                  <a:srgbClr val="003E82"/>
-                </a:solidFill>
-                <a:latin typeface="Arial" charset="0"/>
-                <a:ea typeface="Arial" charset="0"/>
-                <a:cs typeface="Arial" charset="0"/>
-              </a:rPr>
-              <a:t>www.firebase.com</a:t>
-            </a:r>
-            <a:r>
-              <a:rPr lang="en-US" sz="1200" dirty="0" smtClean="0">
-                <a:solidFill>
-                  <a:srgbClr val="003E82"/>
-                </a:solidFill>
-                <a:latin typeface="Arial" charset="0"/>
-                <a:ea typeface="Arial" charset="0"/>
-                <a:cs typeface="Arial" charset="0"/>
-              </a:rPr>
-              <a:t>/</a:t>
-            </a:r>
-            <a:r>
-              <a:rPr lang="ru-RU" sz="1200" dirty="0" smtClean="0">
-                <a:solidFill>
-                  <a:srgbClr val="003E82"/>
-                </a:solidFill>
-                <a:latin typeface="Arial" charset="0"/>
-                <a:ea typeface="Arial" charset="0"/>
-                <a:cs typeface="Arial" charset="0"/>
-              </a:rPr>
-              <a:t>. </a:t>
-            </a:r>
-            <a:r>
-              <a:rPr lang="ru-RU" sz="1200" dirty="0">
-                <a:solidFill>
-                  <a:srgbClr val="003E82"/>
-                </a:solidFill>
-                <a:latin typeface="Arial" charset="0"/>
-                <a:ea typeface="Arial" charset="0"/>
-                <a:cs typeface="Arial" charset="0"/>
-              </a:rPr>
-              <a:t>(Дата обращения: </a:t>
-            </a:r>
-            <a:r>
-              <a:rPr lang="en-US" sz="1200" dirty="0" smtClean="0">
-                <a:solidFill>
-                  <a:srgbClr val="003E82"/>
-                </a:solidFill>
-                <a:latin typeface="Arial" charset="0"/>
-                <a:ea typeface="Arial" charset="0"/>
-                <a:cs typeface="Arial" charset="0"/>
-              </a:rPr>
-              <a:t>17</a:t>
-            </a:r>
-            <a:r>
-              <a:rPr lang="ru-RU" sz="1200" dirty="0" smtClean="0">
-                <a:solidFill>
-                  <a:srgbClr val="003E82"/>
-                </a:solidFill>
-                <a:latin typeface="Arial" charset="0"/>
-                <a:ea typeface="Arial" charset="0"/>
-                <a:cs typeface="Arial" charset="0"/>
-              </a:rPr>
-              <a:t>.1</a:t>
-            </a:r>
-            <a:r>
-              <a:rPr lang="en-US" sz="1200" dirty="0" smtClean="0">
-                <a:solidFill>
-                  <a:srgbClr val="003E82"/>
-                </a:solidFill>
-                <a:latin typeface="Arial" charset="0"/>
-                <a:ea typeface="Arial" charset="0"/>
-                <a:cs typeface="Arial" charset="0"/>
-              </a:rPr>
-              <a:t>1</a:t>
-            </a:r>
-            <a:r>
-              <a:rPr lang="ru-RU" sz="1200" dirty="0" smtClean="0">
-                <a:solidFill>
-                  <a:srgbClr val="003E82"/>
-                </a:solidFill>
-                <a:latin typeface="Arial" charset="0"/>
-                <a:ea typeface="Arial" charset="0"/>
-                <a:cs typeface="Arial" charset="0"/>
-              </a:rPr>
-              <a:t>.2017</a:t>
-            </a:r>
-            <a:r>
-              <a:rPr lang="ru-RU" sz="1200" dirty="0">
-                <a:solidFill>
-                  <a:srgbClr val="003E82"/>
-                </a:solidFill>
-                <a:latin typeface="Arial" charset="0"/>
-                <a:ea typeface="Arial" charset="0"/>
-                <a:cs typeface="Arial" charset="0"/>
-              </a:rPr>
-              <a:t>).</a:t>
-            </a:r>
-          </a:p>
-          <a:p>
-            <a:pPr marL="342900" indent="-342900" algn="just">
-              <a:buFont typeface="+mj-lt"/>
-              <a:buAutoNum type="arabicPeriod"/>
-            </a:pPr>
-            <a:r>
-              <a:rPr lang="ru-RU" sz="1200" dirty="0" smtClean="0">
-                <a:solidFill>
-                  <a:srgbClr val="003E82"/>
-                </a:solidFill>
-                <a:latin typeface="Arial" charset="0"/>
-                <a:ea typeface="Arial" charset="0"/>
-                <a:cs typeface="Arial" charset="0"/>
-              </a:rPr>
-              <a:t>Сайт </a:t>
-            </a:r>
-            <a:r>
-              <a:rPr lang="ru-RU" sz="1200" dirty="0">
-                <a:solidFill>
-                  <a:srgbClr val="003E82"/>
-                </a:solidFill>
-                <a:latin typeface="Arial" charset="0"/>
-                <a:ea typeface="Arial" charset="0"/>
-                <a:cs typeface="Arial" charset="0"/>
-              </a:rPr>
-              <a:t>фитнес-браслета </a:t>
-            </a:r>
-            <a:r>
-              <a:rPr lang="en-US" sz="1200" dirty="0" err="1">
-                <a:solidFill>
-                  <a:srgbClr val="003E82"/>
-                </a:solidFill>
-                <a:latin typeface="Arial" charset="0"/>
-                <a:ea typeface="Arial" charset="0"/>
-                <a:cs typeface="Arial" charset="0"/>
-              </a:rPr>
-              <a:t>Mi</a:t>
-            </a:r>
-            <a:r>
-              <a:rPr lang="en-US" sz="1200" dirty="0">
-                <a:solidFill>
-                  <a:srgbClr val="003E82"/>
-                </a:solidFill>
-                <a:latin typeface="Arial" charset="0"/>
-                <a:ea typeface="Arial" charset="0"/>
-                <a:cs typeface="Arial" charset="0"/>
-              </a:rPr>
-              <a:t> band</a:t>
-            </a:r>
-            <a:r>
-              <a:rPr lang="ru-RU" sz="1200" dirty="0">
-                <a:solidFill>
-                  <a:srgbClr val="003E82"/>
-                </a:solidFill>
-                <a:latin typeface="Arial" charset="0"/>
-                <a:ea typeface="Arial" charset="0"/>
-                <a:cs typeface="Arial" charset="0"/>
-              </a:rPr>
-              <a:t>: [Электронный ресурс]. </a:t>
-            </a:r>
-            <a:r>
-              <a:rPr lang="en-US" sz="1200" dirty="0">
-                <a:solidFill>
-                  <a:srgbClr val="003E82"/>
-                </a:solidFill>
-                <a:latin typeface="Arial" charset="0"/>
-                <a:ea typeface="Arial" charset="0"/>
-                <a:cs typeface="Arial" charset="0"/>
-              </a:rPr>
-              <a:t>2010-2017. URL: http://</a:t>
-            </a:r>
-            <a:r>
-              <a:rPr lang="en-US" sz="1200" dirty="0" err="1">
-                <a:solidFill>
-                  <a:srgbClr val="003E82"/>
-                </a:solidFill>
-                <a:latin typeface="Arial" charset="0"/>
-                <a:ea typeface="Arial" charset="0"/>
-                <a:cs typeface="Arial" charset="0"/>
-              </a:rPr>
-              <a:t>www.mi.com</a:t>
-            </a:r>
-            <a:r>
-              <a:rPr lang="en-US" sz="1200" dirty="0">
-                <a:solidFill>
-                  <a:srgbClr val="003E82"/>
-                </a:solidFill>
-                <a:latin typeface="Arial" charset="0"/>
-                <a:ea typeface="Arial" charset="0"/>
-                <a:cs typeface="Arial" charset="0"/>
-              </a:rPr>
-              <a:t>/</a:t>
-            </a:r>
-            <a:r>
-              <a:rPr lang="en-US" sz="1200" dirty="0" err="1">
-                <a:solidFill>
-                  <a:srgbClr val="003E82"/>
-                </a:solidFill>
-                <a:latin typeface="Arial" charset="0"/>
-                <a:ea typeface="Arial" charset="0"/>
-                <a:cs typeface="Arial" charset="0"/>
-              </a:rPr>
-              <a:t>en</a:t>
-            </a:r>
-            <a:r>
-              <a:rPr lang="en-US" sz="1200" dirty="0">
-                <a:solidFill>
-                  <a:srgbClr val="003E82"/>
-                </a:solidFill>
-                <a:latin typeface="Arial" charset="0"/>
-                <a:ea typeface="Arial" charset="0"/>
-                <a:cs typeface="Arial" charset="0"/>
-              </a:rPr>
-              <a:t>/</a:t>
-            </a:r>
-            <a:r>
-              <a:rPr lang="en-US" sz="1200" dirty="0" err="1">
-                <a:solidFill>
-                  <a:srgbClr val="003E82"/>
-                </a:solidFill>
-                <a:latin typeface="Arial" charset="0"/>
-                <a:ea typeface="Arial" charset="0"/>
-                <a:cs typeface="Arial" charset="0"/>
-              </a:rPr>
-              <a:t>miband</a:t>
-            </a:r>
-            <a:r>
-              <a:rPr lang="en-US" sz="1200" dirty="0">
-                <a:solidFill>
-                  <a:srgbClr val="003E82"/>
-                </a:solidFill>
-                <a:latin typeface="Arial" charset="0"/>
-                <a:ea typeface="Arial" charset="0"/>
-                <a:cs typeface="Arial" charset="0"/>
-              </a:rPr>
-              <a:t>/. (</a:t>
-            </a:r>
-            <a:r>
-              <a:rPr lang="en-US" sz="1200" dirty="0" err="1">
-                <a:solidFill>
-                  <a:srgbClr val="003E82"/>
-                </a:solidFill>
-                <a:latin typeface="Arial" charset="0"/>
-                <a:ea typeface="Arial" charset="0"/>
-                <a:cs typeface="Arial" charset="0"/>
-              </a:rPr>
-              <a:t>Дата</a:t>
-            </a:r>
-            <a:r>
-              <a:rPr lang="en-US" sz="1200" dirty="0">
-                <a:solidFill>
-                  <a:srgbClr val="003E82"/>
-                </a:solidFill>
-                <a:latin typeface="Arial" charset="0"/>
-                <a:ea typeface="Arial" charset="0"/>
-                <a:cs typeface="Arial" charset="0"/>
-              </a:rPr>
-              <a:t> </a:t>
-            </a:r>
-            <a:r>
-              <a:rPr lang="en-US" sz="1200" dirty="0" err="1">
-                <a:solidFill>
-                  <a:srgbClr val="003E82"/>
-                </a:solidFill>
-                <a:latin typeface="Arial" charset="0"/>
-                <a:ea typeface="Arial" charset="0"/>
-                <a:cs typeface="Arial" charset="0"/>
-              </a:rPr>
-              <a:t>обращения</a:t>
-            </a:r>
-            <a:r>
-              <a:rPr lang="en-US" sz="1200" dirty="0">
-                <a:solidFill>
-                  <a:srgbClr val="003E82"/>
-                </a:solidFill>
-                <a:latin typeface="Arial" charset="0"/>
-                <a:ea typeface="Arial" charset="0"/>
-                <a:cs typeface="Arial" charset="0"/>
-              </a:rPr>
-              <a:t>: 18.10.2017</a:t>
-            </a:r>
-            <a:r>
-              <a:rPr lang="en-US" sz="1200" dirty="0" smtClean="0">
-                <a:solidFill>
-                  <a:srgbClr val="003E82"/>
-                </a:solidFill>
-                <a:latin typeface="Arial" charset="0"/>
-                <a:ea typeface="Arial" charset="0"/>
-                <a:cs typeface="Arial" charset="0"/>
-              </a:rPr>
-              <a:t>).</a:t>
-            </a:r>
-            <a:endParaRPr lang="ru-RU" sz="1200" dirty="0" smtClean="0">
-              <a:solidFill>
-                <a:srgbClr val="003E82"/>
-              </a:solidFill>
-              <a:latin typeface="Arial" charset="0"/>
-              <a:ea typeface="Arial" charset="0"/>
-              <a:cs typeface="Arial" charset="0"/>
-            </a:endParaRPr>
-          </a:p>
-          <a:p>
-            <a:pPr marL="342900" lvl="0" indent="-342900" algn="just">
-              <a:buFont typeface="+mj-lt"/>
-              <a:buAutoNum type="arabicPeriod"/>
-            </a:pPr>
-            <a:r>
-              <a:rPr lang="en-US" sz="1200" dirty="0" err="1" smtClean="0">
-                <a:solidFill>
-                  <a:srgbClr val="003E82"/>
-                </a:solidFill>
-                <a:latin typeface="Arial" charset="0"/>
-                <a:ea typeface="Arial" charset="0"/>
-                <a:cs typeface="Arial" charset="0"/>
-              </a:rPr>
-              <a:t>Социальная</a:t>
-            </a:r>
-            <a:r>
-              <a:rPr lang="en-US" sz="1200" dirty="0" smtClean="0">
-                <a:solidFill>
-                  <a:srgbClr val="003E82"/>
-                </a:solidFill>
-                <a:latin typeface="Arial" charset="0"/>
-                <a:ea typeface="Arial" charset="0"/>
-                <a:cs typeface="Arial" charset="0"/>
-              </a:rPr>
-              <a:t> </a:t>
-            </a:r>
-            <a:r>
-              <a:rPr lang="en-US" sz="1200" dirty="0" err="1">
-                <a:solidFill>
-                  <a:srgbClr val="003E82"/>
-                </a:solidFill>
-                <a:latin typeface="Arial" charset="0"/>
-                <a:ea typeface="Arial" charset="0"/>
-                <a:cs typeface="Arial" charset="0"/>
-              </a:rPr>
-              <a:t>сеть</a:t>
-            </a:r>
-            <a:r>
-              <a:rPr lang="en-US" sz="1200" dirty="0">
-                <a:solidFill>
-                  <a:srgbClr val="003E82"/>
-                </a:solidFill>
-                <a:latin typeface="Arial" charset="0"/>
-                <a:ea typeface="Arial" charset="0"/>
-                <a:cs typeface="Arial" charset="0"/>
-              </a:rPr>
-              <a:t> </a:t>
-            </a:r>
-            <a:r>
-              <a:rPr lang="en-US" sz="1200" dirty="0" err="1">
-                <a:solidFill>
-                  <a:srgbClr val="003E82"/>
-                </a:solidFill>
-                <a:latin typeface="Arial" charset="0"/>
-                <a:ea typeface="Arial" charset="0"/>
-                <a:cs typeface="Arial" charset="0"/>
-              </a:rPr>
-              <a:t>для</a:t>
-            </a:r>
-            <a:r>
-              <a:rPr lang="en-US" sz="1200" dirty="0">
-                <a:solidFill>
-                  <a:srgbClr val="003E82"/>
-                </a:solidFill>
-                <a:latin typeface="Arial" charset="0"/>
-                <a:ea typeface="Arial" charset="0"/>
-                <a:cs typeface="Arial" charset="0"/>
-              </a:rPr>
-              <a:t> </a:t>
-            </a:r>
-            <a:r>
-              <a:rPr lang="en-US" sz="1200" dirty="0" err="1">
-                <a:solidFill>
-                  <a:srgbClr val="003E82"/>
-                </a:solidFill>
-                <a:latin typeface="Arial" charset="0"/>
-                <a:ea typeface="Arial" charset="0"/>
-                <a:cs typeface="Arial" charset="0"/>
-              </a:rPr>
-              <a:t>мам</a:t>
-            </a:r>
-            <a:r>
-              <a:rPr lang="en-US" sz="1200" dirty="0">
-                <a:solidFill>
-                  <a:srgbClr val="003E82"/>
-                </a:solidFill>
-                <a:latin typeface="Arial" charset="0"/>
-                <a:ea typeface="Arial" charset="0"/>
-                <a:cs typeface="Arial" charset="0"/>
-              </a:rPr>
-              <a:t>: [</a:t>
-            </a:r>
-            <a:r>
-              <a:rPr lang="en-US" sz="1200" dirty="0" err="1">
-                <a:solidFill>
-                  <a:srgbClr val="003E82"/>
-                </a:solidFill>
-                <a:latin typeface="Arial" charset="0"/>
-                <a:ea typeface="Arial" charset="0"/>
-                <a:cs typeface="Arial" charset="0"/>
-              </a:rPr>
-              <a:t>Электронный</a:t>
-            </a:r>
-            <a:r>
-              <a:rPr lang="en-US" sz="1200" dirty="0">
-                <a:solidFill>
-                  <a:srgbClr val="003E82"/>
-                </a:solidFill>
-                <a:latin typeface="Arial" charset="0"/>
-                <a:ea typeface="Arial" charset="0"/>
-                <a:cs typeface="Arial" charset="0"/>
-              </a:rPr>
-              <a:t> </a:t>
-            </a:r>
-            <a:r>
-              <a:rPr lang="en-US" sz="1200" dirty="0" err="1">
-                <a:solidFill>
-                  <a:srgbClr val="003E82"/>
-                </a:solidFill>
-                <a:latin typeface="Arial" charset="0"/>
-                <a:ea typeface="Arial" charset="0"/>
-                <a:cs typeface="Arial" charset="0"/>
-              </a:rPr>
-              <a:t>ресурс</a:t>
-            </a:r>
-            <a:r>
-              <a:rPr lang="en-US" sz="1200" dirty="0">
-                <a:solidFill>
-                  <a:srgbClr val="003E82"/>
-                </a:solidFill>
-                <a:latin typeface="Arial" charset="0"/>
-                <a:ea typeface="Arial" charset="0"/>
-                <a:cs typeface="Arial" charset="0"/>
-              </a:rPr>
-              <a:t>]. </a:t>
-            </a:r>
-            <a:r>
-              <a:rPr lang="en-US" sz="1200" dirty="0" err="1">
-                <a:solidFill>
-                  <a:srgbClr val="003E82"/>
-                </a:solidFill>
-                <a:latin typeface="Arial" charset="0"/>
-                <a:ea typeface="Arial" charset="0"/>
-                <a:cs typeface="Arial" charset="0"/>
-              </a:rPr>
-              <a:t>М</a:t>
-            </a:r>
-            <a:r>
-              <a:rPr lang="en-US" sz="1200" dirty="0">
-                <a:solidFill>
-                  <a:srgbClr val="003E82"/>
-                </a:solidFill>
-                <a:latin typeface="Arial" charset="0"/>
-                <a:ea typeface="Arial" charset="0"/>
-                <a:cs typeface="Arial" charset="0"/>
-              </a:rPr>
-              <a:t>., 2009-2017. URL: http://</a:t>
-            </a:r>
-            <a:r>
-              <a:rPr lang="en-US" sz="1200" dirty="0" err="1">
-                <a:solidFill>
-                  <a:srgbClr val="003E82"/>
-                </a:solidFill>
-                <a:latin typeface="Arial" charset="0"/>
-                <a:ea typeface="Arial" charset="0"/>
-                <a:cs typeface="Arial" charset="0"/>
-              </a:rPr>
-              <a:t>www.stranamam.ru</a:t>
-            </a:r>
-            <a:r>
-              <a:rPr lang="en-US" sz="1200" dirty="0">
-                <a:solidFill>
-                  <a:srgbClr val="003E82"/>
-                </a:solidFill>
-                <a:latin typeface="Arial" charset="0"/>
-                <a:ea typeface="Arial" charset="0"/>
-                <a:cs typeface="Arial" charset="0"/>
-              </a:rPr>
-              <a:t>/. </a:t>
-            </a:r>
-            <a:r>
-              <a:rPr lang="ru-RU" sz="1200" dirty="0">
-                <a:solidFill>
-                  <a:srgbClr val="003E82"/>
-                </a:solidFill>
-                <a:latin typeface="Arial" charset="0"/>
-                <a:ea typeface="Arial" charset="0"/>
-                <a:cs typeface="Arial" charset="0"/>
-              </a:rPr>
-              <a:t>(Дата обращения: 18.10.2017</a:t>
-            </a:r>
-            <a:r>
-              <a:rPr lang="ru-RU" sz="1200" dirty="0" smtClean="0">
-                <a:solidFill>
-                  <a:srgbClr val="003E82"/>
-                </a:solidFill>
-                <a:latin typeface="Arial" charset="0"/>
-                <a:ea typeface="Arial" charset="0"/>
-                <a:cs typeface="Arial" charset="0"/>
-              </a:rPr>
-              <a:t>).</a:t>
-            </a:r>
-          </a:p>
-          <a:p>
-            <a:pPr marL="342900" indent="-342900" algn="just">
-              <a:buFont typeface="+mj-lt"/>
-              <a:buAutoNum type="arabicPeriod"/>
-            </a:pPr>
-            <a:r>
-              <a:rPr lang="ru-RU" sz="1200" dirty="0" err="1">
-                <a:solidFill>
-                  <a:srgbClr val="003E82"/>
-                </a:solidFill>
-                <a:latin typeface="Arial" charset="0"/>
-                <a:ea typeface="Arial" charset="0"/>
-                <a:cs typeface="Arial" charset="0"/>
-              </a:rPr>
-              <a:t>Филлипс</a:t>
-            </a:r>
-            <a:r>
-              <a:rPr lang="ru-RU" sz="1200" dirty="0">
-                <a:solidFill>
-                  <a:srgbClr val="003E82"/>
-                </a:solidFill>
-                <a:latin typeface="Arial" charset="0"/>
-                <a:ea typeface="Arial" charset="0"/>
-                <a:cs typeface="Arial" charset="0"/>
-              </a:rPr>
-              <a:t> Б., Стюарт К., </a:t>
-            </a:r>
-            <a:r>
-              <a:rPr lang="ru-RU" sz="1200" dirty="0" err="1">
-                <a:solidFill>
-                  <a:srgbClr val="003E82"/>
-                </a:solidFill>
-                <a:latin typeface="Arial" charset="0"/>
-                <a:ea typeface="Arial" charset="0"/>
-                <a:cs typeface="Arial" charset="0"/>
-              </a:rPr>
-              <a:t>Марсикано</a:t>
-            </a:r>
-            <a:r>
-              <a:rPr lang="ru-RU" sz="1200" dirty="0">
-                <a:solidFill>
-                  <a:srgbClr val="003E82"/>
-                </a:solidFill>
-                <a:latin typeface="Arial" charset="0"/>
-                <a:ea typeface="Arial" charset="0"/>
-                <a:cs typeface="Arial" charset="0"/>
-              </a:rPr>
-              <a:t> К. Android. Программирование для профессионалов. 3-е издание. — СПб.: Питер, 2017. — 688 с.</a:t>
-            </a:r>
-          </a:p>
-          <a:p>
-            <a:pPr marL="342900" indent="-342900" algn="just">
-              <a:buFont typeface="+mj-lt"/>
-              <a:buAutoNum type="arabicPeriod"/>
-            </a:pPr>
-            <a:r>
-              <a:rPr lang="en-US" sz="1200" dirty="0">
-                <a:solidFill>
-                  <a:srgbClr val="003E82"/>
-                </a:solidFill>
-                <a:latin typeface="Arial" charset="0"/>
-                <a:ea typeface="Arial" charset="0"/>
-                <a:cs typeface="Arial" charset="0"/>
-              </a:rPr>
-              <a:t>Bloch. J. Effective Java: Programming Language Guide. — UK.: Addison-Wesley, 2001. — 272 </a:t>
-            </a:r>
-            <a:r>
-              <a:rPr lang="ru-RU" sz="1200" dirty="0">
-                <a:solidFill>
-                  <a:srgbClr val="003E82"/>
-                </a:solidFill>
-                <a:latin typeface="Arial" charset="0"/>
-                <a:ea typeface="Arial" charset="0"/>
-                <a:cs typeface="Arial" charset="0"/>
-              </a:rPr>
-              <a:t>с</a:t>
-            </a:r>
-            <a:r>
-              <a:rPr lang="en-US" sz="1200" dirty="0" smtClean="0">
-                <a:solidFill>
-                  <a:srgbClr val="003E82"/>
-                </a:solidFill>
-                <a:latin typeface="Arial" charset="0"/>
-                <a:ea typeface="Arial" charset="0"/>
-                <a:cs typeface="Arial" charset="0"/>
-              </a:rPr>
-              <a:t>.</a:t>
-            </a:r>
-            <a:endParaRPr lang="ru-RU" sz="1200" dirty="0">
-              <a:solidFill>
-                <a:srgbClr val="003E82"/>
-              </a:solidFill>
-              <a:latin typeface="Arial" charset="0"/>
-              <a:ea typeface="Arial" charset="0"/>
-              <a:cs typeface="Arial" charset="0"/>
-            </a:endParaRPr>
-          </a:p>
-          <a:p>
-            <a:pPr marL="342900" lvl="0" indent="-342900" algn="just">
-              <a:buFont typeface="+mj-lt"/>
-              <a:buAutoNum type="arabicPeriod"/>
-            </a:pPr>
-            <a:r>
-              <a:rPr lang="en-US" sz="1200" dirty="0">
-                <a:solidFill>
-                  <a:srgbClr val="003E82"/>
-                </a:solidFill>
-                <a:latin typeface="Arial" charset="0"/>
-                <a:ea typeface="Arial" charset="0"/>
-                <a:cs typeface="Arial" charset="0"/>
-              </a:rPr>
-              <a:t>Google Android Guidelines: [</a:t>
-            </a:r>
-            <a:r>
-              <a:rPr lang="ru-RU" sz="1200" dirty="0">
-                <a:solidFill>
-                  <a:srgbClr val="003E82"/>
-                </a:solidFill>
-                <a:latin typeface="Arial" charset="0"/>
-                <a:ea typeface="Arial" charset="0"/>
-                <a:cs typeface="Arial" charset="0"/>
-              </a:rPr>
-              <a:t>Электронный ресурс</a:t>
-            </a:r>
-            <a:r>
-              <a:rPr lang="en-US" sz="1200" dirty="0">
-                <a:solidFill>
-                  <a:srgbClr val="003E82"/>
-                </a:solidFill>
-                <a:latin typeface="Arial" charset="0"/>
-                <a:ea typeface="Arial" charset="0"/>
-                <a:cs typeface="Arial" charset="0"/>
-              </a:rPr>
-              <a:t>]. </a:t>
-            </a:r>
-            <a:r>
-              <a:rPr lang="en-US" sz="1200" dirty="0" err="1">
-                <a:solidFill>
-                  <a:srgbClr val="003E82"/>
-                </a:solidFill>
-                <a:latin typeface="Arial" charset="0"/>
-                <a:ea typeface="Arial" charset="0"/>
-                <a:cs typeface="Arial" charset="0"/>
-              </a:rPr>
-              <a:t>М</a:t>
-            </a:r>
-            <a:r>
-              <a:rPr lang="en-US" sz="1200" dirty="0">
-                <a:solidFill>
-                  <a:srgbClr val="003E82"/>
-                </a:solidFill>
-                <a:latin typeface="Arial" charset="0"/>
-                <a:ea typeface="Arial" charset="0"/>
-                <a:cs typeface="Arial" charset="0"/>
-              </a:rPr>
-              <a:t>., 2009-2017. URL</a:t>
-            </a:r>
-            <a:r>
-              <a:rPr lang="ru-RU" sz="1200" dirty="0">
-                <a:solidFill>
-                  <a:srgbClr val="003E82"/>
-                </a:solidFill>
-                <a:latin typeface="Arial" charset="0"/>
-                <a:ea typeface="Arial" charset="0"/>
-                <a:cs typeface="Arial" charset="0"/>
-              </a:rPr>
-              <a:t>: </a:t>
-            </a:r>
-            <a:r>
-              <a:rPr lang="en-US" sz="1200" dirty="0">
-                <a:solidFill>
-                  <a:srgbClr val="003E82"/>
-                </a:solidFill>
-                <a:latin typeface="Arial" charset="0"/>
-                <a:ea typeface="Arial" charset="0"/>
-                <a:cs typeface="Arial" charset="0"/>
-              </a:rPr>
-              <a:t>https</a:t>
-            </a:r>
-            <a:r>
-              <a:rPr lang="ru-RU" sz="1200" dirty="0">
-                <a:solidFill>
-                  <a:srgbClr val="003E82"/>
-                </a:solidFill>
-                <a:latin typeface="Arial" charset="0"/>
-                <a:ea typeface="Arial" charset="0"/>
-                <a:cs typeface="Arial" charset="0"/>
-              </a:rPr>
-              <a:t>://</a:t>
-            </a:r>
-            <a:r>
-              <a:rPr lang="en-US" sz="1200" dirty="0">
-                <a:solidFill>
-                  <a:srgbClr val="003E82"/>
-                </a:solidFill>
-                <a:latin typeface="Arial" charset="0"/>
-                <a:ea typeface="Arial" charset="0"/>
-                <a:cs typeface="Arial" charset="0"/>
-              </a:rPr>
-              <a:t>developer</a:t>
-            </a:r>
-            <a:r>
-              <a:rPr lang="ru-RU" sz="1200" dirty="0">
-                <a:solidFill>
-                  <a:srgbClr val="003E82"/>
-                </a:solidFill>
-                <a:latin typeface="Arial" charset="0"/>
-                <a:ea typeface="Arial" charset="0"/>
-                <a:cs typeface="Arial" charset="0"/>
-              </a:rPr>
-              <a:t>.</a:t>
-            </a:r>
-            <a:r>
-              <a:rPr lang="en-US" sz="1200" dirty="0">
-                <a:solidFill>
-                  <a:srgbClr val="003E82"/>
-                </a:solidFill>
-                <a:latin typeface="Arial" charset="0"/>
-                <a:ea typeface="Arial" charset="0"/>
-                <a:cs typeface="Arial" charset="0"/>
-              </a:rPr>
-              <a:t>android</a:t>
-            </a:r>
-            <a:r>
-              <a:rPr lang="ru-RU" sz="1200" dirty="0">
-                <a:solidFill>
-                  <a:srgbClr val="003E82"/>
-                </a:solidFill>
-                <a:latin typeface="Arial" charset="0"/>
-                <a:ea typeface="Arial" charset="0"/>
-                <a:cs typeface="Arial" charset="0"/>
-              </a:rPr>
-              <a:t>.</a:t>
-            </a:r>
-            <a:r>
-              <a:rPr lang="en-US" sz="1200" dirty="0">
-                <a:solidFill>
-                  <a:srgbClr val="003E82"/>
-                </a:solidFill>
-                <a:latin typeface="Arial" charset="0"/>
-                <a:ea typeface="Arial" charset="0"/>
-                <a:cs typeface="Arial" charset="0"/>
-              </a:rPr>
-              <a:t>com</a:t>
-            </a:r>
-            <a:r>
-              <a:rPr lang="ru-RU" sz="1200" dirty="0">
-                <a:solidFill>
-                  <a:srgbClr val="003E82"/>
-                </a:solidFill>
-                <a:latin typeface="Arial" charset="0"/>
-                <a:ea typeface="Arial" charset="0"/>
-                <a:cs typeface="Arial" charset="0"/>
-              </a:rPr>
-              <a:t>/</a:t>
-            </a:r>
-            <a:r>
-              <a:rPr lang="en-US" sz="1200" dirty="0">
-                <a:solidFill>
-                  <a:srgbClr val="003E82"/>
-                </a:solidFill>
-                <a:latin typeface="Arial" charset="0"/>
-                <a:ea typeface="Arial" charset="0"/>
-                <a:cs typeface="Arial" charset="0"/>
-              </a:rPr>
-              <a:t>design</a:t>
-            </a:r>
-            <a:r>
-              <a:rPr lang="ru-RU" sz="1200" dirty="0">
-                <a:solidFill>
-                  <a:srgbClr val="003E82"/>
-                </a:solidFill>
-                <a:latin typeface="Arial" charset="0"/>
-                <a:ea typeface="Arial" charset="0"/>
-                <a:cs typeface="Arial" charset="0"/>
-              </a:rPr>
-              <a:t>/</a:t>
-            </a:r>
-            <a:r>
-              <a:rPr lang="en-US" sz="1200" dirty="0">
-                <a:solidFill>
-                  <a:srgbClr val="003E82"/>
-                </a:solidFill>
-                <a:latin typeface="Arial" charset="0"/>
-                <a:ea typeface="Arial" charset="0"/>
-                <a:cs typeface="Arial" charset="0"/>
-              </a:rPr>
-              <a:t>index</a:t>
-            </a:r>
-            <a:r>
-              <a:rPr lang="ru-RU" sz="1200" dirty="0">
-                <a:solidFill>
-                  <a:srgbClr val="003E82"/>
-                </a:solidFill>
-                <a:latin typeface="Arial" charset="0"/>
-                <a:ea typeface="Arial" charset="0"/>
-                <a:cs typeface="Arial" charset="0"/>
-              </a:rPr>
-              <a:t>.</a:t>
-            </a:r>
-            <a:r>
-              <a:rPr lang="en-US" sz="1200" dirty="0">
-                <a:solidFill>
-                  <a:srgbClr val="003E82"/>
-                </a:solidFill>
-                <a:latin typeface="Arial" charset="0"/>
-                <a:ea typeface="Arial" charset="0"/>
-                <a:cs typeface="Arial" charset="0"/>
-              </a:rPr>
-              <a:t>html</a:t>
-            </a:r>
-            <a:r>
-              <a:rPr lang="ru-RU" sz="1200" dirty="0">
-                <a:solidFill>
-                  <a:srgbClr val="003E82"/>
-                </a:solidFill>
-                <a:latin typeface="Arial" charset="0"/>
-                <a:ea typeface="Arial" charset="0"/>
-                <a:cs typeface="Arial" charset="0"/>
-              </a:rPr>
-              <a:t>. (Дата обращения: 18.10.2017</a:t>
-            </a:r>
-            <a:r>
-              <a:rPr lang="ru-RU" sz="1200" dirty="0" smtClean="0">
-                <a:solidFill>
-                  <a:srgbClr val="003E82"/>
-                </a:solidFill>
-                <a:latin typeface="Arial" charset="0"/>
-                <a:ea typeface="Arial" charset="0"/>
-                <a:cs typeface="Arial" charset="0"/>
-              </a:rPr>
-              <a:t>).</a:t>
-            </a:r>
-          </a:p>
-          <a:p>
-            <a:pPr marL="342900" lvl="0" indent="-342900" algn="just">
-              <a:buFont typeface="+mj-lt"/>
-              <a:buAutoNum type="arabicPeriod"/>
-            </a:pPr>
-            <a:r>
-              <a:rPr lang="en-US" sz="1200" dirty="0">
-                <a:solidFill>
-                  <a:srgbClr val="003E82"/>
-                </a:solidFill>
-                <a:latin typeface="Arial" charset="0"/>
-                <a:ea typeface="Arial" charset="0"/>
-                <a:cs typeface="Arial" charset="0"/>
-              </a:rPr>
-              <a:t>Jason W. Android </a:t>
-            </a:r>
-            <a:r>
-              <a:rPr lang="ru-RU" sz="1200" dirty="0" err="1">
-                <a:solidFill>
-                  <a:srgbClr val="003E82"/>
-                </a:solidFill>
-                <a:latin typeface="Arial" charset="0"/>
-                <a:ea typeface="Arial" charset="0"/>
-                <a:cs typeface="Arial" charset="0"/>
-              </a:rPr>
-              <a:t>Database</a:t>
-            </a:r>
-            <a:r>
-              <a:rPr lang="ru-RU" sz="1200" dirty="0">
-                <a:solidFill>
-                  <a:srgbClr val="003E82"/>
-                </a:solidFill>
-                <a:latin typeface="Arial" charset="0"/>
-                <a:ea typeface="Arial" charset="0"/>
-                <a:cs typeface="Arial" charset="0"/>
-              </a:rPr>
-              <a:t> </a:t>
-            </a:r>
-            <a:r>
-              <a:rPr lang="ru-RU" sz="1200" dirty="0" err="1">
-                <a:solidFill>
-                  <a:srgbClr val="003E82"/>
-                </a:solidFill>
-                <a:latin typeface="Arial" charset="0"/>
-                <a:ea typeface="Arial" charset="0"/>
-                <a:cs typeface="Arial" charset="0"/>
-              </a:rPr>
-              <a:t>Programming</a:t>
-            </a:r>
-            <a:r>
-              <a:rPr lang="ru-RU" sz="1200" dirty="0">
-                <a:solidFill>
-                  <a:srgbClr val="003E82"/>
-                </a:solidFill>
-                <a:latin typeface="Arial" charset="0"/>
-                <a:ea typeface="Arial" charset="0"/>
-                <a:cs typeface="Arial" charset="0"/>
-              </a:rPr>
-              <a:t>. — UK.: </a:t>
-            </a:r>
-            <a:r>
-              <a:rPr lang="ru-RU" sz="1200" dirty="0" err="1">
-                <a:solidFill>
-                  <a:srgbClr val="003E82"/>
-                </a:solidFill>
-                <a:latin typeface="Arial" charset="0"/>
-                <a:ea typeface="Arial" charset="0"/>
-                <a:cs typeface="Arial" charset="0"/>
-              </a:rPr>
-              <a:t>Packt</a:t>
-            </a:r>
-            <a:r>
-              <a:rPr lang="ru-RU" sz="1200" dirty="0">
-                <a:solidFill>
-                  <a:srgbClr val="003E82"/>
-                </a:solidFill>
-                <a:latin typeface="Arial" charset="0"/>
-                <a:ea typeface="Arial" charset="0"/>
-                <a:cs typeface="Arial" charset="0"/>
-              </a:rPr>
-              <a:t>, 2017. — 212 с</a:t>
-            </a:r>
-            <a:r>
-              <a:rPr lang="ru-RU" sz="1200" dirty="0" smtClean="0">
-                <a:solidFill>
-                  <a:srgbClr val="003E82"/>
-                </a:solidFill>
-                <a:latin typeface="Arial" charset="0"/>
-                <a:ea typeface="Arial" charset="0"/>
-                <a:cs typeface="Arial" charset="0"/>
-              </a:rPr>
-              <a:t>.</a:t>
-            </a:r>
-            <a:endParaRPr lang="ru-RU" sz="1200" dirty="0">
-              <a:solidFill>
-                <a:srgbClr val="003E82"/>
-              </a:solidFill>
-              <a:latin typeface="Arial" charset="0"/>
-              <a:ea typeface="Arial" charset="0"/>
-              <a:cs typeface="Arial" charset="0"/>
-            </a:endParaRPr>
-          </a:p>
-          <a:p>
-            <a:pPr marL="342900" indent="-342900" algn="just">
-              <a:buFont typeface="+mj-lt"/>
-              <a:buAutoNum type="arabicPeriod"/>
-            </a:pPr>
-            <a:r>
-              <a:rPr lang="en-US" sz="1200" dirty="0" err="1">
-                <a:solidFill>
-                  <a:srgbClr val="003E82"/>
-                </a:solidFill>
-                <a:latin typeface="Arial" charset="0"/>
-                <a:ea typeface="Arial" charset="0"/>
-                <a:cs typeface="Arial" charset="0"/>
-              </a:rPr>
-              <a:t>Schildt</a:t>
-            </a:r>
-            <a:r>
-              <a:rPr lang="en-US" sz="1200" dirty="0">
-                <a:solidFill>
-                  <a:srgbClr val="003E82"/>
-                </a:solidFill>
-                <a:latin typeface="Arial" charset="0"/>
-                <a:ea typeface="Arial" charset="0"/>
-                <a:cs typeface="Arial" charset="0"/>
-              </a:rPr>
-              <a:t> H. Java: The Complete Reference, Ninth Edition. — UK.: Oracle Press, 2017. — 1376 </a:t>
-            </a:r>
-            <a:r>
-              <a:rPr lang="ru-RU" sz="1200" dirty="0">
-                <a:solidFill>
-                  <a:srgbClr val="003E82"/>
-                </a:solidFill>
-                <a:latin typeface="Arial" charset="0"/>
-                <a:ea typeface="Arial" charset="0"/>
-                <a:cs typeface="Arial" charset="0"/>
-              </a:rPr>
-              <a:t>с</a:t>
-            </a:r>
-            <a:r>
-              <a:rPr lang="en-US" sz="1200" dirty="0" smtClean="0">
-                <a:solidFill>
-                  <a:srgbClr val="003E82"/>
-                </a:solidFill>
-                <a:latin typeface="Arial" charset="0"/>
-                <a:ea typeface="Arial" charset="0"/>
-                <a:cs typeface="Arial" charset="0"/>
-              </a:rPr>
-              <a:t>.</a:t>
-            </a:r>
-            <a:endParaRPr lang="ru-RU" sz="1200" dirty="0">
-              <a:solidFill>
-                <a:srgbClr val="003E82"/>
-              </a:solidFill>
-              <a:latin typeface="Arial" charset="0"/>
-              <a:ea typeface="Arial" charset="0"/>
-              <a:cs typeface="Arial" charset="0"/>
-            </a:endParaRPr>
-          </a:p>
-          <a:p>
-            <a:pPr marL="342900" lvl="0" indent="-342900" algn="just">
-              <a:buFont typeface="+mj-lt"/>
-              <a:buAutoNum type="arabicPeriod"/>
-            </a:pPr>
-            <a:r>
-              <a:rPr lang="ru-RU" sz="1200" dirty="0" err="1">
-                <a:solidFill>
-                  <a:srgbClr val="003E82"/>
-                </a:solidFill>
-                <a:latin typeface="Arial" charset="0"/>
-                <a:ea typeface="Arial" charset="0"/>
-                <a:cs typeface="Arial" charset="0"/>
-              </a:rPr>
-              <a:t>The</a:t>
-            </a:r>
-            <a:r>
-              <a:rPr lang="ru-RU" sz="1200" dirty="0">
-                <a:solidFill>
-                  <a:srgbClr val="003E82"/>
-                </a:solidFill>
-                <a:latin typeface="Arial" charset="0"/>
-                <a:ea typeface="Arial" charset="0"/>
-                <a:cs typeface="Arial" charset="0"/>
-              </a:rPr>
-              <a:t> </a:t>
-            </a:r>
-            <a:r>
-              <a:rPr lang="ru-RU" sz="1200" dirty="0" err="1">
-                <a:solidFill>
-                  <a:srgbClr val="003E82"/>
-                </a:solidFill>
-                <a:latin typeface="Arial" charset="0"/>
-                <a:ea typeface="Arial" charset="0"/>
-                <a:cs typeface="Arial" charset="0"/>
-              </a:rPr>
-              <a:t>Busy</a:t>
-            </a:r>
-            <a:r>
-              <a:rPr lang="ru-RU" sz="1200" dirty="0">
-                <a:solidFill>
-                  <a:srgbClr val="003E82"/>
-                </a:solidFill>
-                <a:latin typeface="Arial" charset="0"/>
-                <a:ea typeface="Arial" charset="0"/>
-                <a:cs typeface="Arial" charset="0"/>
-              </a:rPr>
-              <a:t> </a:t>
-            </a:r>
-            <a:r>
-              <a:rPr lang="ru-RU" sz="1200" dirty="0" err="1">
-                <a:solidFill>
-                  <a:srgbClr val="003E82"/>
-                </a:solidFill>
-                <a:latin typeface="Arial" charset="0"/>
-                <a:ea typeface="Arial" charset="0"/>
-                <a:cs typeface="Arial" charset="0"/>
-              </a:rPr>
-              <a:t>Coder's</a:t>
-            </a:r>
-            <a:r>
-              <a:rPr lang="ru-RU" sz="1200" dirty="0">
-                <a:solidFill>
-                  <a:srgbClr val="003E82"/>
-                </a:solidFill>
-                <a:latin typeface="Arial" charset="0"/>
-                <a:ea typeface="Arial" charset="0"/>
-                <a:cs typeface="Arial" charset="0"/>
-              </a:rPr>
-              <a:t> </a:t>
-            </a:r>
-            <a:r>
-              <a:rPr lang="ru-RU" sz="1200" dirty="0" err="1">
-                <a:solidFill>
-                  <a:srgbClr val="003E82"/>
-                </a:solidFill>
-                <a:latin typeface="Arial" charset="0"/>
-                <a:ea typeface="Arial" charset="0"/>
-                <a:cs typeface="Arial" charset="0"/>
-              </a:rPr>
-              <a:t>Guide</a:t>
-            </a:r>
-            <a:r>
-              <a:rPr lang="ru-RU" sz="1200" dirty="0">
-                <a:solidFill>
-                  <a:srgbClr val="003E82"/>
-                </a:solidFill>
-                <a:latin typeface="Arial" charset="0"/>
-                <a:ea typeface="Arial" charset="0"/>
-                <a:cs typeface="Arial" charset="0"/>
-              </a:rPr>
-              <a:t> </a:t>
-            </a:r>
-            <a:r>
-              <a:rPr lang="ru-RU" sz="1200" dirty="0" err="1">
-                <a:solidFill>
-                  <a:srgbClr val="003E82"/>
-                </a:solidFill>
-                <a:latin typeface="Arial" charset="0"/>
-                <a:ea typeface="Arial" charset="0"/>
-                <a:cs typeface="Arial" charset="0"/>
-              </a:rPr>
-              <a:t>to</a:t>
-            </a:r>
-            <a:r>
-              <a:rPr lang="ru-RU" sz="1200" dirty="0">
-                <a:solidFill>
-                  <a:srgbClr val="003E82"/>
-                </a:solidFill>
-                <a:latin typeface="Arial" charset="0"/>
-                <a:ea typeface="Arial" charset="0"/>
-                <a:cs typeface="Arial" charset="0"/>
-              </a:rPr>
-              <a:t> Android </a:t>
-            </a:r>
-            <a:r>
-              <a:rPr lang="ru-RU" sz="1200" dirty="0" err="1">
-                <a:solidFill>
-                  <a:srgbClr val="003E82"/>
-                </a:solidFill>
-                <a:latin typeface="Arial" charset="0"/>
-                <a:ea typeface="Arial" charset="0"/>
-                <a:cs typeface="Arial" charset="0"/>
-              </a:rPr>
-              <a:t>Development</a:t>
-            </a:r>
-            <a:r>
-              <a:rPr lang="ru-RU" sz="1200" dirty="0">
-                <a:solidFill>
-                  <a:srgbClr val="003E82"/>
-                </a:solidFill>
-                <a:latin typeface="Arial" charset="0"/>
-                <a:ea typeface="Arial" charset="0"/>
-                <a:cs typeface="Arial" charset="0"/>
-              </a:rPr>
-              <a:t>: [Электронный ресурс]. М., 2011-2017. URL: </a:t>
-            </a:r>
-            <a:r>
-              <a:rPr lang="ru-RU" sz="1200" dirty="0" err="1">
-                <a:solidFill>
-                  <a:srgbClr val="003E82"/>
-                </a:solidFill>
-                <a:latin typeface="Arial" charset="0"/>
-                <a:ea typeface="Arial" charset="0"/>
-                <a:cs typeface="Arial" charset="0"/>
-              </a:rPr>
-              <a:t>https</a:t>
-            </a:r>
-            <a:r>
-              <a:rPr lang="ru-RU" sz="1200" dirty="0">
-                <a:solidFill>
-                  <a:srgbClr val="003E82"/>
-                </a:solidFill>
-                <a:latin typeface="Arial" charset="0"/>
-                <a:ea typeface="Arial" charset="0"/>
-                <a:cs typeface="Arial" charset="0"/>
-              </a:rPr>
-              <a:t>://</a:t>
-            </a:r>
-            <a:r>
-              <a:rPr lang="ru-RU" sz="1200" dirty="0" err="1">
-                <a:solidFill>
-                  <a:srgbClr val="003E82"/>
-                </a:solidFill>
-                <a:latin typeface="Arial" charset="0"/>
-                <a:ea typeface="Arial" charset="0"/>
-                <a:cs typeface="Arial" charset="0"/>
-              </a:rPr>
-              <a:t>commonsware.com</a:t>
-            </a:r>
-            <a:r>
-              <a:rPr lang="ru-RU" sz="1200" dirty="0">
-                <a:solidFill>
-                  <a:srgbClr val="003E82"/>
-                </a:solidFill>
-                <a:latin typeface="Arial" charset="0"/>
-                <a:ea typeface="Arial" charset="0"/>
-                <a:cs typeface="Arial" charset="0"/>
-              </a:rPr>
-              <a:t>/Android/. (Дата обращения: 18.10.2017).</a:t>
-            </a:r>
-          </a:p>
-          <a:p>
-            <a:pPr marL="342900" lvl="0" indent="-342900" algn="just">
-              <a:buFont typeface="+mj-lt"/>
-              <a:buAutoNum type="arabicPeriod"/>
-            </a:pPr>
-            <a:r>
-              <a:rPr lang="en-US" sz="1200" dirty="0" err="1" smtClean="0">
-                <a:solidFill>
-                  <a:srgbClr val="003E82"/>
-                </a:solidFill>
-                <a:latin typeface="Arial" charset="0"/>
-                <a:ea typeface="Arial" charset="0"/>
-                <a:cs typeface="Arial" charset="0"/>
-              </a:rPr>
-              <a:t>Urma</a:t>
-            </a:r>
-            <a:r>
-              <a:rPr lang="en-US" sz="1200" dirty="0" smtClean="0">
-                <a:solidFill>
-                  <a:srgbClr val="003E82"/>
-                </a:solidFill>
-                <a:latin typeface="Arial" charset="0"/>
-                <a:ea typeface="Arial" charset="0"/>
-                <a:cs typeface="Arial" charset="0"/>
-              </a:rPr>
-              <a:t> </a:t>
-            </a:r>
-            <a:r>
-              <a:rPr lang="en-US" sz="1200" dirty="0">
-                <a:solidFill>
-                  <a:srgbClr val="003E82"/>
-                </a:solidFill>
-                <a:latin typeface="Arial" charset="0"/>
-                <a:ea typeface="Arial" charset="0"/>
-                <a:cs typeface="Arial" charset="0"/>
-              </a:rPr>
-              <a:t>R., Fusco M., Mycroft A. Java 8 &amp; 9 in Action, Second Edition. — UK.: Manning, 2017. — 550 </a:t>
-            </a:r>
-            <a:r>
-              <a:rPr lang="ru-RU" sz="1200" dirty="0">
-                <a:solidFill>
-                  <a:srgbClr val="003E82"/>
-                </a:solidFill>
-                <a:latin typeface="Arial" charset="0"/>
-                <a:ea typeface="Arial" charset="0"/>
-                <a:cs typeface="Arial" charset="0"/>
-              </a:rPr>
-              <a:t>с</a:t>
-            </a:r>
-            <a:r>
-              <a:rPr lang="en-US" sz="1200" dirty="0">
-                <a:solidFill>
-                  <a:srgbClr val="003E82"/>
-                </a:solidFill>
-                <a:latin typeface="Arial" charset="0"/>
-                <a:ea typeface="Arial" charset="0"/>
-                <a:cs typeface="Arial" charset="0"/>
-              </a:rPr>
-              <a:t>.</a:t>
-            </a:r>
-            <a:endParaRPr lang="ru-RU" sz="1200" dirty="0">
-              <a:solidFill>
-                <a:srgbClr val="003E82"/>
-              </a:solidFill>
-              <a:latin typeface="Arial" charset="0"/>
-              <a:ea typeface="Arial" charset="0"/>
-              <a:cs typeface="Arial" charset="0"/>
-            </a:endParaRPr>
-          </a:p>
-          <a:p>
-            <a:pPr marL="342900" indent="-342900" algn="just">
-              <a:lnSpc>
-                <a:spcPct val="100000"/>
-              </a:lnSpc>
-              <a:spcBef>
-                <a:spcPts val="5"/>
-              </a:spcBef>
-              <a:buFont typeface="+mj-lt"/>
-              <a:buAutoNum type="arabicPeriod"/>
-            </a:pPr>
-            <a:endParaRPr sz="1250" dirty="0">
-              <a:solidFill>
-                <a:srgbClr val="0070C0"/>
-              </a:solidFill>
-              <a:latin typeface="Times New Roman"/>
-              <a:cs typeface="Times New Roman"/>
-            </a:endParaRPr>
-          </a:p>
-        </p:txBody>
-      </p:sp>
-      <p:sp>
-        <p:nvSpPr>
-          <p:cNvPr id="6" name="object 11"/>
-          <p:cNvSpPr txBox="1">
-            <a:spLocks noGrp="1"/>
-          </p:cNvSpPr>
-          <p:nvPr>
-            <p:ph type="ftr" sz="quarter" idx="5"/>
-          </p:nvPr>
-        </p:nvSpPr>
-        <p:spPr>
-          <a:xfrm>
-            <a:off x="334467" y="6456293"/>
-            <a:ext cx="1951355" cy="126317"/>
-          </a:xfrm>
-          <a:prstGeom prst="rect">
-            <a:avLst/>
-          </a:prstGeom>
-        </p:spPr>
-        <p:txBody>
-          <a:bodyPr vert="horz" wrap="square" lIns="0" tIns="3175" rIns="0" bIns="0" rtlCol="0">
-            <a:spAutoFit/>
-          </a:bodyPr>
-          <a:lstStyle/>
-          <a:p>
-            <a:pPr marL="12700">
-              <a:lnSpc>
-                <a:spcPct val="100000"/>
-              </a:lnSpc>
-              <a:spcBef>
-                <a:spcPts val="25"/>
-              </a:spcBef>
-            </a:pPr>
-            <a:r>
-              <a:rPr dirty="0"/>
-              <a:t>Высшая </a:t>
-            </a:r>
-            <a:r>
-              <a:rPr spc="-5" dirty="0"/>
-              <a:t>школа экономики, Москва,</a:t>
-            </a:r>
-            <a:r>
-              <a:rPr spc="10" dirty="0"/>
-              <a:t> </a:t>
-            </a:r>
-            <a:r>
-              <a:rPr spc="-5" dirty="0" smtClean="0"/>
-              <a:t>201</a:t>
-            </a:r>
-            <a:r>
-              <a:rPr lang="ru-RU" spc="-5" dirty="0" smtClean="0"/>
-              <a:t>7</a:t>
-            </a:r>
-            <a:endParaRPr spc="-5" dirty="0"/>
-          </a:p>
-        </p:txBody>
-      </p:sp>
-    </p:spTree>
-    <p:extLst>
-      <p:ext uri="{BB962C8B-B14F-4D97-AF65-F5344CB8AC3E}">
-        <p14:creationId xmlns:p14="http://schemas.microsoft.com/office/powerpoint/2010/main" val="857290689"/>
       </p:ext>
     </p:extLst>
   </p:cSld>
